--- a/StreamZ_Apresentation4.pptx
+++ b/StreamZ_Apresentation4.pptx
@@ -5265,6 +5265,41 @@
           </a:p>
         </p:txBody>
       </p:sp>
+      <p:pic>
+        <p:nvPicPr>
+          <p:cNvPr id="16" name="Imagem 15">
+            <a:extLst>
+              <a:ext uri="{FF2B5EF4-FFF2-40B4-BE49-F238E27FC236}">
+                <a16:creationId xmlns:a16="http://schemas.microsoft.com/office/drawing/2014/main" id="{5C7ABC6E-E6AE-4BFA-9C4B-2A3113750E53}"/>
+              </a:ext>
+            </a:extLst>
+          </p:cNvPr>
+          <p:cNvPicPr>
+            <a:picLocks noChangeAspect="1"/>
+          </p:cNvPicPr>
+          <p:nvPr/>
+        </p:nvPicPr>
+        <p:blipFill rotWithShape="1">
+          <a:blip r:embed="rId8">
+            <a:extLst>
+              <a:ext uri="{28A0092B-C50C-407E-A947-70E740481C1C}">
+                <a14:useLocalDpi xmlns:a14="http://schemas.microsoft.com/office/drawing/2010/main" val="0"/>
+              </a:ext>
+            </a:extLst>
+          </a:blip>
+          <a:srcRect r="39904"/>
+          <a:stretch/>
+        </p:blipFill>
+        <p:spPr>
+          <a:xfrm>
+            <a:off x="1097280" y="6500189"/>
+            <a:ext cx="1406360" cy="312685"/>
+          </a:xfrm>
+          <a:prstGeom prst="rect">
+            <a:avLst/>
+          </a:prstGeom>
+        </p:spPr>
+      </p:pic>
     </p:spTree>
     <p:extLst>
       <p:ext uri="{BB962C8B-B14F-4D97-AF65-F5344CB8AC3E}">
@@ -5563,8 +5598,8 @@
         </p:nvSpPr>
         <p:spPr>
           <a:xfrm>
-            <a:off x="9515696" y="5940414"/>
-            <a:ext cx="1664841" cy="338554"/>
+            <a:off x="9312676" y="5940414"/>
+            <a:ext cx="1867861" cy="338554"/>
           </a:xfrm>
           <a:prstGeom prst="rect">
             <a:avLst/>
@@ -5578,8 +5613,8 @@
           <a:lstStyle/>
           <a:p>
             <a:r>
-              <a:rPr lang="pt-PT" sz="1600" dirty="0" err="1"/>
-              <a:t>SortingManager.c</a:t>
+              <a:rPr lang="pt-PT" sz="1600" dirty="0"/>
+              <a:t>SortingManager.cpp</a:t>
             </a:r>
             <a:endParaRPr lang="en-GB" dirty="0"/>
           </a:p>
@@ -5645,7 +5680,7 @@
             </a:pPr>
             <a:r>
               <a:rPr lang="pt-PT" dirty="0"/>
-              <a:t>Permite ordenar pesquisas costumizadas enviando vetor com dados.</a:t>
+              <a:t>Permite ordenar valores costumizadas enviando vetor com dados.</a:t>
             </a:r>
           </a:p>
           <a:p>
@@ -5730,6 +5765,41 @@
           </a:p>
         </p:txBody>
       </p:sp>
+      <p:pic>
+        <p:nvPicPr>
+          <p:cNvPr id="14" name="Imagem 13">
+            <a:extLst>
+              <a:ext uri="{FF2B5EF4-FFF2-40B4-BE49-F238E27FC236}">
+                <a16:creationId xmlns:a16="http://schemas.microsoft.com/office/drawing/2014/main" id="{193E46F9-80BD-4FDE-B3A9-BF9A8166FD8B}"/>
+              </a:ext>
+            </a:extLst>
+          </p:cNvPr>
+          <p:cNvPicPr>
+            <a:picLocks noChangeAspect="1"/>
+          </p:cNvPicPr>
+          <p:nvPr/>
+        </p:nvPicPr>
+        <p:blipFill rotWithShape="1">
+          <a:blip r:embed="rId6">
+            <a:extLst>
+              <a:ext uri="{28A0092B-C50C-407E-A947-70E740481C1C}">
+                <a14:useLocalDpi xmlns:a14="http://schemas.microsoft.com/office/drawing/2010/main" val="0"/>
+              </a:ext>
+            </a:extLst>
+          </a:blip>
+          <a:srcRect r="39904"/>
+          <a:stretch/>
+        </p:blipFill>
+        <p:spPr>
+          <a:xfrm>
+            <a:off x="1097280" y="6500189"/>
+            <a:ext cx="1406360" cy="312685"/>
+          </a:xfrm>
+          <a:prstGeom prst="rect">
+            <a:avLst/>
+          </a:prstGeom>
+        </p:spPr>
+      </p:pic>
     </p:spTree>
     <p:extLst>
       <p:ext uri="{BB962C8B-B14F-4D97-AF65-F5344CB8AC3E}">
@@ -5868,7 +5938,7 @@
         </p:nvSpPr>
         <p:spPr>
           <a:xfrm>
-            <a:off x="9515696" y="3363178"/>
+            <a:off x="9335776" y="3729240"/>
             <a:ext cx="1758944" cy="369332"/>
           </a:xfrm>
           <a:prstGeom prst="rect">
@@ -5908,7 +5978,7 @@
         </p:nvSpPr>
         <p:spPr>
           <a:xfrm>
-            <a:off x="9515696" y="5940414"/>
+            <a:off x="9724049" y="5959636"/>
             <a:ext cx="1664841" cy="338554"/>
           </a:xfrm>
           <a:prstGeom prst="rect">
@@ -5923,8 +5993,8 @@
           <a:lstStyle/>
           <a:p>
             <a:r>
-              <a:rPr lang="pt-PT" sz="1600" dirty="0" err="1"/>
-              <a:t>SortingManager.c</a:t>
+              <a:rPr lang="pt-PT" sz="1600" dirty="0"/>
+              <a:t>AdminOps.cpp</a:t>
             </a:r>
             <a:endParaRPr lang="en-GB" dirty="0"/>
           </a:p>
@@ -6075,6 +6145,71 @@
           </a:p>
         </p:txBody>
       </p:sp>
+      <p:pic>
+        <p:nvPicPr>
+          <p:cNvPr id="7" name="Imagem 6">
+            <a:extLst>
+              <a:ext uri="{FF2B5EF4-FFF2-40B4-BE49-F238E27FC236}">
+                <a16:creationId xmlns:a16="http://schemas.microsoft.com/office/drawing/2014/main" id="{F792557B-E72C-4265-BC01-A8B90EA578C5}"/>
+              </a:ext>
+            </a:extLst>
+          </p:cNvPr>
+          <p:cNvPicPr>
+            <a:picLocks noChangeAspect="1"/>
+          </p:cNvPicPr>
+          <p:nvPr/>
+        </p:nvPicPr>
+        <p:blipFill rotWithShape="1">
+          <a:blip r:embed="rId2">
+            <a:extLst>
+              <a:ext uri="{28A0092B-C50C-407E-A947-70E740481C1C}">
+                <a14:useLocalDpi xmlns:a14="http://schemas.microsoft.com/office/drawing/2010/main" val="0"/>
+              </a:ext>
+            </a:extLst>
+          </a:blip>
+          <a:srcRect r="39904"/>
+          <a:stretch/>
+        </p:blipFill>
+        <p:spPr>
+          <a:xfrm>
+            <a:off x="1097280" y="6500189"/>
+            <a:ext cx="1406360" cy="312685"/>
+          </a:xfrm>
+          <a:prstGeom prst="rect">
+            <a:avLst/>
+          </a:prstGeom>
+        </p:spPr>
+      </p:pic>
+      <p:pic>
+        <p:nvPicPr>
+          <p:cNvPr id="9" name="Imagem 8">
+            <a:extLst>
+              <a:ext uri="{FF2B5EF4-FFF2-40B4-BE49-F238E27FC236}">
+                <a16:creationId xmlns:a16="http://schemas.microsoft.com/office/drawing/2014/main" id="{DCD2B57F-BB63-43A4-A7B8-C7033EFE0EAA}"/>
+              </a:ext>
+            </a:extLst>
+          </p:cNvPr>
+          <p:cNvPicPr>
+            <a:picLocks noChangeAspect="1"/>
+          </p:cNvPicPr>
+          <p:nvPr/>
+        </p:nvPicPr>
+        <p:blipFill>
+          <a:blip r:embed="rId3"/>
+          <a:stretch>
+            <a:fillRect/>
+          </a:stretch>
+        </p:blipFill>
+        <p:spPr>
+          <a:xfrm>
+            <a:off x="5672831" y="4147012"/>
+            <a:ext cx="5421889" cy="1815703"/>
+          </a:xfrm>
+          <a:prstGeom prst="rect">
+            <a:avLst/>
+          </a:prstGeom>
+        </p:spPr>
+      </p:pic>
     </p:spTree>
     <p:extLst>
       <p:ext uri="{BB962C8B-B14F-4D97-AF65-F5344CB8AC3E}">
@@ -6407,6 +6542,41 @@
           </a:p>
         </p:txBody>
       </p:sp>
+      <p:pic>
+        <p:nvPicPr>
+          <p:cNvPr id="7" name="Imagem 6">
+            <a:extLst>
+              <a:ext uri="{FF2B5EF4-FFF2-40B4-BE49-F238E27FC236}">
+                <a16:creationId xmlns:a16="http://schemas.microsoft.com/office/drawing/2014/main" id="{95C51A54-AF96-43E2-9C50-EFB3428A2FB4}"/>
+              </a:ext>
+            </a:extLst>
+          </p:cNvPr>
+          <p:cNvPicPr>
+            <a:picLocks noChangeAspect="1"/>
+          </p:cNvPicPr>
+          <p:nvPr/>
+        </p:nvPicPr>
+        <p:blipFill rotWithShape="1">
+          <a:blip r:embed="rId2">
+            <a:extLst>
+              <a:ext uri="{28A0092B-C50C-407E-A947-70E740481C1C}">
+                <a14:useLocalDpi xmlns:a14="http://schemas.microsoft.com/office/drawing/2010/main" val="0"/>
+              </a:ext>
+            </a:extLst>
+          </a:blip>
+          <a:srcRect r="39904"/>
+          <a:stretch/>
+        </p:blipFill>
+        <p:spPr>
+          <a:xfrm>
+            <a:off x="1097280" y="6500189"/>
+            <a:ext cx="1406360" cy="312685"/>
+          </a:xfrm>
+          <a:prstGeom prst="rect">
+            <a:avLst/>
+          </a:prstGeom>
+        </p:spPr>
+      </p:pic>
     </p:spTree>
     <p:extLst>
       <p:ext uri="{BB962C8B-B14F-4D97-AF65-F5344CB8AC3E}">
@@ -6973,6 +7143,41 @@
           </a:p>
         </p:txBody>
       </p:sp>
+      <p:pic>
+        <p:nvPicPr>
+          <p:cNvPr id="8" name="Imagem 7">
+            <a:extLst>
+              <a:ext uri="{FF2B5EF4-FFF2-40B4-BE49-F238E27FC236}">
+                <a16:creationId xmlns:a16="http://schemas.microsoft.com/office/drawing/2014/main" id="{2C045126-3B04-447A-86EB-03BCA3D32BCD}"/>
+              </a:ext>
+            </a:extLst>
+          </p:cNvPr>
+          <p:cNvPicPr>
+            <a:picLocks noChangeAspect="1"/>
+          </p:cNvPicPr>
+          <p:nvPr/>
+        </p:nvPicPr>
+        <p:blipFill rotWithShape="1">
+          <a:blip r:embed="rId2">
+            <a:extLst>
+              <a:ext uri="{28A0092B-C50C-407E-A947-70E740481C1C}">
+                <a14:useLocalDpi xmlns:a14="http://schemas.microsoft.com/office/drawing/2010/main" val="0"/>
+              </a:ext>
+            </a:extLst>
+          </a:blip>
+          <a:srcRect r="39904"/>
+          <a:stretch/>
+        </p:blipFill>
+        <p:spPr>
+          <a:xfrm>
+            <a:off x="1097280" y="6500189"/>
+            <a:ext cx="1406360" cy="312685"/>
+          </a:xfrm>
+          <a:prstGeom prst="rect">
+            <a:avLst/>
+          </a:prstGeom>
+        </p:spPr>
+      </p:pic>
     </p:spTree>
     <p:extLst>
       <p:ext uri="{BB962C8B-B14F-4D97-AF65-F5344CB8AC3E}">
@@ -7493,7 +7698,7 @@
         </p:blipFill>
         <p:spPr>
           <a:xfrm>
-            <a:off x="1649212" y="4016514"/>
+            <a:off x="1624346" y="4054094"/>
             <a:ext cx="1065276" cy="1065276"/>
           </a:xfrm>
           <a:prstGeom prst="rect">
@@ -7848,7 +8053,7 @@
         </p:blipFill>
         <p:spPr>
           <a:xfrm>
-            <a:off x="1895389" y="4948060"/>
+            <a:off x="1895389" y="5036840"/>
             <a:ext cx="523190" cy="523190"/>
           </a:xfrm>
           <a:prstGeom prst="rect">
@@ -7926,7 +8131,7 @@
         </p:blipFill>
         <p:spPr>
           <a:xfrm>
-            <a:off x="3770722" y="5068186"/>
+            <a:off x="3770722" y="5059308"/>
             <a:ext cx="503888" cy="503888"/>
           </a:xfrm>
           <a:prstGeom prst="rect">
@@ -7991,6 +8196,41 @@
           </a:p>
         </p:txBody>
       </p:sp>
+      <p:pic>
+        <p:nvPicPr>
+          <p:cNvPr id="23" name="Imagem 22">
+            <a:extLst>
+              <a:ext uri="{FF2B5EF4-FFF2-40B4-BE49-F238E27FC236}">
+                <a16:creationId xmlns:a16="http://schemas.microsoft.com/office/drawing/2014/main" id="{A116DC69-2051-4A8C-9BBF-26CDDF0582A9}"/>
+              </a:ext>
+            </a:extLst>
+          </p:cNvPr>
+          <p:cNvPicPr>
+            <a:picLocks noChangeAspect="1"/>
+          </p:cNvPicPr>
+          <p:nvPr/>
+        </p:nvPicPr>
+        <p:blipFill rotWithShape="1">
+          <a:blip r:embed="rId22">
+            <a:extLst>
+              <a:ext uri="{28A0092B-C50C-407E-A947-70E740481C1C}">
+                <a14:useLocalDpi xmlns:a14="http://schemas.microsoft.com/office/drawing/2010/main" val="0"/>
+              </a:ext>
+            </a:extLst>
+          </a:blip>
+          <a:srcRect r="39904"/>
+          <a:stretch/>
+        </p:blipFill>
+        <p:spPr>
+          <a:xfrm>
+            <a:off x="1097280" y="6500189"/>
+            <a:ext cx="1406360" cy="312685"/>
+          </a:xfrm>
+          <a:prstGeom prst="rect">
+            <a:avLst/>
+          </a:prstGeom>
+        </p:spPr>
+      </p:pic>
     </p:spTree>
     <p:extLst>
       <p:ext uri="{BB962C8B-B14F-4D97-AF65-F5344CB8AC3E}">
@@ -9288,6 +9528,41 @@
           </a:p>
         </p:txBody>
       </p:sp>
+      <p:pic>
+        <p:nvPicPr>
+          <p:cNvPr id="34" name="Imagem 33">
+            <a:extLst>
+              <a:ext uri="{FF2B5EF4-FFF2-40B4-BE49-F238E27FC236}">
+                <a16:creationId xmlns:a16="http://schemas.microsoft.com/office/drawing/2014/main" id="{5D93E762-D0C1-40F0-A91A-C7640AD8F95D}"/>
+              </a:ext>
+            </a:extLst>
+          </p:cNvPr>
+          <p:cNvPicPr>
+            <a:picLocks noChangeAspect="1"/>
+          </p:cNvPicPr>
+          <p:nvPr/>
+        </p:nvPicPr>
+        <p:blipFill rotWithShape="1">
+          <a:blip r:embed="rId2">
+            <a:extLst>
+              <a:ext uri="{28A0092B-C50C-407E-A947-70E740481C1C}">
+                <a14:useLocalDpi xmlns:a14="http://schemas.microsoft.com/office/drawing/2010/main" val="0"/>
+              </a:ext>
+            </a:extLst>
+          </a:blip>
+          <a:srcRect r="39904"/>
+          <a:stretch/>
+        </p:blipFill>
+        <p:spPr>
+          <a:xfrm>
+            <a:off x="1097280" y="6500189"/>
+            <a:ext cx="1406360" cy="312685"/>
+          </a:xfrm>
+          <a:prstGeom prst="rect">
+            <a:avLst/>
+          </a:prstGeom>
+        </p:spPr>
+      </p:pic>
     </p:spTree>
     <p:extLst>
       <p:ext uri="{BB962C8B-B14F-4D97-AF65-F5344CB8AC3E}">
@@ -10172,6 +10447,41 @@
           </a:p>
         </p:txBody>
       </p:sp>
+      <p:pic>
+        <p:nvPicPr>
+          <p:cNvPr id="23" name="Imagem 22">
+            <a:extLst>
+              <a:ext uri="{FF2B5EF4-FFF2-40B4-BE49-F238E27FC236}">
+                <a16:creationId xmlns:a16="http://schemas.microsoft.com/office/drawing/2014/main" id="{0F1FEA8A-B984-43A0-87B5-A743003B070A}"/>
+              </a:ext>
+            </a:extLst>
+          </p:cNvPr>
+          <p:cNvPicPr>
+            <a:picLocks noChangeAspect="1"/>
+          </p:cNvPicPr>
+          <p:nvPr/>
+        </p:nvPicPr>
+        <p:blipFill rotWithShape="1">
+          <a:blip r:embed="rId2">
+            <a:extLst>
+              <a:ext uri="{28A0092B-C50C-407E-A947-70E740481C1C}">
+                <a14:useLocalDpi xmlns:a14="http://schemas.microsoft.com/office/drawing/2010/main" val="0"/>
+              </a:ext>
+            </a:extLst>
+          </a:blip>
+          <a:srcRect r="39904"/>
+          <a:stretch/>
+        </p:blipFill>
+        <p:spPr>
+          <a:xfrm>
+            <a:off x="1097280" y="6500189"/>
+            <a:ext cx="1406360" cy="312685"/>
+          </a:xfrm>
+          <a:prstGeom prst="rect">
+            <a:avLst/>
+          </a:prstGeom>
+        </p:spPr>
+      </p:pic>
     </p:spTree>
     <p:extLst>
       <p:ext uri="{BB962C8B-B14F-4D97-AF65-F5344CB8AC3E}">
@@ -10384,6 +10694,41 @@
           </a:p>
         </p:txBody>
       </p:sp>
+      <p:pic>
+        <p:nvPicPr>
+          <p:cNvPr id="7" name="Imagem 6">
+            <a:extLst>
+              <a:ext uri="{FF2B5EF4-FFF2-40B4-BE49-F238E27FC236}">
+                <a16:creationId xmlns:a16="http://schemas.microsoft.com/office/drawing/2014/main" id="{077EA9FF-503E-4C56-BAEE-1262EE980BD6}"/>
+              </a:ext>
+            </a:extLst>
+          </p:cNvPr>
+          <p:cNvPicPr>
+            <a:picLocks noChangeAspect="1"/>
+          </p:cNvPicPr>
+          <p:nvPr/>
+        </p:nvPicPr>
+        <p:blipFill rotWithShape="1">
+          <a:blip r:embed="rId2">
+            <a:extLst>
+              <a:ext uri="{28A0092B-C50C-407E-A947-70E740481C1C}">
+                <a14:useLocalDpi xmlns:a14="http://schemas.microsoft.com/office/drawing/2010/main" val="0"/>
+              </a:ext>
+            </a:extLst>
+          </a:blip>
+          <a:srcRect r="39904"/>
+          <a:stretch/>
+        </p:blipFill>
+        <p:spPr>
+          <a:xfrm>
+            <a:off x="1097280" y="6500189"/>
+            <a:ext cx="1406360" cy="312685"/>
+          </a:xfrm>
+          <a:prstGeom prst="rect">
+            <a:avLst/>
+          </a:prstGeom>
+        </p:spPr>
+      </p:pic>
     </p:spTree>
     <p:extLst>
       <p:ext uri="{BB962C8B-B14F-4D97-AF65-F5344CB8AC3E}">
@@ -11639,6 +11984,41 @@
           </a:p>
         </p:txBody>
       </p:sp>
+      <p:pic>
+        <p:nvPicPr>
+          <p:cNvPr id="32" name="Imagem 31">
+            <a:extLst>
+              <a:ext uri="{FF2B5EF4-FFF2-40B4-BE49-F238E27FC236}">
+                <a16:creationId xmlns:a16="http://schemas.microsoft.com/office/drawing/2014/main" id="{5AE538DF-801C-4D5A-B2FB-2EA9897CEAFA}"/>
+              </a:ext>
+            </a:extLst>
+          </p:cNvPr>
+          <p:cNvPicPr>
+            <a:picLocks noChangeAspect="1"/>
+          </p:cNvPicPr>
+          <p:nvPr/>
+        </p:nvPicPr>
+        <p:blipFill rotWithShape="1">
+          <a:blip r:embed="rId3">
+            <a:extLst>
+              <a:ext uri="{28A0092B-C50C-407E-A947-70E740481C1C}">
+                <a14:useLocalDpi xmlns:a14="http://schemas.microsoft.com/office/drawing/2010/main" val="0"/>
+              </a:ext>
+            </a:extLst>
+          </a:blip>
+          <a:srcRect r="39904"/>
+          <a:stretch/>
+        </p:blipFill>
+        <p:spPr>
+          <a:xfrm>
+            <a:off x="1097280" y="6500189"/>
+            <a:ext cx="1406360" cy="312685"/>
+          </a:xfrm>
+          <a:prstGeom prst="rect">
+            <a:avLst/>
+          </a:prstGeom>
+        </p:spPr>
+      </p:pic>
     </p:spTree>
     <p:extLst>
       <p:ext uri="{BB962C8B-B14F-4D97-AF65-F5344CB8AC3E}">
@@ -13239,6 +13619,41 @@
           </a:p>
         </p:txBody>
       </p:sp>
+      <p:pic>
+        <p:nvPicPr>
+          <p:cNvPr id="38" name="Imagem 37">
+            <a:extLst>
+              <a:ext uri="{FF2B5EF4-FFF2-40B4-BE49-F238E27FC236}">
+                <a16:creationId xmlns:a16="http://schemas.microsoft.com/office/drawing/2014/main" id="{D6F2665D-21F2-47F2-BF1A-20B6214F6BC4}"/>
+              </a:ext>
+            </a:extLst>
+          </p:cNvPr>
+          <p:cNvPicPr>
+            <a:picLocks noChangeAspect="1"/>
+          </p:cNvPicPr>
+          <p:nvPr/>
+        </p:nvPicPr>
+        <p:blipFill rotWithShape="1">
+          <a:blip r:embed="rId3">
+            <a:extLst>
+              <a:ext uri="{28A0092B-C50C-407E-A947-70E740481C1C}">
+                <a14:useLocalDpi xmlns:a14="http://schemas.microsoft.com/office/drawing/2010/main" val="0"/>
+              </a:ext>
+            </a:extLst>
+          </a:blip>
+          <a:srcRect r="39904"/>
+          <a:stretch/>
+        </p:blipFill>
+        <p:spPr>
+          <a:xfrm>
+            <a:off x="1097280" y="6500189"/>
+            <a:ext cx="1406360" cy="312685"/>
+          </a:xfrm>
+          <a:prstGeom prst="rect">
+            <a:avLst/>
+          </a:prstGeom>
+        </p:spPr>
+      </p:pic>
     </p:spTree>
     <p:extLst>
       <p:ext uri="{BB962C8B-B14F-4D97-AF65-F5344CB8AC3E}">
@@ -14092,6 +14507,77 @@
           </a:p>
         </p:txBody>
       </p:sp>
+      <p:sp>
+        <p:nvSpPr>
+          <p:cNvPr id="26" name="CaixaDeTexto 25">
+            <a:extLst>
+              <a:ext uri="{FF2B5EF4-FFF2-40B4-BE49-F238E27FC236}">
+                <a16:creationId xmlns:a16="http://schemas.microsoft.com/office/drawing/2014/main" id="{CC2B37F5-1686-447B-9792-FB700FC11507}"/>
+              </a:ext>
+            </a:extLst>
+          </p:cNvPr>
+          <p:cNvSpPr txBox="1"/>
+          <p:nvPr/>
+        </p:nvSpPr>
+        <p:spPr>
+          <a:xfrm>
+            <a:off x="6096000" y="5498618"/>
+            <a:ext cx="1742983" cy="338554"/>
+          </a:xfrm>
+          <a:prstGeom prst="rect">
+            <a:avLst/>
+          </a:prstGeom>
+          <a:noFill/>
+        </p:spPr>
+        <p:txBody>
+          <a:bodyPr wrap="square" rtlCol="0">
+            <a:spAutoFit/>
+          </a:bodyPr>
+          <a:lstStyle/>
+          <a:p>
+            <a:r>
+              <a:rPr lang="pt-PT" sz="1600" dirty="0"/>
+              <a:t>PrivateStream.cpp</a:t>
+            </a:r>
+            <a:endParaRPr lang="en-GB" sz="1600" dirty="0"/>
+          </a:p>
+        </p:txBody>
+      </p:sp>
+      <p:pic>
+        <p:nvPicPr>
+          <p:cNvPr id="27" name="Imagem 26">
+            <a:extLst>
+              <a:ext uri="{FF2B5EF4-FFF2-40B4-BE49-F238E27FC236}">
+                <a16:creationId xmlns:a16="http://schemas.microsoft.com/office/drawing/2014/main" id="{4B81C26A-46A2-487E-A5EE-7F6366169040}"/>
+              </a:ext>
+            </a:extLst>
+          </p:cNvPr>
+          <p:cNvPicPr>
+            <a:picLocks noChangeAspect="1"/>
+          </p:cNvPicPr>
+          <p:nvPr/>
+        </p:nvPicPr>
+        <p:blipFill rotWithShape="1">
+          <a:blip r:embed="rId3">
+            <a:extLst>
+              <a:ext uri="{28A0092B-C50C-407E-A947-70E740481C1C}">
+                <a14:useLocalDpi xmlns:a14="http://schemas.microsoft.com/office/drawing/2010/main" val="0"/>
+              </a:ext>
+            </a:extLst>
+          </a:blip>
+          <a:srcRect r="39904"/>
+          <a:stretch/>
+        </p:blipFill>
+        <p:spPr>
+          <a:xfrm>
+            <a:off x="1097280" y="6500189"/>
+            <a:ext cx="1406360" cy="312685"/>
+          </a:xfrm>
+          <a:prstGeom prst="rect">
+            <a:avLst/>
+          </a:prstGeom>
+        </p:spPr>
+      </p:pic>
     </p:spTree>
     <p:extLst>
       <p:ext uri="{BB962C8B-B14F-4D97-AF65-F5344CB8AC3E}">
@@ -14550,6 +15036,41 @@
           </a:p>
         </p:txBody>
       </p:sp>
+      <p:pic>
+        <p:nvPicPr>
+          <p:cNvPr id="14" name="Imagem 13">
+            <a:extLst>
+              <a:ext uri="{FF2B5EF4-FFF2-40B4-BE49-F238E27FC236}">
+                <a16:creationId xmlns:a16="http://schemas.microsoft.com/office/drawing/2014/main" id="{C71CCF36-FC3F-4EBC-8464-434B110BC0A4}"/>
+              </a:ext>
+            </a:extLst>
+          </p:cNvPr>
+          <p:cNvPicPr>
+            <a:picLocks noChangeAspect="1"/>
+          </p:cNvPicPr>
+          <p:nvPr/>
+        </p:nvPicPr>
+        <p:blipFill rotWithShape="1">
+          <a:blip r:embed="rId5">
+            <a:extLst>
+              <a:ext uri="{28A0092B-C50C-407E-A947-70E740481C1C}">
+                <a14:useLocalDpi xmlns:a14="http://schemas.microsoft.com/office/drawing/2010/main" val="0"/>
+              </a:ext>
+            </a:extLst>
+          </a:blip>
+          <a:srcRect r="39904"/>
+          <a:stretch/>
+        </p:blipFill>
+        <p:spPr>
+          <a:xfrm>
+            <a:off x="1097280" y="6500189"/>
+            <a:ext cx="1406360" cy="312685"/>
+          </a:xfrm>
+          <a:prstGeom prst="rect">
+            <a:avLst/>
+          </a:prstGeom>
+        </p:spPr>
+      </p:pic>
     </p:spTree>
     <p:extLst>
       <p:ext uri="{BB962C8B-B14F-4D97-AF65-F5344CB8AC3E}">

--- a/StreamZ_Apresentation4.pptx
+++ b/StreamZ_Apresentation4.pptx
@@ -4672,35 +4672,6 @@
           </a:p>
         </p:txBody>
       </p:sp>
-      <p:sp>
-        <p:nvSpPr>
-          <p:cNvPr id="6" name="Marcador de Posição do Número do Diapositivo 5">
-            <a:extLst>
-              <a:ext uri="{FF2B5EF4-FFF2-40B4-BE49-F238E27FC236}">
-                <a16:creationId xmlns:a16="http://schemas.microsoft.com/office/drawing/2014/main" id="{D9011234-FCCA-477A-A401-E08F43325628}"/>
-              </a:ext>
-            </a:extLst>
-          </p:cNvPr>
-          <p:cNvSpPr>
-            <a:spLocks noGrp="1"/>
-          </p:cNvSpPr>
-          <p:nvPr>
-            <p:ph type="sldNum" sz="quarter" idx="12"/>
-          </p:nvPr>
-        </p:nvSpPr>
-        <p:spPr/>
-        <p:txBody>
-          <a:bodyPr/>
-          <a:lstStyle/>
-          <a:p>
-            <a:fld id="{75DB3F52-068C-4339-9FA6-06F9AAEB3337}" type="slidenum">
-              <a:rPr lang="en-GB" sz="2400" smtClean="0"/>
-              <a:t>1</a:t>
-            </a:fld>
-            <a:endParaRPr lang="en-GB" sz="2400" dirty="0"/>
-          </a:p>
-        </p:txBody>
-      </p:sp>
     </p:spTree>
     <p:extLst>
       <p:ext uri="{BB962C8B-B14F-4D97-AF65-F5344CB8AC3E}">
@@ -5351,6 +5322,7 @@
           </p:cNvPr>
           <p:cNvCxnSpPr>
             <a:cxnSpLocks/>
+            <a:stCxn id="35" idx="0"/>
             <a:endCxn id="30" idx="2"/>
           </p:cNvCxnSpPr>
           <p:nvPr/>
@@ -5358,7 +5330,7 @@
         <p:spPr>
           <a:xfrm flipH="1" flipV="1">
             <a:off x="3048977" y="3021707"/>
-            <a:ext cx="442386" cy="902160"/>
+            <a:ext cx="549049" cy="856564"/>
           </a:xfrm>
           <a:prstGeom prst="straightConnector1">
             <a:avLst/>
@@ -5513,6 +5485,7 @@
           </p:cNvPr>
           <p:cNvCxnSpPr>
             <a:cxnSpLocks/>
+            <a:stCxn id="37" idx="0"/>
             <a:endCxn id="51" idx="2"/>
           </p:cNvCxnSpPr>
           <p:nvPr/>
@@ -5520,7 +5493,7 @@
         <p:spPr>
           <a:xfrm flipH="1" flipV="1">
             <a:off x="4343593" y="2695391"/>
-            <a:ext cx="512492" cy="1228478"/>
+            <a:ext cx="776938" cy="1200895"/>
           </a:xfrm>
           <a:prstGeom prst="straightConnector1">
             <a:avLst/>
@@ -5594,7 +5567,7 @@
           </p:cNvPr>
           <p:cNvCxnSpPr>
             <a:cxnSpLocks/>
-            <a:stCxn id="6" idx="0"/>
+            <a:stCxn id="40" idx="0"/>
             <a:endCxn id="58" idx="2"/>
           </p:cNvCxnSpPr>
           <p:nvPr/>
@@ -5602,7 +5575,7 @@
         <p:spPr>
           <a:xfrm flipH="1" flipV="1">
             <a:off x="5774929" y="2581401"/>
-            <a:ext cx="506704" cy="1342467"/>
+            <a:ext cx="470107" cy="1296869"/>
           </a:xfrm>
           <a:prstGeom prst="straightConnector1">
             <a:avLst/>
@@ -5676,14 +5649,15 @@
           </p:cNvPr>
           <p:cNvCxnSpPr>
             <a:cxnSpLocks/>
+            <a:stCxn id="42" idx="0"/>
             <a:endCxn id="77" idx="2"/>
           </p:cNvCxnSpPr>
           <p:nvPr/>
         </p:nvCxnSpPr>
         <p:spPr>
           <a:xfrm flipV="1">
-            <a:off x="6941851" y="2535234"/>
-            <a:ext cx="535577" cy="1342376"/>
+            <a:off x="6840672" y="2535234"/>
+            <a:ext cx="636756" cy="1359824"/>
           </a:xfrm>
           <a:prstGeom prst="straightConnector1">
             <a:avLst/>
@@ -5758,14 +5732,15 @@
           </p:cNvPr>
           <p:cNvCxnSpPr>
             <a:cxnSpLocks/>
+            <a:stCxn id="45" idx="0"/>
             <a:endCxn id="83" idx="2"/>
           </p:cNvCxnSpPr>
           <p:nvPr/>
         </p:nvCxnSpPr>
         <p:spPr>
           <a:xfrm flipV="1">
-            <a:off x="7743632" y="2587690"/>
-            <a:ext cx="1250146" cy="1359582"/>
+            <a:off x="7922341" y="2587690"/>
+            <a:ext cx="1071437" cy="1296445"/>
           </a:xfrm>
           <a:prstGeom prst="straightConnector1">
             <a:avLst/>
@@ -6017,13 +5992,14 @@
           </p:cNvPr>
           <p:cNvCxnSpPr>
             <a:cxnSpLocks/>
+            <a:stCxn id="52" idx="5"/>
           </p:cNvCxnSpPr>
           <p:nvPr/>
         </p:nvCxnSpPr>
         <p:spPr>
           <a:xfrm>
-            <a:off x="9265355" y="4006859"/>
-            <a:ext cx="952269" cy="393420"/>
+            <a:off x="9283900" y="4049060"/>
+            <a:ext cx="933724" cy="351219"/>
           </a:xfrm>
           <a:prstGeom prst="straightConnector1">
             <a:avLst/>
@@ -6403,6 +6379,546 @@
           </a:prstGeom>
         </p:spPr>
       </p:pic>
+      <p:sp>
+        <p:nvSpPr>
+          <p:cNvPr id="33" name="Oval 32">
+            <a:extLst>
+              <a:ext uri="{FF2B5EF4-FFF2-40B4-BE49-F238E27FC236}">
+                <a16:creationId xmlns:a16="http://schemas.microsoft.com/office/drawing/2014/main" id="{8761EF25-5225-4249-8F84-08EC4731870E}"/>
+              </a:ext>
+            </a:extLst>
+          </p:cNvPr>
+          <p:cNvSpPr/>
+          <p:nvPr/>
+        </p:nvSpPr>
+        <p:spPr>
+          <a:xfrm>
+            <a:off x="2577969" y="3907822"/>
+            <a:ext cx="157516" cy="180425"/>
+          </a:xfrm>
+          <a:prstGeom prst="ellipse">
+            <a:avLst/>
+          </a:prstGeom>
+          <a:noFill/>
+          <a:ln w="9525" cap="flat" cmpd="sng" algn="ctr">
+            <a:solidFill>
+              <a:srgbClr val="8C2D19"/>
+            </a:solidFill>
+            <a:prstDash val="solid"/>
+            <a:round/>
+            <a:headEnd type="none" w="med" len="med"/>
+            <a:tailEnd type="none" w="med" len="med"/>
+          </a:ln>
+        </p:spPr>
+        <p:style>
+          <a:lnRef idx="0">
+            <a:scrgbClr r="0" g="0" b="0"/>
+          </a:lnRef>
+          <a:fillRef idx="0">
+            <a:scrgbClr r="0" g="0" b="0"/>
+          </a:fillRef>
+          <a:effectRef idx="0">
+            <a:scrgbClr r="0" g="0" b="0"/>
+          </a:effectRef>
+          <a:fontRef idx="minor">
+            <a:schemeClr val="dk1"/>
+          </a:fontRef>
+        </p:style>
+        <p:txBody>
+          <a:bodyPr rtlCol="0" anchor="ctr"/>
+          <a:lstStyle/>
+          <a:p>
+            <a:pPr algn="ctr"/>
+            <a:endParaRPr lang="en-GB"/>
+          </a:p>
+        </p:txBody>
+      </p:sp>
+      <p:sp>
+        <p:nvSpPr>
+          <p:cNvPr id="34" name="Oval 33">
+            <a:extLst>
+              <a:ext uri="{FF2B5EF4-FFF2-40B4-BE49-F238E27FC236}">
+                <a16:creationId xmlns:a16="http://schemas.microsoft.com/office/drawing/2014/main" id="{53734FD5-89FA-4CBA-828A-CBE580E36123}"/>
+              </a:ext>
+            </a:extLst>
+          </p:cNvPr>
+          <p:cNvSpPr/>
+          <p:nvPr/>
+        </p:nvSpPr>
+        <p:spPr>
+          <a:xfrm>
+            <a:off x="2837117" y="3888644"/>
+            <a:ext cx="157516" cy="180425"/>
+          </a:xfrm>
+          <a:prstGeom prst="ellipse">
+            <a:avLst/>
+          </a:prstGeom>
+          <a:noFill/>
+          <a:ln w="9525" cap="flat" cmpd="sng" algn="ctr">
+            <a:solidFill>
+              <a:srgbClr val="8C2D19"/>
+            </a:solidFill>
+            <a:prstDash val="solid"/>
+            <a:round/>
+            <a:headEnd type="none" w="med" len="med"/>
+            <a:tailEnd type="none" w="med" len="med"/>
+          </a:ln>
+        </p:spPr>
+        <p:style>
+          <a:lnRef idx="0">
+            <a:scrgbClr r="0" g="0" b="0"/>
+          </a:lnRef>
+          <a:fillRef idx="0">
+            <a:scrgbClr r="0" g="0" b="0"/>
+          </a:fillRef>
+          <a:effectRef idx="0">
+            <a:scrgbClr r="0" g="0" b="0"/>
+          </a:effectRef>
+          <a:fontRef idx="minor">
+            <a:schemeClr val="dk1"/>
+          </a:fontRef>
+        </p:style>
+        <p:txBody>
+          <a:bodyPr rtlCol="0" anchor="ctr"/>
+          <a:lstStyle/>
+          <a:p>
+            <a:pPr algn="ctr"/>
+            <a:endParaRPr lang="en-GB" dirty="0"/>
+          </a:p>
+        </p:txBody>
+      </p:sp>
+      <p:sp>
+        <p:nvSpPr>
+          <p:cNvPr id="35" name="Oval 34">
+            <a:extLst>
+              <a:ext uri="{FF2B5EF4-FFF2-40B4-BE49-F238E27FC236}">
+                <a16:creationId xmlns:a16="http://schemas.microsoft.com/office/drawing/2014/main" id="{F3DEEB53-8FBA-4CF8-B387-57A28C8AC743}"/>
+              </a:ext>
+            </a:extLst>
+          </p:cNvPr>
+          <p:cNvSpPr/>
+          <p:nvPr/>
+        </p:nvSpPr>
+        <p:spPr>
+          <a:xfrm>
+            <a:off x="3111607" y="3878271"/>
+            <a:ext cx="972837" cy="180424"/>
+          </a:xfrm>
+          <a:prstGeom prst="ellipse">
+            <a:avLst/>
+          </a:prstGeom>
+          <a:noFill/>
+          <a:ln w="9525" cap="flat" cmpd="sng" algn="ctr">
+            <a:solidFill>
+              <a:srgbClr val="8C2D19"/>
+            </a:solidFill>
+            <a:prstDash val="solid"/>
+            <a:round/>
+            <a:headEnd type="none" w="med" len="med"/>
+            <a:tailEnd type="none" w="med" len="med"/>
+          </a:ln>
+        </p:spPr>
+        <p:style>
+          <a:lnRef idx="0">
+            <a:scrgbClr r="0" g="0" b="0"/>
+          </a:lnRef>
+          <a:fillRef idx="0">
+            <a:scrgbClr r="0" g="0" b="0"/>
+          </a:fillRef>
+          <a:effectRef idx="0">
+            <a:scrgbClr r="0" g="0" b="0"/>
+          </a:effectRef>
+          <a:fontRef idx="minor">
+            <a:schemeClr val="dk1"/>
+          </a:fontRef>
+        </p:style>
+        <p:txBody>
+          <a:bodyPr rtlCol="0" anchor="ctr"/>
+          <a:lstStyle/>
+          <a:p>
+            <a:pPr algn="ctr"/>
+            <a:endParaRPr lang="en-GB"/>
+          </a:p>
+        </p:txBody>
+      </p:sp>
+      <p:sp>
+        <p:nvSpPr>
+          <p:cNvPr id="37" name="Oval 36">
+            <a:extLst>
+              <a:ext uri="{FF2B5EF4-FFF2-40B4-BE49-F238E27FC236}">
+                <a16:creationId xmlns:a16="http://schemas.microsoft.com/office/drawing/2014/main" id="{A69C4AE6-CC6B-4028-A13E-FE89B8C5C214}"/>
+              </a:ext>
+            </a:extLst>
+          </p:cNvPr>
+          <p:cNvSpPr/>
+          <p:nvPr/>
+        </p:nvSpPr>
+        <p:spPr>
+          <a:xfrm>
+            <a:off x="4213124" y="3896286"/>
+            <a:ext cx="1814814" cy="172784"/>
+          </a:xfrm>
+          <a:prstGeom prst="ellipse">
+            <a:avLst/>
+          </a:prstGeom>
+          <a:noFill/>
+          <a:ln w="9525" cap="flat" cmpd="sng" algn="ctr">
+            <a:solidFill>
+              <a:srgbClr val="8C2D19"/>
+            </a:solidFill>
+            <a:prstDash val="solid"/>
+            <a:round/>
+            <a:headEnd type="none" w="med" len="med"/>
+            <a:tailEnd type="none" w="med" len="med"/>
+          </a:ln>
+        </p:spPr>
+        <p:style>
+          <a:lnRef idx="0">
+            <a:scrgbClr r="0" g="0" b="0"/>
+          </a:lnRef>
+          <a:fillRef idx="0">
+            <a:scrgbClr r="0" g="0" b="0"/>
+          </a:fillRef>
+          <a:effectRef idx="0">
+            <a:scrgbClr r="0" g="0" b="0"/>
+          </a:effectRef>
+          <a:fontRef idx="minor">
+            <a:schemeClr val="dk1"/>
+          </a:fontRef>
+        </p:style>
+        <p:txBody>
+          <a:bodyPr rtlCol="0" anchor="ctr"/>
+          <a:lstStyle/>
+          <a:p>
+            <a:pPr algn="ctr"/>
+            <a:endParaRPr lang="en-GB"/>
+          </a:p>
+        </p:txBody>
+      </p:sp>
+      <p:sp>
+        <p:nvSpPr>
+          <p:cNvPr id="40" name="Oval 39">
+            <a:extLst>
+              <a:ext uri="{FF2B5EF4-FFF2-40B4-BE49-F238E27FC236}">
+                <a16:creationId xmlns:a16="http://schemas.microsoft.com/office/drawing/2014/main" id="{683D710A-04AA-40A6-BB3F-B34489BCF438}"/>
+              </a:ext>
+            </a:extLst>
+          </p:cNvPr>
+          <p:cNvSpPr/>
+          <p:nvPr/>
+        </p:nvSpPr>
+        <p:spPr>
+          <a:xfrm>
+            <a:off x="6166278" y="3878270"/>
+            <a:ext cx="157516" cy="180425"/>
+          </a:xfrm>
+          <a:prstGeom prst="ellipse">
+            <a:avLst/>
+          </a:prstGeom>
+          <a:noFill/>
+          <a:ln w="9525" cap="flat" cmpd="sng" algn="ctr">
+            <a:solidFill>
+              <a:srgbClr val="8C2D19"/>
+            </a:solidFill>
+            <a:prstDash val="solid"/>
+            <a:round/>
+            <a:headEnd type="none" w="med" len="med"/>
+            <a:tailEnd type="none" w="med" len="med"/>
+          </a:ln>
+        </p:spPr>
+        <p:style>
+          <a:lnRef idx="0">
+            <a:scrgbClr r="0" g="0" b="0"/>
+          </a:lnRef>
+          <a:fillRef idx="0">
+            <a:scrgbClr r="0" g="0" b="0"/>
+          </a:fillRef>
+          <a:effectRef idx="0">
+            <a:scrgbClr r="0" g="0" b="0"/>
+          </a:effectRef>
+          <a:fontRef idx="minor">
+            <a:schemeClr val="dk1"/>
+          </a:fontRef>
+        </p:style>
+        <p:txBody>
+          <a:bodyPr rtlCol="0" anchor="ctr"/>
+          <a:lstStyle/>
+          <a:p>
+            <a:pPr algn="ctr"/>
+            <a:endParaRPr lang="en-GB"/>
+          </a:p>
+        </p:txBody>
+      </p:sp>
+      <p:sp>
+        <p:nvSpPr>
+          <p:cNvPr id="42" name="Oval 41">
+            <a:extLst>
+              <a:ext uri="{FF2B5EF4-FFF2-40B4-BE49-F238E27FC236}">
+                <a16:creationId xmlns:a16="http://schemas.microsoft.com/office/drawing/2014/main" id="{E066CF93-AECC-499C-BFFB-7D6A8C089087}"/>
+              </a:ext>
+            </a:extLst>
+          </p:cNvPr>
+          <p:cNvSpPr/>
+          <p:nvPr/>
+        </p:nvSpPr>
+        <p:spPr>
+          <a:xfrm>
+            <a:off x="6482560" y="3895058"/>
+            <a:ext cx="716224" cy="180425"/>
+          </a:xfrm>
+          <a:prstGeom prst="ellipse">
+            <a:avLst/>
+          </a:prstGeom>
+          <a:noFill/>
+          <a:ln w="9525" cap="flat" cmpd="sng" algn="ctr">
+            <a:solidFill>
+              <a:srgbClr val="8C2D19"/>
+            </a:solidFill>
+            <a:prstDash val="solid"/>
+            <a:round/>
+            <a:headEnd type="none" w="med" len="med"/>
+            <a:tailEnd type="none" w="med" len="med"/>
+          </a:ln>
+        </p:spPr>
+        <p:style>
+          <a:lnRef idx="0">
+            <a:scrgbClr r="0" g="0" b="0"/>
+          </a:lnRef>
+          <a:fillRef idx="0">
+            <a:scrgbClr r="0" g="0" b="0"/>
+          </a:fillRef>
+          <a:effectRef idx="0">
+            <a:scrgbClr r="0" g="0" b="0"/>
+          </a:effectRef>
+          <a:fontRef idx="minor">
+            <a:schemeClr val="dk1"/>
+          </a:fontRef>
+        </p:style>
+        <p:txBody>
+          <a:bodyPr rtlCol="0" anchor="ctr"/>
+          <a:lstStyle/>
+          <a:p>
+            <a:pPr algn="ctr"/>
+            <a:endParaRPr lang="en-GB"/>
+          </a:p>
+        </p:txBody>
+      </p:sp>
+      <p:sp>
+        <p:nvSpPr>
+          <p:cNvPr id="45" name="Oval 44">
+            <a:extLst>
+              <a:ext uri="{FF2B5EF4-FFF2-40B4-BE49-F238E27FC236}">
+                <a16:creationId xmlns:a16="http://schemas.microsoft.com/office/drawing/2014/main" id="{397EB7DA-D7B9-4615-9991-FF2D9775F300}"/>
+              </a:ext>
+            </a:extLst>
+          </p:cNvPr>
+          <p:cNvSpPr/>
+          <p:nvPr/>
+        </p:nvSpPr>
+        <p:spPr>
+          <a:xfrm>
+            <a:off x="7353558" y="3884135"/>
+            <a:ext cx="1137565" cy="180425"/>
+          </a:xfrm>
+          <a:prstGeom prst="ellipse">
+            <a:avLst/>
+          </a:prstGeom>
+          <a:noFill/>
+          <a:ln w="9525" cap="flat" cmpd="sng" algn="ctr">
+            <a:solidFill>
+              <a:srgbClr val="8C2D19"/>
+            </a:solidFill>
+            <a:prstDash val="solid"/>
+            <a:round/>
+            <a:headEnd type="none" w="med" len="med"/>
+            <a:tailEnd type="none" w="med" len="med"/>
+          </a:ln>
+        </p:spPr>
+        <p:style>
+          <a:lnRef idx="0">
+            <a:scrgbClr r="0" g="0" b="0"/>
+          </a:lnRef>
+          <a:fillRef idx="0">
+            <a:scrgbClr r="0" g="0" b="0"/>
+          </a:fillRef>
+          <a:effectRef idx="0">
+            <a:scrgbClr r="0" g="0" b="0"/>
+          </a:effectRef>
+          <a:fontRef idx="minor">
+            <a:schemeClr val="dk1"/>
+          </a:fontRef>
+        </p:style>
+        <p:txBody>
+          <a:bodyPr rtlCol="0" anchor="ctr"/>
+          <a:lstStyle/>
+          <a:p>
+            <a:pPr algn="ctr"/>
+            <a:endParaRPr lang="en-GB"/>
+          </a:p>
+        </p:txBody>
+      </p:sp>
+      <p:sp>
+        <p:nvSpPr>
+          <p:cNvPr id="48" name="Oval 47">
+            <a:extLst>
+              <a:ext uri="{FF2B5EF4-FFF2-40B4-BE49-F238E27FC236}">
+                <a16:creationId xmlns:a16="http://schemas.microsoft.com/office/drawing/2014/main" id="{A8D1110B-2E3E-4019-9208-8F03806E1A40}"/>
+              </a:ext>
+            </a:extLst>
+          </p:cNvPr>
+          <p:cNvSpPr/>
+          <p:nvPr/>
+        </p:nvSpPr>
+        <p:spPr>
+          <a:xfrm>
+            <a:off x="8607834" y="3888644"/>
+            <a:ext cx="157516" cy="180425"/>
+          </a:xfrm>
+          <a:prstGeom prst="ellipse">
+            <a:avLst/>
+          </a:prstGeom>
+          <a:noFill/>
+          <a:ln w="9525" cap="flat" cmpd="sng" algn="ctr">
+            <a:solidFill>
+              <a:srgbClr val="8C2D19"/>
+            </a:solidFill>
+            <a:prstDash val="solid"/>
+            <a:round/>
+            <a:headEnd type="none" w="med" len="med"/>
+            <a:tailEnd type="none" w="med" len="med"/>
+          </a:ln>
+        </p:spPr>
+        <p:style>
+          <a:lnRef idx="0">
+            <a:scrgbClr r="0" g="0" b="0"/>
+          </a:lnRef>
+          <a:fillRef idx="0">
+            <a:scrgbClr r="0" g="0" b="0"/>
+          </a:fillRef>
+          <a:effectRef idx="0">
+            <a:scrgbClr r="0" g="0" b="0"/>
+          </a:effectRef>
+          <a:fontRef idx="minor">
+            <a:schemeClr val="dk1"/>
+          </a:fontRef>
+        </p:style>
+        <p:txBody>
+          <a:bodyPr rtlCol="0" anchor="ctr"/>
+          <a:lstStyle/>
+          <a:p>
+            <a:pPr algn="ctr"/>
+            <a:endParaRPr lang="en-GB"/>
+          </a:p>
+        </p:txBody>
+      </p:sp>
+      <p:sp>
+        <p:nvSpPr>
+          <p:cNvPr id="50" name="Oval 49">
+            <a:extLst>
+              <a:ext uri="{FF2B5EF4-FFF2-40B4-BE49-F238E27FC236}">
+                <a16:creationId xmlns:a16="http://schemas.microsoft.com/office/drawing/2014/main" id="{F89826D4-7F6A-45AC-885A-4D7EBDBD468B}"/>
+              </a:ext>
+            </a:extLst>
+          </p:cNvPr>
+          <p:cNvSpPr/>
+          <p:nvPr/>
+        </p:nvSpPr>
+        <p:spPr>
+          <a:xfrm>
+            <a:off x="8871718" y="3885485"/>
+            <a:ext cx="157516" cy="180425"/>
+          </a:xfrm>
+          <a:prstGeom prst="ellipse">
+            <a:avLst/>
+          </a:prstGeom>
+          <a:noFill/>
+          <a:ln w="9525" cap="flat" cmpd="sng" algn="ctr">
+            <a:solidFill>
+              <a:srgbClr val="8C2D19"/>
+            </a:solidFill>
+            <a:prstDash val="solid"/>
+            <a:round/>
+            <a:headEnd type="none" w="med" len="med"/>
+            <a:tailEnd type="none" w="med" len="med"/>
+          </a:ln>
+        </p:spPr>
+        <p:style>
+          <a:lnRef idx="0">
+            <a:scrgbClr r="0" g="0" b="0"/>
+          </a:lnRef>
+          <a:fillRef idx="0">
+            <a:scrgbClr r="0" g="0" b="0"/>
+          </a:fillRef>
+          <a:effectRef idx="0">
+            <a:scrgbClr r="0" g="0" b="0"/>
+          </a:effectRef>
+          <a:fontRef idx="minor">
+            <a:schemeClr val="dk1"/>
+          </a:fontRef>
+        </p:style>
+        <p:txBody>
+          <a:bodyPr rtlCol="0" anchor="ctr"/>
+          <a:lstStyle/>
+          <a:p>
+            <a:pPr algn="ctr"/>
+            <a:endParaRPr lang="en-GB"/>
+          </a:p>
+        </p:txBody>
+      </p:sp>
+      <p:sp>
+        <p:nvSpPr>
+          <p:cNvPr id="52" name="Oval 51">
+            <a:extLst>
+              <a:ext uri="{FF2B5EF4-FFF2-40B4-BE49-F238E27FC236}">
+                <a16:creationId xmlns:a16="http://schemas.microsoft.com/office/drawing/2014/main" id="{D160AEA7-5601-467D-B214-3E07995933E9}"/>
+              </a:ext>
+            </a:extLst>
+          </p:cNvPr>
+          <p:cNvSpPr/>
+          <p:nvPr/>
+        </p:nvSpPr>
+        <p:spPr>
+          <a:xfrm>
+            <a:off x="9149452" y="3895058"/>
+            <a:ext cx="157516" cy="180425"/>
+          </a:xfrm>
+          <a:prstGeom prst="ellipse">
+            <a:avLst/>
+          </a:prstGeom>
+          <a:noFill/>
+          <a:ln w="9525" cap="flat" cmpd="sng" algn="ctr">
+            <a:solidFill>
+              <a:srgbClr val="8C2D19"/>
+            </a:solidFill>
+            <a:prstDash val="solid"/>
+            <a:round/>
+            <a:headEnd type="none" w="med" len="med"/>
+            <a:tailEnd type="none" w="med" len="med"/>
+          </a:ln>
+        </p:spPr>
+        <p:style>
+          <a:lnRef idx="0">
+            <a:scrgbClr r="0" g="0" b="0"/>
+          </a:lnRef>
+          <a:fillRef idx="0">
+            <a:scrgbClr r="0" g="0" b="0"/>
+          </a:fillRef>
+          <a:effectRef idx="0">
+            <a:scrgbClr r="0" g="0" b="0"/>
+          </a:effectRef>
+          <a:fontRef idx="minor">
+            <a:schemeClr val="dk1"/>
+          </a:fontRef>
+        </p:style>
+        <p:txBody>
+          <a:bodyPr rtlCol="0" anchor="ctr"/>
+          <a:lstStyle/>
+          <a:p>
+            <a:pPr algn="ctr"/>
+            <a:endParaRPr lang="en-GB"/>
+          </a:p>
+        </p:txBody>
+      </p:sp>
     </p:spTree>
     <p:extLst>
       <p:ext uri="{BB962C8B-B14F-4D97-AF65-F5344CB8AC3E}">
@@ -6560,14 +7076,15 @@
           </p:cNvPr>
           <p:cNvCxnSpPr>
             <a:cxnSpLocks/>
+            <a:stCxn id="54" idx="2"/>
             <a:endCxn id="11" idx="2"/>
           </p:cNvCxnSpPr>
           <p:nvPr/>
         </p:nvCxnSpPr>
         <p:spPr>
           <a:xfrm flipH="1">
-            <a:off x="1197956" y="3858368"/>
-            <a:ext cx="681653" cy="0"/>
+            <a:off x="1197956" y="3844270"/>
+            <a:ext cx="702161" cy="14098"/>
           </a:xfrm>
           <a:prstGeom prst="straightConnector1">
             <a:avLst/>
@@ -6761,14 +7278,15 @@
           </p:cNvPr>
           <p:cNvCxnSpPr>
             <a:cxnSpLocks/>
+            <a:stCxn id="53" idx="6"/>
             <a:endCxn id="17" idx="2"/>
           </p:cNvCxnSpPr>
           <p:nvPr/>
         </p:nvCxnSpPr>
         <p:spPr>
           <a:xfrm flipV="1">
-            <a:off x="1959454" y="3188117"/>
-            <a:ext cx="453692" cy="806834"/>
+            <a:off x="2011370" y="3188117"/>
+            <a:ext cx="401776" cy="817196"/>
           </a:xfrm>
           <a:prstGeom prst="straightConnector1">
             <a:avLst/>
@@ -6887,14 +7405,15 @@
           </p:cNvPr>
           <p:cNvCxnSpPr>
             <a:cxnSpLocks/>
+            <a:stCxn id="8" idx="0"/>
             <a:endCxn id="27" idx="2"/>
           </p:cNvCxnSpPr>
           <p:nvPr/>
         </p:nvCxnSpPr>
         <p:spPr>
           <a:xfrm flipV="1">
-            <a:off x="4333326" y="2806386"/>
-            <a:ext cx="1255179" cy="1121676"/>
+            <a:off x="4294245" y="2806386"/>
+            <a:ext cx="1294260" cy="1102938"/>
           </a:xfrm>
           <a:prstGeom prst="straightConnector1">
             <a:avLst/>
@@ -7976,6 +8495,60 @@
       </p:sp>
       <p:sp>
         <p:nvSpPr>
+          <p:cNvPr id="8" name="Oval 7">
+            <a:extLst>
+              <a:ext uri="{FF2B5EF4-FFF2-40B4-BE49-F238E27FC236}">
+                <a16:creationId xmlns:a16="http://schemas.microsoft.com/office/drawing/2014/main" id="{E1880374-4EA0-4C91-A5B6-6B3D2D90B9EE}"/>
+              </a:ext>
+            </a:extLst>
+          </p:cNvPr>
+          <p:cNvSpPr/>
+          <p:nvPr/>
+        </p:nvSpPr>
+        <p:spPr>
+          <a:xfrm>
+            <a:off x="3752935" y="3909324"/>
+            <a:ext cx="1082620" cy="195515"/>
+          </a:xfrm>
+          <a:prstGeom prst="ellipse">
+            <a:avLst/>
+          </a:prstGeom>
+          <a:noFill/>
+          <a:ln w="9525" cap="flat" cmpd="sng" algn="ctr">
+            <a:solidFill>
+              <a:srgbClr val="8C2D19"/>
+            </a:solidFill>
+            <a:prstDash val="solid"/>
+            <a:round/>
+            <a:headEnd type="none" w="med" len="med"/>
+            <a:tailEnd type="none" w="med" len="med"/>
+          </a:ln>
+        </p:spPr>
+        <p:style>
+          <a:lnRef idx="0">
+            <a:scrgbClr r="0" g="0" b="0"/>
+          </a:lnRef>
+          <a:fillRef idx="0">
+            <a:scrgbClr r="0" g="0" b="0"/>
+          </a:fillRef>
+          <a:effectRef idx="0">
+            <a:scrgbClr r="0" g="0" b="0"/>
+          </a:effectRef>
+          <a:fontRef idx="minor">
+            <a:schemeClr val="dk1"/>
+          </a:fontRef>
+        </p:style>
+        <p:txBody>
+          <a:bodyPr rtlCol="0" anchor="ctr"/>
+          <a:lstStyle/>
+          <a:p>
+            <a:pPr algn="ctr"/>
+            <a:endParaRPr lang="en-GB"/>
+          </a:p>
+        </p:txBody>
+      </p:sp>
+      <p:sp>
+        <p:nvSpPr>
           <p:cNvPr id="6" name="Marcador de Posição do Número do Diapositivo 5">
             <a:extLst>
               <a:ext uri="{FF2B5EF4-FFF2-40B4-BE49-F238E27FC236}">
@@ -8038,6 +8611,492 @@
           </a:prstGeom>
         </p:spPr>
       </p:pic>
+      <p:sp>
+        <p:nvSpPr>
+          <p:cNvPr id="40" name="Oval 39">
+            <a:extLst>
+              <a:ext uri="{FF2B5EF4-FFF2-40B4-BE49-F238E27FC236}">
+                <a16:creationId xmlns:a16="http://schemas.microsoft.com/office/drawing/2014/main" id="{C9693D31-7630-4618-BD0D-4EBC2BD0FCFA}"/>
+              </a:ext>
+            </a:extLst>
+          </p:cNvPr>
+          <p:cNvSpPr/>
+          <p:nvPr/>
+        </p:nvSpPr>
+        <p:spPr>
+          <a:xfrm>
+            <a:off x="4906046" y="3905678"/>
+            <a:ext cx="157516" cy="180425"/>
+          </a:xfrm>
+          <a:prstGeom prst="ellipse">
+            <a:avLst/>
+          </a:prstGeom>
+          <a:noFill/>
+          <a:ln w="9525" cap="flat" cmpd="sng" algn="ctr">
+            <a:solidFill>
+              <a:srgbClr val="8C2D19"/>
+            </a:solidFill>
+            <a:prstDash val="solid"/>
+            <a:round/>
+            <a:headEnd type="none" w="med" len="med"/>
+            <a:tailEnd type="none" w="med" len="med"/>
+          </a:ln>
+        </p:spPr>
+        <p:style>
+          <a:lnRef idx="0">
+            <a:scrgbClr r="0" g="0" b="0"/>
+          </a:lnRef>
+          <a:fillRef idx="0">
+            <a:scrgbClr r="0" g="0" b="0"/>
+          </a:fillRef>
+          <a:effectRef idx="0">
+            <a:scrgbClr r="0" g="0" b="0"/>
+          </a:effectRef>
+          <a:fontRef idx="minor">
+            <a:schemeClr val="dk1"/>
+          </a:fontRef>
+        </p:style>
+        <p:txBody>
+          <a:bodyPr rtlCol="0" anchor="ctr"/>
+          <a:lstStyle/>
+          <a:p>
+            <a:pPr algn="ctr"/>
+            <a:endParaRPr lang="en-GB"/>
+          </a:p>
+        </p:txBody>
+      </p:sp>
+      <p:sp>
+        <p:nvSpPr>
+          <p:cNvPr id="44" name="Oval 43">
+            <a:extLst>
+              <a:ext uri="{FF2B5EF4-FFF2-40B4-BE49-F238E27FC236}">
+                <a16:creationId xmlns:a16="http://schemas.microsoft.com/office/drawing/2014/main" id="{AB6B4869-2DF6-4C79-ADDB-8E02A75EDFD3}"/>
+              </a:ext>
+            </a:extLst>
+          </p:cNvPr>
+          <p:cNvSpPr/>
+          <p:nvPr/>
+        </p:nvSpPr>
+        <p:spPr>
+          <a:xfrm>
+            <a:off x="5144214" y="3905678"/>
+            <a:ext cx="157516" cy="180425"/>
+          </a:xfrm>
+          <a:prstGeom prst="ellipse">
+            <a:avLst/>
+          </a:prstGeom>
+          <a:noFill/>
+          <a:ln w="9525" cap="flat" cmpd="sng" algn="ctr">
+            <a:solidFill>
+              <a:srgbClr val="8C2D19"/>
+            </a:solidFill>
+            <a:prstDash val="solid"/>
+            <a:round/>
+            <a:headEnd type="none" w="med" len="med"/>
+            <a:tailEnd type="none" w="med" len="med"/>
+          </a:ln>
+        </p:spPr>
+        <p:style>
+          <a:lnRef idx="0">
+            <a:scrgbClr r="0" g="0" b="0"/>
+          </a:lnRef>
+          <a:fillRef idx="0">
+            <a:scrgbClr r="0" g="0" b="0"/>
+          </a:fillRef>
+          <a:effectRef idx="0">
+            <a:scrgbClr r="0" g="0" b="0"/>
+          </a:effectRef>
+          <a:fontRef idx="minor">
+            <a:schemeClr val="dk1"/>
+          </a:fontRef>
+        </p:style>
+        <p:txBody>
+          <a:bodyPr rtlCol="0" anchor="ctr"/>
+          <a:lstStyle/>
+          <a:p>
+            <a:pPr algn="ctr"/>
+            <a:endParaRPr lang="en-GB"/>
+          </a:p>
+        </p:txBody>
+      </p:sp>
+      <p:sp>
+        <p:nvSpPr>
+          <p:cNvPr id="46" name="Oval 45">
+            <a:extLst>
+              <a:ext uri="{FF2B5EF4-FFF2-40B4-BE49-F238E27FC236}">
+                <a16:creationId xmlns:a16="http://schemas.microsoft.com/office/drawing/2014/main" id="{FC82223F-4972-4CE0-8055-BE4BC22A3649}"/>
+              </a:ext>
+            </a:extLst>
+          </p:cNvPr>
+          <p:cNvSpPr/>
+          <p:nvPr/>
+        </p:nvSpPr>
+        <p:spPr>
+          <a:xfrm>
+            <a:off x="5430988" y="3905678"/>
+            <a:ext cx="157516" cy="180425"/>
+          </a:xfrm>
+          <a:prstGeom prst="ellipse">
+            <a:avLst/>
+          </a:prstGeom>
+          <a:noFill/>
+          <a:ln w="9525" cap="flat" cmpd="sng" algn="ctr">
+            <a:solidFill>
+              <a:srgbClr val="8C2D19"/>
+            </a:solidFill>
+            <a:prstDash val="solid"/>
+            <a:round/>
+            <a:headEnd type="none" w="med" len="med"/>
+            <a:tailEnd type="none" w="med" len="med"/>
+          </a:ln>
+        </p:spPr>
+        <p:style>
+          <a:lnRef idx="0">
+            <a:scrgbClr r="0" g="0" b="0"/>
+          </a:lnRef>
+          <a:fillRef idx="0">
+            <a:scrgbClr r="0" g="0" b="0"/>
+          </a:fillRef>
+          <a:effectRef idx="0">
+            <a:scrgbClr r="0" g="0" b="0"/>
+          </a:effectRef>
+          <a:fontRef idx="minor">
+            <a:schemeClr val="dk1"/>
+          </a:fontRef>
+        </p:style>
+        <p:txBody>
+          <a:bodyPr rtlCol="0" anchor="ctr"/>
+          <a:lstStyle/>
+          <a:p>
+            <a:pPr algn="ctr"/>
+            <a:endParaRPr lang="en-GB"/>
+          </a:p>
+        </p:txBody>
+      </p:sp>
+      <p:sp>
+        <p:nvSpPr>
+          <p:cNvPr id="48" name="Oval 47">
+            <a:extLst>
+              <a:ext uri="{FF2B5EF4-FFF2-40B4-BE49-F238E27FC236}">
+                <a16:creationId xmlns:a16="http://schemas.microsoft.com/office/drawing/2014/main" id="{6DD08E2F-9415-4F79-95BC-7CA3321B8FF9}"/>
+              </a:ext>
+            </a:extLst>
+          </p:cNvPr>
+          <p:cNvSpPr/>
+          <p:nvPr/>
+        </p:nvSpPr>
+        <p:spPr>
+          <a:xfrm>
+            <a:off x="5715405" y="3905678"/>
+            <a:ext cx="570836" cy="180425"/>
+          </a:xfrm>
+          <a:prstGeom prst="ellipse">
+            <a:avLst/>
+          </a:prstGeom>
+          <a:noFill/>
+          <a:ln w="9525" cap="flat" cmpd="sng" algn="ctr">
+            <a:solidFill>
+              <a:srgbClr val="8C2D19"/>
+            </a:solidFill>
+            <a:prstDash val="solid"/>
+            <a:round/>
+            <a:headEnd type="none" w="med" len="med"/>
+            <a:tailEnd type="none" w="med" len="med"/>
+          </a:ln>
+        </p:spPr>
+        <p:style>
+          <a:lnRef idx="0">
+            <a:scrgbClr r="0" g="0" b="0"/>
+          </a:lnRef>
+          <a:fillRef idx="0">
+            <a:scrgbClr r="0" g="0" b="0"/>
+          </a:fillRef>
+          <a:effectRef idx="0">
+            <a:scrgbClr r="0" g="0" b="0"/>
+          </a:effectRef>
+          <a:fontRef idx="minor">
+            <a:schemeClr val="dk1"/>
+          </a:fontRef>
+        </p:style>
+        <p:txBody>
+          <a:bodyPr rtlCol="0" anchor="ctr"/>
+          <a:lstStyle/>
+          <a:p>
+            <a:pPr algn="ctr"/>
+            <a:endParaRPr lang="en-GB"/>
+          </a:p>
+        </p:txBody>
+      </p:sp>
+      <p:sp>
+        <p:nvSpPr>
+          <p:cNvPr id="49" name="Oval 48">
+            <a:extLst>
+              <a:ext uri="{FF2B5EF4-FFF2-40B4-BE49-F238E27FC236}">
+                <a16:creationId xmlns:a16="http://schemas.microsoft.com/office/drawing/2014/main" id="{6DCF1315-C8D1-4F25-B51A-B84B330670CE}"/>
+              </a:ext>
+            </a:extLst>
+          </p:cNvPr>
+          <p:cNvSpPr/>
+          <p:nvPr/>
+        </p:nvSpPr>
+        <p:spPr>
+          <a:xfrm>
+            <a:off x="6423880" y="3905678"/>
+            <a:ext cx="157516" cy="180425"/>
+          </a:xfrm>
+          <a:prstGeom prst="ellipse">
+            <a:avLst/>
+          </a:prstGeom>
+          <a:noFill/>
+          <a:ln w="9525" cap="flat" cmpd="sng" algn="ctr">
+            <a:solidFill>
+              <a:srgbClr val="8C2D19"/>
+            </a:solidFill>
+            <a:prstDash val="solid"/>
+            <a:round/>
+            <a:headEnd type="none" w="med" len="med"/>
+            <a:tailEnd type="none" w="med" len="med"/>
+          </a:ln>
+        </p:spPr>
+        <p:style>
+          <a:lnRef idx="0">
+            <a:scrgbClr r="0" g="0" b="0"/>
+          </a:lnRef>
+          <a:fillRef idx="0">
+            <a:scrgbClr r="0" g="0" b="0"/>
+          </a:fillRef>
+          <a:effectRef idx="0">
+            <a:scrgbClr r="0" g="0" b="0"/>
+          </a:effectRef>
+          <a:fontRef idx="minor">
+            <a:schemeClr val="dk1"/>
+          </a:fontRef>
+        </p:style>
+        <p:txBody>
+          <a:bodyPr rtlCol="0" anchor="ctr"/>
+          <a:lstStyle/>
+          <a:p>
+            <a:pPr algn="ctr"/>
+            <a:endParaRPr lang="en-GB"/>
+          </a:p>
+        </p:txBody>
+      </p:sp>
+      <p:sp>
+        <p:nvSpPr>
+          <p:cNvPr id="50" name="Oval 49">
+            <a:extLst>
+              <a:ext uri="{FF2B5EF4-FFF2-40B4-BE49-F238E27FC236}">
+                <a16:creationId xmlns:a16="http://schemas.microsoft.com/office/drawing/2014/main" id="{E114AA2E-BEDA-4D48-8174-1CC663D92F41}"/>
+              </a:ext>
+            </a:extLst>
+          </p:cNvPr>
+          <p:cNvSpPr/>
+          <p:nvPr/>
+        </p:nvSpPr>
+        <p:spPr>
+          <a:xfrm>
+            <a:off x="2420953" y="3915100"/>
+            <a:ext cx="157516" cy="180425"/>
+          </a:xfrm>
+          <a:prstGeom prst="ellipse">
+            <a:avLst/>
+          </a:prstGeom>
+          <a:noFill/>
+          <a:ln w="9525" cap="flat" cmpd="sng" algn="ctr">
+            <a:solidFill>
+              <a:srgbClr val="8C2D19"/>
+            </a:solidFill>
+            <a:prstDash val="solid"/>
+            <a:round/>
+            <a:headEnd type="none" w="med" len="med"/>
+            <a:tailEnd type="none" w="med" len="med"/>
+          </a:ln>
+        </p:spPr>
+        <p:style>
+          <a:lnRef idx="0">
+            <a:scrgbClr r="0" g="0" b="0"/>
+          </a:lnRef>
+          <a:fillRef idx="0">
+            <a:scrgbClr r="0" g="0" b="0"/>
+          </a:fillRef>
+          <a:effectRef idx="0">
+            <a:scrgbClr r="0" g="0" b="0"/>
+          </a:effectRef>
+          <a:fontRef idx="minor">
+            <a:schemeClr val="dk1"/>
+          </a:fontRef>
+        </p:style>
+        <p:txBody>
+          <a:bodyPr rtlCol="0" anchor="ctr"/>
+          <a:lstStyle/>
+          <a:p>
+            <a:pPr algn="ctr"/>
+            <a:endParaRPr lang="en-GB"/>
+          </a:p>
+        </p:txBody>
+      </p:sp>
+      <p:sp>
+        <p:nvSpPr>
+          <p:cNvPr id="52" name="Oval 51">
+            <a:extLst>
+              <a:ext uri="{FF2B5EF4-FFF2-40B4-BE49-F238E27FC236}">
+                <a16:creationId xmlns:a16="http://schemas.microsoft.com/office/drawing/2014/main" id="{3B7722FA-0FEE-4398-9ED8-0B6552989CA0}"/>
+              </a:ext>
+            </a:extLst>
+          </p:cNvPr>
+          <p:cNvSpPr/>
+          <p:nvPr/>
+        </p:nvSpPr>
+        <p:spPr>
+          <a:xfrm>
+            <a:off x="2138285" y="3915748"/>
+            <a:ext cx="157516" cy="180425"/>
+          </a:xfrm>
+          <a:prstGeom prst="ellipse">
+            <a:avLst/>
+          </a:prstGeom>
+          <a:noFill/>
+          <a:ln w="9525" cap="flat" cmpd="sng" algn="ctr">
+            <a:solidFill>
+              <a:srgbClr val="8C2D19"/>
+            </a:solidFill>
+            <a:prstDash val="solid"/>
+            <a:round/>
+            <a:headEnd type="none" w="med" len="med"/>
+            <a:tailEnd type="none" w="med" len="med"/>
+          </a:ln>
+        </p:spPr>
+        <p:style>
+          <a:lnRef idx="0">
+            <a:scrgbClr r="0" g="0" b="0"/>
+          </a:lnRef>
+          <a:fillRef idx="0">
+            <a:scrgbClr r="0" g="0" b="0"/>
+          </a:fillRef>
+          <a:effectRef idx="0">
+            <a:scrgbClr r="0" g="0" b="0"/>
+          </a:effectRef>
+          <a:fontRef idx="minor">
+            <a:schemeClr val="dk1"/>
+          </a:fontRef>
+        </p:style>
+        <p:txBody>
+          <a:bodyPr rtlCol="0" anchor="ctr"/>
+          <a:lstStyle/>
+          <a:p>
+            <a:pPr algn="ctr"/>
+            <a:endParaRPr lang="en-GB"/>
+          </a:p>
+        </p:txBody>
+      </p:sp>
+      <p:sp>
+        <p:nvSpPr>
+          <p:cNvPr id="53" name="Oval 52">
+            <a:extLst>
+              <a:ext uri="{FF2B5EF4-FFF2-40B4-BE49-F238E27FC236}">
+                <a16:creationId xmlns:a16="http://schemas.microsoft.com/office/drawing/2014/main" id="{BF7B763E-E59E-4F66-B0A0-1818A23335F8}"/>
+              </a:ext>
+            </a:extLst>
+          </p:cNvPr>
+          <p:cNvSpPr/>
+          <p:nvPr/>
+        </p:nvSpPr>
+        <p:spPr>
+          <a:xfrm>
+            <a:off x="1853854" y="3915100"/>
+            <a:ext cx="157516" cy="180425"/>
+          </a:xfrm>
+          <a:prstGeom prst="ellipse">
+            <a:avLst/>
+          </a:prstGeom>
+          <a:noFill/>
+          <a:ln w="9525" cap="flat" cmpd="sng" algn="ctr">
+            <a:solidFill>
+              <a:srgbClr val="8C2D19"/>
+            </a:solidFill>
+            <a:prstDash val="solid"/>
+            <a:round/>
+            <a:headEnd type="none" w="med" len="med"/>
+            <a:tailEnd type="none" w="med" len="med"/>
+          </a:ln>
+        </p:spPr>
+        <p:style>
+          <a:lnRef idx="0">
+            <a:scrgbClr r="0" g="0" b="0"/>
+          </a:lnRef>
+          <a:fillRef idx="0">
+            <a:scrgbClr r="0" g="0" b="0"/>
+          </a:fillRef>
+          <a:effectRef idx="0">
+            <a:scrgbClr r="0" g="0" b="0"/>
+          </a:effectRef>
+          <a:fontRef idx="minor">
+            <a:schemeClr val="dk1"/>
+          </a:fontRef>
+        </p:style>
+        <p:txBody>
+          <a:bodyPr rtlCol="0" anchor="ctr"/>
+          <a:lstStyle/>
+          <a:p>
+            <a:pPr algn="ctr"/>
+            <a:endParaRPr lang="en-GB"/>
+          </a:p>
+        </p:txBody>
+      </p:sp>
+      <p:sp>
+        <p:nvSpPr>
+          <p:cNvPr id="54" name="Oval 53">
+            <a:extLst>
+              <a:ext uri="{FF2B5EF4-FFF2-40B4-BE49-F238E27FC236}">
+                <a16:creationId xmlns:a16="http://schemas.microsoft.com/office/drawing/2014/main" id="{758C0458-3B9F-4EA1-A745-AE961755D005}"/>
+              </a:ext>
+            </a:extLst>
+          </p:cNvPr>
+          <p:cNvSpPr/>
+          <p:nvPr/>
+        </p:nvSpPr>
+        <p:spPr>
+          <a:xfrm>
+            <a:off x="1900117" y="3754057"/>
+            <a:ext cx="157516" cy="180425"/>
+          </a:xfrm>
+          <a:prstGeom prst="ellipse">
+            <a:avLst/>
+          </a:prstGeom>
+          <a:noFill/>
+          <a:ln w="9525" cap="flat" cmpd="sng" algn="ctr">
+            <a:solidFill>
+              <a:srgbClr val="8C2D19"/>
+            </a:solidFill>
+            <a:prstDash val="solid"/>
+            <a:round/>
+            <a:headEnd type="none" w="med" len="med"/>
+            <a:tailEnd type="none" w="med" len="med"/>
+          </a:ln>
+        </p:spPr>
+        <p:style>
+          <a:lnRef idx="0">
+            <a:scrgbClr r="0" g="0" b="0"/>
+          </a:lnRef>
+          <a:fillRef idx="0">
+            <a:scrgbClr r="0" g="0" b="0"/>
+          </a:fillRef>
+          <a:effectRef idx="0">
+            <a:scrgbClr r="0" g="0" b="0"/>
+          </a:effectRef>
+          <a:fontRef idx="minor">
+            <a:schemeClr val="dk1"/>
+          </a:fontRef>
+        </p:style>
+        <p:txBody>
+          <a:bodyPr rtlCol="0" anchor="ctr"/>
+          <a:lstStyle/>
+          <a:p>
+            <a:pPr algn="ctr"/>
+            <a:endParaRPr lang="en-GB"/>
+          </a:p>
+        </p:txBody>
+      </p:sp>
     </p:spTree>
     <p:extLst>
       <p:ext uri="{BB962C8B-B14F-4D97-AF65-F5344CB8AC3E}">

--- a/StreamZ_Apresentation4.pptx
+++ b/StreamZ_Apresentation4.pptx
@@ -370,7 +370,7 @@
           <a:p>
             <a:fld id="{B3BE95CB-A87E-409C-9CB9-073D81AF8FD7}" type="slidenum">
               <a:rPr lang="en-GB" smtClean="0"/>
-              <a:t>‹nº›</a:t>
+              <a:t>‹#›</a:t>
             </a:fld>
             <a:endParaRPr lang="en-GB"/>
           </a:p>
@@ -752,7 +752,7 @@
           <a:p>
             <a:fld id="{75DB3F52-068C-4339-9FA6-06F9AAEB3337}" type="slidenum">
               <a:rPr lang="en-GB" smtClean="0"/>
-              <a:t>‹nº›</a:t>
+              <a:t>‹#›</a:t>
             </a:fld>
             <a:endParaRPr lang="en-GB"/>
           </a:p>
@@ -963,7 +963,7 @@
           <a:p>
             <a:fld id="{75DB3F52-068C-4339-9FA6-06F9AAEB3337}" type="slidenum">
               <a:rPr lang="en-GB" smtClean="0"/>
-              <a:t>‹nº›</a:t>
+              <a:t>‹#›</a:t>
             </a:fld>
             <a:endParaRPr lang="en-GB"/>
           </a:p>
@@ -1224,7 +1224,7 @@
           <a:p>
             <a:fld id="{75DB3F52-068C-4339-9FA6-06F9AAEB3337}" type="slidenum">
               <a:rPr lang="en-GB" smtClean="0"/>
-              <a:t>‹nº›</a:t>
+              <a:t>‹#›</a:t>
             </a:fld>
             <a:endParaRPr lang="en-GB"/>
           </a:p>
@@ -1397,7 +1397,7 @@
           <a:p>
             <a:fld id="{75DB3F52-068C-4339-9FA6-06F9AAEB3337}" type="slidenum">
               <a:rPr lang="en-GB" smtClean="0"/>
-              <a:t>‹nº›</a:t>
+              <a:t>‹#›</a:t>
             </a:fld>
             <a:endParaRPr lang="en-GB"/>
           </a:p>
@@ -1737,7 +1737,7 @@
           <a:p>
             <a:fld id="{75DB3F52-068C-4339-9FA6-06F9AAEB3337}" type="slidenum">
               <a:rPr lang="en-GB" smtClean="0"/>
-              <a:t>‹nº›</a:t>
+              <a:t>‹#›</a:t>
             </a:fld>
             <a:endParaRPr lang="en-GB"/>
           </a:p>
@@ -2015,7 +2015,7 @@
           <a:p>
             <a:fld id="{75DB3F52-068C-4339-9FA6-06F9AAEB3337}" type="slidenum">
               <a:rPr lang="en-GB" smtClean="0"/>
-              <a:t>‹nº›</a:t>
+              <a:t>‹#›</a:t>
             </a:fld>
             <a:endParaRPr lang="en-GB"/>
           </a:p>
@@ -2401,7 +2401,7 @@
           <a:p>
             <a:fld id="{75DB3F52-068C-4339-9FA6-06F9AAEB3337}" type="slidenum">
               <a:rPr lang="en-GB" smtClean="0"/>
-              <a:t>‹nº›</a:t>
+              <a:t>‹#›</a:t>
             </a:fld>
             <a:endParaRPr lang="en-GB"/>
           </a:p>
@@ -2522,7 +2522,7 @@
           <a:p>
             <a:fld id="{75DB3F52-068C-4339-9FA6-06F9AAEB3337}" type="slidenum">
               <a:rPr lang="en-GB" smtClean="0"/>
-              <a:t>‹nº›</a:t>
+              <a:t>‹#›</a:t>
             </a:fld>
             <a:endParaRPr lang="en-GB"/>
           </a:p>
@@ -2706,7 +2706,7 @@
           <a:p>
             <a:fld id="{75DB3F52-068C-4339-9FA6-06F9AAEB3337}" type="slidenum">
               <a:rPr lang="en-GB" smtClean="0"/>
-              <a:t>‹nº›</a:t>
+              <a:t>‹#›</a:t>
             </a:fld>
             <a:endParaRPr lang="en-GB"/>
           </a:p>
@@ -3078,7 +3078,7 @@
           <a:p>
             <a:fld id="{75DB3F52-068C-4339-9FA6-06F9AAEB3337}" type="slidenum">
               <a:rPr lang="en-GB" smtClean="0"/>
-              <a:t>‹nº›</a:t>
+              <a:t>‹#›</a:t>
             </a:fld>
             <a:endParaRPr lang="en-GB"/>
           </a:p>
@@ -3424,7 +3424,7 @@
           <a:p>
             <a:fld id="{75DB3F52-068C-4339-9FA6-06F9AAEB3337}" type="slidenum">
               <a:rPr lang="en-GB" smtClean="0"/>
-              <a:t>‹nº›</a:t>
+              <a:t>‹#›</a:t>
             </a:fld>
             <a:endParaRPr lang="en-GB"/>
           </a:p>
@@ -3754,7 +3754,7 @@
           <a:p>
             <a:fld id="{75DB3F52-068C-4339-9FA6-06F9AAEB3337}" type="slidenum">
               <a:rPr lang="en-GB" smtClean="0"/>
-              <a:t>‹nº›</a:t>
+              <a:t>‹#›</a:t>
             </a:fld>
             <a:endParaRPr lang="en-GB"/>
           </a:p>
@@ -5318,7 +5318,9 @@
           </a:xfrm>
         </p:spPr>
         <p:txBody>
-          <a:bodyPr/>
+          <a:bodyPr>
+            <a:normAutofit fontScale="90000"/>
+          </a:bodyPr>
           <a:lstStyle/>
           <a:p>
             <a:pPr algn="ctr"/>
@@ -5332,7 +5334,7 @@
                 </a:solidFill>
                 <a:latin typeface="Bahnschrift SemiLight" panose="020B0502040204020203" pitchFamily="34" charset="0"/>
               </a:rPr>
-              <a:t>Ordenação</a:t>
+              <a:t>Ordenação e Listagem</a:t>
             </a:r>
             <a:endParaRPr lang="en-GB" sz="8000" dirty="0">
               <a:solidFill>
@@ -5600,7 +5602,7 @@
         <p:spPr>
           <a:xfrm>
             <a:off x="1097280" y="1978514"/>
-            <a:ext cx="3113752" cy="2862322"/>
+            <a:ext cx="3113752" cy="4031873"/>
           </a:xfrm>
           <a:prstGeom prst="rect">
             <a:avLst/>
@@ -5621,8 +5623,8 @@
               <a:buChar char="•"/>
             </a:pPr>
             <a:r>
-              <a:rPr lang="pt-PT" dirty="0"/>
-              <a:t>Aplica algoritmo sort da stl a vetores pré definidos.</a:t>
+              <a:rPr lang="pt-PT" sz="1600" dirty="0"/>
+              <a:t>Percorre a base de dados linearmente através de iteradores, filtrando os dados. Permite listagens com diferentes parametros.</a:t>
             </a:r>
           </a:p>
           <a:p>
@@ -5633,7 +5635,7 @@
               <a:buFont typeface="Arial" panose="020B0604020202020204" pitchFamily="34" charset="0"/>
               <a:buChar char="•"/>
             </a:pPr>
-            <a:endParaRPr lang="pt-PT" dirty="0"/>
+            <a:endParaRPr lang="pt-PT" sz="1600" dirty="0"/>
           </a:p>
           <a:p>
             <a:pPr marL="285750" indent="-285750">
@@ -5644,8 +5646,8 @@
               <a:buChar char="•"/>
             </a:pPr>
             <a:r>
-              <a:rPr lang="pt-PT" dirty="0"/>
-              <a:t>Permite ordenar pesquisas costumizadas enviando vetor com dados.</a:t>
+              <a:rPr lang="pt-PT" sz="1600" dirty="0"/>
+              <a:t>Aplica algoritmo sort da stl a vetores enviados por referência.</a:t>
             </a:r>
           </a:p>
           <a:p>
@@ -5656,7 +5658,7 @@
               <a:buFont typeface="Arial" panose="020B0604020202020204" pitchFamily="34" charset="0"/>
               <a:buChar char="•"/>
             </a:pPr>
-            <a:endParaRPr lang="pt-PT" dirty="0"/>
+            <a:endParaRPr lang="pt-PT" sz="1600" dirty="0"/>
           </a:p>
           <a:p>
             <a:pPr marL="285750" indent="-285750">
@@ -5667,7 +5669,30 @@
               <a:buChar char="•"/>
             </a:pPr>
             <a:r>
-              <a:rPr lang="pt-PT" dirty="0"/>
+              <a:rPr lang="pt-PT" sz="1600" dirty="0"/>
+              <a:t>Permite ordenar pesquisas costumizadas enviando vetor com dados.</a:t>
+            </a:r>
+          </a:p>
+          <a:p>
+            <a:pPr marL="285750" indent="-285750">
+              <a:buClr>
+                <a:srgbClr val="8C2D19"/>
+              </a:buClr>
+              <a:buFont typeface="Arial" panose="020B0604020202020204" pitchFamily="34" charset="0"/>
+              <a:buChar char="•"/>
+            </a:pPr>
+            <a:endParaRPr lang="pt-PT" sz="1600" dirty="0"/>
+          </a:p>
+          <a:p>
+            <a:pPr marL="285750" indent="-285750">
+              <a:buClr>
+                <a:srgbClr val="8C2D19"/>
+              </a:buClr>
+              <a:buFont typeface="Arial" panose="020B0604020202020204" pitchFamily="34" charset="0"/>
+              <a:buChar char="•"/>
+            </a:pPr>
+            <a:r>
+              <a:rPr lang="pt-PT" sz="1600" dirty="0"/>
               <a:t>Permite ordenar os dados mais recentes enviando vetor vazio.</a:t>
             </a:r>
           </a:p>
@@ -5945,7 +5970,7 @@
         <p:spPr>
           <a:xfrm>
             <a:off x="1097280" y="1978514"/>
-            <a:ext cx="3113752" cy="2862322"/>
+            <a:ext cx="3113752" cy="2308324"/>
           </a:xfrm>
           <a:prstGeom prst="rect">
             <a:avLst/>
@@ -5979,19 +6004,6 @@
               <a:buChar char="•"/>
             </a:pPr>
             <a:endParaRPr lang="pt-PT" dirty="0"/>
-          </a:p>
-          <a:p>
-            <a:pPr marL="285750" indent="-285750">
-              <a:buClr>
-                <a:srgbClr val="8C2D19"/>
-              </a:buClr>
-              <a:buFont typeface="Arial" panose="020B0604020202020204" pitchFamily="34" charset="0"/>
-              <a:buChar char="•"/>
-            </a:pPr>
-            <a:r>
-              <a:rPr lang="pt-PT" dirty="0"/>
-              <a:t>Permite listagens com diferentes parametros</a:t>
-            </a:r>
           </a:p>
           <a:p>
             <a:pPr marL="285750" indent="-285750">
@@ -6608,7 +6620,7 @@
         </p:spPr>
         <p:txBody>
           <a:bodyPr vert="horz" lIns="0" tIns="45720" rIns="0" bIns="45720" rtlCol="0">
-            <a:normAutofit/>
+            <a:normAutofit fontScale="92500" lnSpcReduction="10000"/>
           </a:bodyPr>
           <a:lstStyle>
             <a:lvl1pPr marL="91440" indent="-91440" algn="l" defTabSz="914400" rtl="0" eaLnBrk="1" latinLnBrk="0" hangingPunct="1">
@@ -6865,40 +6877,59 @@
               <a:buChar char="•"/>
             </a:pPr>
             <a:r>
+              <a:rPr lang="pt-PT" dirty="0"/>
+              <a:t>Guardar apontadores nos membros das classes para ter acesso direto às funções da classe associada. No entanto, como havia classes que dependiam umas das outras, carregar ficheiros seria bastante mais difícil pelo facto de certos objetos ainda não terem sido carregados.</a:t>
+            </a:r>
+            <a:r>
               <a:rPr lang="pt-PT" sz="1800" dirty="0"/>
-              <a:t>Inicialmente queríamos usar apontadores nos argumentos das funções e para guardar informação nos parâmetros das classes (</a:t>
-            </a:r>
-            <a:r>
-              <a:rPr lang="pt-PT" sz="1800" dirty="0" err="1"/>
-              <a:t>std</a:t>
-            </a:r>
-            <a:r>
-              <a:rPr lang="pt-PT" sz="1800" dirty="0"/>
-              <a:t>::</a:t>
-            </a:r>
-            <a:r>
-              <a:rPr lang="pt-PT" sz="1800" dirty="0" err="1"/>
-              <a:t>vector</a:t>
-            </a:r>
-            <a:r>
-              <a:rPr lang="pt-PT" sz="1800" dirty="0"/>
-              <a:t>&lt;</a:t>
-            </a:r>
-            <a:r>
-              <a:rPr lang="pt-PT" sz="1800" dirty="0" err="1"/>
-              <a:t>User</a:t>
-            </a:r>
-            <a:r>
-              <a:rPr lang="pt-PT" sz="1800" dirty="0"/>
-              <a:t> *&gt;), mas decidimos não o fazer pois quando focemos carregar/guardar ficheiros iria ser um pouco mais complicado. Portanto criamos a </a:t>
-            </a:r>
-            <a:r>
-              <a:rPr lang="pt-PT" sz="1800" dirty="0" err="1"/>
-              <a:t>DataBase</a:t>
-            </a:r>
-            <a:r>
-              <a:rPr lang="pt-PT" sz="1800" dirty="0"/>
-              <a:t>.</a:t>
+              <a:t> Para isso usamos nicknames e ID’s das streams como identificadores únicos.</a:t>
+            </a:r>
+          </a:p>
+          <a:p>
+            <a:pPr lvl="1">
+              <a:buClr>
+                <a:srgbClr val="8C2D19"/>
+              </a:buClr>
+              <a:buFont typeface="Arial" panose="020B0604020202020204" pitchFamily="34" charset="0"/>
+              <a:buChar char="•"/>
+            </a:pPr>
+            <a:endParaRPr lang="pt-PT" dirty="0">
+              <a:solidFill>
+                <a:schemeClr val="tx1"/>
+              </a:solidFill>
+            </a:endParaRPr>
+          </a:p>
+          <a:p>
+            <a:pPr lvl="1">
+              <a:buClr>
+                <a:srgbClr val="8C2D19"/>
+              </a:buClr>
+              <a:buFont typeface="Arial" panose="020B0604020202020204" pitchFamily="34" charset="0"/>
+              <a:buChar char="•"/>
+            </a:pPr>
+            <a:r>
+              <a:rPr lang="pt-PT" dirty="0">
+                <a:solidFill>
+                  <a:schemeClr val="tx1"/>
+                </a:solidFill>
+              </a:rPr>
+              <a:t>Ligação entre as diferentes classes em relação a chamada de métodos. Para tal usamos a classe StreamZ </a:t>
+            </a:r>
+            <a:r>
+              <a:rPr lang="pt-PT">
+                <a:solidFill>
+                  <a:schemeClr val="tx1"/>
+                </a:solidFill>
+              </a:rPr>
+              <a:t>como interligação </a:t>
+            </a:r>
+            <a:r>
+              <a:rPr lang="pt-PT" dirty="0">
+                <a:solidFill>
+                  <a:schemeClr val="tx1"/>
+                </a:solidFill>
+              </a:rPr>
+              <a:t>entre as várias classes.</a:t>
             </a:r>
           </a:p>
           <a:p>
@@ -14238,7 +14269,7 @@
         </p:blipFill>
         <p:spPr>
           <a:xfrm>
-            <a:off x="4739083" y="3603666"/>
+            <a:off x="4739083" y="3878594"/>
             <a:ext cx="6349127" cy="2118890"/>
           </a:xfrm>
           <a:prstGeom prst="rect">
@@ -14290,8 +14321,8 @@
         </p:nvSpPr>
         <p:spPr>
           <a:xfrm>
-            <a:off x="1189358" y="2012309"/>
-            <a:ext cx="5468893" cy="1200329"/>
+            <a:off x="1189359" y="1736140"/>
+            <a:ext cx="5468893" cy="2031325"/>
           </a:xfrm>
           <a:prstGeom prst="rect">
             <a:avLst/>
@@ -14313,21 +14344,8 @@
             </a:pPr>
             <a:r>
               <a:rPr lang="pt-PT" dirty="0"/>
-              <a:t>Todos os dados são guardados em </a:t>
-            </a:r>
-            <a:r>
-              <a:rPr lang="pt-PT" dirty="0" err="1"/>
-              <a:t>unordered</a:t>
-            </a:r>
-            <a:r>
-              <a:rPr lang="pt-PT" dirty="0"/>
-              <a:t> </a:t>
-            </a:r>
-            <a:r>
-              <a:rPr lang="pt-PT" dirty="0" err="1"/>
-              <a:t>maps</a:t>
-            </a:r>
-            <a:endParaRPr lang="pt-PT" dirty="0"/>
+              <a:t>Os dados são guardados em dois unordered maps, onde são guardados apontadores para streams e noutro apontadores para users.</a:t>
+            </a:r>
           </a:p>
           <a:p>
             <a:pPr marL="285750" indent="-285750">
@@ -14349,7 +14367,7 @@
             </a:pPr>
             <a:r>
               <a:rPr lang="pt-PT" dirty="0"/>
-              <a:t>Permite obter apontador para um dado elemento sabendo apenas o seu identificador</a:t>
+              <a:t>Permite obter apontador para um dado elemento sabendo apenas o seu identificador (ID nas streams, nickname nos users).</a:t>
             </a:r>
             <a:endParaRPr lang="en-GB" dirty="0"/>
           </a:p>
@@ -14405,7 +14423,7 @@
         </p:nvSpPr>
         <p:spPr>
           <a:xfrm>
-            <a:off x="9323511" y="5719015"/>
+            <a:off x="9323511" y="5954400"/>
             <a:ext cx="1832169" cy="338554"/>
           </a:xfrm>
           <a:prstGeom prst="rect">
@@ -14449,7 +14467,7 @@
         </p:blipFill>
         <p:spPr>
           <a:xfrm>
-            <a:off x="1189359" y="3603666"/>
+            <a:off x="1189359" y="3949897"/>
             <a:ext cx="3009530" cy="1976285"/>
           </a:xfrm>
           <a:prstGeom prst="rect">
@@ -14471,7 +14489,7 @@
         </p:nvSpPr>
         <p:spPr>
           <a:xfrm>
-            <a:off x="3163651" y="5581171"/>
+            <a:off x="3197386" y="5926182"/>
             <a:ext cx="1035238" cy="338554"/>
           </a:xfrm>
           <a:prstGeom prst="rect">

--- a/StreamZ_Apresentation4.pptx
+++ b/StreamZ_Apresentation4.pptx
@@ -5,7 +5,7 @@
     <p:sldMasterId id="2147483803" r:id="rId1"/>
   </p:sldMasterIdLst>
   <p:notesMasterIdLst>
-    <p:notesMasterId r:id="rId21"/>
+    <p:notesMasterId r:id="rId23"/>
   </p:notesMasterIdLst>
   <p:sldIdLst>
     <p:sldId id="256" r:id="rId2"/>
@@ -27,6 +27,8 @@
     <p:sldId id="271" r:id="rId18"/>
     <p:sldId id="262" r:id="rId19"/>
     <p:sldId id="263" r:id="rId20"/>
+    <p:sldId id="278" r:id="rId21"/>
+    <p:sldId id="279" r:id="rId22"/>
   </p:sldIdLst>
   <p:sldSz cx="12192000" cy="6858000"/>
   <p:notesSz cx="6858000" cy="9144000"/>
@@ -374,7 +376,7 @@
           <a:p>
             <a:fld id="{B3BE95CB-A87E-409C-9CB9-073D81AF8FD7}" type="slidenum">
               <a:rPr lang="en-GB" smtClean="0"/>
-              <a:t>‹nº›</a:t>
+              <a:t>‹#›</a:t>
             </a:fld>
             <a:endParaRPr lang="en-GB"/>
           </a:p>
@@ -756,7 +758,7 @@
           <a:p>
             <a:fld id="{75DB3F52-068C-4339-9FA6-06F9AAEB3337}" type="slidenum">
               <a:rPr lang="en-GB" smtClean="0"/>
-              <a:t>‹nº›</a:t>
+              <a:t>‹#›</a:t>
             </a:fld>
             <a:endParaRPr lang="en-GB"/>
           </a:p>
@@ -967,7 +969,7 @@
           <a:p>
             <a:fld id="{75DB3F52-068C-4339-9FA6-06F9AAEB3337}" type="slidenum">
               <a:rPr lang="en-GB" smtClean="0"/>
-              <a:t>‹nº›</a:t>
+              <a:t>‹#›</a:t>
             </a:fld>
             <a:endParaRPr lang="en-GB"/>
           </a:p>
@@ -1228,7 +1230,7 @@
           <a:p>
             <a:fld id="{75DB3F52-068C-4339-9FA6-06F9AAEB3337}" type="slidenum">
               <a:rPr lang="en-GB" smtClean="0"/>
-              <a:t>‹nº›</a:t>
+              <a:t>‹#›</a:t>
             </a:fld>
             <a:endParaRPr lang="en-GB"/>
           </a:p>
@@ -1401,7 +1403,7 @@
           <a:p>
             <a:fld id="{75DB3F52-068C-4339-9FA6-06F9AAEB3337}" type="slidenum">
               <a:rPr lang="en-GB" smtClean="0"/>
-              <a:t>‹nº›</a:t>
+              <a:t>‹#›</a:t>
             </a:fld>
             <a:endParaRPr lang="en-GB"/>
           </a:p>
@@ -1741,7 +1743,7 @@
           <a:p>
             <a:fld id="{75DB3F52-068C-4339-9FA6-06F9AAEB3337}" type="slidenum">
               <a:rPr lang="en-GB" smtClean="0"/>
-              <a:t>‹nº›</a:t>
+              <a:t>‹#›</a:t>
             </a:fld>
             <a:endParaRPr lang="en-GB"/>
           </a:p>
@@ -2019,7 +2021,7 @@
           <a:p>
             <a:fld id="{75DB3F52-068C-4339-9FA6-06F9AAEB3337}" type="slidenum">
               <a:rPr lang="en-GB" smtClean="0"/>
-              <a:t>‹nº›</a:t>
+              <a:t>‹#›</a:t>
             </a:fld>
             <a:endParaRPr lang="en-GB"/>
           </a:p>
@@ -2405,7 +2407,7 @@
           <a:p>
             <a:fld id="{75DB3F52-068C-4339-9FA6-06F9AAEB3337}" type="slidenum">
               <a:rPr lang="en-GB" smtClean="0"/>
-              <a:t>‹nº›</a:t>
+              <a:t>‹#›</a:t>
             </a:fld>
             <a:endParaRPr lang="en-GB"/>
           </a:p>
@@ -2526,7 +2528,7 @@
           <a:p>
             <a:fld id="{75DB3F52-068C-4339-9FA6-06F9AAEB3337}" type="slidenum">
               <a:rPr lang="en-GB" smtClean="0"/>
-              <a:t>‹nº›</a:t>
+              <a:t>‹#›</a:t>
             </a:fld>
             <a:endParaRPr lang="en-GB"/>
           </a:p>
@@ -2710,7 +2712,7 @@
           <a:p>
             <a:fld id="{75DB3F52-068C-4339-9FA6-06F9AAEB3337}" type="slidenum">
               <a:rPr lang="en-GB" smtClean="0"/>
-              <a:t>‹nº›</a:t>
+              <a:t>‹#›</a:t>
             </a:fld>
             <a:endParaRPr lang="en-GB"/>
           </a:p>
@@ -3082,7 +3084,7 @@
           <a:p>
             <a:fld id="{75DB3F52-068C-4339-9FA6-06F9AAEB3337}" type="slidenum">
               <a:rPr lang="en-GB" smtClean="0"/>
-              <a:t>‹nº›</a:t>
+              <a:t>‹#›</a:t>
             </a:fld>
             <a:endParaRPr lang="en-GB"/>
           </a:p>
@@ -3428,7 +3430,7 @@
           <a:p>
             <a:fld id="{75DB3F52-068C-4339-9FA6-06F9AAEB3337}" type="slidenum">
               <a:rPr lang="en-GB" smtClean="0"/>
-              <a:t>‹nº›</a:t>
+              <a:t>‹#›</a:t>
             </a:fld>
             <a:endParaRPr lang="en-GB"/>
           </a:p>
@@ -3758,7 +3760,7 @@
           <a:p>
             <a:fld id="{75DB3F52-068C-4339-9FA6-06F9AAEB3337}" type="slidenum">
               <a:rPr lang="en-GB" smtClean="0"/>
-              <a:t>‹nº›</a:t>
+              <a:t>‹#›</a:t>
             </a:fld>
             <a:endParaRPr lang="en-GB"/>
           </a:p>
@@ -11755,8 +11757,8 @@
         </p:nvSpPr>
         <p:spPr>
           <a:xfrm>
-            <a:off x="9146998" y="5694321"/>
-            <a:ext cx="1995108" cy="369332"/>
+            <a:off x="9146997" y="5694321"/>
+            <a:ext cx="2775713" cy="338554"/>
           </a:xfrm>
           <a:prstGeom prst="rect">
             <a:avLst/>
@@ -11771,11 +11773,7 @@
           <a:p>
             <a:r>
               <a:rPr lang="pt-PT" sz="1600" dirty="0"/>
-              <a:t>(excerto)Account</a:t>
-            </a:r>
-            <a:r>
-              <a:rPr lang="pt-PT" dirty="0"/>
-              <a:t>.cpp</a:t>
+              <a:t>(excerto) SearchManager.cpp</a:t>
             </a:r>
             <a:endParaRPr lang="en-GB" dirty="0"/>
           </a:p>
@@ -11877,7 +11875,7 @@
             </a:pPr>
             <a:r>
               <a:rPr lang="pt-PT" dirty="0"/>
-              <a:t>Permite listagens com diferentes parametros</a:t>
+              <a:t>Permite listagens com diferentes parametros.</a:t>
             </a:r>
           </a:p>
           <a:p>
@@ -12029,10 +12027,10 @@
       </p:pic>
       <p:pic>
         <p:nvPicPr>
-          <p:cNvPr id="8" name="Imagem 7">
-            <a:extLst>
-              <a:ext uri="{FF2B5EF4-FFF2-40B4-BE49-F238E27FC236}">
-                <a16:creationId xmlns:a16="http://schemas.microsoft.com/office/drawing/2014/main" id="{3B845DB4-5503-4F5A-8E06-79C8E6D5F67C}"/>
+          <p:cNvPr id="10" name="Picture 9" descr="Text&#10;&#10;Description automatically generated">
+            <a:extLst>
+              <a:ext uri="{FF2B5EF4-FFF2-40B4-BE49-F238E27FC236}">
+                <a16:creationId xmlns:a16="http://schemas.microsoft.com/office/drawing/2014/main" id="{056DD240-8181-4ABF-B7DC-216833BC4DBF}"/>
               </a:ext>
             </a:extLst>
           </p:cNvPr>
@@ -12042,45 +12040,21 @@
           <p:nvPr/>
         </p:nvPicPr>
         <p:blipFill>
-          <a:blip r:embed="rId4"/>
+          <a:blip r:embed="rId4">
+            <a:extLst>
+              <a:ext uri="{28A0092B-C50C-407E-A947-70E740481C1C}">
+                <a14:useLocalDpi xmlns:a14="http://schemas.microsoft.com/office/drawing/2010/main" val="0"/>
+              </a:ext>
+            </a:extLst>
+          </a:blip>
           <a:stretch>
             <a:fillRect/>
           </a:stretch>
         </p:blipFill>
         <p:spPr>
           <a:xfrm>
-            <a:off x="4968321" y="3934454"/>
-            <a:ext cx="2065791" cy="222577"/>
-          </a:xfrm>
-          <a:prstGeom prst="rect">
-            <a:avLst/>
-          </a:prstGeom>
-        </p:spPr>
-      </p:pic>
-      <p:pic>
-        <p:nvPicPr>
-          <p:cNvPr id="11" name="Imagem 10">
-            <a:extLst>
-              <a:ext uri="{FF2B5EF4-FFF2-40B4-BE49-F238E27FC236}">
-                <a16:creationId xmlns:a16="http://schemas.microsoft.com/office/drawing/2014/main" id="{D7DF9EB6-FA85-4F91-9B57-F423EA0E0F70}"/>
-              </a:ext>
-            </a:extLst>
-          </p:cNvPr>
-          <p:cNvPicPr>
-            <a:picLocks noChangeAspect="1"/>
-          </p:cNvPicPr>
-          <p:nvPr/>
-        </p:nvPicPr>
-        <p:blipFill>
-          <a:blip r:embed="rId5"/>
-          <a:stretch>
-            <a:fillRect/>
-          </a:stretch>
-        </p:blipFill>
-        <p:spPr>
-          <a:xfrm>
-            <a:off x="4968321" y="4127315"/>
-            <a:ext cx="6173785" cy="1657602"/>
+            <a:off x="4994688" y="3973333"/>
+            <a:ext cx="4102465" cy="2198673"/>
           </a:xfrm>
           <a:prstGeom prst="rect">
             <a:avLst/>
@@ -12266,6 +12240,37 @@
                   <a:schemeClr val="tx1"/>
                 </a:solidFill>
               </a:rPr>
+              <a:t>Funcionalidade extra: Um visualizador pode seguir streamers e pedir uma lista das streams ativas correspondente aos streamers que segue.</a:t>
+            </a:r>
+          </a:p>
+          <a:p>
+            <a:pPr lvl="1">
+              <a:buClr>
+                <a:srgbClr val="8C2D19"/>
+              </a:buClr>
+              <a:buFont typeface="Arial" panose="020B0604020202020204" pitchFamily="34" charset="0"/>
+              <a:buChar char="•"/>
+            </a:pPr>
+            <a:endParaRPr lang="pt-PT" dirty="0">
+              <a:solidFill>
+                <a:schemeClr val="tx1"/>
+              </a:solidFill>
+            </a:endParaRPr>
+          </a:p>
+          <a:p>
+            <a:pPr lvl="1">
+              <a:buClr>
+                <a:srgbClr val="8C2D19"/>
+              </a:buClr>
+              <a:buFont typeface="Arial" panose="020B0604020202020204" pitchFamily="34" charset="0"/>
+              <a:buChar char="•"/>
+            </a:pPr>
+            <a:r>
+              <a:rPr lang="pt-PT" dirty="0">
+                <a:solidFill>
+                  <a:schemeClr val="tx1"/>
+                </a:solidFill>
+              </a:rPr>
               <a:t>Testes com auxilio à </a:t>
             </a:r>
             <a:r>
@@ -12646,8 +12651,8 @@
         </p:nvSpPr>
         <p:spPr>
           <a:xfrm>
-            <a:off x="1066800" y="2439588"/>
-            <a:ext cx="10058400" cy="3606106"/>
+            <a:off x="1066800" y="2031214"/>
+            <a:ext cx="10058400" cy="4094373"/>
           </a:xfrm>
           <a:prstGeom prst="rect">
             <a:avLst/>
@@ -12912,40 +12917,12 @@
               <a:buChar char="•"/>
             </a:pPr>
             <a:r>
+              <a:rPr lang="pt-PT" dirty="0"/>
+              <a:t>Guardar apontadores nos membros das classes para ter acesso direto às funções da classe associada. No entanto, como havia classes que dependiam umas das outras, carregar ficheiros seria bastante mais difícil pelo facto de certos objetos ainda não terem sido carregados para o programa.</a:t>
+            </a:r>
+            <a:r>
               <a:rPr lang="pt-PT" sz="1800" dirty="0"/>
-              <a:t>Inicialmente queríamos usar apontadores nos argumentos das funções e para guardar informação nos parâmetros das classes (</a:t>
-            </a:r>
-            <a:r>
-              <a:rPr lang="pt-PT" sz="1800" dirty="0" err="1"/>
-              <a:t>std</a:t>
-            </a:r>
-            <a:r>
-              <a:rPr lang="pt-PT" sz="1800" dirty="0"/>
-              <a:t>::</a:t>
-            </a:r>
-            <a:r>
-              <a:rPr lang="pt-PT" sz="1800" dirty="0" err="1"/>
-              <a:t>vector</a:t>
-            </a:r>
-            <a:r>
-              <a:rPr lang="pt-PT" sz="1800" dirty="0"/>
-              <a:t>&lt;</a:t>
-            </a:r>
-            <a:r>
-              <a:rPr lang="pt-PT" sz="1800" dirty="0" err="1"/>
-              <a:t>User</a:t>
-            </a:r>
-            <a:r>
-              <a:rPr lang="pt-PT" sz="1800" dirty="0"/>
-              <a:t> *&gt;), mas decidimos não o fazer pois quando focemos carregar/guardar ficheiros iria ser um pouco mais complicado. Portanto criamos a </a:t>
-            </a:r>
-            <a:r>
-              <a:rPr lang="pt-PT" sz="1800" dirty="0" err="1"/>
-              <a:t>DataBase</a:t>
-            </a:r>
-            <a:r>
-              <a:rPr lang="pt-PT" sz="1800" dirty="0"/>
-              <a:t>.</a:t>
+              <a:t> Para isso usamos nicknames e ID’s das streams como identificadores únicos.</a:t>
             </a:r>
           </a:p>
           <a:p>
@@ -12971,29 +12948,22 @@
               <a:buChar char="•"/>
             </a:pPr>
             <a:r>
-              <a:rPr lang="pt-PT" dirty="0" err="1">
-                <a:solidFill>
-                  <a:schemeClr val="tx1"/>
-                </a:solidFill>
-              </a:rPr>
-              <a:t>Gostavamos</a:t>
-            </a:r>
-            <a:r>
               <a:rPr lang="pt-PT" dirty="0">
                 <a:solidFill>
                   <a:schemeClr val="tx1"/>
                 </a:solidFill>
               </a:rPr>
-              <a:t> de implementar ficheiros em binário mas não foi possível devido aos tamanhos variáveis dos vetores e das </a:t>
-            </a:r>
-            <a:r>
-              <a:rPr lang="pt-PT" dirty="0" err="1">
-                <a:solidFill>
-                  <a:schemeClr val="tx1"/>
-                </a:solidFill>
-              </a:rPr>
-              <a:t>strings</a:t>
-            </a:r>
+              <a:t>Ligação entre as diferentes classes em relação a chamada de métodos. Para tal usamos a classe StreamZ como interligação entre as várias classes.</a:t>
+            </a:r>
+          </a:p>
+          <a:p>
+            <a:pPr lvl="1">
+              <a:buClr>
+                <a:srgbClr val="8C2D19"/>
+              </a:buClr>
+              <a:buFont typeface="Arial" panose="020B0604020202020204" pitchFamily="34" charset="0"/>
+              <a:buChar char="•"/>
+            </a:pPr>
             <a:endParaRPr lang="pt-PT" dirty="0">
               <a:solidFill>
                 <a:schemeClr val="tx1"/>
@@ -13001,22 +12971,52 @@
             </a:endParaRPr>
           </a:p>
           <a:p>
-            <a:pPr marL="0" indent="0">
-              <a:buFont typeface="Calibri" panose="020F0502020204030204" pitchFamily="34" charset="0"/>
-              <a:buNone/>
+            <a:pPr lvl="1">
+              <a:buClr>
+                <a:srgbClr val="8C2D19"/>
+              </a:buClr>
+              <a:buFont typeface="Arial" panose="020B0604020202020204" pitchFamily="34" charset="0"/>
+              <a:buChar char="•"/>
             </a:pPr>
-            <a:endParaRPr lang="pt-PT" dirty="0"/>
-          </a:p>
-          <a:p>
-            <a:pPr marL="0" indent="0">
-              <a:buFont typeface="Calibri" panose="020F0502020204030204" pitchFamily="34" charset="0"/>
-              <a:buNone/>
+            <a:r>
+              <a:rPr lang="pt-PT" dirty="0">
+                <a:solidFill>
+                  <a:schemeClr val="tx1"/>
+                </a:solidFill>
+              </a:rPr>
+              <a:t>Não implementamos ficheiros em binário, como tinhamos inicialmente planeado, devido aos tamanhos variáveis dos vetores e das strings.</a:t>
+            </a:r>
+          </a:p>
+          <a:p>
+            <a:pPr lvl="1">
+              <a:buClr>
+                <a:srgbClr val="8C2D19"/>
+              </a:buClr>
+              <a:buFont typeface="Arial" panose="020B0604020202020204" pitchFamily="34" charset="0"/>
+              <a:buChar char="•"/>
             </a:pPr>
-            <a:r>
-              <a:rPr lang="pt-PT" dirty="0"/>
-              <a:t> </a:t>
-            </a:r>
-            <a:endParaRPr lang="en-GB" dirty="0"/>
+            <a:endParaRPr lang="pt-PT" dirty="0">
+              <a:solidFill>
+                <a:schemeClr val="tx1"/>
+              </a:solidFill>
+            </a:endParaRPr>
+          </a:p>
+          <a:p>
+            <a:pPr lvl="1">
+              <a:buClr>
+                <a:srgbClr val="8C2D19"/>
+              </a:buClr>
+              <a:buFont typeface="Arial" panose="020B0604020202020204" pitchFamily="34" charset="0"/>
+              <a:buChar char="•"/>
+            </a:pPr>
+            <a:r>
+              <a:rPr lang="pt-PT" dirty="0">
+                <a:solidFill>
+                  <a:schemeClr val="tx1"/>
+                </a:solidFill>
+              </a:rPr>
+              <a:t>Garantir que não ficaria nenhuma referencia quando algum objeto fosse apagado do sistema. Tal causaria chamar funções sobre apontadores nulos. Conseguido através da implementação de destrutores.</a:t>
+            </a:r>
           </a:p>
         </p:txBody>
       </p:sp>
@@ -13911,6 +13911,711 @@
     <p:extLst>
       <p:ext uri="{BB962C8B-B14F-4D97-AF65-F5344CB8AC3E}">
         <p14:creationId xmlns:p14="http://schemas.microsoft.com/office/powerpoint/2010/main" val="3985234901"/>
+      </p:ext>
+    </p:extLst>
+  </p:cSld>
+  <p:clrMapOvr>
+    <a:masterClrMapping/>
+  </p:clrMapOvr>
+</p:sld>
+</file>
+
+<file path=ppt/slides/slide20.xml><?xml version="1.0" encoding="utf-8"?>
+<p:sld xmlns:a="http://schemas.openxmlformats.org/drawingml/2006/main" xmlns:r="http://schemas.openxmlformats.org/officeDocument/2006/relationships" xmlns:p="http://schemas.openxmlformats.org/presentationml/2006/main">
+  <p:cSld>
+    <p:spTree>
+      <p:nvGrpSpPr>
+        <p:cNvPr id="1" name=""/>
+        <p:cNvGrpSpPr/>
+        <p:nvPr/>
+      </p:nvGrpSpPr>
+      <p:grpSpPr>
+        <a:xfrm>
+          <a:off x="0" y="0"/>
+          <a:ext cx="0" cy="0"/>
+          <a:chOff x="0" y="0"/>
+          <a:chExt cx="0" cy="0"/>
+        </a:xfrm>
+      </p:grpSpPr>
+      <p:sp>
+        <p:nvSpPr>
+          <p:cNvPr id="2" name="Título 1">
+            <a:extLst>
+              <a:ext uri="{FF2B5EF4-FFF2-40B4-BE49-F238E27FC236}">
+                <a16:creationId xmlns:a16="http://schemas.microsoft.com/office/drawing/2014/main" id="{B6E269CC-F3EC-43ED-BC98-FCEA20CEA90D}"/>
+              </a:ext>
+            </a:extLst>
+          </p:cNvPr>
+          <p:cNvSpPr>
+            <a:spLocks noGrp="1"/>
+          </p:cNvSpPr>
+          <p:nvPr>
+            <p:ph type="title"/>
+          </p:nvPr>
+        </p:nvSpPr>
+        <p:spPr/>
+        <p:txBody>
+          <a:bodyPr/>
+          <a:lstStyle/>
+          <a:p>
+            <a:pPr algn="ctr"/>
+            <a:r>
+              <a:rPr lang="pt-PT" sz="8000" dirty="0">
+                <a:solidFill>
+                  <a:schemeClr val="tx1">
+                    <a:lumMod val="85000"/>
+                    <a:lumOff val="15000"/>
+                  </a:schemeClr>
+                </a:solidFill>
+                <a:latin typeface="Bahnschrift SemiLight" panose="020B0502040204020203" pitchFamily="34" charset="0"/>
+              </a:rPr>
+              <a:t>UI - Como usar</a:t>
+            </a:r>
+            <a:endParaRPr lang="en-GB" sz="8000" dirty="0">
+              <a:solidFill>
+                <a:schemeClr val="tx1">
+                  <a:lumMod val="85000"/>
+                  <a:lumOff val="15000"/>
+                </a:schemeClr>
+              </a:solidFill>
+              <a:latin typeface="Bahnschrift SemiLight" panose="020B0502040204020203" pitchFamily="34" charset="0"/>
+            </a:endParaRPr>
+          </a:p>
+        </p:txBody>
+      </p:sp>
+      <p:pic>
+        <p:nvPicPr>
+          <p:cNvPr id="9" name="Content Placeholder 8" descr="Graphical user interface">
+            <a:extLst>
+              <a:ext uri="{FF2B5EF4-FFF2-40B4-BE49-F238E27FC236}">
+                <a16:creationId xmlns:a16="http://schemas.microsoft.com/office/drawing/2014/main" id="{0C393F47-35C0-45C1-8E28-5EDA08BB0706}"/>
+              </a:ext>
+              <a:ext uri="{C183D7F6-B498-43B3-948B-1728B52AA6E4}">
+                <adec:decorative xmlns:adec="http://schemas.microsoft.com/office/drawing/2017/decorative" val="0"/>
+              </a:ext>
+            </a:extLst>
+          </p:cNvPr>
+          <p:cNvPicPr>
+            <a:picLocks noGrp="1" noChangeAspect="1"/>
+          </p:cNvPicPr>
+          <p:nvPr>
+            <p:ph idx="1"/>
+          </p:nvPr>
+        </p:nvPicPr>
+        <p:blipFill>
+          <a:blip r:embed="rId2"/>
+          <a:stretch>
+            <a:fillRect/>
+          </a:stretch>
+        </p:blipFill>
+        <p:spPr>
+          <a:xfrm>
+            <a:off x="1097280" y="2433892"/>
+            <a:ext cx="4684603" cy="1990215"/>
+          </a:xfrm>
+        </p:spPr>
+      </p:pic>
+      <p:cxnSp>
+        <p:nvCxnSpPr>
+          <p:cNvPr id="5" name="Conexão reta 4">
+            <a:extLst>
+              <a:ext uri="{FF2B5EF4-FFF2-40B4-BE49-F238E27FC236}">
+                <a16:creationId xmlns:a16="http://schemas.microsoft.com/office/drawing/2014/main" id="{D1B427FC-FECB-4AD9-947A-AE1CD8E8E0E9}"/>
+              </a:ext>
+            </a:extLst>
+          </p:cNvPr>
+          <p:cNvCxnSpPr>
+            <a:cxnSpLocks/>
+          </p:cNvCxnSpPr>
+          <p:nvPr/>
+        </p:nvCxnSpPr>
+        <p:spPr>
+          <a:xfrm flipH="1">
+            <a:off x="1097280" y="1737360"/>
+            <a:ext cx="10239504" cy="0"/>
+          </a:xfrm>
+          <a:prstGeom prst="line">
+            <a:avLst/>
+          </a:prstGeom>
+          <a:ln>
+            <a:solidFill>
+              <a:srgbClr val="8C2D19"/>
+            </a:solidFill>
+          </a:ln>
+        </p:spPr>
+        <p:style>
+          <a:lnRef idx="1">
+            <a:schemeClr val="accent1"/>
+          </a:lnRef>
+          <a:fillRef idx="0">
+            <a:schemeClr val="accent1"/>
+          </a:fillRef>
+          <a:effectRef idx="0">
+            <a:schemeClr val="accent1"/>
+          </a:effectRef>
+          <a:fontRef idx="minor">
+            <a:schemeClr val="tx1"/>
+          </a:fontRef>
+        </p:style>
+      </p:cxnSp>
+      <p:sp>
+        <p:nvSpPr>
+          <p:cNvPr id="4" name="Marcador de Posição do Rodapé 3">
+            <a:extLst>
+              <a:ext uri="{FF2B5EF4-FFF2-40B4-BE49-F238E27FC236}">
+                <a16:creationId xmlns:a16="http://schemas.microsoft.com/office/drawing/2014/main" id="{2E6D09DD-1E47-4A67-AB57-535BA57CB1EF}"/>
+              </a:ext>
+            </a:extLst>
+          </p:cNvPr>
+          <p:cNvSpPr>
+            <a:spLocks noGrp="1"/>
+          </p:cNvSpPr>
+          <p:nvPr>
+            <p:ph type="ftr" sz="quarter" idx="11"/>
+          </p:nvPr>
+        </p:nvSpPr>
+        <p:spPr/>
+        <p:txBody>
+          <a:bodyPr/>
+          <a:lstStyle/>
+          <a:p>
+            <a:r>
+              <a:rPr lang="en-GB" sz="2400" b="1" dirty="0"/>
+              <a:t>2MIEIC04_G1</a:t>
+            </a:r>
+          </a:p>
+        </p:txBody>
+      </p:sp>
+      <p:sp>
+        <p:nvSpPr>
+          <p:cNvPr id="6" name="Marcador de Posição do Número do Diapositivo 5">
+            <a:extLst>
+              <a:ext uri="{FF2B5EF4-FFF2-40B4-BE49-F238E27FC236}">
+                <a16:creationId xmlns:a16="http://schemas.microsoft.com/office/drawing/2014/main" id="{A6038915-9563-428D-88A8-7720015CFAC0}"/>
+              </a:ext>
+            </a:extLst>
+          </p:cNvPr>
+          <p:cNvSpPr>
+            <a:spLocks noGrp="1"/>
+          </p:cNvSpPr>
+          <p:nvPr>
+            <p:ph type="sldNum" sz="quarter" idx="12"/>
+          </p:nvPr>
+        </p:nvSpPr>
+        <p:spPr/>
+        <p:txBody>
+          <a:bodyPr/>
+          <a:lstStyle/>
+          <a:p>
+            <a:fld id="{75DB3F52-068C-4339-9FA6-06F9AAEB3337}" type="slidenum">
+              <a:rPr lang="en-GB" sz="2400"/>
+              <a:t>20</a:t>
+            </a:fld>
+            <a:endParaRPr lang="en-GB" sz="2400" dirty="0"/>
+          </a:p>
+        </p:txBody>
+      </p:sp>
+      <p:pic>
+        <p:nvPicPr>
+          <p:cNvPr id="7" name="Imagem 6">
+            <a:extLst>
+              <a:ext uri="{FF2B5EF4-FFF2-40B4-BE49-F238E27FC236}">
+                <a16:creationId xmlns:a16="http://schemas.microsoft.com/office/drawing/2014/main" id="{95C51A54-AF96-43E2-9C50-EFB3428A2FB4}"/>
+              </a:ext>
+            </a:extLst>
+          </p:cNvPr>
+          <p:cNvPicPr>
+            <a:picLocks noChangeAspect="1"/>
+          </p:cNvPicPr>
+          <p:nvPr/>
+        </p:nvPicPr>
+        <p:blipFill rotWithShape="1">
+          <a:blip r:embed="rId3">
+            <a:extLst>
+              <a:ext uri="{28A0092B-C50C-407E-A947-70E740481C1C}">
+                <a14:useLocalDpi xmlns:a14="http://schemas.microsoft.com/office/drawing/2010/main" val="0"/>
+              </a:ext>
+            </a:extLst>
+          </a:blip>
+          <a:srcRect r="39904"/>
+          <a:stretch/>
+        </p:blipFill>
+        <p:spPr>
+          <a:xfrm>
+            <a:off x="1097280" y="6500189"/>
+            <a:ext cx="1406360" cy="312685"/>
+          </a:xfrm>
+          <a:prstGeom prst="rect">
+            <a:avLst/>
+          </a:prstGeom>
+        </p:spPr>
+      </p:pic>
+      <p:pic>
+        <p:nvPicPr>
+          <p:cNvPr id="11" name="Picture 10">
+            <a:extLst>
+              <a:ext uri="{FF2B5EF4-FFF2-40B4-BE49-F238E27FC236}">
+                <a16:creationId xmlns:a16="http://schemas.microsoft.com/office/drawing/2014/main" id="{5C6A5538-AFEF-4512-8299-77E88507393A}"/>
+              </a:ext>
+            </a:extLst>
+          </p:cNvPr>
+          <p:cNvPicPr>
+            <a:picLocks noChangeAspect="1"/>
+          </p:cNvPicPr>
+          <p:nvPr/>
+        </p:nvPicPr>
+        <p:blipFill>
+          <a:blip r:embed="rId4"/>
+          <a:stretch>
+            <a:fillRect/>
+          </a:stretch>
+        </p:blipFill>
+        <p:spPr>
+          <a:xfrm>
+            <a:off x="7598221" y="1959017"/>
+            <a:ext cx="3738563" cy="2939966"/>
+          </a:xfrm>
+          <a:prstGeom prst="rect">
+            <a:avLst/>
+          </a:prstGeom>
+        </p:spPr>
+      </p:pic>
+      <p:sp>
+        <p:nvSpPr>
+          <p:cNvPr id="12" name="TextBox 11">
+            <a:extLst>
+              <a:ext uri="{FF2B5EF4-FFF2-40B4-BE49-F238E27FC236}">
+                <a16:creationId xmlns:a16="http://schemas.microsoft.com/office/drawing/2014/main" id="{B5D78712-70F3-4C81-AE5C-F3E20EFC6ABC}"/>
+              </a:ext>
+            </a:extLst>
+          </p:cNvPr>
+          <p:cNvSpPr txBox="1"/>
+          <p:nvPr/>
+        </p:nvSpPr>
+        <p:spPr>
+          <a:xfrm>
+            <a:off x="2591763" y="4529651"/>
+            <a:ext cx="1695635" cy="369332"/>
+          </a:xfrm>
+          <a:prstGeom prst="rect">
+            <a:avLst/>
+          </a:prstGeom>
+          <a:noFill/>
+        </p:spPr>
+        <p:txBody>
+          <a:bodyPr wrap="square" rtlCol="0">
+            <a:spAutoFit/>
+          </a:bodyPr>
+          <a:lstStyle/>
+          <a:p>
+            <a:pPr algn="ctr"/>
+            <a:r>
+              <a:rPr lang="pt-PT" dirty="0"/>
+              <a:t>Login Page</a:t>
+            </a:r>
+            <a:endParaRPr lang="en-US" dirty="0"/>
+          </a:p>
+        </p:txBody>
+      </p:sp>
+      <p:sp>
+        <p:nvSpPr>
+          <p:cNvPr id="13" name="TextBox 12">
+            <a:extLst>
+              <a:ext uri="{FF2B5EF4-FFF2-40B4-BE49-F238E27FC236}">
+                <a16:creationId xmlns:a16="http://schemas.microsoft.com/office/drawing/2014/main" id="{3918F24A-B858-4DAC-8BB2-AA8C55D4EF93}"/>
+              </a:ext>
+            </a:extLst>
+          </p:cNvPr>
+          <p:cNvSpPr txBox="1"/>
+          <p:nvPr/>
+        </p:nvSpPr>
+        <p:spPr>
+          <a:xfrm>
+            <a:off x="7598221" y="5120639"/>
+            <a:ext cx="3738563" cy="369332"/>
+          </a:xfrm>
+          <a:prstGeom prst="rect">
+            <a:avLst/>
+          </a:prstGeom>
+          <a:noFill/>
+        </p:spPr>
+        <p:txBody>
+          <a:bodyPr wrap="square" rtlCol="0">
+            <a:spAutoFit/>
+          </a:bodyPr>
+          <a:lstStyle/>
+          <a:p>
+            <a:pPr algn="ctr"/>
+            <a:r>
+              <a:rPr lang="pt-PT" dirty="0"/>
+              <a:t>Escolher a opção correspondente</a:t>
+            </a:r>
+            <a:endParaRPr lang="en-US" dirty="0"/>
+          </a:p>
+        </p:txBody>
+      </p:sp>
+    </p:spTree>
+    <p:extLst>
+      <p:ext uri="{BB962C8B-B14F-4D97-AF65-F5344CB8AC3E}">
+        <p14:creationId xmlns:p14="http://schemas.microsoft.com/office/powerpoint/2010/main" val="3138427854"/>
+      </p:ext>
+    </p:extLst>
+  </p:cSld>
+  <p:clrMapOvr>
+    <a:masterClrMapping/>
+  </p:clrMapOvr>
+</p:sld>
+</file>
+
+<file path=ppt/slides/slide21.xml><?xml version="1.0" encoding="utf-8"?>
+<p:sld xmlns:a="http://schemas.openxmlformats.org/drawingml/2006/main" xmlns:r="http://schemas.openxmlformats.org/officeDocument/2006/relationships" xmlns:p="http://schemas.openxmlformats.org/presentationml/2006/main">
+  <p:cSld>
+    <p:spTree>
+      <p:nvGrpSpPr>
+        <p:cNvPr id="1" name=""/>
+        <p:cNvGrpSpPr/>
+        <p:nvPr/>
+      </p:nvGrpSpPr>
+      <p:grpSpPr>
+        <a:xfrm>
+          <a:off x="0" y="0"/>
+          <a:ext cx="0" cy="0"/>
+          <a:chOff x="0" y="0"/>
+          <a:chExt cx="0" cy="0"/>
+        </a:xfrm>
+      </p:grpSpPr>
+      <p:sp>
+        <p:nvSpPr>
+          <p:cNvPr id="2" name="Título 1">
+            <a:extLst>
+              <a:ext uri="{FF2B5EF4-FFF2-40B4-BE49-F238E27FC236}">
+                <a16:creationId xmlns:a16="http://schemas.microsoft.com/office/drawing/2014/main" id="{B6E269CC-F3EC-43ED-BC98-FCEA20CEA90D}"/>
+              </a:ext>
+            </a:extLst>
+          </p:cNvPr>
+          <p:cNvSpPr>
+            <a:spLocks noGrp="1"/>
+          </p:cNvSpPr>
+          <p:nvPr>
+            <p:ph type="title"/>
+          </p:nvPr>
+        </p:nvSpPr>
+        <p:spPr/>
+        <p:txBody>
+          <a:bodyPr/>
+          <a:lstStyle/>
+          <a:p>
+            <a:pPr algn="ctr"/>
+            <a:r>
+              <a:rPr lang="pt-PT" sz="8000" dirty="0">
+                <a:solidFill>
+                  <a:schemeClr val="tx1">
+                    <a:lumMod val="85000"/>
+                    <a:lumOff val="15000"/>
+                  </a:schemeClr>
+                </a:solidFill>
+                <a:latin typeface="Bahnschrift SemiLight" panose="020B0502040204020203" pitchFamily="34" charset="0"/>
+              </a:rPr>
+              <a:t>UI – Pesquisas</a:t>
+            </a:r>
+            <a:endParaRPr lang="en-GB" sz="8000" dirty="0">
+              <a:solidFill>
+                <a:schemeClr val="tx1">
+                  <a:lumMod val="85000"/>
+                  <a:lumOff val="15000"/>
+                </a:schemeClr>
+              </a:solidFill>
+              <a:latin typeface="Bahnschrift SemiLight" panose="020B0502040204020203" pitchFamily="34" charset="0"/>
+            </a:endParaRPr>
+          </a:p>
+        </p:txBody>
+      </p:sp>
+      <p:cxnSp>
+        <p:nvCxnSpPr>
+          <p:cNvPr id="5" name="Conexão reta 4">
+            <a:extLst>
+              <a:ext uri="{FF2B5EF4-FFF2-40B4-BE49-F238E27FC236}">
+                <a16:creationId xmlns:a16="http://schemas.microsoft.com/office/drawing/2014/main" id="{D1B427FC-FECB-4AD9-947A-AE1CD8E8E0E9}"/>
+              </a:ext>
+            </a:extLst>
+          </p:cNvPr>
+          <p:cNvCxnSpPr>
+            <a:cxnSpLocks/>
+          </p:cNvCxnSpPr>
+          <p:nvPr/>
+        </p:nvCxnSpPr>
+        <p:spPr>
+          <a:xfrm flipH="1">
+            <a:off x="1097280" y="1737360"/>
+            <a:ext cx="10239504" cy="0"/>
+          </a:xfrm>
+          <a:prstGeom prst="line">
+            <a:avLst/>
+          </a:prstGeom>
+          <a:ln>
+            <a:solidFill>
+              <a:srgbClr val="8C2D19"/>
+            </a:solidFill>
+          </a:ln>
+        </p:spPr>
+        <p:style>
+          <a:lnRef idx="1">
+            <a:schemeClr val="accent1"/>
+          </a:lnRef>
+          <a:fillRef idx="0">
+            <a:schemeClr val="accent1"/>
+          </a:fillRef>
+          <a:effectRef idx="0">
+            <a:schemeClr val="accent1"/>
+          </a:effectRef>
+          <a:fontRef idx="minor">
+            <a:schemeClr val="tx1"/>
+          </a:fontRef>
+        </p:style>
+      </p:cxnSp>
+      <p:sp>
+        <p:nvSpPr>
+          <p:cNvPr id="4" name="Marcador de Posição do Rodapé 3">
+            <a:extLst>
+              <a:ext uri="{FF2B5EF4-FFF2-40B4-BE49-F238E27FC236}">
+                <a16:creationId xmlns:a16="http://schemas.microsoft.com/office/drawing/2014/main" id="{2E6D09DD-1E47-4A67-AB57-535BA57CB1EF}"/>
+              </a:ext>
+            </a:extLst>
+          </p:cNvPr>
+          <p:cNvSpPr>
+            <a:spLocks noGrp="1"/>
+          </p:cNvSpPr>
+          <p:nvPr>
+            <p:ph type="ftr" sz="quarter" idx="11"/>
+          </p:nvPr>
+        </p:nvSpPr>
+        <p:spPr/>
+        <p:txBody>
+          <a:bodyPr/>
+          <a:lstStyle/>
+          <a:p>
+            <a:r>
+              <a:rPr lang="en-GB" sz="2400" b="1" dirty="0"/>
+              <a:t>2MIEIC04_G1</a:t>
+            </a:r>
+          </a:p>
+        </p:txBody>
+      </p:sp>
+      <p:sp>
+        <p:nvSpPr>
+          <p:cNvPr id="6" name="Marcador de Posição do Número do Diapositivo 5">
+            <a:extLst>
+              <a:ext uri="{FF2B5EF4-FFF2-40B4-BE49-F238E27FC236}">
+                <a16:creationId xmlns:a16="http://schemas.microsoft.com/office/drawing/2014/main" id="{A6038915-9563-428D-88A8-7720015CFAC0}"/>
+              </a:ext>
+            </a:extLst>
+          </p:cNvPr>
+          <p:cNvSpPr>
+            <a:spLocks noGrp="1"/>
+          </p:cNvSpPr>
+          <p:nvPr>
+            <p:ph type="sldNum" sz="quarter" idx="12"/>
+          </p:nvPr>
+        </p:nvSpPr>
+        <p:spPr/>
+        <p:txBody>
+          <a:bodyPr/>
+          <a:lstStyle/>
+          <a:p>
+            <a:fld id="{75DB3F52-068C-4339-9FA6-06F9AAEB3337}" type="slidenum">
+              <a:rPr lang="en-GB" sz="2400"/>
+              <a:t>21</a:t>
+            </a:fld>
+            <a:endParaRPr lang="en-GB" sz="2400" dirty="0"/>
+          </a:p>
+        </p:txBody>
+      </p:sp>
+      <p:pic>
+        <p:nvPicPr>
+          <p:cNvPr id="7" name="Imagem 6">
+            <a:extLst>
+              <a:ext uri="{FF2B5EF4-FFF2-40B4-BE49-F238E27FC236}">
+                <a16:creationId xmlns:a16="http://schemas.microsoft.com/office/drawing/2014/main" id="{95C51A54-AF96-43E2-9C50-EFB3428A2FB4}"/>
+              </a:ext>
+            </a:extLst>
+          </p:cNvPr>
+          <p:cNvPicPr>
+            <a:picLocks noChangeAspect="1"/>
+          </p:cNvPicPr>
+          <p:nvPr/>
+        </p:nvPicPr>
+        <p:blipFill rotWithShape="1">
+          <a:blip r:embed="rId2">
+            <a:extLst>
+              <a:ext uri="{28A0092B-C50C-407E-A947-70E740481C1C}">
+                <a14:useLocalDpi xmlns:a14="http://schemas.microsoft.com/office/drawing/2010/main" val="0"/>
+              </a:ext>
+            </a:extLst>
+          </a:blip>
+          <a:srcRect r="39904"/>
+          <a:stretch/>
+        </p:blipFill>
+        <p:spPr>
+          <a:xfrm>
+            <a:off x="1097280" y="6500189"/>
+            <a:ext cx="1406360" cy="312685"/>
+          </a:xfrm>
+          <a:prstGeom prst="rect">
+            <a:avLst/>
+          </a:prstGeom>
+        </p:spPr>
+      </p:pic>
+      <p:sp>
+        <p:nvSpPr>
+          <p:cNvPr id="12" name="TextBox 11">
+            <a:extLst>
+              <a:ext uri="{FF2B5EF4-FFF2-40B4-BE49-F238E27FC236}">
+                <a16:creationId xmlns:a16="http://schemas.microsoft.com/office/drawing/2014/main" id="{B5D78712-70F3-4C81-AE5C-F3E20EFC6ABC}"/>
+              </a:ext>
+            </a:extLst>
+          </p:cNvPr>
+          <p:cNvSpPr txBox="1"/>
+          <p:nvPr/>
+        </p:nvSpPr>
+        <p:spPr>
+          <a:xfrm>
+            <a:off x="1199738" y="4797497"/>
+            <a:ext cx="3552777" cy="923330"/>
+          </a:xfrm>
+          <a:prstGeom prst="rect">
+            <a:avLst/>
+          </a:prstGeom>
+          <a:noFill/>
+        </p:spPr>
+        <p:txBody>
+          <a:bodyPr wrap="square" rtlCol="0">
+            <a:spAutoFit/>
+          </a:bodyPr>
+          <a:lstStyle/>
+          <a:p>
+            <a:pPr marL="285750" indent="-285750">
+              <a:buFont typeface="Arial" panose="020B0604020202020204" pitchFamily="34" charset="0"/>
+              <a:buChar char="•"/>
+            </a:pPr>
+            <a:r>
+              <a:rPr lang="pt-PT" dirty="0"/>
+              <a:t>Escolher vários parametros</a:t>
+            </a:r>
+          </a:p>
+          <a:p>
+            <a:pPr marL="285750" indent="-285750">
+              <a:buFont typeface="Arial" panose="020B0604020202020204" pitchFamily="34" charset="0"/>
+              <a:buChar char="•"/>
+            </a:pPr>
+            <a:r>
+              <a:rPr lang="pt-PT" dirty="0"/>
+              <a:t>Não escolher nenhum género implica pesquisar por todos</a:t>
+            </a:r>
+            <a:endParaRPr lang="en-US" dirty="0"/>
+          </a:p>
+        </p:txBody>
+      </p:sp>
+      <p:sp>
+        <p:nvSpPr>
+          <p:cNvPr id="13" name="TextBox 12">
+            <a:extLst>
+              <a:ext uri="{FF2B5EF4-FFF2-40B4-BE49-F238E27FC236}">
+                <a16:creationId xmlns:a16="http://schemas.microsoft.com/office/drawing/2014/main" id="{3918F24A-B858-4DAC-8BB2-AA8C55D4EF93}"/>
+              </a:ext>
+            </a:extLst>
+          </p:cNvPr>
+          <p:cNvSpPr txBox="1"/>
+          <p:nvPr/>
+        </p:nvSpPr>
+        <p:spPr>
+          <a:xfrm>
+            <a:off x="7097164" y="5259162"/>
+            <a:ext cx="3738563" cy="369332"/>
+          </a:xfrm>
+          <a:prstGeom prst="rect">
+            <a:avLst/>
+          </a:prstGeom>
+          <a:noFill/>
+        </p:spPr>
+        <p:txBody>
+          <a:bodyPr wrap="square" rtlCol="0">
+            <a:spAutoFit/>
+          </a:bodyPr>
+          <a:lstStyle/>
+          <a:p>
+            <a:pPr algn="ctr"/>
+            <a:r>
+              <a:rPr lang="pt-PT" dirty="0"/>
+              <a:t>Sistema de páginas</a:t>
+            </a:r>
+            <a:endParaRPr lang="en-US" dirty="0"/>
+          </a:p>
+        </p:txBody>
+      </p:sp>
+      <p:pic>
+        <p:nvPicPr>
+          <p:cNvPr id="8" name="Picture 7">
+            <a:extLst>
+              <a:ext uri="{FF2B5EF4-FFF2-40B4-BE49-F238E27FC236}">
+                <a16:creationId xmlns:a16="http://schemas.microsoft.com/office/drawing/2014/main" id="{59DFA416-8478-4302-A4BD-FD4A0E85E958}"/>
+              </a:ext>
+            </a:extLst>
+          </p:cNvPr>
+          <p:cNvPicPr>
+            <a:picLocks noChangeAspect="1"/>
+          </p:cNvPicPr>
+          <p:nvPr/>
+        </p:nvPicPr>
+        <p:blipFill>
+          <a:blip r:embed="rId3"/>
+          <a:stretch>
+            <a:fillRect/>
+          </a:stretch>
+        </p:blipFill>
+        <p:spPr>
+          <a:xfrm>
+            <a:off x="1310827" y="2074391"/>
+            <a:ext cx="3705225" cy="2600325"/>
+          </a:xfrm>
+          <a:prstGeom prst="rect">
+            <a:avLst/>
+          </a:prstGeom>
+        </p:spPr>
+      </p:pic>
+      <p:pic>
+        <p:nvPicPr>
+          <p:cNvPr id="16" name="Picture 15">
+            <a:extLst>
+              <a:ext uri="{FF2B5EF4-FFF2-40B4-BE49-F238E27FC236}">
+                <a16:creationId xmlns:a16="http://schemas.microsoft.com/office/drawing/2014/main" id="{24CC2751-1A2A-4FFC-BCBC-90AE321EF4B7}"/>
+              </a:ext>
+            </a:extLst>
+          </p:cNvPr>
+          <p:cNvPicPr>
+            <a:picLocks noChangeAspect="1"/>
+          </p:cNvPicPr>
+          <p:nvPr/>
+        </p:nvPicPr>
+        <p:blipFill>
+          <a:blip r:embed="rId4"/>
+          <a:stretch>
+            <a:fillRect/>
+          </a:stretch>
+        </p:blipFill>
+        <p:spPr>
+          <a:xfrm>
+            <a:off x="7439486" y="1894202"/>
+            <a:ext cx="3053920" cy="3149355"/>
+          </a:xfrm>
+          <a:prstGeom prst="rect">
+            <a:avLst/>
+          </a:prstGeom>
+        </p:spPr>
+      </p:pic>
+    </p:spTree>
+    <p:extLst>
+      <p:ext uri="{BB962C8B-B14F-4D97-AF65-F5344CB8AC3E}">
+        <p14:creationId xmlns:p14="http://schemas.microsoft.com/office/powerpoint/2010/main" val="465885420"/>
       </p:ext>
     </p:extLst>
   </p:cSld>

--- a/StreamZ_Apresentation4.pptx
+++ b/StreamZ_Apresentation4.pptx
@@ -25,10 +25,10 @@
     <p:sldId id="266" r:id="rId16"/>
     <p:sldId id="270" r:id="rId17"/>
     <p:sldId id="271" r:id="rId18"/>
-    <p:sldId id="262" r:id="rId19"/>
-    <p:sldId id="263" r:id="rId20"/>
-    <p:sldId id="278" r:id="rId21"/>
-    <p:sldId id="279" r:id="rId22"/>
+    <p:sldId id="278" r:id="rId19"/>
+    <p:sldId id="279" r:id="rId20"/>
+    <p:sldId id="262" r:id="rId21"/>
+    <p:sldId id="263" r:id="rId22"/>
   </p:sldIdLst>
   <p:sldSz cx="12192000" cy="6858000"/>
   <p:notesSz cx="6858000" cy="9144000"/>
@@ -376,7 +376,7 @@
           <a:p>
             <a:fld id="{B3BE95CB-A87E-409C-9CB9-073D81AF8FD7}" type="slidenum">
               <a:rPr lang="en-GB" smtClean="0"/>
-              <a:t>‹#›</a:t>
+              <a:t>‹nº›</a:t>
             </a:fld>
             <a:endParaRPr lang="en-GB"/>
           </a:p>
@@ -758,7 +758,7 @@
           <a:p>
             <a:fld id="{75DB3F52-068C-4339-9FA6-06F9AAEB3337}" type="slidenum">
               <a:rPr lang="en-GB" smtClean="0"/>
-              <a:t>‹#›</a:t>
+              <a:t>‹nº›</a:t>
             </a:fld>
             <a:endParaRPr lang="en-GB"/>
           </a:p>
@@ -969,7 +969,7 @@
           <a:p>
             <a:fld id="{75DB3F52-068C-4339-9FA6-06F9AAEB3337}" type="slidenum">
               <a:rPr lang="en-GB" smtClean="0"/>
-              <a:t>‹#›</a:t>
+              <a:t>‹nº›</a:t>
             </a:fld>
             <a:endParaRPr lang="en-GB"/>
           </a:p>
@@ -1230,7 +1230,7 @@
           <a:p>
             <a:fld id="{75DB3F52-068C-4339-9FA6-06F9AAEB3337}" type="slidenum">
               <a:rPr lang="en-GB" smtClean="0"/>
-              <a:t>‹#›</a:t>
+              <a:t>‹nº›</a:t>
             </a:fld>
             <a:endParaRPr lang="en-GB"/>
           </a:p>
@@ -1403,7 +1403,7 @@
           <a:p>
             <a:fld id="{75DB3F52-068C-4339-9FA6-06F9AAEB3337}" type="slidenum">
               <a:rPr lang="en-GB" smtClean="0"/>
-              <a:t>‹#›</a:t>
+              <a:t>‹nº›</a:t>
             </a:fld>
             <a:endParaRPr lang="en-GB"/>
           </a:p>
@@ -1743,7 +1743,7 @@
           <a:p>
             <a:fld id="{75DB3F52-068C-4339-9FA6-06F9AAEB3337}" type="slidenum">
               <a:rPr lang="en-GB" smtClean="0"/>
-              <a:t>‹#›</a:t>
+              <a:t>‹nº›</a:t>
             </a:fld>
             <a:endParaRPr lang="en-GB"/>
           </a:p>
@@ -2021,7 +2021,7 @@
           <a:p>
             <a:fld id="{75DB3F52-068C-4339-9FA6-06F9AAEB3337}" type="slidenum">
               <a:rPr lang="en-GB" smtClean="0"/>
-              <a:t>‹#›</a:t>
+              <a:t>‹nº›</a:t>
             </a:fld>
             <a:endParaRPr lang="en-GB"/>
           </a:p>
@@ -2407,7 +2407,7 @@
           <a:p>
             <a:fld id="{75DB3F52-068C-4339-9FA6-06F9AAEB3337}" type="slidenum">
               <a:rPr lang="en-GB" smtClean="0"/>
-              <a:t>‹#›</a:t>
+              <a:t>‹nº›</a:t>
             </a:fld>
             <a:endParaRPr lang="en-GB"/>
           </a:p>
@@ -2528,7 +2528,7 @@
           <a:p>
             <a:fld id="{75DB3F52-068C-4339-9FA6-06F9AAEB3337}" type="slidenum">
               <a:rPr lang="en-GB" smtClean="0"/>
-              <a:t>‹#›</a:t>
+              <a:t>‹nº›</a:t>
             </a:fld>
             <a:endParaRPr lang="en-GB"/>
           </a:p>
@@ -2712,7 +2712,7 @@
           <a:p>
             <a:fld id="{75DB3F52-068C-4339-9FA6-06F9AAEB3337}" type="slidenum">
               <a:rPr lang="en-GB" smtClean="0"/>
-              <a:t>‹#›</a:t>
+              <a:t>‹nº›</a:t>
             </a:fld>
             <a:endParaRPr lang="en-GB"/>
           </a:p>
@@ -3084,7 +3084,7 @@
           <a:p>
             <a:fld id="{75DB3F52-068C-4339-9FA6-06F9AAEB3337}" type="slidenum">
               <a:rPr lang="en-GB" smtClean="0"/>
-              <a:t>‹#›</a:t>
+              <a:t>‹nº›</a:t>
             </a:fld>
             <a:endParaRPr lang="en-GB"/>
           </a:p>
@@ -3430,7 +3430,7 @@
           <a:p>
             <a:fld id="{75DB3F52-068C-4339-9FA6-06F9AAEB3337}" type="slidenum">
               <a:rPr lang="en-GB" smtClean="0"/>
-              <a:t>‹#›</a:t>
+              <a:t>‹nº›</a:t>
             </a:fld>
             <a:endParaRPr lang="en-GB"/>
           </a:p>
@@ -3760,7 +3760,7 @@
           <a:p>
             <a:fld id="{75DB3F52-068C-4339-9FA6-06F9AAEB3337}" type="slidenum">
               <a:rPr lang="en-GB" smtClean="0"/>
-              <a:t>‹#›</a:t>
+              <a:t>‹nº›</a:t>
             </a:fld>
             <a:endParaRPr lang="en-GB"/>
           </a:p>
@@ -4938,10 +4938,10 @@
       </p:pic>
       <p:pic>
         <p:nvPicPr>
-          <p:cNvPr id="12" name="Imagem 11">
-            <a:extLst>
-              <a:ext uri="{FF2B5EF4-FFF2-40B4-BE49-F238E27FC236}">
-                <a16:creationId xmlns:a16="http://schemas.microsoft.com/office/drawing/2014/main" id="{E07BDAB2-B76A-4DB1-9F46-169D5C12E875}"/>
+          <p:cNvPr id="19" name="Imagem 18">
+            <a:extLst>
+              <a:ext uri="{FF2B5EF4-FFF2-40B4-BE49-F238E27FC236}">
+                <a16:creationId xmlns:a16="http://schemas.microsoft.com/office/drawing/2014/main" id="{283F1A1D-A27C-4219-A081-3C6DE819710B}"/>
               </a:ext>
             </a:extLst>
           </p:cNvPr>
@@ -4958,127 +4958,7 @@
         </p:blipFill>
         <p:spPr>
           <a:xfrm>
-            <a:off x="-114699" y="33090"/>
-            <a:ext cx="11920249" cy="5430191"/>
-          </a:xfrm>
-          <a:prstGeom prst="rect">
-            <a:avLst/>
-          </a:prstGeom>
-        </p:spPr>
-      </p:pic>
-      <p:pic>
-        <p:nvPicPr>
-          <p:cNvPr id="13" name="Imagem 12">
-            <a:extLst>
-              <a:ext uri="{FF2B5EF4-FFF2-40B4-BE49-F238E27FC236}">
-                <a16:creationId xmlns:a16="http://schemas.microsoft.com/office/drawing/2014/main" id="{B804B60F-83C4-49D0-8404-0D7D64390CF3}"/>
-              </a:ext>
-            </a:extLst>
-          </p:cNvPr>
-          <p:cNvPicPr>
-            <a:picLocks noChangeAspect="1"/>
-          </p:cNvPicPr>
-          <p:nvPr/>
-        </p:nvPicPr>
-        <p:blipFill>
-          <a:blip r:embed="rId5"/>
-          <a:stretch>
-            <a:fillRect/>
-          </a:stretch>
-        </p:blipFill>
-        <p:spPr>
-          <a:xfrm>
-            <a:off x="5589258" y="33090"/>
-            <a:ext cx="6602742" cy="4618012"/>
-          </a:xfrm>
-          <a:prstGeom prst="rect">
-            <a:avLst/>
-          </a:prstGeom>
-        </p:spPr>
-      </p:pic>
-      <p:pic>
-        <p:nvPicPr>
-          <p:cNvPr id="14" name="Imagem 13">
-            <a:extLst>
-              <a:ext uri="{FF2B5EF4-FFF2-40B4-BE49-F238E27FC236}">
-                <a16:creationId xmlns:a16="http://schemas.microsoft.com/office/drawing/2014/main" id="{A9DBCE90-3826-4CAA-AD2B-1D41C3884E65}"/>
-              </a:ext>
-            </a:extLst>
-          </p:cNvPr>
-          <p:cNvPicPr>
-            <a:picLocks noChangeAspect="1"/>
-          </p:cNvPicPr>
-          <p:nvPr/>
-        </p:nvPicPr>
-        <p:blipFill>
-          <a:blip r:embed="rId6"/>
-          <a:stretch>
-            <a:fillRect/>
-          </a:stretch>
-        </p:blipFill>
-        <p:spPr>
-          <a:xfrm>
-            <a:off x="4418926" y="124188"/>
-            <a:ext cx="7773074" cy="6264183"/>
-          </a:xfrm>
-          <a:prstGeom prst="rect">
-            <a:avLst/>
-          </a:prstGeom>
-        </p:spPr>
-      </p:pic>
-      <p:pic>
-        <p:nvPicPr>
-          <p:cNvPr id="15" name="Imagem 14">
-            <a:extLst>
-              <a:ext uri="{FF2B5EF4-FFF2-40B4-BE49-F238E27FC236}">
-                <a16:creationId xmlns:a16="http://schemas.microsoft.com/office/drawing/2014/main" id="{6FA211A6-F729-4FD4-AA6A-56F21678A490}"/>
-              </a:ext>
-            </a:extLst>
-          </p:cNvPr>
-          <p:cNvPicPr>
-            <a:picLocks noChangeAspect="1"/>
-          </p:cNvPicPr>
-          <p:nvPr/>
-        </p:nvPicPr>
-        <p:blipFill>
-          <a:blip r:embed="rId7"/>
-          <a:stretch>
-            <a:fillRect/>
-          </a:stretch>
-        </p:blipFill>
-        <p:spPr>
-          <a:xfrm>
-            <a:off x="0" y="0"/>
-            <a:ext cx="6461115" cy="6873692"/>
-          </a:xfrm>
-          <a:prstGeom prst="rect">
-            <a:avLst/>
-          </a:prstGeom>
-        </p:spPr>
-      </p:pic>
-      <p:pic>
-        <p:nvPicPr>
-          <p:cNvPr id="19" name="Imagem 18">
-            <a:extLst>
-              <a:ext uri="{FF2B5EF4-FFF2-40B4-BE49-F238E27FC236}">
-                <a16:creationId xmlns:a16="http://schemas.microsoft.com/office/drawing/2014/main" id="{283F1A1D-A27C-4219-A081-3C6DE819710B}"/>
-              </a:ext>
-            </a:extLst>
-          </p:cNvPr>
-          <p:cNvPicPr>
-            <a:picLocks noChangeAspect="1"/>
-          </p:cNvPicPr>
-          <p:nvPr/>
-        </p:nvPicPr>
-        <p:blipFill>
-          <a:blip r:embed="rId8"/>
-          <a:stretch>
-            <a:fillRect/>
-          </a:stretch>
-        </p:blipFill>
-        <p:spPr>
-          <a:xfrm>
-            <a:off x="4145110" y="750191"/>
+            <a:off x="4149386" y="856723"/>
             <a:ext cx="4135289" cy="4862196"/>
           </a:xfrm>
           <a:prstGeom prst="rect">
@@ -11453,8 +11333,8 @@
         </p:nvSpPr>
         <p:spPr>
           <a:xfrm>
-            <a:off x="1097280" y="1978514"/>
-            <a:ext cx="3113752" cy="2862322"/>
+            <a:off x="1089140" y="2002369"/>
+            <a:ext cx="2861423" cy="3139321"/>
           </a:xfrm>
           <a:prstGeom prst="rect">
             <a:avLst/>
@@ -11757,7 +11637,7 @@
         </p:nvSpPr>
         <p:spPr>
           <a:xfrm>
-            <a:off x="9146997" y="5694321"/>
+            <a:off x="2823175" y="5894605"/>
             <a:ext cx="2775713" cy="338554"/>
           </a:xfrm>
           <a:prstGeom prst="rect">
@@ -11830,7 +11710,7 @@
         <p:spPr>
           <a:xfrm>
             <a:off x="1097280" y="1978514"/>
-            <a:ext cx="3113752" cy="2862322"/>
+            <a:ext cx="3113752" cy="1477328"/>
           </a:xfrm>
           <a:prstGeom prst="rect">
             <a:avLst/>
@@ -11865,6 +11745,193 @@
             </a:pPr>
             <a:endParaRPr lang="pt-PT" dirty="0"/>
           </a:p>
+        </p:txBody>
+      </p:sp>
+      <p:sp>
+        <p:nvSpPr>
+          <p:cNvPr id="2" name="Marcador de Posição do Rodapé 1">
+            <a:extLst>
+              <a:ext uri="{FF2B5EF4-FFF2-40B4-BE49-F238E27FC236}">
+                <a16:creationId xmlns:a16="http://schemas.microsoft.com/office/drawing/2014/main" id="{32C833F7-18B6-4861-9CBC-F84DFD811E13}"/>
+              </a:ext>
+            </a:extLst>
+          </p:cNvPr>
+          <p:cNvSpPr>
+            <a:spLocks noGrp="1"/>
+          </p:cNvSpPr>
+          <p:nvPr>
+            <p:ph type="ftr" sz="quarter" idx="11"/>
+          </p:nvPr>
+        </p:nvSpPr>
+        <p:spPr/>
+        <p:txBody>
+          <a:bodyPr/>
+          <a:lstStyle/>
+          <a:p>
+            <a:r>
+              <a:rPr lang="en-GB" sz="2400" b="1" dirty="0"/>
+              <a:t>2MIEIC04_G1</a:t>
+            </a:r>
+          </a:p>
+        </p:txBody>
+      </p:sp>
+      <p:sp>
+        <p:nvSpPr>
+          <p:cNvPr id="3" name="Marcador de Posição do Número do Diapositivo 2">
+            <a:extLst>
+              <a:ext uri="{FF2B5EF4-FFF2-40B4-BE49-F238E27FC236}">
+                <a16:creationId xmlns:a16="http://schemas.microsoft.com/office/drawing/2014/main" id="{F84751A3-EB56-4B0A-B79B-89EF65EBF080}"/>
+              </a:ext>
+            </a:extLst>
+          </p:cNvPr>
+          <p:cNvSpPr>
+            <a:spLocks noGrp="1"/>
+          </p:cNvSpPr>
+          <p:nvPr>
+            <p:ph type="sldNum" sz="quarter" idx="12"/>
+          </p:nvPr>
+        </p:nvSpPr>
+        <p:spPr/>
+        <p:txBody>
+          <a:bodyPr/>
+          <a:lstStyle/>
+          <a:p>
+            <a:fld id="{75DB3F52-068C-4339-9FA6-06F9AAEB3337}" type="slidenum">
+              <a:rPr lang="en-GB" sz="2400"/>
+              <a:t>17</a:t>
+            </a:fld>
+            <a:endParaRPr lang="en-GB" sz="2400" dirty="0"/>
+          </a:p>
+        </p:txBody>
+      </p:sp>
+      <p:pic>
+        <p:nvPicPr>
+          <p:cNvPr id="7" name="Imagem 6">
+            <a:extLst>
+              <a:ext uri="{FF2B5EF4-FFF2-40B4-BE49-F238E27FC236}">
+                <a16:creationId xmlns:a16="http://schemas.microsoft.com/office/drawing/2014/main" id="{F792557B-E72C-4265-BC01-A8B90EA578C5}"/>
+              </a:ext>
+            </a:extLst>
+          </p:cNvPr>
+          <p:cNvPicPr>
+            <a:picLocks noChangeAspect="1"/>
+          </p:cNvPicPr>
+          <p:nvPr/>
+        </p:nvPicPr>
+        <p:blipFill rotWithShape="1">
+          <a:blip r:embed="rId2">
+            <a:extLst>
+              <a:ext uri="{28A0092B-C50C-407E-A947-70E740481C1C}">
+                <a14:useLocalDpi xmlns:a14="http://schemas.microsoft.com/office/drawing/2010/main" val="0"/>
+              </a:ext>
+            </a:extLst>
+          </a:blip>
+          <a:srcRect r="39904"/>
+          <a:stretch/>
+        </p:blipFill>
+        <p:spPr>
+          <a:xfrm>
+            <a:off x="1097280" y="6500189"/>
+            <a:ext cx="1406360" cy="312685"/>
+          </a:xfrm>
+          <a:prstGeom prst="rect">
+            <a:avLst/>
+          </a:prstGeom>
+        </p:spPr>
+      </p:pic>
+      <p:pic>
+        <p:nvPicPr>
+          <p:cNvPr id="9" name="Imagem 8">
+            <a:extLst>
+              <a:ext uri="{FF2B5EF4-FFF2-40B4-BE49-F238E27FC236}">
+                <a16:creationId xmlns:a16="http://schemas.microsoft.com/office/drawing/2014/main" id="{DCD2B57F-BB63-43A4-A7B8-C7033EFE0EAA}"/>
+              </a:ext>
+            </a:extLst>
+          </p:cNvPr>
+          <p:cNvPicPr>
+            <a:picLocks noChangeAspect="1"/>
+          </p:cNvPicPr>
+          <p:nvPr/>
+        </p:nvPicPr>
+        <p:blipFill>
+          <a:blip r:embed="rId3"/>
+          <a:stretch>
+            <a:fillRect/>
+          </a:stretch>
+        </p:blipFill>
+        <p:spPr>
+          <a:xfrm>
+            <a:off x="5672830" y="1900349"/>
+            <a:ext cx="5421889" cy="1815703"/>
+          </a:xfrm>
+          <a:prstGeom prst="rect">
+            <a:avLst/>
+          </a:prstGeom>
+        </p:spPr>
+      </p:pic>
+      <p:pic>
+        <p:nvPicPr>
+          <p:cNvPr id="10" name="Picture 9" descr="Text&#10;&#10;Description automatically generated">
+            <a:extLst>
+              <a:ext uri="{FF2B5EF4-FFF2-40B4-BE49-F238E27FC236}">
+                <a16:creationId xmlns:a16="http://schemas.microsoft.com/office/drawing/2014/main" id="{056DD240-8181-4ABF-B7DC-216833BC4DBF}"/>
+              </a:ext>
+            </a:extLst>
+          </p:cNvPr>
+          <p:cNvPicPr>
+            <a:picLocks noChangeAspect="1"/>
+          </p:cNvPicPr>
+          <p:nvPr/>
+        </p:nvPicPr>
+        <p:blipFill>
+          <a:blip r:embed="rId4">
+            <a:extLst>
+              <a:ext uri="{28A0092B-C50C-407E-A947-70E740481C1C}">
+                <a14:useLocalDpi xmlns:a14="http://schemas.microsoft.com/office/drawing/2010/main" val="0"/>
+              </a:ext>
+            </a:extLst>
+          </a:blip>
+          <a:stretch>
+            <a:fillRect/>
+          </a:stretch>
+        </p:blipFill>
+        <p:spPr>
+          <a:xfrm>
+            <a:off x="582990" y="3302500"/>
+            <a:ext cx="4899227" cy="2625689"/>
+          </a:xfrm>
+          <a:prstGeom prst="rect">
+            <a:avLst/>
+          </a:prstGeom>
+        </p:spPr>
+      </p:pic>
+      <p:sp>
+        <p:nvSpPr>
+          <p:cNvPr id="5" name="CaixaDeTexto 4">
+            <a:extLst>
+              <a:ext uri="{FF2B5EF4-FFF2-40B4-BE49-F238E27FC236}">
+                <a16:creationId xmlns:a16="http://schemas.microsoft.com/office/drawing/2014/main" id="{9E531B7B-DA41-4275-9E6B-DBF7E0134E40}"/>
+              </a:ext>
+            </a:extLst>
+          </p:cNvPr>
+          <p:cNvSpPr txBox="1"/>
+          <p:nvPr/>
+        </p:nvSpPr>
+        <p:spPr>
+          <a:xfrm>
+            <a:off x="6217032" y="4349254"/>
+            <a:ext cx="4278405" cy="1754326"/>
+          </a:xfrm>
+          <a:prstGeom prst="rect">
+            <a:avLst/>
+          </a:prstGeom>
+          <a:noFill/>
+        </p:spPr>
+        <p:txBody>
+          <a:bodyPr wrap="square" rtlCol="0">
+            <a:spAutoFit/>
+          </a:bodyPr>
+          <a:lstStyle/>
           <a:p>
             <a:pPr marL="285750" indent="-285750">
               <a:buClr>
@@ -11875,7 +11942,15 @@
             </a:pPr>
             <a:r>
               <a:rPr lang="pt-PT" dirty="0"/>
-              <a:t>Permite listagens com diferentes parametros.</a:t>
+              <a:t>Permite listagens com diferentes </a:t>
+            </a:r>
+            <a:r>
+              <a:rPr lang="pt-PT" dirty="0" err="1"/>
+              <a:t>parametros</a:t>
+            </a:r>
+            <a:r>
+              <a:rPr lang="pt-PT" dirty="0"/>
+              <a:t>.</a:t>
             </a:r>
           </a:p>
           <a:p>
@@ -11898,169 +11973,30 @@
             </a:pPr>
             <a:r>
               <a:rPr lang="pt-PT" dirty="0"/>
-              <a:t>Contagens com auxilio do algoritmo count da stl.</a:t>
-            </a:r>
-          </a:p>
-        </p:txBody>
-      </p:sp>
-      <p:sp>
-        <p:nvSpPr>
-          <p:cNvPr id="2" name="Marcador de Posição do Rodapé 1">
-            <a:extLst>
-              <a:ext uri="{FF2B5EF4-FFF2-40B4-BE49-F238E27FC236}">
-                <a16:creationId xmlns:a16="http://schemas.microsoft.com/office/drawing/2014/main" id="{32C833F7-18B6-4861-9CBC-F84DFD811E13}"/>
-              </a:ext>
-            </a:extLst>
-          </p:cNvPr>
-          <p:cNvSpPr>
-            <a:spLocks noGrp="1"/>
-          </p:cNvSpPr>
-          <p:nvPr>
-            <p:ph type="ftr" sz="quarter" idx="11"/>
-          </p:nvPr>
-        </p:nvSpPr>
-        <p:spPr/>
-        <p:txBody>
-          <a:bodyPr/>
-          <a:lstStyle/>
-          <a:p>
-            <a:r>
-              <a:rPr lang="en-GB" sz="2400" b="1" dirty="0"/>
-              <a:t>2MIEIC04_G1</a:t>
-            </a:r>
-          </a:p>
-        </p:txBody>
-      </p:sp>
-      <p:sp>
-        <p:nvSpPr>
-          <p:cNvPr id="3" name="Marcador de Posição do Número do Diapositivo 2">
-            <a:extLst>
-              <a:ext uri="{FF2B5EF4-FFF2-40B4-BE49-F238E27FC236}">
-                <a16:creationId xmlns:a16="http://schemas.microsoft.com/office/drawing/2014/main" id="{F84751A3-EB56-4B0A-B79B-89EF65EBF080}"/>
-              </a:ext>
-            </a:extLst>
-          </p:cNvPr>
-          <p:cNvSpPr>
-            <a:spLocks noGrp="1"/>
-          </p:cNvSpPr>
-          <p:nvPr>
-            <p:ph type="sldNum" sz="quarter" idx="12"/>
-          </p:nvPr>
-        </p:nvSpPr>
-        <p:spPr/>
-        <p:txBody>
-          <a:bodyPr/>
-          <a:lstStyle/>
-          <a:p>
-            <a:fld id="{75DB3F52-068C-4339-9FA6-06F9AAEB3337}" type="slidenum">
-              <a:rPr lang="en-GB" sz="2400"/>
-              <a:t>17</a:t>
-            </a:fld>
-            <a:endParaRPr lang="en-GB" sz="2400" dirty="0"/>
-          </a:p>
-        </p:txBody>
-      </p:sp>
-      <p:pic>
-        <p:nvPicPr>
-          <p:cNvPr id="7" name="Imagem 6">
-            <a:extLst>
-              <a:ext uri="{FF2B5EF4-FFF2-40B4-BE49-F238E27FC236}">
-                <a16:creationId xmlns:a16="http://schemas.microsoft.com/office/drawing/2014/main" id="{F792557B-E72C-4265-BC01-A8B90EA578C5}"/>
-              </a:ext>
-            </a:extLst>
-          </p:cNvPr>
-          <p:cNvPicPr>
-            <a:picLocks noChangeAspect="1"/>
-          </p:cNvPicPr>
-          <p:nvPr/>
-        </p:nvPicPr>
-        <p:blipFill rotWithShape="1">
-          <a:blip r:embed="rId2">
-            <a:extLst>
-              <a:ext uri="{28A0092B-C50C-407E-A947-70E740481C1C}">
-                <a14:useLocalDpi xmlns:a14="http://schemas.microsoft.com/office/drawing/2010/main" val="0"/>
-              </a:ext>
-            </a:extLst>
-          </a:blip>
-          <a:srcRect r="39904"/>
-          <a:stretch/>
-        </p:blipFill>
-        <p:spPr>
-          <a:xfrm>
-            <a:off x="1097280" y="6500189"/>
-            <a:ext cx="1406360" cy="312685"/>
-          </a:xfrm>
-          <a:prstGeom prst="rect">
-            <a:avLst/>
-          </a:prstGeom>
-        </p:spPr>
-      </p:pic>
-      <p:pic>
-        <p:nvPicPr>
-          <p:cNvPr id="9" name="Imagem 8">
-            <a:extLst>
-              <a:ext uri="{FF2B5EF4-FFF2-40B4-BE49-F238E27FC236}">
-                <a16:creationId xmlns:a16="http://schemas.microsoft.com/office/drawing/2014/main" id="{DCD2B57F-BB63-43A4-A7B8-C7033EFE0EAA}"/>
-              </a:ext>
-            </a:extLst>
-          </p:cNvPr>
-          <p:cNvPicPr>
-            <a:picLocks noChangeAspect="1"/>
-          </p:cNvPicPr>
-          <p:nvPr/>
-        </p:nvPicPr>
-        <p:blipFill>
-          <a:blip r:embed="rId3"/>
-          <a:stretch>
-            <a:fillRect/>
-          </a:stretch>
-        </p:blipFill>
-        <p:spPr>
-          <a:xfrm>
-            <a:off x="5672830" y="1900349"/>
-            <a:ext cx="5421889" cy="1815703"/>
-          </a:xfrm>
-          <a:prstGeom prst="rect">
-            <a:avLst/>
-          </a:prstGeom>
-        </p:spPr>
-      </p:pic>
-      <p:pic>
-        <p:nvPicPr>
-          <p:cNvPr id="10" name="Picture 9" descr="Text&#10;&#10;Description automatically generated">
-            <a:extLst>
-              <a:ext uri="{FF2B5EF4-FFF2-40B4-BE49-F238E27FC236}">
-                <a16:creationId xmlns:a16="http://schemas.microsoft.com/office/drawing/2014/main" id="{056DD240-8181-4ABF-B7DC-216833BC4DBF}"/>
-              </a:ext>
-            </a:extLst>
-          </p:cNvPr>
-          <p:cNvPicPr>
-            <a:picLocks noChangeAspect="1"/>
-          </p:cNvPicPr>
-          <p:nvPr/>
-        </p:nvPicPr>
-        <p:blipFill>
-          <a:blip r:embed="rId4">
-            <a:extLst>
-              <a:ext uri="{28A0092B-C50C-407E-A947-70E740481C1C}">
-                <a14:useLocalDpi xmlns:a14="http://schemas.microsoft.com/office/drawing/2010/main" val="0"/>
-              </a:ext>
-            </a:extLst>
-          </a:blip>
-          <a:stretch>
-            <a:fillRect/>
-          </a:stretch>
-        </p:blipFill>
-        <p:spPr>
-          <a:xfrm>
-            <a:off x="4994688" y="3973333"/>
-            <a:ext cx="4102465" cy="2198673"/>
-          </a:xfrm>
-          <a:prstGeom prst="rect">
-            <a:avLst/>
-          </a:prstGeom>
-        </p:spPr>
-      </p:pic>
+              <a:t>Contagens com auxilio do algoritmo </a:t>
+            </a:r>
+            <a:r>
+              <a:rPr lang="pt-PT" dirty="0" err="1"/>
+              <a:t>count</a:t>
+            </a:r>
+            <a:r>
+              <a:rPr lang="pt-PT" dirty="0"/>
+              <a:t> da </a:t>
+            </a:r>
+            <a:r>
+              <a:rPr lang="pt-PT" dirty="0" err="1"/>
+              <a:t>stl</a:t>
+            </a:r>
+            <a:r>
+              <a:rPr lang="pt-PT" dirty="0"/>
+              <a:t>.</a:t>
+            </a:r>
+          </a:p>
+          <a:p>
+            <a:endParaRPr lang="en-GB" dirty="0"/>
+          </a:p>
+        </p:txBody>
+      </p:sp>
     </p:spTree>
     <p:extLst>
       <p:ext uri="{BB962C8B-B14F-4D97-AF65-F5344CB8AC3E}">
@@ -12123,7 +12059,7 @@
                 </a:solidFill>
                 <a:latin typeface="Bahnschrift SemiLight" panose="020B0502040204020203" pitchFamily="34" charset="0"/>
               </a:rPr>
-              <a:t>Destaques</a:t>
+              <a:t>UI - Como usar</a:t>
             </a:r>
             <a:endParaRPr lang="en-GB" sz="8000" dirty="0">
               <a:solidFill>
@@ -12137,193 +12073,38 @@
           </a:p>
         </p:txBody>
       </p:sp>
-      <p:sp>
-        <p:nvSpPr>
-          <p:cNvPr id="3" name="Marcador de Posição de Conteúdo 2">
-            <a:extLst>
-              <a:ext uri="{FF2B5EF4-FFF2-40B4-BE49-F238E27FC236}">
-                <a16:creationId xmlns:a16="http://schemas.microsoft.com/office/drawing/2014/main" id="{B3B74F31-20FC-4247-9C66-D428333967A4}"/>
-              </a:ext>
-            </a:extLst>
-          </p:cNvPr>
-          <p:cNvSpPr>
-            <a:spLocks noGrp="1"/>
-          </p:cNvSpPr>
+      <p:pic>
+        <p:nvPicPr>
+          <p:cNvPr id="9" name="Content Placeholder 8" descr="Graphical user interface">
+            <a:extLst>
+              <a:ext uri="{FF2B5EF4-FFF2-40B4-BE49-F238E27FC236}">
+                <a16:creationId xmlns:a16="http://schemas.microsoft.com/office/drawing/2014/main" id="{0C393F47-35C0-45C1-8E28-5EDA08BB0706}"/>
+              </a:ext>
+              <a:ext uri="{C183D7F6-B498-43B3-948B-1728B52AA6E4}">
+                <adec:decorative xmlns:adec="http://schemas.microsoft.com/office/drawing/2017/decorative" val="0"/>
+              </a:ext>
+            </a:extLst>
+          </p:cNvPr>
+          <p:cNvPicPr>
+            <a:picLocks noGrp="1" noChangeAspect="1"/>
+          </p:cNvPicPr>
           <p:nvPr>
             <p:ph idx="1"/>
           </p:nvPr>
-        </p:nvSpPr>
-        <p:spPr>
-          <a:xfrm>
-            <a:off x="1097280" y="2245229"/>
-            <a:ext cx="10058400" cy="4004649"/>
-          </a:xfrm>
-        </p:spPr>
-        <p:txBody>
-          <a:bodyPr>
-            <a:normAutofit/>
-          </a:bodyPr>
-          <a:lstStyle/>
-          <a:p>
-            <a:pPr lvl="1">
-              <a:buClr>
-                <a:srgbClr val="8C2D19"/>
-              </a:buClr>
-              <a:buFont typeface="Arial" panose="020B0604020202020204" pitchFamily="34" charset="0"/>
-              <a:buChar char="•"/>
-            </a:pPr>
-            <a:r>
-              <a:rPr lang="pt-PT" dirty="0">
-                <a:solidFill>
-                  <a:schemeClr val="tx1"/>
-                </a:solidFill>
-              </a:rPr>
-              <a:t>Pesquisas customizadas que juntam vários parâmetros através das funções definidas no SearchManager. Ex: linguagem(s), género(s), idade mínima.</a:t>
-            </a:r>
-          </a:p>
-          <a:p>
-            <a:pPr lvl="1">
-              <a:buClr>
-                <a:srgbClr val="8C2D19"/>
-              </a:buClr>
-              <a:buFont typeface="Arial" panose="020B0604020202020204" pitchFamily="34" charset="0"/>
-              <a:buChar char="•"/>
-            </a:pPr>
-            <a:endParaRPr lang="pt-PT" dirty="0">
-              <a:solidFill>
-                <a:schemeClr val="tx1"/>
-              </a:solidFill>
-            </a:endParaRPr>
-          </a:p>
-          <a:p>
-            <a:pPr lvl="1">
-              <a:buClr>
-                <a:srgbClr val="8C2D19"/>
-              </a:buClr>
-              <a:buFont typeface="Arial" panose="020B0604020202020204" pitchFamily="34" charset="0"/>
-              <a:buChar char="•"/>
-            </a:pPr>
-            <a:r>
-              <a:rPr lang="pt-PT" dirty="0">
-                <a:solidFill>
-                  <a:schemeClr val="tx1"/>
-                </a:solidFill>
-              </a:rPr>
-              <a:t>Algoritmos de ordenação podem ser aplicados a vetores obtidos pelo passo anterior, obtendo várias listagens possiveis, ordenadas de maneiras diferentes, crescentes ou decrescentes. Ex: Likes, Views.</a:t>
-            </a:r>
-          </a:p>
-          <a:p>
-            <a:pPr lvl="1">
-              <a:buClr>
-                <a:srgbClr val="8C2D19"/>
-              </a:buClr>
-              <a:buFont typeface="Arial" panose="020B0604020202020204" pitchFamily="34" charset="0"/>
-              <a:buChar char="•"/>
-            </a:pPr>
-            <a:endParaRPr lang="pt-PT" dirty="0">
-              <a:solidFill>
-                <a:schemeClr val="tx1"/>
-              </a:solidFill>
-            </a:endParaRPr>
-          </a:p>
-          <a:p>
-            <a:pPr lvl="1">
-              <a:buClr>
-                <a:srgbClr val="8C2D19"/>
-              </a:buClr>
-              <a:buFont typeface="Arial" panose="020B0604020202020204" pitchFamily="34" charset="0"/>
-              <a:buChar char="•"/>
-            </a:pPr>
-            <a:r>
-              <a:rPr lang="pt-PT" dirty="0">
-                <a:solidFill>
-                  <a:schemeClr val="tx1"/>
-                </a:solidFill>
-              </a:rPr>
-              <a:t>Funcionalidade extra: Um visualizador pode seguir streamers e pedir uma lista das streams ativas correspondente aos streamers que segue.</a:t>
-            </a:r>
-          </a:p>
-          <a:p>
-            <a:pPr lvl="1">
-              <a:buClr>
-                <a:srgbClr val="8C2D19"/>
-              </a:buClr>
-              <a:buFont typeface="Arial" panose="020B0604020202020204" pitchFamily="34" charset="0"/>
-              <a:buChar char="•"/>
-            </a:pPr>
-            <a:endParaRPr lang="pt-PT" dirty="0">
-              <a:solidFill>
-                <a:schemeClr val="tx1"/>
-              </a:solidFill>
-            </a:endParaRPr>
-          </a:p>
-          <a:p>
-            <a:pPr lvl="1">
-              <a:buClr>
-                <a:srgbClr val="8C2D19"/>
-              </a:buClr>
-              <a:buFont typeface="Arial" panose="020B0604020202020204" pitchFamily="34" charset="0"/>
-              <a:buChar char="•"/>
-            </a:pPr>
-            <a:r>
-              <a:rPr lang="pt-PT" dirty="0">
-                <a:solidFill>
-                  <a:schemeClr val="tx1"/>
-                </a:solidFill>
-              </a:rPr>
-              <a:t>Testes com auxilio à </a:t>
-            </a:r>
-            <a:r>
-              <a:rPr lang="pt-PT" dirty="0" err="1">
-                <a:solidFill>
-                  <a:schemeClr val="tx1"/>
-                </a:solidFill>
-              </a:rPr>
-              <a:t>library</a:t>
-            </a:r>
-            <a:r>
-              <a:rPr lang="pt-PT" dirty="0">
-                <a:solidFill>
-                  <a:schemeClr val="tx1"/>
-                </a:solidFill>
-              </a:rPr>
-              <a:t> Google </a:t>
-            </a:r>
-            <a:r>
-              <a:rPr lang="pt-PT" dirty="0" err="1">
-                <a:solidFill>
-                  <a:schemeClr val="tx1"/>
-                </a:solidFill>
-              </a:rPr>
-              <a:t>Tests</a:t>
-            </a:r>
-            <a:r>
-              <a:rPr lang="pt-PT" dirty="0">
-                <a:solidFill>
-                  <a:schemeClr val="tx1"/>
-                </a:solidFill>
-              </a:rPr>
-              <a:t> para assegurar a qualidade e a robustez do código.</a:t>
-            </a:r>
-          </a:p>
-          <a:p>
-            <a:pPr marL="0" indent="0">
-              <a:buNone/>
-            </a:pPr>
-            <a:endParaRPr lang="pt-PT" dirty="0"/>
-          </a:p>
-          <a:p>
-            <a:pPr marL="0" indent="0">
-              <a:buNone/>
-            </a:pPr>
-            <a:r>
-              <a:rPr lang="pt-PT" dirty="0"/>
-              <a:t> </a:t>
-            </a:r>
-            <a:endParaRPr lang="en-GB" dirty="0"/>
-          </a:p>
-        </p:txBody>
-      </p:sp>
+        </p:nvPicPr>
+        <p:blipFill>
+          <a:blip r:embed="rId2"/>
+          <a:stretch>
+            <a:fillRect/>
+          </a:stretch>
+        </p:blipFill>
+        <p:spPr>
+          <a:xfrm>
+            <a:off x="1097280" y="2433892"/>
+            <a:ext cx="4684603" cy="1990215"/>
+          </a:xfrm>
+        </p:spPr>
+      </p:pic>
       <p:cxnSp>
         <p:nvCxnSpPr>
           <p:cNvPr id="5" name="Conexão reta 4">
@@ -12439,7 +12220,7 @@
           <p:nvPr/>
         </p:nvPicPr>
         <p:blipFill rotWithShape="1">
-          <a:blip r:embed="rId2">
+          <a:blip r:embed="rId3">
             <a:extLst>
               <a:ext uri="{28A0092B-C50C-407E-A947-70E740481C1C}">
                 <a14:useLocalDpi xmlns:a14="http://schemas.microsoft.com/office/drawing/2010/main" val="0"/>
@@ -12459,10 +12240,114 @@
           </a:prstGeom>
         </p:spPr>
       </p:pic>
+      <p:pic>
+        <p:nvPicPr>
+          <p:cNvPr id="11" name="Picture 10">
+            <a:extLst>
+              <a:ext uri="{FF2B5EF4-FFF2-40B4-BE49-F238E27FC236}">
+                <a16:creationId xmlns:a16="http://schemas.microsoft.com/office/drawing/2014/main" id="{5C6A5538-AFEF-4512-8299-77E88507393A}"/>
+              </a:ext>
+            </a:extLst>
+          </p:cNvPr>
+          <p:cNvPicPr>
+            <a:picLocks noChangeAspect="1"/>
+          </p:cNvPicPr>
+          <p:nvPr/>
+        </p:nvPicPr>
+        <p:blipFill>
+          <a:blip r:embed="rId4"/>
+          <a:stretch>
+            <a:fillRect/>
+          </a:stretch>
+        </p:blipFill>
+        <p:spPr>
+          <a:xfrm>
+            <a:off x="7598221" y="1959017"/>
+            <a:ext cx="3738563" cy="2939966"/>
+          </a:xfrm>
+          <a:prstGeom prst="rect">
+            <a:avLst/>
+          </a:prstGeom>
+        </p:spPr>
+      </p:pic>
+      <p:sp>
+        <p:nvSpPr>
+          <p:cNvPr id="12" name="TextBox 11">
+            <a:extLst>
+              <a:ext uri="{FF2B5EF4-FFF2-40B4-BE49-F238E27FC236}">
+                <a16:creationId xmlns:a16="http://schemas.microsoft.com/office/drawing/2014/main" id="{B5D78712-70F3-4C81-AE5C-F3E20EFC6ABC}"/>
+              </a:ext>
+            </a:extLst>
+          </p:cNvPr>
+          <p:cNvSpPr txBox="1"/>
+          <p:nvPr/>
+        </p:nvSpPr>
+        <p:spPr>
+          <a:xfrm>
+            <a:off x="2591763" y="4529651"/>
+            <a:ext cx="1695635" cy="369332"/>
+          </a:xfrm>
+          <a:prstGeom prst="rect">
+            <a:avLst/>
+          </a:prstGeom>
+          <a:noFill/>
+        </p:spPr>
+        <p:txBody>
+          <a:bodyPr wrap="square" rtlCol="0">
+            <a:spAutoFit/>
+          </a:bodyPr>
+          <a:lstStyle/>
+          <a:p>
+            <a:pPr algn="ctr"/>
+            <a:r>
+              <a:rPr lang="pt-PT" dirty="0"/>
+              <a:t>Login Page</a:t>
+            </a:r>
+            <a:endParaRPr lang="en-US" dirty="0"/>
+          </a:p>
+        </p:txBody>
+      </p:sp>
+      <p:sp>
+        <p:nvSpPr>
+          <p:cNvPr id="13" name="TextBox 12">
+            <a:extLst>
+              <a:ext uri="{FF2B5EF4-FFF2-40B4-BE49-F238E27FC236}">
+                <a16:creationId xmlns:a16="http://schemas.microsoft.com/office/drawing/2014/main" id="{3918F24A-B858-4DAC-8BB2-AA8C55D4EF93}"/>
+              </a:ext>
+            </a:extLst>
+          </p:cNvPr>
+          <p:cNvSpPr txBox="1"/>
+          <p:nvPr/>
+        </p:nvSpPr>
+        <p:spPr>
+          <a:xfrm>
+            <a:off x="7598221" y="5120639"/>
+            <a:ext cx="3738563" cy="369332"/>
+          </a:xfrm>
+          <a:prstGeom prst="rect">
+            <a:avLst/>
+          </a:prstGeom>
+          <a:noFill/>
+        </p:spPr>
+        <p:txBody>
+          <a:bodyPr wrap="square" rtlCol="0">
+            <a:spAutoFit/>
+          </a:bodyPr>
+          <a:lstStyle/>
+          <a:p>
+            <a:pPr algn="ctr"/>
+            <a:r>
+              <a:rPr lang="pt-PT" dirty="0"/>
+              <a:t>Escolher a opção correspondente</a:t>
+            </a:r>
+            <a:endParaRPr lang="en-US" dirty="0"/>
+          </a:p>
+        </p:txBody>
+      </p:sp>
     </p:spTree>
     <p:extLst>
       <p:ext uri="{BB962C8B-B14F-4D97-AF65-F5344CB8AC3E}">
-        <p14:creationId xmlns:p14="http://schemas.microsoft.com/office/powerpoint/2010/main" val="516750047"/>
+        <p14:creationId xmlns:p14="http://schemas.microsoft.com/office/powerpoint/2010/main" val="3138427854"/>
       </p:ext>
     </p:extLst>
   </p:cSld>
@@ -12494,7 +12379,7 @@
           <p:cNvPr id="2" name="Título 1">
             <a:extLst>
               <a:ext uri="{FF2B5EF4-FFF2-40B4-BE49-F238E27FC236}">
-                <a16:creationId xmlns:a16="http://schemas.microsoft.com/office/drawing/2014/main" id="{946B05BC-BE14-4CEB-A649-38C2D6E132C4}"/>
+                <a16:creationId xmlns:a16="http://schemas.microsoft.com/office/drawing/2014/main" id="{B6E269CC-F3EC-43ED-BC98-FCEA20CEA90D}"/>
               </a:ext>
             </a:extLst>
           </p:cNvPr>
@@ -12521,7 +12406,7 @@
                 </a:solidFill>
                 <a:latin typeface="Bahnschrift SemiLight" panose="020B0502040204020203" pitchFamily="34" charset="0"/>
               </a:rPr>
-              <a:t>Dificuldades</a:t>
+              <a:t>UI – Pesquisas</a:t>
             </a:r>
             <a:endParaRPr lang="en-GB" sz="8000" dirty="0">
               <a:solidFill>
@@ -12540,7 +12425,7 @@
           <p:cNvPr id="5" name="Conexão reta 4">
             <a:extLst>
               <a:ext uri="{FF2B5EF4-FFF2-40B4-BE49-F238E27FC236}">
-                <a16:creationId xmlns:a16="http://schemas.microsoft.com/office/drawing/2014/main" id="{16A9EEAE-A5F8-447C-BF75-DBD85C985356}"/>
+                <a16:creationId xmlns:a16="http://schemas.microsoft.com/office/drawing/2014/main" id="{D1B427FC-FECB-4AD9-947A-AE1CD8E8E0E9}"/>
               </a:ext>
             </a:extLst>
           </p:cNvPr>
@@ -12583,7 +12468,7 @@
           <p:cNvPr id="4" name="Marcador de Posição do Rodapé 3">
             <a:extLst>
               <a:ext uri="{FF2B5EF4-FFF2-40B4-BE49-F238E27FC236}">
-                <a16:creationId xmlns:a16="http://schemas.microsoft.com/office/drawing/2014/main" id="{24CC6F16-34DD-4EDA-ADE0-808E5F2B8EED}"/>
+                <a16:creationId xmlns:a16="http://schemas.microsoft.com/office/drawing/2014/main" id="{2E6D09DD-1E47-4A67-AB57-535BA57CB1EF}"/>
               </a:ext>
             </a:extLst>
           </p:cNvPr>
@@ -12611,7 +12496,7 @@
           <p:cNvPr id="6" name="Marcador de Posição do Número do Diapositivo 5">
             <a:extLst>
               <a:ext uri="{FF2B5EF4-FFF2-40B4-BE49-F238E27FC236}">
-                <a16:creationId xmlns:a16="http://schemas.microsoft.com/office/drawing/2014/main" id="{98D93093-7413-457A-B787-19C4B19AA2B9}"/>
+                <a16:creationId xmlns:a16="http://schemas.microsoft.com/office/drawing/2014/main" id="{A6038915-9563-428D-88A8-7720015CFAC0}"/>
               </a:ext>
             </a:extLst>
           </p:cNvPr>
@@ -12630,6 +12515,1692 @@
             <a:fld id="{75DB3F52-068C-4339-9FA6-06F9AAEB3337}" type="slidenum">
               <a:rPr lang="en-GB" sz="2400"/>
               <a:t>19</a:t>
+            </a:fld>
+            <a:endParaRPr lang="en-GB" sz="2400" dirty="0"/>
+          </a:p>
+        </p:txBody>
+      </p:sp>
+      <p:pic>
+        <p:nvPicPr>
+          <p:cNvPr id="7" name="Imagem 6">
+            <a:extLst>
+              <a:ext uri="{FF2B5EF4-FFF2-40B4-BE49-F238E27FC236}">
+                <a16:creationId xmlns:a16="http://schemas.microsoft.com/office/drawing/2014/main" id="{95C51A54-AF96-43E2-9C50-EFB3428A2FB4}"/>
+              </a:ext>
+            </a:extLst>
+          </p:cNvPr>
+          <p:cNvPicPr>
+            <a:picLocks noChangeAspect="1"/>
+          </p:cNvPicPr>
+          <p:nvPr/>
+        </p:nvPicPr>
+        <p:blipFill rotWithShape="1">
+          <a:blip r:embed="rId2">
+            <a:extLst>
+              <a:ext uri="{28A0092B-C50C-407E-A947-70E740481C1C}">
+                <a14:useLocalDpi xmlns:a14="http://schemas.microsoft.com/office/drawing/2010/main" val="0"/>
+              </a:ext>
+            </a:extLst>
+          </a:blip>
+          <a:srcRect r="39904"/>
+          <a:stretch/>
+        </p:blipFill>
+        <p:spPr>
+          <a:xfrm>
+            <a:off x="1097280" y="6500189"/>
+            <a:ext cx="1406360" cy="312685"/>
+          </a:xfrm>
+          <a:prstGeom prst="rect">
+            <a:avLst/>
+          </a:prstGeom>
+        </p:spPr>
+      </p:pic>
+      <p:sp>
+        <p:nvSpPr>
+          <p:cNvPr id="12" name="TextBox 11">
+            <a:extLst>
+              <a:ext uri="{FF2B5EF4-FFF2-40B4-BE49-F238E27FC236}">
+                <a16:creationId xmlns:a16="http://schemas.microsoft.com/office/drawing/2014/main" id="{B5D78712-70F3-4C81-AE5C-F3E20EFC6ABC}"/>
+              </a:ext>
+            </a:extLst>
+          </p:cNvPr>
+          <p:cNvSpPr txBox="1"/>
+          <p:nvPr/>
+        </p:nvSpPr>
+        <p:spPr>
+          <a:xfrm>
+            <a:off x="1199738" y="4797497"/>
+            <a:ext cx="3552777" cy="923330"/>
+          </a:xfrm>
+          <a:prstGeom prst="rect">
+            <a:avLst/>
+          </a:prstGeom>
+          <a:noFill/>
+        </p:spPr>
+        <p:txBody>
+          <a:bodyPr wrap="square" rtlCol="0">
+            <a:spAutoFit/>
+          </a:bodyPr>
+          <a:lstStyle/>
+          <a:p>
+            <a:pPr marL="285750" indent="-285750">
+              <a:buFont typeface="Arial" panose="020B0604020202020204" pitchFamily="34" charset="0"/>
+              <a:buChar char="•"/>
+            </a:pPr>
+            <a:r>
+              <a:rPr lang="pt-PT" dirty="0"/>
+              <a:t>Escolher vários parametros</a:t>
+            </a:r>
+          </a:p>
+          <a:p>
+            <a:pPr marL="285750" indent="-285750">
+              <a:buFont typeface="Arial" panose="020B0604020202020204" pitchFamily="34" charset="0"/>
+              <a:buChar char="•"/>
+            </a:pPr>
+            <a:r>
+              <a:rPr lang="pt-PT" dirty="0"/>
+              <a:t>Não escolher nenhum género implica pesquisar por todos</a:t>
+            </a:r>
+            <a:endParaRPr lang="en-US" dirty="0"/>
+          </a:p>
+        </p:txBody>
+      </p:sp>
+      <p:sp>
+        <p:nvSpPr>
+          <p:cNvPr id="13" name="TextBox 12">
+            <a:extLst>
+              <a:ext uri="{FF2B5EF4-FFF2-40B4-BE49-F238E27FC236}">
+                <a16:creationId xmlns:a16="http://schemas.microsoft.com/office/drawing/2014/main" id="{3918F24A-B858-4DAC-8BB2-AA8C55D4EF93}"/>
+              </a:ext>
+            </a:extLst>
+          </p:cNvPr>
+          <p:cNvSpPr txBox="1"/>
+          <p:nvPr/>
+        </p:nvSpPr>
+        <p:spPr>
+          <a:xfrm>
+            <a:off x="7097164" y="5259162"/>
+            <a:ext cx="3738563" cy="369332"/>
+          </a:xfrm>
+          <a:prstGeom prst="rect">
+            <a:avLst/>
+          </a:prstGeom>
+          <a:noFill/>
+        </p:spPr>
+        <p:txBody>
+          <a:bodyPr wrap="square" rtlCol="0">
+            <a:spAutoFit/>
+          </a:bodyPr>
+          <a:lstStyle/>
+          <a:p>
+            <a:pPr algn="ctr"/>
+            <a:r>
+              <a:rPr lang="pt-PT" dirty="0"/>
+              <a:t>Sistema de páginas</a:t>
+            </a:r>
+            <a:endParaRPr lang="en-US" dirty="0"/>
+          </a:p>
+        </p:txBody>
+      </p:sp>
+      <p:pic>
+        <p:nvPicPr>
+          <p:cNvPr id="8" name="Picture 7">
+            <a:extLst>
+              <a:ext uri="{FF2B5EF4-FFF2-40B4-BE49-F238E27FC236}">
+                <a16:creationId xmlns:a16="http://schemas.microsoft.com/office/drawing/2014/main" id="{59DFA416-8478-4302-A4BD-FD4A0E85E958}"/>
+              </a:ext>
+            </a:extLst>
+          </p:cNvPr>
+          <p:cNvPicPr>
+            <a:picLocks noChangeAspect="1"/>
+          </p:cNvPicPr>
+          <p:nvPr/>
+        </p:nvPicPr>
+        <p:blipFill>
+          <a:blip r:embed="rId3"/>
+          <a:stretch>
+            <a:fillRect/>
+          </a:stretch>
+        </p:blipFill>
+        <p:spPr>
+          <a:xfrm>
+            <a:off x="1310827" y="2074391"/>
+            <a:ext cx="3705225" cy="2600325"/>
+          </a:xfrm>
+          <a:prstGeom prst="rect">
+            <a:avLst/>
+          </a:prstGeom>
+        </p:spPr>
+      </p:pic>
+      <p:pic>
+        <p:nvPicPr>
+          <p:cNvPr id="16" name="Picture 15">
+            <a:extLst>
+              <a:ext uri="{FF2B5EF4-FFF2-40B4-BE49-F238E27FC236}">
+                <a16:creationId xmlns:a16="http://schemas.microsoft.com/office/drawing/2014/main" id="{24CC2751-1A2A-4FFC-BCBC-90AE321EF4B7}"/>
+              </a:ext>
+            </a:extLst>
+          </p:cNvPr>
+          <p:cNvPicPr>
+            <a:picLocks noChangeAspect="1"/>
+          </p:cNvPicPr>
+          <p:nvPr/>
+        </p:nvPicPr>
+        <p:blipFill>
+          <a:blip r:embed="rId4"/>
+          <a:stretch>
+            <a:fillRect/>
+          </a:stretch>
+        </p:blipFill>
+        <p:spPr>
+          <a:xfrm>
+            <a:off x="7439486" y="1894202"/>
+            <a:ext cx="3053920" cy="3149355"/>
+          </a:xfrm>
+          <a:prstGeom prst="rect">
+            <a:avLst/>
+          </a:prstGeom>
+        </p:spPr>
+      </p:pic>
+    </p:spTree>
+    <p:extLst>
+      <p:ext uri="{BB962C8B-B14F-4D97-AF65-F5344CB8AC3E}">
+        <p14:creationId xmlns:p14="http://schemas.microsoft.com/office/powerpoint/2010/main" val="465885420"/>
+      </p:ext>
+    </p:extLst>
+  </p:cSld>
+  <p:clrMapOvr>
+    <a:masterClrMapping/>
+  </p:clrMapOvr>
+</p:sld>
+</file>
+
+<file path=ppt/slides/slide2.xml><?xml version="1.0" encoding="utf-8"?>
+<p:sld xmlns:a="http://schemas.openxmlformats.org/drawingml/2006/main" xmlns:r="http://schemas.openxmlformats.org/officeDocument/2006/relationships" xmlns:p="http://schemas.openxmlformats.org/presentationml/2006/main">
+  <p:cSld>
+    <p:bg>
+      <p:bgPr>
+        <a:solidFill>
+          <a:srgbClr val="404040"/>
+        </a:solidFill>
+        <a:effectLst/>
+      </p:bgPr>
+    </p:bg>
+    <p:spTree>
+      <p:nvGrpSpPr>
+        <p:cNvPr id="1" name=""/>
+        <p:cNvGrpSpPr/>
+        <p:nvPr/>
+      </p:nvGrpSpPr>
+      <p:grpSpPr>
+        <a:xfrm>
+          <a:off x="0" y="0"/>
+          <a:ext cx="0" cy="0"/>
+          <a:chOff x="0" y="0"/>
+          <a:chExt cx="0" cy="0"/>
+        </a:xfrm>
+      </p:grpSpPr>
+      <p:sp>
+        <p:nvSpPr>
+          <p:cNvPr id="2" name="Título 1">
+            <a:extLst>
+              <a:ext uri="{FF2B5EF4-FFF2-40B4-BE49-F238E27FC236}">
+                <a16:creationId xmlns:a16="http://schemas.microsoft.com/office/drawing/2014/main" id="{B648F744-D4AE-4007-B108-2202485D0241}"/>
+              </a:ext>
+            </a:extLst>
+          </p:cNvPr>
+          <p:cNvSpPr>
+            <a:spLocks noGrp="1"/>
+          </p:cNvSpPr>
+          <p:nvPr>
+            <p:ph type="title"/>
+          </p:nvPr>
+        </p:nvSpPr>
+        <p:spPr/>
+        <p:txBody>
+          <a:bodyPr/>
+          <a:lstStyle/>
+          <a:p>
+            <a:pPr algn="ctr"/>
+            <a:r>
+              <a:rPr lang="pt-PT" sz="8000" dirty="0">
+                <a:solidFill>
+                  <a:schemeClr val="tx1">
+                    <a:lumMod val="85000"/>
+                    <a:lumOff val="15000"/>
+                  </a:schemeClr>
+                </a:solidFill>
+                <a:latin typeface="Bahnschrift SemiLight" panose="020B0502040204020203" pitchFamily="34" charset="0"/>
+              </a:rPr>
+              <a:t>Problema</a:t>
+            </a:r>
+            <a:endParaRPr lang="en-GB" sz="8000" dirty="0">
+              <a:solidFill>
+                <a:schemeClr val="tx1">
+                  <a:lumMod val="85000"/>
+                  <a:lumOff val="15000"/>
+                </a:schemeClr>
+              </a:solidFill>
+              <a:latin typeface="Bahnschrift SemiLight" panose="020B0502040204020203" pitchFamily="34" charset="0"/>
+            </a:endParaRPr>
+          </a:p>
+        </p:txBody>
+      </p:sp>
+      <p:sp>
+        <p:nvSpPr>
+          <p:cNvPr id="3" name="Marcador de Posição de Conteúdo 2">
+            <a:extLst>
+              <a:ext uri="{FF2B5EF4-FFF2-40B4-BE49-F238E27FC236}">
+                <a16:creationId xmlns:a16="http://schemas.microsoft.com/office/drawing/2014/main" id="{D6C18AFC-B403-416E-9C4C-D5B045687191}"/>
+              </a:ext>
+            </a:extLst>
+          </p:cNvPr>
+          <p:cNvSpPr>
+            <a:spLocks noGrp="1"/>
+          </p:cNvSpPr>
+          <p:nvPr>
+            <p:ph idx="1"/>
+          </p:nvPr>
+        </p:nvSpPr>
+        <p:spPr>
+          <a:xfrm>
+            <a:off x="1097280" y="1998050"/>
+            <a:ext cx="10058400" cy="528880"/>
+          </a:xfrm>
+        </p:spPr>
+        <p:txBody>
+          <a:bodyPr/>
+          <a:lstStyle/>
+          <a:p>
+            <a:pPr algn="ctr"/>
+            <a:r>
+              <a:rPr lang="pt-PT" sz="2400" dirty="0"/>
+              <a:t>Criar aplicação de </a:t>
+            </a:r>
+            <a:r>
+              <a:rPr lang="pt-PT" sz="2400" dirty="0" err="1"/>
+              <a:t>Streaming</a:t>
+            </a:r>
+            <a:endParaRPr lang="pt-PT" dirty="0"/>
+          </a:p>
+          <a:p>
+            <a:pPr marL="0" indent="0">
+              <a:buNone/>
+            </a:pPr>
+            <a:endParaRPr lang="pt-PT" dirty="0"/>
+          </a:p>
+          <a:p>
+            <a:endParaRPr lang="en-GB" dirty="0"/>
+          </a:p>
+        </p:txBody>
+      </p:sp>
+      <p:pic>
+        <p:nvPicPr>
+          <p:cNvPr id="9" name="Gráfico 8">
+            <a:extLst>
+              <a:ext uri="{FF2B5EF4-FFF2-40B4-BE49-F238E27FC236}">
+                <a16:creationId xmlns:a16="http://schemas.microsoft.com/office/drawing/2014/main" id="{75951CF8-2050-4B0A-8D8F-4A23C80EDBCB}"/>
+              </a:ext>
+            </a:extLst>
+          </p:cNvPr>
+          <p:cNvPicPr>
+            <a:picLocks noChangeAspect="1"/>
+          </p:cNvPicPr>
+          <p:nvPr/>
+        </p:nvPicPr>
+        <p:blipFill>
+          <a:blip r:embed="rId2">
+            <a:extLst>
+              <a:ext uri="{28A0092B-C50C-407E-A947-70E740481C1C}">
+                <a14:useLocalDpi xmlns:a14="http://schemas.microsoft.com/office/drawing/2010/main" val="0"/>
+              </a:ext>
+              <a:ext uri="{96DAC541-7B7A-43D3-8B79-37D633B846F1}">
+                <asvg:svgBlip xmlns:asvg="http://schemas.microsoft.com/office/drawing/2016/SVG/main" r:embed="rId3"/>
+              </a:ext>
+            </a:extLst>
+          </a:blip>
+          <a:stretch>
+            <a:fillRect/>
+          </a:stretch>
+        </p:blipFill>
+        <p:spPr>
+          <a:xfrm>
+            <a:off x="7061554" y="3981170"/>
+            <a:ext cx="1060590" cy="1060590"/>
+          </a:xfrm>
+          <a:prstGeom prst="rect">
+            <a:avLst/>
+          </a:prstGeom>
+        </p:spPr>
+      </p:pic>
+      <p:pic>
+        <p:nvPicPr>
+          <p:cNvPr id="11" name="Gráfico 10">
+            <a:extLst>
+              <a:ext uri="{FF2B5EF4-FFF2-40B4-BE49-F238E27FC236}">
+                <a16:creationId xmlns:a16="http://schemas.microsoft.com/office/drawing/2014/main" id="{6F2E4892-14C5-4BCA-84F9-08DD5F9F9E09}"/>
+              </a:ext>
+            </a:extLst>
+          </p:cNvPr>
+          <p:cNvPicPr>
+            <a:picLocks noChangeAspect="1"/>
+          </p:cNvPicPr>
+          <p:nvPr/>
+        </p:nvPicPr>
+        <p:blipFill>
+          <a:blip r:embed="rId4">
+            <a:extLst>
+              <a:ext uri="{28A0092B-C50C-407E-A947-70E740481C1C}">
+                <a14:useLocalDpi xmlns:a14="http://schemas.microsoft.com/office/drawing/2010/main" val="0"/>
+              </a:ext>
+              <a:ext uri="{96DAC541-7B7A-43D3-8B79-37D633B846F1}">
+                <asvg:svgBlip xmlns:asvg="http://schemas.microsoft.com/office/drawing/2016/SVG/main" r:embed="rId5"/>
+              </a:ext>
+            </a:extLst>
+          </a:blip>
+          <a:stretch>
+            <a:fillRect/>
+          </a:stretch>
+        </p:blipFill>
+        <p:spPr>
+          <a:xfrm>
+            <a:off x="5373854" y="3951307"/>
+            <a:ext cx="1060590" cy="1060590"/>
+          </a:xfrm>
+          <a:prstGeom prst="rect">
+            <a:avLst/>
+          </a:prstGeom>
+        </p:spPr>
+      </p:pic>
+      <p:pic>
+        <p:nvPicPr>
+          <p:cNvPr id="13" name="Gráfico 12">
+            <a:extLst>
+              <a:ext uri="{FF2B5EF4-FFF2-40B4-BE49-F238E27FC236}">
+                <a16:creationId xmlns:a16="http://schemas.microsoft.com/office/drawing/2014/main" id="{CA201336-85F2-44F4-84F4-668A9F18DB32}"/>
+              </a:ext>
+            </a:extLst>
+          </p:cNvPr>
+          <p:cNvPicPr>
+            <a:picLocks noChangeAspect="1"/>
+          </p:cNvPicPr>
+          <p:nvPr/>
+        </p:nvPicPr>
+        <p:blipFill>
+          <a:blip r:embed="rId6">
+            <a:extLst>
+              <a:ext uri="{28A0092B-C50C-407E-A947-70E740481C1C}">
+                <a14:useLocalDpi xmlns:a14="http://schemas.microsoft.com/office/drawing/2010/main" val="0"/>
+              </a:ext>
+              <a:ext uri="{96DAC541-7B7A-43D3-8B79-37D633B846F1}">
+                <asvg:svgBlip xmlns:asvg="http://schemas.microsoft.com/office/drawing/2016/SVG/main" r:embed="rId7"/>
+              </a:ext>
+            </a:extLst>
+          </a:blip>
+          <a:stretch>
+            <a:fillRect/>
+          </a:stretch>
+        </p:blipFill>
+        <p:spPr>
+          <a:xfrm>
+            <a:off x="9171944" y="4058780"/>
+            <a:ext cx="1060590" cy="1060590"/>
+          </a:xfrm>
+          <a:prstGeom prst="rect">
+            <a:avLst/>
+          </a:prstGeom>
+        </p:spPr>
+      </p:pic>
+      <p:pic>
+        <p:nvPicPr>
+          <p:cNvPr id="15" name="Gráfico 14">
+            <a:extLst>
+              <a:ext uri="{FF2B5EF4-FFF2-40B4-BE49-F238E27FC236}">
+                <a16:creationId xmlns:a16="http://schemas.microsoft.com/office/drawing/2014/main" id="{528D9C7E-11E5-443D-AAD2-7FB2DD9043FF}"/>
+              </a:ext>
+            </a:extLst>
+          </p:cNvPr>
+          <p:cNvPicPr>
+            <a:picLocks noChangeAspect="1"/>
+          </p:cNvPicPr>
+          <p:nvPr/>
+        </p:nvPicPr>
+        <p:blipFill>
+          <a:blip r:embed="rId8">
+            <a:extLst>
+              <a:ext uri="{28A0092B-C50C-407E-A947-70E740481C1C}">
+                <a14:useLocalDpi xmlns:a14="http://schemas.microsoft.com/office/drawing/2010/main" val="0"/>
+              </a:ext>
+              <a:ext uri="{96DAC541-7B7A-43D3-8B79-37D633B846F1}">
+                <asvg:svgBlip xmlns:asvg="http://schemas.microsoft.com/office/drawing/2016/SVG/main" r:embed="rId9"/>
+              </a:ext>
+            </a:extLst>
+          </a:blip>
+          <a:stretch>
+            <a:fillRect/>
+          </a:stretch>
+        </p:blipFill>
+        <p:spPr>
+          <a:xfrm>
+            <a:off x="3486542" y="4054094"/>
+            <a:ext cx="1065276" cy="1065276"/>
+          </a:xfrm>
+          <a:prstGeom prst="rect">
+            <a:avLst/>
+          </a:prstGeom>
+        </p:spPr>
+      </p:pic>
+      <p:pic>
+        <p:nvPicPr>
+          <p:cNvPr id="17" name="Gráfico 16">
+            <a:extLst>
+              <a:ext uri="{FF2B5EF4-FFF2-40B4-BE49-F238E27FC236}">
+                <a16:creationId xmlns:a16="http://schemas.microsoft.com/office/drawing/2014/main" id="{9F76A002-A3B8-4D4A-8A65-7DEDFE895BA6}"/>
+              </a:ext>
+            </a:extLst>
+          </p:cNvPr>
+          <p:cNvPicPr>
+            <a:picLocks noChangeAspect="1"/>
+          </p:cNvPicPr>
+          <p:nvPr/>
+        </p:nvPicPr>
+        <p:blipFill>
+          <a:blip r:embed="rId10">
+            <a:extLst>
+              <a:ext uri="{28A0092B-C50C-407E-A947-70E740481C1C}">
+                <a14:useLocalDpi xmlns:a14="http://schemas.microsoft.com/office/drawing/2010/main" val="0"/>
+              </a:ext>
+              <a:ext uri="{96DAC541-7B7A-43D3-8B79-37D633B846F1}">
+                <asvg:svgBlip xmlns:asvg="http://schemas.microsoft.com/office/drawing/2016/SVG/main" r:embed="rId11"/>
+              </a:ext>
+            </a:extLst>
+          </a:blip>
+          <a:stretch>
+            <a:fillRect/>
+          </a:stretch>
+        </p:blipFill>
+        <p:spPr>
+          <a:xfrm>
+            <a:off x="1624346" y="4054094"/>
+            <a:ext cx="1065276" cy="1065276"/>
+          </a:xfrm>
+          <a:prstGeom prst="rect">
+            <a:avLst/>
+          </a:prstGeom>
+          <a:effectLst>
+            <a:softEdge rad="0"/>
+          </a:effectLst>
+        </p:spPr>
+      </p:pic>
+      <p:sp>
+        <p:nvSpPr>
+          <p:cNvPr id="18" name="CaixaDeTexto 17">
+            <a:extLst>
+              <a:ext uri="{FF2B5EF4-FFF2-40B4-BE49-F238E27FC236}">
+                <a16:creationId xmlns:a16="http://schemas.microsoft.com/office/drawing/2014/main" id="{B561EF78-4C0C-4636-B684-531F2066C605}"/>
+              </a:ext>
+            </a:extLst>
+          </p:cNvPr>
+          <p:cNvSpPr txBox="1"/>
+          <p:nvPr/>
+        </p:nvSpPr>
+        <p:spPr>
+          <a:xfrm>
+            <a:off x="1566576" y="3226944"/>
+            <a:ext cx="1230548" cy="400110"/>
+          </a:xfrm>
+          <a:prstGeom prst="rect">
+            <a:avLst/>
+          </a:prstGeom>
+          <a:noFill/>
+        </p:spPr>
+        <p:txBody>
+          <a:bodyPr wrap="square" rtlCol="0">
+            <a:spAutoFit/>
+          </a:bodyPr>
+          <a:lstStyle/>
+          <a:p>
+            <a:pPr algn="ctr"/>
+            <a:r>
+              <a:rPr lang="pt-PT" sz="2000" dirty="0" err="1"/>
+              <a:t>Viewers</a:t>
+            </a:r>
+            <a:endParaRPr lang="en-GB" sz="2000" dirty="0"/>
+          </a:p>
+        </p:txBody>
+      </p:sp>
+      <p:sp>
+        <p:nvSpPr>
+          <p:cNvPr id="22" name="CaixaDeTexto 21">
+            <a:extLst>
+              <a:ext uri="{FF2B5EF4-FFF2-40B4-BE49-F238E27FC236}">
+                <a16:creationId xmlns:a16="http://schemas.microsoft.com/office/drawing/2014/main" id="{24E6D5DF-0995-4983-998B-8D5241DFFACC}"/>
+              </a:ext>
+            </a:extLst>
+          </p:cNvPr>
+          <p:cNvSpPr txBox="1"/>
+          <p:nvPr/>
+        </p:nvSpPr>
+        <p:spPr>
+          <a:xfrm>
+            <a:off x="3295444" y="3198167"/>
+            <a:ext cx="1458265" cy="400110"/>
+          </a:xfrm>
+          <a:prstGeom prst="rect">
+            <a:avLst/>
+          </a:prstGeom>
+          <a:noFill/>
+        </p:spPr>
+        <p:txBody>
+          <a:bodyPr wrap="square" rtlCol="0">
+            <a:spAutoFit/>
+          </a:bodyPr>
+          <a:lstStyle/>
+          <a:p>
+            <a:pPr algn="ctr"/>
+            <a:r>
+              <a:rPr lang="pt-PT" sz="2000" dirty="0" err="1"/>
+              <a:t>Streamers</a:t>
+            </a:r>
+            <a:endParaRPr lang="en-GB" sz="2000" dirty="0"/>
+          </a:p>
+        </p:txBody>
+      </p:sp>
+      <p:sp>
+        <p:nvSpPr>
+          <p:cNvPr id="24" name="CaixaDeTexto 23">
+            <a:extLst>
+              <a:ext uri="{FF2B5EF4-FFF2-40B4-BE49-F238E27FC236}">
+                <a16:creationId xmlns:a16="http://schemas.microsoft.com/office/drawing/2014/main" id="{C56FA312-A0B7-4AD0-9F3A-E56122DF1597}"/>
+              </a:ext>
+            </a:extLst>
+          </p:cNvPr>
+          <p:cNvSpPr txBox="1"/>
+          <p:nvPr/>
+        </p:nvSpPr>
+        <p:spPr>
+          <a:xfrm>
+            <a:off x="6976576" y="3215238"/>
+            <a:ext cx="1230547" cy="400110"/>
+          </a:xfrm>
+          <a:prstGeom prst="rect">
+            <a:avLst/>
+          </a:prstGeom>
+          <a:noFill/>
+        </p:spPr>
+        <p:txBody>
+          <a:bodyPr wrap="square" rtlCol="0">
+            <a:spAutoFit/>
+          </a:bodyPr>
+          <a:lstStyle/>
+          <a:p>
+            <a:pPr algn="ctr"/>
+            <a:r>
+              <a:rPr lang="pt-PT" sz="2000" dirty="0" err="1"/>
+              <a:t>Admin</a:t>
+            </a:r>
+            <a:endParaRPr lang="en-GB" sz="2000" dirty="0"/>
+          </a:p>
+        </p:txBody>
+      </p:sp>
+      <p:sp>
+        <p:nvSpPr>
+          <p:cNvPr id="26" name="CaixaDeTexto 25">
+            <a:extLst>
+              <a:ext uri="{FF2B5EF4-FFF2-40B4-BE49-F238E27FC236}">
+                <a16:creationId xmlns:a16="http://schemas.microsoft.com/office/drawing/2014/main" id="{59C1E03F-1804-4F07-803C-A3E2481E90A3}"/>
+              </a:ext>
+            </a:extLst>
+          </p:cNvPr>
+          <p:cNvSpPr txBox="1"/>
+          <p:nvPr/>
+        </p:nvSpPr>
+        <p:spPr>
+          <a:xfrm>
+            <a:off x="5252030" y="3198167"/>
+            <a:ext cx="1230548" cy="400110"/>
+          </a:xfrm>
+          <a:prstGeom prst="rect">
+            <a:avLst/>
+          </a:prstGeom>
+          <a:noFill/>
+        </p:spPr>
+        <p:txBody>
+          <a:bodyPr wrap="square" rtlCol="0">
+            <a:spAutoFit/>
+          </a:bodyPr>
+          <a:lstStyle/>
+          <a:p>
+            <a:pPr algn="ctr"/>
+            <a:r>
+              <a:rPr lang="pt-PT" sz="2000" dirty="0" err="1"/>
+              <a:t>Streams</a:t>
+            </a:r>
+            <a:endParaRPr lang="en-GB" sz="2000" dirty="0"/>
+          </a:p>
+        </p:txBody>
+      </p:sp>
+      <p:sp>
+        <p:nvSpPr>
+          <p:cNvPr id="28" name="CaixaDeTexto 27">
+            <a:extLst>
+              <a:ext uri="{FF2B5EF4-FFF2-40B4-BE49-F238E27FC236}">
+                <a16:creationId xmlns:a16="http://schemas.microsoft.com/office/drawing/2014/main" id="{E05E46AE-873A-4676-90D0-B6C1834CF232}"/>
+              </a:ext>
+            </a:extLst>
+          </p:cNvPr>
+          <p:cNvSpPr txBox="1"/>
+          <p:nvPr/>
+        </p:nvSpPr>
+        <p:spPr>
+          <a:xfrm>
+            <a:off x="8531165" y="3215238"/>
+            <a:ext cx="2342148" cy="461665"/>
+          </a:xfrm>
+          <a:prstGeom prst="rect">
+            <a:avLst/>
+          </a:prstGeom>
+          <a:noFill/>
+        </p:spPr>
+        <p:txBody>
+          <a:bodyPr wrap="square" rtlCol="0">
+            <a:spAutoFit/>
+          </a:bodyPr>
+          <a:lstStyle/>
+          <a:p>
+            <a:r>
+              <a:rPr lang="pt-PT" sz="2000" dirty="0" err="1"/>
+              <a:t>Search</a:t>
+            </a:r>
+            <a:r>
+              <a:rPr lang="pt-PT" sz="2400" dirty="0"/>
+              <a:t> </a:t>
+            </a:r>
+            <a:r>
+              <a:rPr lang="pt-PT" sz="2000" dirty="0" err="1"/>
+              <a:t>Methods</a:t>
+            </a:r>
+            <a:endParaRPr lang="en-GB" sz="2000" dirty="0"/>
+          </a:p>
+        </p:txBody>
+      </p:sp>
+      <p:cxnSp>
+        <p:nvCxnSpPr>
+          <p:cNvPr id="30" name="Conexão reta 29">
+            <a:extLst>
+              <a:ext uri="{FF2B5EF4-FFF2-40B4-BE49-F238E27FC236}">
+                <a16:creationId xmlns:a16="http://schemas.microsoft.com/office/drawing/2014/main" id="{99E6997F-8AAA-43C5-B4E7-FFB92C2D8487}"/>
+              </a:ext>
+            </a:extLst>
+          </p:cNvPr>
+          <p:cNvCxnSpPr>
+            <a:cxnSpLocks/>
+          </p:cNvCxnSpPr>
+          <p:nvPr/>
+        </p:nvCxnSpPr>
+        <p:spPr>
+          <a:xfrm flipH="1">
+            <a:off x="1097280" y="1737360"/>
+            <a:ext cx="10239504" cy="0"/>
+          </a:xfrm>
+          <a:prstGeom prst="line">
+            <a:avLst/>
+          </a:prstGeom>
+          <a:ln>
+            <a:solidFill>
+              <a:srgbClr val="8C2D19"/>
+            </a:solidFill>
+          </a:ln>
+        </p:spPr>
+        <p:style>
+          <a:lnRef idx="1">
+            <a:schemeClr val="accent1"/>
+          </a:lnRef>
+          <a:fillRef idx="0">
+            <a:schemeClr val="accent1"/>
+          </a:fillRef>
+          <a:effectRef idx="0">
+            <a:schemeClr val="accent1"/>
+          </a:effectRef>
+          <a:fontRef idx="minor">
+            <a:schemeClr val="tx1"/>
+          </a:fontRef>
+        </p:style>
+      </p:cxnSp>
+      <p:pic>
+        <p:nvPicPr>
+          <p:cNvPr id="5" name="Gráfico 4">
+            <a:extLst>
+              <a:ext uri="{FF2B5EF4-FFF2-40B4-BE49-F238E27FC236}">
+                <a16:creationId xmlns:a16="http://schemas.microsoft.com/office/drawing/2014/main" id="{1F8CED45-26E0-4D08-B06C-BF3674EEF32D}"/>
+              </a:ext>
+            </a:extLst>
+          </p:cNvPr>
+          <p:cNvPicPr>
+            <a:picLocks noChangeAspect="1"/>
+          </p:cNvPicPr>
+          <p:nvPr/>
+        </p:nvPicPr>
+        <p:blipFill>
+          <a:blip r:embed="rId12">
+            <a:extLst>
+              <a:ext uri="{28A0092B-C50C-407E-A947-70E740481C1C}">
+                <a14:useLocalDpi xmlns:a14="http://schemas.microsoft.com/office/drawing/2010/main" val="0"/>
+              </a:ext>
+              <a:ext uri="{96DAC541-7B7A-43D3-8B79-37D633B846F1}">
+                <asvg:svgBlip xmlns:asvg="http://schemas.microsoft.com/office/drawing/2016/SVG/main" r:embed="rId13"/>
+              </a:ext>
+            </a:extLst>
+          </a:blip>
+          <a:stretch>
+            <a:fillRect/>
+          </a:stretch>
+        </p:blipFill>
+        <p:spPr>
+          <a:xfrm>
+            <a:off x="5338423" y="5011897"/>
+            <a:ext cx="528881" cy="528881"/>
+          </a:xfrm>
+          <a:prstGeom prst="rect">
+            <a:avLst/>
+          </a:prstGeom>
+        </p:spPr>
+      </p:pic>
+      <p:pic>
+        <p:nvPicPr>
+          <p:cNvPr id="7" name="Gráfico 6">
+            <a:extLst>
+              <a:ext uri="{FF2B5EF4-FFF2-40B4-BE49-F238E27FC236}">
+                <a16:creationId xmlns:a16="http://schemas.microsoft.com/office/drawing/2014/main" id="{FD449A4B-D3EE-47C0-97D9-39E0DAB1B903}"/>
+              </a:ext>
+            </a:extLst>
+          </p:cNvPr>
+          <p:cNvPicPr>
+            <a:picLocks noChangeAspect="1"/>
+          </p:cNvPicPr>
+          <p:nvPr/>
+        </p:nvPicPr>
+        <p:blipFill>
+          <a:blip r:embed="rId14">
+            <a:extLst>
+              <a:ext uri="{28A0092B-C50C-407E-A947-70E740481C1C}">
+                <a14:useLocalDpi xmlns:a14="http://schemas.microsoft.com/office/drawing/2010/main" val="0"/>
+              </a:ext>
+              <a:ext uri="{96DAC541-7B7A-43D3-8B79-37D633B846F1}">
+                <asvg:svgBlip xmlns:asvg="http://schemas.microsoft.com/office/drawing/2016/SVG/main" r:embed="rId15"/>
+              </a:ext>
+            </a:extLst>
+          </a:blip>
+          <a:stretch>
+            <a:fillRect/>
+          </a:stretch>
+        </p:blipFill>
+        <p:spPr>
+          <a:xfrm>
+            <a:off x="5943390" y="5030810"/>
+            <a:ext cx="491054" cy="491054"/>
+          </a:xfrm>
+          <a:prstGeom prst="rect">
+            <a:avLst/>
+          </a:prstGeom>
+        </p:spPr>
+      </p:pic>
+      <p:pic>
+        <p:nvPicPr>
+          <p:cNvPr id="10" name="Gráfico 9">
+            <a:extLst>
+              <a:ext uri="{FF2B5EF4-FFF2-40B4-BE49-F238E27FC236}">
+                <a16:creationId xmlns:a16="http://schemas.microsoft.com/office/drawing/2014/main" id="{43D8AF03-6244-4802-82AF-7664DFC6C9E3}"/>
+              </a:ext>
+            </a:extLst>
+          </p:cNvPr>
+          <p:cNvPicPr>
+            <a:picLocks noChangeAspect="1"/>
+          </p:cNvPicPr>
+          <p:nvPr/>
+        </p:nvPicPr>
+        <p:blipFill>
+          <a:blip r:embed="rId16">
+            <a:extLst>
+              <a:ext uri="{28A0092B-C50C-407E-A947-70E740481C1C}">
+                <a14:useLocalDpi xmlns:a14="http://schemas.microsoft.com/office/drawing/2010/main" val="0"/>
+              </a:ext>
+              <a:ext uri="{96DAC541-7B7A-43D3-8B79-37D633B846F1}">
+                <asvg:svgBlip xmlns:asvg="http://schemas.microsoft.com/office/drawing/2016/SVG/main" r:embed="rId17"/>
+              </a:ext>
+            </a:extLst>
+          </a:blip>
+          <a:stretch>
+            <a:fillRect/>
+          </a:stretch>
+        </p:blipFill>
+        <p:spPr>
+          <a:xfrm>
+            <a:off x="1895389" y="5036840"/>
+            <a:ext cx="523190" cy="523190"/>
+          </a:xfrm>
+          <a:prstGeom prst="rect">
+            <a:avLst/>
+          </a:prstGeom>
+        </p:spPr>
+      </p:pic>
+      <p:pic>
+        <p:nvPicPr>
+          <p:cNvPr id="14" name="Gráfico 13">
+            <a:extLst>
+              <a:ext uri="{FF2B5EF4-FFF2-40B4-BE49-F238E27FC236}">
+                <a16:creationId xmlns:a16="http://schemas.microsoft.com/office/drawing/2014/main" id="{7549A7EC-3C49-4E37-AC3E-FC71F34E5A09}"/>
+              </a:ext>
+            </a:extLst>
+          </p:cNvPr>
+          <p:cNvPicPr>
+            <a:picLocks noChangeAspect="1"/>
+          </p:cNvPicPr>
+          <p:nvPr/>
+        </p:nvPicPr>
+        <p:blipFill>
+          <a:blip r:embed="rId18">
+            <a:extLst>
+              <a:ext uri="{28A0092B-C50C-407E-A947-70E740481C1C}">
+                <a14:useLocalDpi xmlns:a14="http://schemas.microsoft.com/office/drawing/2010/main" val="0"/>
+              </a:ext>
+              <a:ext uri="{96DAC541-7B7A-43D3-8B79-37D633B846F1}">
+                <asvg:svgBlip xmlns:asvg="http://schemas.microsoft.com/office/drawing/2016/SVG/main" r:embed="rId19"/>
+              </a:ext>
+            </a:extLst>
+          </a:blip>
+          <a:stretch>
+            <a:fillRect/>
+          </a:stretch>
+        </p:blipFill>
+        <p:spPr>
+          <a:xfrm>
+            <a:off x="7283216" y="5041760"/>
+            <a:ext cx="536397" cy="536397"/>
+          </a:xfrm>
+          <a:prstGeom prst="rect">
+            <a:avLst/>
+          </a:prstGeom>
+        </p:spPr>
+      </p:pic>
+      <p:pic>
+        <p:nvPicPr>
+          <p:cNvPr id="19" name="Gráfico 18">
+            <a:extLst>
+              <a:ext uri="{FF2B5EF4-FFF2-40B4-BE49-F238E27FC236}">
+                <a16:creationId xmlns:a16="http://schemas.microsoft.com/office/drawing/2014/main" id="{60CDE939-2B12-4529-81B4-E39F7A03BA1F}"/>
+              </a:ext>
+            </a:extLst>
+          </p:cNvPr>
+          <p:cNvPicPr>
+            <a:picLocks noChangeAspect="1"/>
+          </p:cNvPicPr>
+          <p:nvPr/>
+        </p:nvPicPr>
+        <p:blipFill>
+          <a:blip r:embed="rId20">
+            <a:extLst>
+              <a:ext uri="{28A0092B-C50C-407E-A947-70E740481C1C}">
+                <a14:useLocalDpi xmlns:a14="http://schemas.microsoft.com/office/drawing/2010/main" val="0"/>
+              </a:ext>
+              <a:ext uri="{96DAC541-7B7A-43D3-8B79-37D633B846F1}">
+                <asvg:svgBlip xmlns:asvg="http://schemas.microsoft.com/office/drawing/2016/SVG/main" r:embed="rId21"/>
+              </a:ext>
+            </a:extLst>
+          </a:blip>
+          <a:stretch>
+            <a:fillRect/>
+          </a:stretch>
+        </p:blipFill>
+        <p:spPr>
+          <a:xfrm>
+            <a:off x="3770722" y="5059308"/>
+            <a:ext cx="503888" cy="503888"/>
+          </a:xfrm>
+          <a:prstGeom prst="rect">
+            <a:avLst/>
+          </a:prstGeom>
+        </p:spPr>
+      </p:pic>
+      <p:sp>
+        <p:nvSpPr>
+          <p:cNvPr id="4" name="Marcador de Posição do Rodapé 3">
+            <a:extLst>
+              <a:ext uri="{FF2B5EF4-FFF2-40B4-BE49-F238E27FC236}">
+                <a16:creationId xmlns:a16="http://schemas.microsoft.com/office/drawing/2014/main" id="{CD6FF158-A4D0-4F47-8632-6704C33C7AD2}"/>
+              </a:ext>
+            </a:extLst>
+          </p:cNvPr>
+          <p:cNvSpPr>
+            <a:spLocks noGrp="1"/>
+          </p:cNvSpPr>
+          <p:nvPr>
+            <p:ph type="ftr" sz="quarter" idx="11"/>
+          </p:nvPr>
+        </p:nvSpPr>
+        <p:spPr/>
+        <p:txBody>
+          <a:bodyPr/>
+          <a:lstStyle/>
+          <a:p>
+            <a:r>
+              <a:rPr lang="en-GB" sz="2400" b="1" dirty="0"/>
+              <a:t>2MIEIC04_G1</a:t>
+            </a:r>
+          </a:p>
+        </p:txBody>
+      </p:sp>
+      <p:sp>
+        <p:nvSpPr>
+          <p:cNvPr id="6" name="Marcador de Posição do Número do Diapositivo 5">
+            <a:extLst>
+              <a:ext uri="{FF2B5EF4-FFF2-40B4-BE49-F238E27FC236}">
+                <a16:creationId xmlns:a16="http://schemas.microsoft.com/office/drawing/2014/main" id="{EF089C28-62C1-41EA-9EAD-0F7DE996C216}"/>
+              </a:ext>
+            </a:extLst>
+          </p:cNvPr>
+          <p:cNvSpPr>
+            <a:spLocks noGrp="1"/>
+          </p:cNvSpPr>
+          <p:nvPr>
+            <p:ph type="sldNum" sz="quarter" idx="12"/>
+          </p:nvPr>
+        </p:nvSpPr>
+        <p:spPr/>
+        <p:txBody>
+          <a:bodyPr/>
+          <a:lstStyle/>
+          <a:p>
+            <a:fld id="{75DB3F52-068C-4339-9FA6-06F9AAEB3337}" type="slidenum">
+              <a:rPr lang="en-GB" sz="2400"/>
+              <a:t>2</a:t>
+            </a:fld>
+            <a:endParaRPr lang="en-GB" sz="2400" dirty="0"/>
+          </a:p>
+        </p:txBody>
+      </p:sp>
+      <p:pic>
+        <p:nvPicPr>
+          <p:cNvPr id="23" name="Imagem 22">
+            <a:extLst>
+              <a:ext uri="{FF2B5EF4-FFF2-40B4-BE49-F238E27FC236}">
+                <a16:creationId xmlns:a16="http://schemas.microsoft.com/office/drawing/2014/main" id="{A116DC69-2051-4A8C-9BBF-26CDDF0582A9}"/>
+              </a:ext>
+            </a:extLst>
+          </p:cNvPr>
+          <p:cNvPicPr>
+            <a:picLocks noChangeAspect="1"/>
+          </p:cNvPicPr>
+          <p:nvPr/>
+        </p:nvPicPr>
+        <p:blipFill rotWithShape="1">
+          <a:blip r:embed="rId22">
+            <a:extLst>
+              <a:ext uri="{28A0092B-C50C-407E-A947-70E740481C1C}">
+                <a14:useLocalDpi xmlns:a14="http://schemas.microsoft.com/office/drawing/2010/main" val="0"/>
+              </a:ext>
+            </a:extLst>
+          </a:blip>
+          <a:srcRect r="39904"/>
+          <a:stretch/>
+        </p:blipFill>
+        <p:spPr>
+          <a:xfrm>
+            <a:off x="1097280" y="6500189"/>
+            <a:ext cx="1406360" cy="312685"/>
+          </a:xfrm>
+          <a:prstGeom prst="rect">
+            <a:avLst/>
+          </a:prstGeom>
+        </p:spPr>
+      </p:pic>
+      <p:pic>
+        <p:nvPicPr>
+          <p:cNvPr id="12" name="Gráfico 11">
+            <a:extLst>
+              <a:ext uri="{FF2B5EF4-FFF2-40B4-BE49-F238E27FC236}">
+                <a16:creationId xmlns:a16="http://schemas.microsoft.com/office/drawing/2014/main" id="{4E1EE7F6-688E-466F-8DE7-58A7A58BE4DA}"/>
+              </a:ext>
+            </a:extLst>
+          </p:cNvPr>
+          <p:cNvPicPr>
+            <a:picLocks noChangeAspect="1"/>
+          </p:cNvPicPr>
+          <p:nvPr/>
+        </p:nvPicPr>
+        <p:blipFill>
+          <a:blip r:embed="rId23">
+            <a:extLst>
+              <a:ext uri="{28A0092B-C50C-407E-A947-70E740481C1C}">
+                <a14:useLocalDpi xmlns:a14="http://schemas.microsoft.com/office/drawing/2010/main" val="0"/>
+              </a:ext>
+              <a:ext uri="{96DAC541-7B7A-43D3-8B79-37D633B846F1}">
+                <asvg:svgBlip xmlns:asvg="http://schemas.microsoft.com/office/drawing/2016/SVG/main" r:embed="rId24"/>
+              </a:ext>
+            </a:extLst>
+          </a:blip>
+          <a:stretch>
+            <a:fillRect/>
+          </a:stretch>
+        </p:blipFill>
+        <p:spPr>
+          <a:xfrm flipH="1">
+            <a:off x="9697190" y="5019463"/>
+            <a:ext cx="495319" cy="495319"/>
+          </a:xfrm>
+          <a:prstGeom prst="rect">
+            <a:avLst/>
+          </a:prstGeom>
+        </p:spPr>
+      </p:pic>
+      <p:pic>
+        <p:nvPicPr>
+          <p:cNvPr id="20" name="Gráfico 19">
+            <a:extLst>
+              <a:ext uri="{FF2B5EF4-FFF2-40B4-BE49-F238E27FC236}">
+                <a16:creationId xmlns:a16="http://schemas.microsoft.com/office/drawing/2014/main" id="{4CFBD6B6-C861-40D7-B53F-C2C1E95D1256}"/>
+              </a:ext>
+            </a:extLst>
+          </p:cNvPr>
+          <p:cNvPicPr>
+            <a:picLocks noChangeAspect="1"/>
+          </p:cNvPicPr>
+          <p:nvPr/>
+        </p:nvPicPr>
+        <p:blipFill>
+          <a:blip r:embed="rId25">
+            <a:extLst>
+              <a:ext uri="{28A0092B-C50C-407E-A947-70E740481C1C}">
+                <a14:useLocalDpi xmlns:a14="http://schemas.microsoft.com/office/drawing/2010/main" val="0"/>
+              </a:ext>
+              <a:ext uri="{96DAC541-7B7A-43D3-8B79-37D633B846F1}">
+                <asvg:svgBlip xmlns:asvg="http://schemas.microsoft.com/office/drawing/2016/SVG/main" r:embed="rId26"/>
+              </a:ext>
+            </a:extLst>
+          </a:blip>
+          <a:stretch>
+            <a:fillRect/>
+          </a:stretch>
+        </p:blipFill>
+        <p:spPr>
+          <a:xfrm>
+            <a:off x="9235525" y="5036291"/>
+            <a:ext cx="461665" cy="461665"/>
+          </a:xfrm>
+          <a:prstGeom prst="rect">
+            <a:avLst/>
+          </a:prstGeom>
+        </p:spPr>
+      </p:pic>
+    </p:spTree>
+    <p:extLst>
+      <p:ext uri="{BB962C8B-B14F-4D97-AF65-F5344CB8AC3E}">
+        <p14:creationId xmlns:p14="http://schemas.microsoft.com/office/powerpoint/2010/main" val="3985234901"/>
+      </p:ext>
+    </p:extLst>
+  </p:cSld>
+  <p:clrMapOvr>
+    <a:masterClrMapping/>
+  </p:clrMapOvr>
+</p:sld>
+</file>
+
+<file path=ppt/slides/slide20.xml><?xml version="1.0" encoding="utf-8"?>
+<p:sld xmlns:a="http://schemas.openxmlformats.org/drawingml/2006/main" xmlns:r="http://schemas.openxmlformats.org/officeDocument/2006/relationships" xmlns:p="http://schemas.openxmlformats.org/presentationml/2006/main">
+  <p:cSld>
+    <p:spTree>
+      <p:nvGrpSpPr>
+        <p:cNvPr id="1" name=""/>
+        <p:cNvGrpSpPr/>
+        <p:nvPr/>
+      </p:nvGrpSpPr>
+      <p:grpSpPr>
+        <a:xfrm>
+          <a:off x="0" y="0"/>
+          <a:ext cx="0" cy="0"/>
+          <a:chOff x="0" y="0"/>
+          <a:chExt cx="0" cy="0"/>
+        </a:xfrm>
+      </p:grpSpPr>
+      <p:sp>
+        <p:nvSpPr>
+          <p:cNvPr id="2" name="Título 1">
+            <a:extLst>
+              <a:ext uri="{FF2B5EF4-FFF2-40B4-BE49-F238E27FC236}">
+                <a16:creationId xmlns:a16="http://schemas.microsoft.com/office/drawing/2014/main" id="{B6E269CC-F3EC-43ED-BC98-FCEA20CEA90D}"/>
+              </a:ext>
+            </a:extLst>
+          </p:cNvPr>
+          <p:cNvSpPr>
+            <a:spLocks noGrp="1"/>
+          </p:cNvSpPr>
+          <p:nvPr>
+            <p:ph type="title"/>
+          </p:nvPr>
+        </p:nvSpPr>
+        <p:spPr/>
+        <p:txBody>
+          <a:bodyPr/>
+          <a:lstStyle/>
+          <a:p>
+            <a:pPr algn="ctr"/>
+            <a:r>
+              <a:rPr lang="pt-PT" sz="8000" dirty="0">
+                <a:solidFill>
+                  <a:schemeClr val="tx1">
+                    <a:lumMod val="85000"/>
+                    <a:lumOff val="15000"/>
+                  </a:schemeClr>
+                </a:solidFill>
+                <a:latin typeface="Bahnschrift SemiLight" panose="020B0502040204020203" pitchFamily="34" charset="0"/>
+              </a:rPr>
+              <a:t>Destaques</a:t>
+            </a:r>
+            <a:endParaRPr lang="en-GB" sz="8000" dirty="0">
+              <a:solidFill>
+                <a:schemeClr val="tx1">
+                  <a:lumMod val="85000"/>
+                  <a:lumOff val="15000"/>
+                </a:schemeClr>
+              </a:solidFill>
+              <a:latin typeface="Bahnschrift SemiLight" panose="020B0502040204020203" pitchFamily="34" charset="0"/>
+            </a:endParaRPr>
+          </a:p>
+        </p:txBody>
+      </p:sp>
+      <p:sp>
+        <p:nvSpPr>
+          <p:cNvPr id="3" name="Marcador de Posição de Conteúdo 2">
+            <a:extLst>
+              <a:ext uri="{FF2B5EF4-FFF2-40B4-BE49-F238E27FC236}">
+                <a16:creationId xmlns:a16="http://schemas.microsoft.com/office/drawing/2014/main" id="{B3B74F31-20FC-4247-9C66-D428333967A4}"/>
+              </a:ext>
+            </a:extLst>
+          </p:cNvPr>
+          <p:cNvSpPr>
+            <a:spLocks noGrp="1"/>
+          </p:cNvSpPr>
+          <p:nvPr>
+            <p:ph idx="1"/>
+          </p:nvPr>
+        </p:nvSpPr>
+        <p:spPr>
+          <a:xfrm>
+            <a:off x="1097280" y="2245229"/>
+            <a:ext cx="10058400" cy="4004649"/>
+          </a:xfrm>
+        </p:spPr>
+        <p:txBody>
+          <a:bodyPr>
+            <a:normAutofit/>
+          </a:bodyPr>
+          <a:lstStyle/>
+          <a:p>
+            <a:pPr lvl="1">
+              <a:buClr>
+                <a:srgbClr val="8C2D19"/>
+              </a:buClr>
+              <a:buFont typeface="Arial" panose="020B0604020202020204" pitchFamily="34" charset="0"/>
+              <a:buChar char="•"/>
+            </a:pPr>
+            <a:r>
+              <a:rPr lang="pt-PT" dirty="0">
+                <a:solidFill>
+                  <a:schemeClr val="tx1"/>
+                </a:solidFill>
+              </a:rPr>
+              <a:t>Pesquisas customizadas que juntam vários parâmetros através das funções definidas no SearchManager. Ex: linguagem(s), género(s), idade mínima.</a:t>
+            </a:r>
+          </a:p>
+          <a:p>
+            <a:pPr lvl="1">
+              <a:buClr>
+                <a:srgbClr val="8C2D19"/>
+              </a:buClr>
+              <a:buFont typeface="Arial" panose="020B0604020202020204" pitchFamily="34" charset="0"/>
+              <a:buChar char="•"/>
+            </a:pPr>
+            <a:endParaRPr lang="pt-PT" dirty="0">
+              <a:solidFill>
+                <a:schemeClr val="tx1"/>
+              </a:solidFill>
+            </a:endParaRPr>
+          </a:p>
+          <a:p>
+            <a:pPr lvl="1">
+              <a:buClr>
+                <a:srgbClr val="8C2D19"/>
+              </a:buClr>
+              <a:buFont typeface="Arial" panose="020B0604020202020204" pitchFamily="34" charset="0"/>
+              <a:buChar char="•"/>
+            </a:pPr>
+            <a:r>
+              <a:rPr lang="pt-PT" dirty="0">
+                <a:solidFill>
+                  <a:schemeClr val="tx1"/>
+                </a:solidFill>
+              </a:rPr>
+              <a:t>Algoritmos de ordenação podem ser aplicados a vetores obtidos pelo passo anterior, obtendo várias listagens possiveis, ordenadas de maneiras diferentes, crescentes ou decrescentes. Ex: Likes, Views.</a:t>
+            </a:r>
+          </a:p>
+          <a:p>
+            <a:pPr lvl="1">
+              <a:buClr>
+                <a:srgbClr val="8C2D19"/>
+              </a:buClr>
+              <a:buFont typeface="Arial" panose="020B0604020202020204" pitchFamily="34" charset="0"/>
+              <a:buChar char="•"/>
+            </a:pPr>
+            <a:endParaRPr lang="pt-PT" dirty="0">
+              <a:solidFill>
+                <a:schemeClr val="tx1"/>
+              </a:solidFill>
+            </a:endParaRPr>
+          </a:p>
+          <a:p>
+            <a:pPr lvl="1">
+              <a:buClr>
+                <a:srgbClr val="8C2D19"/>
+              </a:buClr>
+              <a:buFont typeface="Arial" panose="020B0604020202020204" pitchFamily="34" charset="0"/>
+              <a:buChar char="•"/>
+            </a:pPr>
+            <a:r>
+              <a:rPr lang="pt-PT" dirty="0">
+                <a:solidFill>
+                  <a:schemeClr val="tx1"/>
+                </a:solidFill>
+              </a:rPr>
+              <a:t>Funcionalidade extra: Um visualizador pode seguir streamers e pedir uma lista das streams ativas correspondente aos streamers que segue.</a:t>
+            </a:r>
+          </a:p>
+          <a:p>
+            <a:pPr lvl="1">
+              <a:buClr>
+                <a:srgbClr val="8C2D19"/>
+              </a:buClr>
+              <a:buFont typeface="Arial" panose="020B0604020202020204" pitchFamily="34" charset="0"/>
+              <a:buChar char="•"/>
+            </a:pPr>
+            <a:endParaRPr lang="pt-PT" dirty="0">
+              <a:solidFill>
+                <a:schemeClr val="tx1"/>
+              </a:solidFill>
+            </a:endParaRPr>
+          </a:p>
+          <a:p>
+            <a:pPr lvl="1">
+              <a:buClr>
+                <a:srgbClr val="8C2D19"/>
+              </a:buClr>
+              <a:buFont typeface="Arial" panose="020B0604020202020204" pitchFamily="34" charset="0"/>
+              <a:buChar char="•"/>
+            </a:pPr>
+            <a:r>
+              <a:rPr lang="pt-PT" dirty="0">
+                <a:solidFill>
+                  <a:schemeClr val="tx1"/>
+                </a:solidFill>
+              </a:rPr>
+              <a:t>Testes com auxilio à </a:t>
+            </a:r>
+            <a:r>
+              <a:rPr lang="pt-PT" dirty="0" err="1">
+                <a:solidFill>
+                  <a:schemeClr val="tx1"/>
+                </a:solidFill>
+              </a:rPr>
+              <a:t>library</a:t>
+            </a:r>
+            <a:r>
+              <a:rPr lang="pt-PT" dirty="0">
+                <a:solidFill>
+                  <a:schemeClr val="tx1"/>
+                </a:solidFill>
+              </a:rPr>
+              <a:t> Google </a:t>
+            </a:r>
+            <a:r>
+              <a:rPr lang="pt-PT" dirty="0" err="1">
+                <a:solidFill>
+                  <a:schemeClr val="tx1"/>
+                </a:solidFill>
+              </a:rPr>
+              <a:t>Tests</a:t>
+            </a:r>
+            <a:r>
+              <a:rPr lang="pt-PT" dirty="0">
+                <a:solidFill>
+                  <a:schemeClr val="tx1"/>
+                </a:solidFill>
+              </a:rPr>
+              <a:t> para assegurar a qualidade e a robustez do código.</a:t>
+            </a:r>
+          </a:p>
+          <a:p>
+            <a:pPr marL="0" indent="0">
+              <a:buNone/>
+            </a:pPr>
+            <a:endParaRPr lang="pt-PT" dirty="0"/>
+          </a:p>
+          <a:p>
+            <a:pPr marL="0" indent="0">
+              <a:buNone/>
+            </a:pPr>
+            <a:r>
+              <a:rPr lang="pt-PT" dirty="0"/>
+              <a:t> </a:t>
+            </a:r>
+            <a:endParaRPr lang="en-GB" dirty="0"/>
+          </a:p>
+        </p:txBody>
+      </p:sp>
+      <p:cxnSp>
+        <p:nvCxnSpPr>
+          <p:cNvPr id="5" name="Conexão reta 4">
+            <a:extLst>
+              <a:ext uri="{FF2B5EF4-FFF2-40B4-BE49-F238E27FC236}">
+                <a16:creationId xmlns:a16="http://schemas.microsoft.com/office/drawing/2014/main" id="{D1B427FC-FECB-4AD9-947A-AE1CD8E8E0E9}"/>
+              </a:ext>
+            </a:extLst>
+          </p:cNvPr>
+          <p:cNvCxnSpPr>
+            <a:cxnSpLocks/>
+          </p:cNvCxnSpPr>
+          <p:nvPr/>
+        </p:nvCxnSpPr>
+        <p:spPr>
+          <a:xfrm flipH="1">
+            <a:off x="1097280" y="1737360"/>
+            <a:ext cx="10239504" cy="0"/>
+          </a:xfrm>
+          <a:prstGeom prst="line">
+            <a:avLst/>
+          </a:prstGeom>
+          <a:ln>
+            <a:solidFill>
+              <a:srgbClr val="8C2D19"/>
+            </a:solidFill>
+          </a:ln>
+        </p:spPr>
+        <p:style>
+          <a:lnRef idx="1">
+            <a:schemeClr val="accent1"/>
+          </a:lnRef>
+          <a:fillRef idx="0">
+            <a:schemeClr val="accent1"/>
+          </a:fillRef>
+          <a:effectRef idx="0">
+            <a:schemeClr val="accent1"/>
+          </a:effectRef>
+          <a:fontRef idx="minor">
+            <a:schemeClr val="tx1"/>
+          </a:fontRef>
+        </p:style>
+      </p:cxnSp>
+      <p:sp>
+        <p:nvSpPr>
+          <p:cNvPr id="4" name="Marcador de Posição do Rodapé 3">
+            <a:extLst>
+              <a:ext uri="{FF2B5EF4-FFF2-40B4-BE49-F238E27FC236}">
+                <a16:creationId xmlns:a16="http://schemas.microsoft.com/office/drawing/2014/main" id="{2E6D09DD-1E47-4A67-AB57-535BA57CB1EF}"/>
+              </a:ext>
+            </a:extLst>
+          </p:cNvPr>
+          <p:cNvSpPr>
+            <a:spLocks noGrp="1"/>
+          </p:cNvSpPr>
+          <p:nvPr>
+            <p:ph type="ftr" sz="quarter" idx="11"/>
+          </p:nvPr>
+        </p:nvSpPr>
+        <p:spPr/>
+        <p:txBody>
+          <a:bodyPr/>
+          <a:lstStyle/>
+          <a:p>
+            <a:r>
+              <a:rPr lang="en-GB" sz="2400" b="1" dirty="0"/>
+              <a:t>2MIEIC04_G1</a:t>
+            </a:r>
+          </a:p>
+        </p:txBody>
+      </p:sp>
+      <p:sp>
+        <p:nvSpPr>
+          <p:cNvPr id="6" name="Marcador de Posição do Número do Diapositivo 5">
+            <a:extLst>
+              <a:ext uri="{FF2B5EF4-FFF2-40B4-BE49-F238E27FC236}">
+                <a16:creationId xmlns:a16="http://schemas.microsoft.com/office/drawing/2014/main" id="{A6038915-9563-428D-88A8-7720015CFAC0}"/>
+              </a:ext>
+            </a:extLst>
+          </p:cNvPr>
+          <p:cNvSpPr>
+            <a:spLocks noGrp="1"/>
+          </p:cNvSpPr>
+          <p:nvPr>
+            <p:ph type="sldNum" sz="quarter" idx="12"/>
+          </p:nvPr>
+        </p:nvSpPr>
+        <p:spPr/>
+        <p:txBody>
+          <a:bodyPr/>
+          <a:lstStyle/>
+          <a:p>
+            <a:fld id="{75DB3F52-068C-4339-9FA6-06F9AAEB3337}" type="slidenum">
+              <a:rPr lang="en-GB" sz="2400"/>
+              <a:t>20</a:t>
+            </a:fld>
+            <a:endParaRPr lang="en-GB" sz="2400" dirty="0"/>
+          </a:p>
+        </p:txBody>
+      </p:sp>
+      <p:pic>
+        <p:nvPicPr>
+          <p:cNvPr id="7" name="Imagem 6">
+            <a:extLst>
+              <a:ext uri="{FF2B5EF4-FFF2-40B4-BE49-F238E27FC236}">
+                <a16:creationId xmlns:a16="http://schemas.microsoft.com/office/drawing/2014/main" id="{95C51A54-AF96-43E2-9C50-EFB3428A2FB4}"/>
+              </a:ext>
+            </a:extLst>
+          </p:cNvPr>
+          <p:cNvPicPr>
+            <a:picLocks noChangeAspect="1"/>
+          </p:cNvPicPr>
+          <p:nvPr/>
+        </p:nvPicPr>
+        <p:blipFill rotWithShape="1">
+          <a:blip r:embed="rId2">
+            <a:extLst>
+              <a:ext uri="{28A0092B-C50C-407E-A947-70E740481C1C}">
+                <a14:useLocalDpi xmlns:a14="http://schemas.microsoft.com/office/drawing/2010/main" val="0"/>
+              </a:ext>
+            </a:extLst>
+          </a:blip>
+          <a:srcRect r="39904"/>
+          <a:stretch/>
+        </p:blipFill>
+        <p:spPr>
+          <a:xfrm>
+            <a:off x="1097280" y="6500189"/>
+            <a:ext cx="1406360" cy="312685"/>
+          </a:xfrm>
+          <a:prstGeom prst="rect">
+            <a:avLst/>
+          </a:prstGeom>
+        </p:spPr>
+      </p:pic>
+    </p:spTree>
+    <p:extLst>
+      <p:ext uri="{BB962C8B-B14F-4D97-AF65-F5344CB8AC3E}">
+        <p14:creationId xmlns:p14="http://schemas.microsoft.com/office/powerpoint/2010/main" val="516750047"/>
+      </p:ext>
+    </p:extLst>
+  </p:cSld>
+  <p:clrMapOvr>
+    <a:masterClrMapping/>
+  </p:clrMapOvr>
+</p:sld>
+</file>
+
+<file path=ppt/slides/slide21.xml><?xml version="1.0" encoding="utf-8"?>
+<p:sld xmlns:a="http://schemas.openxmlformats.org/drawingml/2006/main" xmlns:r="http://schemas.openxmlformats.org/officeDocument/2006/relationships" xmlns:p="http://schemas.openxmlformats.org/presentationml/2006/main">
+  <p:cSld>
+    <p:spTree>
+      <p:nvGrpSpPr>
+        <p:cNvPr id="1" name=""/>
+        <p:cNvGrpSpPr/>
+        <p:nvPr/>
+      </p:nvGrpSpPr>
+      <p:grpSpPr>
+        <a:xfrm>
+          <a:off x="0" y="0"/>
+          <a:ext cx="0" cy="0"/>
+          <a:chOff x="0" y="0"/>
+          <a:chExt cx="0" cy="0"/>
+        </a:xfrm>
+      </p:grpSpPr>
+      <p:sp>
+        <p:nvSpPr>
+          <p:cNvPr id="2" name="Título 1">
+            <a:extLst>
+              <a:ext uri="{FF2B5EF4-FFF2-40B4-BE49-F238E27FC236}">
+                <a16:creationId xmlns:a16="http://schemas.microsoft.com/office/drawing/2014/main" id="{946B05BC-BE14-4CEB-A649-38C2D6E132C4}"/>
+              </a:ext>
+            </a:extLst>
+          </p:cNvPr>
+          <p:cNvSpPr>
+            <a:spLocks noGrp="1"/>
+          </p:cNvSpPr>
+          <p:nvPr>
+            <p:ph type="title"/>
+          </p:nvPr>
+        </p:nvSpPr>
+        <p:spPr/>
+        <p:txBody>
+          <a:bodyPr/>
+          <a:lstStyle/>
+          <a:p>
+            <a:pPr algn="ctr"/>
+            <a:r>
+              <a:rPr lang="pt-PT" sz="8000" dirty="0">
+                <a:solidFill>
+                  <a:schemeClr val="tx1">
+                    <a:lumMod val="85000"/>
+                    <a:lumOff val="15000"/>
+                  </a:schemeClr>
+                </a:solidFill>
+                <a:latin typeface="Bahnschrift SemiLight" panose="020B0502040204020203" pitchFamily="34" charset="0"/>
+              </a:rPr>
+              <a:t>Dificuldades</a:t>
+            </a:r>
+            <a:endParaRPr lang="en-GB" sz="8000" dirty="0">
+              <a:solidFill>
+                <a:schemeClr val="tx1">
+                  <a:lumMod val="85000"/>
+                  <a:lumOff val="15000"/>
+                </a:schemeClr>
+              </a:solidFill>
+              <a:latin typeface="Bahnschrift SemiLight" panose="020B0502040204020203" pitchFamily="34" charset="0"/>
+            </a:endParaRPr>
+          </a:p>
+        </p:txBody>
+      </p:sp>
+      <p:cxnSp>
+        <p:nvCxnSpPr>
+          <p:cNvPr id="5" name="Conexão reta 4">
+            <a:extLst>
+              <a:ext uri="{FF2B5EF4-FFF2-40B4-BE49-F238E27FC236}">
+                <a16:creationId xmlns:a16="http://schemas.microsoft.com/office/drawing/2014/main" id="{16A9EEAE-A5F8-447C-BF75-DBD85C985356}"/>
+              </a:ext>
+            </a:extLst>
+          </p:cNvPr>
+          <p:cNvCxnSpPr>
+            <a:cxnSpLocks/>
+          </p:cNvCxnSpPr>
+          <p:nvPr/>
+        </p:nvCxnSpPr>
+        <p:spPr>
+          <a:xfrm flipH="1">
+            <a:off x="1097280" y="1737360"/>
+            <a:ext cx="10239504" cy="0"/>
+          </a:xfrm>
+          <a:prstGeom prst="line">
+            <a:avLst/>
+          </a:prstGeom>
+          <a:ln>
+            <a:solidFill>
+              <a:srgbClr val="8C2D19"/>
+            </a:solidFill>
+          </a:ln>
+        </p:spPr>
+        <p:style>
+          <a:lnRef idx="1">
+            <a:schemeClr val="accent1"/>
+          </a:lnRef>
+          <a:fillRef idx="0">
+            <a:schemeClr val="accent1"/>
+          </a:fillRef>
+          <a:effectRef idx="0">
+            <a:schemeClr val="accent1"/>
+          </a:effectRef>
+          <a:fontRef idx="minor">
+            <a:schemeClr val="tx1"/>
+          </a:fontRef>
+        </p:style>
+      </p:cxnSp>
+      <p:sp>
+        <p:nvSpPr>
+          <p:cNvPr id="4" name="Marcador de Posição do Rodapé 3">
+            <a:extLst>
+              <a:ext uri="{FF2B5EF4-FFF2-40B4-BE49-F238E27FC236}">
+                <a16:creationId xmlns:a16="http://schemas.microsoft.com/office/drawing/2014/main" id="{24CC6F16-34DD-4EDA-ADE0-808E5F2B8EED}"/>
+              </a:ext>
+            </a:extLst>
+          </p:cNvPr>
+          <p:cNvSpPr>
+            <a:spLocks noGrp="1"/>
+          </p:cNvSpPr>
+          <p:nvPr>
+            <p:ph type="ftr" sz="quarter" idx="11"/>
+          </p:nvPr>
+        </p:nvSpPr>
+        <p:spPr/>
+        <p:txBody>
+          <a:bodyPr/>
+          <a:lstStyle/>
+          <a:p>
+            <a:r>
+              <a:rPr lang="en-GB" sz="2400" b="1" dirty="0"/>
+              <a:t>2MIEIC04_G1</a:t>
+            </a:r>
+          </a:p>
+        </p:txBody>
+      </p:sp>
+      <p:sp>
+        <p:nvSpPr>
+          <p:cNvPr id="6" name="Marcador de Posição do Número do Diapositivo 5">
+            <a:extLst>
+              <a:ext uri="{FF2B5EF4-FFF2-40B4-BE49-F238E27FC236}">
+                <a16:creationId xmlns:a16="http://schemas.microsoft.com/office/drawing/2014/main" id="{98D93093-7413-457A-B787-19C4B19AA2B9}"/>
+              </a:ext>
+            </a:extLst>
+          </p:cNvPr>
+          <p:cNvSpPr>
+            <a:spLocks noGrp="1"/>
+          </p:cNvSpPr>
+          <p:nvPr>
+            <p:ph type="sldNum" sz="quarter" idx="12"/>
+          </p:nvPr>
+        </p:nvSpPr>
+        <p:spPr/>
+        <p:txBody>
+          <a:bodyPr/>
+          <a:lstStyle/>
+          <a:p>
+            <a:fld id="{75DB3F52-068C-4339-9FA6-06F9AAEB3337}" type="slidenum">
+              <a:rPr lang="en-GB" sz="2400"/>
+              <a:t>21</a:t>
             </a:fld>
             <a:endParaRPr lang="en-GB" sz="2400" dirty="0"/>
           </a:p>
@@ -13068,1563 +14639,6 @@
 </p:sld>
 </file>
 
-<file path=ppt/slides/slide2.xml><?xml version="1.0" encoding="utf-8"?>
-<p:sld xmlns:a="http://schemas.openxmlformats.org/drawingml/2006/main" xmlns:r="http://schemas.openxmlformats.org/officeDocument/2006/relationships" xmlns:p="http://schemas.openxmlformats.org/presentationml/2006/main">
-  <p:cSld>
-    <p:bg>
-      <p:bgPr>
-        <a:solidFill>
-          <a:srgbClr val="404040"/>
-        </a:solidFill>
-        <a:effectLst/>
-      </p:bgPr>
-    </p:bg>
-    <p:spTree>
-      <p:nvGrpSpPr>
-        <p:cNvPr id="1" name=""/>
-        <p:cNvGrpSpPr/>
-        <p:nvPr/>
-      </p:nvGrpSpPr>
-      <p:grpSpPr>
-        <a:xfrm>
-          <a:off x="0" y="0"/>
-          <a:ext cx="0" cy="0"/>
-          <a:chOff x="0" y="0"/>
-          <a:chExt cx="0" cy="0"/>
-        </a:xfrm>
-      </p:grpSpPr>
-      <p:sp>
-        <p:nvSpPr>
-          <p:cNvPr id="2" name="Título 1">
-            <a:extLst>
-              <a:ext uri="{FF2B5EF4-FFF2-40B4-BE49-F238E27FC236}">
-                <a16:creationId xmlns:a16="http://schemas.microsoft.com/office/drawing/2014/main" id="{B648F744-D4AE-4007-B108-2202485D0241}"/>
-              </a:ext>
-            </a:extLst>
-          </p:cNvPr>
-          <p:cNvSpPr>
-            <a:spLocks noGrp="1"/>
-          </p:cNvSpPr>
-          <p:nvPr>
-            <p:ph type="title"/>
-          </p:nvPr>
-        </p:nvSpPr>
-        <p:spPr/>
-        <p:txBody>
-          <a:bodyPr/>
-          <a:lstStyle/>
-          <a:p>
-            <a:pPr algn="ctr"/>
-            <a:r>
-              <a:rPr lang="pt-PT" sz="8000" dirty="0">
-                <a:solidFill>
-                  <a:schemeClr val="tx1">
-                    <a:lumMod val="85000"/>
-                    <a:lumOff val="15000"/>
-                  </a:schemeClr>
-                </a:solidFill>
-                <a:latin typeface="Bahnschrift SemiLight" panose="020B0502040204020203" pitchFamily="34" charset="0"/>
-              </a:rPr>
-              <a:t>Problema</a:t>
-            </a:r>
-            <a:endParaRPr lang="en-GB" sz="8000" dirty="0">
-              <a:solidFill>
-                <a:schemeClr val="tx1">
-                  <a:lumMod val="85000"/>
-                  <a:lumOff val="15000"/>
-                </a:schemeClr>
-              </a:solidFill>
-              <a:latin typeface="Bahnschrift SemiLight" panose="020B0502040204020203" pitchFamily="34" charset="0"/>
-            </a:endParaRPr>
-          </a:p>
-        </p:txBody>
-      </p:sp>
-      <p:sp>
-        <p:nvSpPr>
-          <p:cNvPr id="3" name="Marcador de Posição de Conteúdo 2">
-            <a:extLst>
-              <a:ext uri="{FF2B5EF4-FFF2-40B4-BE49-F238E27FC236}">
-                <a16:creationId xmlns:a16="http://schemas.microsoft.com/office/drawing/2014/main" id="{D6C18AFC-B403-416E-9C4C-D5B045687191}"/>
-              </a:ext>
-            </a:extLst>
-          </p:cNvPr>
-          <p:cNvSpPr>
-            <a:spLocks noGrp="1"/>
-          </p:cNvSpPr>
-          <p:nvPr>
-            <p:ph idx="1"/>
-          </p:nvPr>
-        </p:nvSpPr>
-        <p:spPr>
-          <a:xfrm>
-            <a:off x="1097280" y="1998050"/>
-            <a:ext cx="10058400" cy="528880"/>
-          </a:xfrm>
-        </p:spPr>
-        <p:txBody>
-          <a:bodyPr/>
-          <a:lstStyle/>
-          <a:p>
-            <a:pPr algn="ctr"/>
-            <a:r>
-              <a:rPr lang="pt-PT" sz="2400" dirty="0"/>
-              <a:t>Criar aplicação de </a:t>
-            </a:r>
-            <a:r>
-              <a:rPr lang="pt-PT" sz="2400" dirty="0" err="1"/>
-              <a:t>Streaming</a:t>
-            </a:r>
-            <a:endParaRPr lang="pt-PT" dirty="0"/>
-          </a:p>
-          <a:p>
-            <a:pPr marL="0" indent="0">
-              <a:buNone/>
-            </a:pPr>
-            <a:endParaRPr lang="pt-PT" dirty="0"/>
-          </a:p>
-          <a:p>
-            <a:endParaRPr lang="en-GB" dirty="0"/>
-          </a:p>
-        </p:txBody>
-      </p:sp>
-      <p:pic>
-        <p:nvPicPr>
-          <p:cNvPr id="9" name="Gráfico 8">
-            <a:extLst>
-              <a:ext uri="{FF2B5EF4-FFF2-40B4-BE49-F238E27FC236}">
-                <a16:creationId xmlns:a16="http://schemas.microsoft.com/office/drawing/2014/main" id="{75951CF8-2050-4B0A-8D8F-4A23C80EDBCB}"/>
-              </a:ext>
-            </a:extLst>
-          </p:cNvPr>
-          <p:cNvPicPr>
-            <a:picLocks noChangeAspect="1"/>
-          </p:cNvPicPr>
-          <p:nvPr/>
-        </p:nvPicPr>
-        <p:blipFill>
-          <a:blip r:embed="rId2">
-            <a:extLst>
-              <a:ext uri="{28A0092B-C50C-407E-A947-70E740481C1C}">
-                <a14:useLocalDpi xmlns:a14="http://schemas.microsoft.com/office/drawing/2010/main" val="0"/>
-              </a:ext>
-              <a:ext uri="{96DAC541-7B7A-43D3-8B79-37D633B846F1}">
-                <asvg:svgBlip xmlns:asvg="http://schemas.microsoft.com/office/drawing/2016/SVG/main" r:embed="rId3"/>
-              </a:ext>
-            </a:extLst>
-          </a:blip>
-          <a:stretch>
-            <a:fillRect/>
-          </a:stretch>
-        </p:blipFill>
-        <p:spPr>
-          <a:xfrm>
-            <a:off x="7061554" y="3981170"/>
-            <a:ext cx="1060590" cy="1060590"/>
-          </a:xfrm>
-          <a:prstGeom prst="rect">
-            <a:avLst/>
-          </a:prstGeom>
-        </p:spPr>
-      </p:pic>
-      <p:pic>
-        <p:nvPicPr>
-          <p:cNvPr id="11" name="Gráfico 10">
-            <a:extLst>
-              <a:ext uri="{FF2B5EF4-FFF2-40B4-BE49-F238E27FC236}">
-                <a16:creationId xmlns:a16="http://schemas.microsoft.com/office/drawing/2014/main" id="{6F2E4892-14C5-4BCA-84F9-08DD5F9F9E09}"/>
-              </a:ext>
-            </a:extLst>
-          </p:cNvPr>
-          <p:cNvPicPr>
-            <a:picLocks noChangeAspect="1"/>
-          </p:cNvPicPr>
-          <p:nvPr/>
-        </p:nvPicPr>
-        <p:blipFill>
-          <a:blip r:embed="rId4">
-            <a:extLst>
-              <a:ext uri="{28A0092B-C50C-407E-A947-70E740481C1C}">
-                <a14:useLocalDpi xmlns:a14="http://schemas.microsoft.com/office/drawing/2010/main" val="0"/>
-              </a:ext>
-              <a:ext uri="{96DAC541-7B7A-43D3-8B79-37D633B846F1}">
-                <asvg:svgBlip xmlns:asvg="http://schemas.microsoft.com/office/drawing/2016/SVG/main" r:embed="rId5"/>
-              </a:ext>
-            </a:extLst>
-          </a:blip>
-          <a:stretch>
-            <a:fillRect/>
-          </a:stretch>
-        </p:blipFill>
-        <p:spPr>
-          <a:xfrm>
-            <a:off x="5373854" y="3951307"/>
-            <a:ext cx="1060590" cy="1060590"/>
-          </a:xfrm>
-          <a:prstGeom prst="rect">
-            <a:avLst/>
-          </a:prstGeom>
-        </p:spPr>
-      </p:pic>
-      <p:pic>
-        <p:nvPicPr>
-          <p:cNvPr id="13" name="Gráfico 12">
-            <a:extLst>
-              <a:ext uri="{FF2B5EF4-FFF2-40B4-BE49-F238E27FC236}">
-                <a16:creationId xmlns:a16="http://schemas.microsoft.com/office/drawing/2014/main" id="{CA201336-85F2-44F4-84F4-668A9F18DB32}"/>
-              </a:ext>
-            </a:extLst>
-          </p:cNvPr>
-          <p:cNvPicPr>
-            <a:picLocks noChangeAspect="1"/>
-          </p:cNvPicPr>
-          <p:nvPr/>
-        </p:nvPicPr>
-        <p:blipFill>
-          <a:blip r:embed="rId6">
-            <a:extLst>
-              <a:ext uri="{28A0092B-C50C-407E-A947-70E740481C1C}">
-                <a14:useLocalDpi xmlns:a14="http://schemas.microsoft.com/office/drawing/2010/main" val="0"/>
-              </a:ext>
-              <a:ext uri="{96DAC541-7B7A-43D3-8B79-37D633B846F1}">
-                <asvg:svgBlip xmlns:asvg="http://schemas.microsoft.com/office/drawing/2016/SVG/main" r:embed="rId7"/>
-              </a:ext>
-            </a:extLst>
-          </a:blip>
-          <a:stretch>
-            <a:fillRect/>
-          </a:stretch>
-        </p:blipFill>
-        <p:spPr>
-          <a:xfrm>
-            <a:off x="9171944" y="4058780"/>
-            <a:ext cx="1060590" cy="1060590"/>
-          </a:xfrm>
-          <a:prstGeom prst="rect">
-            <a:avLst/>
-          </a:prstGeom>
-        </p:spPr>
-      </p:pic>
-      <p:pic>
-        <p:nvPicPr>
-          <p:cNvPr id="15" name="Gráfico 14">
-            <a:extLst>
-              <a:ext uri="{FF2B5EF4-FFF2-40B4-BE49-F238E27FC236}">
-                <a16:creationId xmlns:a16="http://schemas.microsoft.com/office/drawing/2014/main" id="{528D9C7E-11E5-443D-AAD2-7FB2DD9043FF}"/>
-              </a:ext>
-            </a:extLst>
-          </p:cNvPr>
-          <p:cNvPicPr>
-            <a:picLocks noChangeAspect="1"/>
-          </p:cNvPicPr>
-          <p:nvPr/>
-        </p:nvPicPr>
-        <p:blipFill>
-          <a:blip r:embed="rId8">
-            <a:extLst>
-              <a:ext uri="{28A0092B-C50C-407E-A947-70E740481C1C}">
-                <a14:useLocalDpi xmlns:a14="http://schemas.microsoft.com/office/drawing/2010/main" val="0"/>
-              </a:ext>
-              <a:ext uri="{96DAC541-7B7A-43D3-8B79-37D633B846F1}">
-                <asvg:svgBlip xmlns:asvg="http://schemas.microsoft.com/office/drawing/2016/SVG/main" r:embed="rId9"/>
-              </a:ext>
-            </a:extLst>
-          </a:blip>
-          <a:stretch>
-            <a:fillRect/>
-          </a:stretch>
-        </p:blipFill>
-        <p:spPr>
-          <a:xfrm>
-            <a:off x="3486542" y="4054094"/>
-            <a:ext cx="1065276" cy="1065276"/>
-          </a:xfrm>
-          <a:prstGeom prst="rect">
-            <a:avLst/>
-          </a:prstGeom>
-        </p:spPr>
-      </p:pic>
-      <p:pic>
-        <p:nvPicPr>
-          <p:cNvPr id="17" name="Gráfico 16">
-            <a:extLst>
-              <a:ext uri="{FF2B5EF4-FFF2-40B4-BE49-F238E27FC236}">
-                <a16:creationId xmlns:a16="http://schemas.microsoft.com/office/drawing/2014/main" id="{9F76A002-A3B8-4D4A-8A65-7DEDFE895BA6}"/>
-              </a:ext>
-            </a:extLst>
-          </p:cNvPr>
-          <p:cNvPicPr>
-            <a:picLocks noChangeAspect="1"/>
-          </p:cNvPicPr>
-          <p:nvPr/>
-        </p:nvPicPr>
-        <p:blipFill>
-          <a:blip r:embed="rId10">
-            <a:extLst>
-              <a:ext uri="{28A0092B-C50C-407E-A947-70E740481C1C}">
-                <a14:useLocalDpi xmlns:a14="http://schemas.microsoft.com/office/drawing/2010/main" val="0"/>
-              </a:ext>
-              <a:ext uri="{96DAC541-7B7A-43D3-8B79-37D633B846F1}">
-                <asvg:svgBlip xmlns:asvg="http://schemas.microsoft.com/office/drawing/2016/SVG/main" r:embed="rId11"/>
-              </a:ext>
-            </a:extLst>
-          </a:blip>
-          <a:stretch>
-            <a:fillRect/>
-          </a:stretch>
-        </p:blipFill>
-        <p:spPr>
-          <a:xfrm>
-            <a:off x="1624346" y="4054094"/>
-            <a:ext cx="1065276" cy="1065276"/>
-          </a:xfrm>
-          <a:prstGeom prst="rect">
-            <a:avLst/>
-          </a:prstGeom>
-          <a:effectLst>
-            <a:softEdge rad="0"/>
-          </a:effectLst>
-        </p:spPr>
-      </p:pic>
-      <p:sp>
-        <p:nvSpPr>
-          <p:cNvPr id="18" name="CaixaDeTexto 17">
-            <a:extLst>
-              <a:ext uri="{FF2B5EF4-FFF2-40B4-BE49-F238E27FC236}">
-                <a16:creationId xmlns:a16="http://schemas.microsoft.com/office/drawing/2014/main" id="{B561EF78-4C0C-4636-B684-531F2066C605}"/>
-              </a:ext>
-            </a:extLst>
-          </p:cNvPr>
-          <p:cNvSpPr txBox="1"/>
-          <p:nvPr/>
-        </p:nvSpPr>
-        <p:spPr>
-          <a:xfrm>
-            <a:off x="1566576" y="3226944"/>
-            <a:ext cx="1230548" cy="400110"/>
-          </a:xfrm>
-          <a:prstGeom prst="rect">
-            <a:avLst/>
-          </a:prstGeom>
-          <a:noFill/>
-        </p:spPr>
-        <p:txBody>
-          <a:bodyPr wrap="square" rtlCol="0">
-            <a:spAutoFit/>
-          </a:bodyPr>
-          <a:lstStyle/>
-          <a:p>
-            <a:pPr algn="ctr"/>
-            <a:r>
-              <a:rPr lang="pt-PT" sz="2000" dirty="0" err="1"/>
-              <a:t>Viewers</a:t>
-            </a:r>
-            <a:endParaRPr lang="en-GB" sz="2000" dirty="0"/>
-          </a:p>
-        </p:txBody>
-      </p:sp>
-      <p:sp>
-        <p:nvSpPr>
-          <p:cNvPr id="22" name="CaixaDeTexto 21">
-            <a:extLst>
-              <a:ext uri="{FF2B5EF4-FFF2-40B4-BE49-F238E27FC236}">
-                <a16:creationId xmlns:a16="http://schemas.microsoft.com/office/drawing/2014/main" id="{24E6D5DF-0995-4983-998B-8D5241DFFACC}"/>
-              </a:ext>
-            </a:extLst>
-          </p:cNvPr>
-          <p:cNvSpPr txBox="1"/>
-          <p:nvPr/>
-        </p:nvSpPr>
-        <p:spPr>
-          <a:xfrm>
-            <a:off x="3295444" y="3198167"/>
-            <a:ext cx="1458265" cy="400110"/>
-          </a:xfrm>
-          <a:prstGeom prst="rect">
-            <a:avLst/>
-          </a:prstGeom>
-          <a:noFill/>
-        </p:spPr>
-        <p:txBody>
-          <a:bodyPr wrap="square" rtlCol="0">
-            <a:spAutoFit/>
-          </a:bodyPr>
-          <a:lstStyle/>
-          <a:p>
-            <a:pPr algn="ctr"/>
-            <a:r>
-              <a:rPr lang="pt-PT" sz="2000" dirty="0" err="1"/>
-              <a:t>Streamers</a:t>
-            </a:r>
-            <a:endParaRPr lang="en-GB" sz="2000" dirty="0"/>
-          </a:p>
-        </p:txBody>
-      </p:sp>
-      <p:sp>
-        <p:nvSpPr>
-          <p:cNvPr id="24" name="CaixaDeTexto 23">
-            <a:extLst>
-              <a:ext uri="{FF2B5EF4-FFF2-40B4-BE49-F238E27FC236}">
-                <a16:creationId xmlns:a16="http://schemas.microsoft.com/office/drawing/2014/main" id="{C56FA312-A0B7-4AD0-9F3A-E56122DF1597}"/>
-              </a:ext>
-            </a:extLst>
-          </p:cNvPr>
-          <p:cNvSpPr txBox="1"/>
-          <p:nvPr/>
-        </p:nvSpPr>
-        <p:spPr>
-          <a:xfrm>
-            <a:off x="6976576" y="3215238"/>
-            <a:ext cx="1230547" cy="400110"/>
-          </a:xfrm>
-          <a:prstGeom prst="rect">
-            <a:avLst/>
-          </a:prstGeom>
-          <a:noFill/>
-        </p:spPr>
-        <p:txBody>
-          <a:bodyPr wrap="square" rtlCol="0">
-            <a:spAutoFit/>
-          </a:bodyPr>
-          <a:lstStyle/>
-          <a:p>
-            <a:pPr algn="ctr"/>
-            <a:r>
-              <a:rPr lang="pt-PT" sz="2000" dirty="0" err="1"/>
-              <a:t>Admin</a:t>
-            </a:r>
-            <a:endParaRPr lang="en-GB" sz="2000" dirty="0"/>
-          </a:p>
-        </p:txBody>
-      </p:sp>
-      <p:sp>
-        <p:nvSpPr>
-          <p:cNvPr id="26" name="CaixaDeTexto 25">
-            <a:extLst>
-              <a:ext uri="{FF2B5EF4-FFF2-40B4-BE49-F238E27FC236}">
-                <a16:creationId xmlns:a16="http://schemas.microsoft.com/office/drawing/2014/main" id="{59C1E03F-1804-4F07-803C-A3E2481E90A3}"/>
-              </a:ext>
-            </a:extLst>
-          </p:cNvPr>
-          <p:cNvSpPr txBox="1"/>
-          <p:nvPr/>
-        </p:nvSpPr>
-        <p:spPr>
-          <a:xfrm>
-            <a:off x="5252030" y="3198167"/>
-            <a:ext cx="1230548" cy="400110"/>
-          </a:xfrm>
-          <a:prstGeom prst="rect">
-            <a:avLst/>
-          </a:prstGeom>
-          <a:noFill/>
-        </p:spPr>
-        <p:txBody>
-          <a:bodyPr wrap="square" rtlCol="0">
-            <a:spAutoFit/>
-          </a:bodyPr>
-          <a:lstStyle/>
-          <a:p>
-            <a:pPr algn="ctr"/>
-            <a:r>
-              <a:rPr lang="pt-PT" sz="2000" dirty="0" err="1"/>
-              <a:t>Streams</a:t>
-            </a:r>
-            <a:endParaRPr lang="en-GB" sz="2000" dirty="0"/>
-          </a:p>
-        </p:txBody>
-      </p:sp>
-      <p:sp>
-        <p:nvSpPr>
-          <p:cNvPr id="28" name="CaixaDeTexto 27">
-            <a:extLst>
-              <a:ext uri="{FF2B5EF4-FFF2-40B4-BE49-F238E27FC236}">
-                <a16:creationId xmlns:a16="http://schemas.microsoft.com/office/drawing/2014/main" id="{E05E46AE-873A-4676-90D0-B6C1834CF232}"/>
-              </a:ext>
-            </a:extLst>
-          </p:cNvPr>
-          <p:cNvSpPr txBox="1"/>
-          <p:nvPr/>
-        </p:nvSpPr>
-        <p:spPr>
-          <a:xfrm>
-            <a:off x="8531165" y="3215238"/>
-            <a:ext cx="2342148" cy="461665"/>
-          </a:xfrm>
-          <a:prstGeom prst="rect">
-            <a:avLst/>
-          </a:prstGeom>
-          <a:noFill/>
-        </p:spPr>
-        <p:txBody>
-          <a:bodyPr wrap="square" rtlCol="0">
-            <a:spAutoFit/>
-          </a:bodyPr>
-          <a:lstStyle/>
-          <a:p>
-            <a:r>
-              <a:rPr lang="pt-PT" sz="2000" dirty="0" err="1"/>
-              <a:t>Search</a:t>
-            </a:r>
-            <a:r>
-              <a:rPr lang="pt-PT" sz="2400" dirty="0"/>
-              <a:t> </a:t>
-            </a:r>
-            <a:r>
-              <a:rPr lang="pt-PT" sz="2000" dirty="0" err="1"/>
-              <a:t>Methods</a:t>
-            </a:r>
-            <a:endParaRPr lang="en-GB" sz="2000" dirty="0"/>
-          </a:p>
-        </p:txBody>
-      </p:sp>
-      <p:cxnSp>
-        <p:nvCxnSpPr>
-          <p:cNvPr id="30" name="Conexão reta 29">
-            <a:extLst>
-              <a:ext uri="{FF2B5EF4-FFF2-40B4-BE49-F238E27FC236}">
-                <a16:creationId xmlns:a16="http://schemas.microsoft.com/office/drawing/2014/main" id="{99E6997F-8AAA-43C5-B4E7-FFB92C2D8487}"/>
-              </a:ext>
-            </a:extLst>
-          </p:cNvPr>
-          <p:cNvCxnSpPr>
-            <a:cxnSpLocks/>
-          </p:cNvCxnSpPr>
-          <p:nvPr/>
-        </p:nvCxnSpPr>
-        <p:spPr>
-          <a:xfrm flipH="1">
-            <a:off x="1097280" y="1737360"/>
-            <a:ext cx="10239504" cy="0"/>
-          </a:xfrm>
-          <a:prstGeom prst="line">
-            <a:avLst/>
-          </a:prstGeom>
-          <a:ln>
-            <a:solidFill>
-              <a:srgbClr val="8C2D19"/>
-            </a:solidFill>
-          </a:ln>
-        </p:spPr>
-        <p:style>
-          <a:lnRef idx="1">
-            <a:schemeClr val="accent1"/>
-          </a:lnRef>
-          <a:fillRef idx="0">
-            <a:schemeClr val="accent1"/>
-          </a:fillRef>
-          <a:effectRef idx="0">
-            <a:schemeClr val="accent1"/>
-          </a:effectRef>
-          <a:fontRef idx="minor">
-            <a:schemeClr val="tx1"/>
-          </a:fontRef>
-        </p:style>
-      </p:cxnSp>
-      <p:pic>
-        <p:nvPicPr>
-          <p:cNvPr id="5" name="Gráfico 4">
-            <a:extLst>
-              <a:ext uri="{FF2B5EF4-FFF2-40B4-BE49-F238E27FC236}">
-                <a16:creationId xmlns:a16="http://schemas.microsoft.com/office/drawing/2014/main" id="{1F8CED45-26E0-4D08-B06C-BF3674EEF32D}"/>
-              </a:ext>
-            </a:extLst>
-          </p:cNvPr>
-          <p:cNvPicPr>
-            <a:picLocks noChangeAspect="1"/>
-          </p:cNvPicPr>
-          <p:nvPr/>
-        </p:nvPicPr>
-        <p:blipFill>
-          <a:blip r:embed="rId12">
-            <a:extLst>
-              <a:ext uri="{28A0092B-C50C-407E-A947-70E740481C1C}">
-                <a14:useLocalDpi xmlns:a14="http://schemas.microsoft.com/office/drawing/2010/main" val="0"/>
-              </a:ext>
-              <a:ext uri="{96DAC541-7B7A-43D3-8B79-37D633B846F1}">
-                <asvg:svgBlip xmlns:asvg="http://schemas.microsoft.com/office/drawing/2016/SVG/main" r:embed="rId13"/>
-              </a:ext>
-            </a:extLst>
-          </a:blip>
-          <a:stretch>
-            <a:fillRect/>
-          </a:stretch>
-        </p:blipFill>
-        <p:spPr>
-          <a:xfrm>
-            <a:off x="5338423" y="5011897"/>
-            <a:ext cx="528881" cy="528881"/>
-          </a:xfrm>
-          <a:prstGeom prst="rect">
-            <a:avLst/>
-          </a:prstGeom>
-        </p:spPr>
-      </p:pic>
-      <p:pic>
-        <p:nvPicPr>
-          <p:cNvPr id="7" name="Gráfico 6">
-            <a:extLst>
-              <a:ext uri="{FF2B5EF4-FFF2-40B4-BE49-F238E27FC236}">
-                <a16:creationId xmlns:a16="http://schemas.microsoft.com/office/drawing/2014/main" id="{FD449A4B-D3EE-47C0-97D9-39E0DAB1B903}"/>
-              </a:ext>
-            </a:extLst>
-          </p:cNvPr>
-          <p:cNvPicPr>
-            <a:picLocks noChangeAspect="1"/>
-          </p:cNvPicPr>
-          <p:nvPr/>
-        </p:nvPicPr>
-        <p:blipFill>
-          <a:blip r:embed="rId14">
-            <a:extLst>
-              <a:ext uri="{28A0092B-C50C-407E-A947-70E740481C1C}">
-                <a14:useLocalDpi xmlns:a14="http://schemas.microsoft.com/office/drawing/2010/main" val="0"/>
-              </a:ext>
-              <a:ext uri="{96DAC541-7B7A-43D3-8B79-37D633B846F1}">
-                <asvg:svgBlip xmlns:asvg="http://schemas.microsoft.com/office/drawing/2016/SVG/main" r:embed="rId15"/>
-              </a:ext>
-            </a:extLst>
-          </a:blip>
-          <a:stretch>
-            <a:fillRect/>
-          </a:stretch>
-        </p:blipFill>
-        <p:spPr>
-          <a:xfrm>
-            <a:off x="5943390" y="5030810"/>
-            <a:ext cx="491054" cy="491054"/>
-          </a:xfrm>
-          <a:prstGeom prst="rect">
-            <a:avLst/>
-          </a:prstGeom>
-        </p:spPr>
-      </p:pic>
-      <p:pic>
-        <p:nvPicPr>
-          <p:cNvPr id="10" name="Gráfico 9">
-            <a:extLst>
-              <a:ext uri="{FF2B5EF4-FFF2-40B4-BE49-F238E27FC236}">
-                <a16:creationId xmlns:a16="http://schemas.microsoft.com/office/drawing/2014/main" id="{43D8AF03-6244-4802-82AF-7664DFC6C9E3}"/>
-              </a:ext>
-            </a:extLst>
-          </p:cNvPr>
-          <p:cNvPicPr>
-            <a:picLocks noChangeAspect="1"/>
-          </p:cNvPicPr>
-          <p:nvPr/>
-        </p:nvPicPr>
-        <p:blipFill>
-          <a:blip r:embed="rId16">
-            <a:extLst>
-              <a:ext uri="{28A0092B-C50C-407E-A947-70E740481C1C}">
-                <a14:useLocalDpi xmlns:a14="http://schemas.microsoft.com/office/drawing/2010/main" val="0"/>
-              </a:ext>
-              <a:ext uri="{96DAC541-7B7A-43D3-8B79-37D633B846F1}">
-                <asvg:svgBlip xmlns:asvg="http://schemas.microsoft.com/office/drawing/2016/SVG/main" r:embed="rId17"/>
-              </a:ext>
-            </a:extLst>
-          </a:blip>
-          <a:stretch>
-            <a:fillRect/>
-          </a:stretch>
-        </p:blipFill>
-        <p:spPr>
-          <a:xfrm>
-            <a:off x="1895389" y="5036840"/>
-            <a:ext cx="523190" cy="523190"/>
-          </a:xfrm>
-          <a:prstGeom prst="rect">
-            <a:avLst/>
-          </a:prstGeom>
-        </p:spPr>
-      </p:pic>
-      <p:pic>
-        <p:nvPicPr>
-          <p:cNvPr id="14" name="Gráfico 13">
-            <a:extLst>
-              <a:ext uri="{FF2B5EF4-FFF2-40B4-BE49-F238E27FC236}">
-                <a16:creationId xmlns:a16="http://schemas.microsoft.com/office/drawing/2014/main" id="{7549A7EC-3C49-4E37-AC3E-FC71F34E5A09}"/>
-              </a:ext>
-            </a:extLst>
-          </p:cNvPr>
-          <p:cNvPicPr>
-            <a:picLocks noChangeAspect="1"/>
-          </p:cNvPicPr>
-          <p:nvPr/>
-        </p:nvPicPr>
-        <p:blipFill>
-          <a:blip r:embed="rId18">
-            <a:extLst>
-              <a:ext uri="{28A0092B-C50C-407E-A947-70E740481C1C}">
-                <a14:useLocalDpi xmlns:a14="http://schemas.microsoft.com/office/drawing/2010/main" val="0"/>
-              </a:ext>
-              <a:ext uri="{96DAC541-7B7A-43D3-8B79-37D633B846F1}">
-                <asvg:svgBlip xmlns:asvg="http://schemas.microsoft.com/office/drawing/2016/SVG/main" r:embed="rId19"/>
-              </a:ext>
-            </a:extLst>
-          </a:blip>
-          <a:stretch>
-            <a:fillRect/>
-          </a:stretch>
-        </p:blipFill>
-        <p:spPr>
-          <a:xfrm>
-            <a:off x="7283216" y="5041760"/>
-            <a:ext cx="536397" cy="536397"/>
-          </a:xfrm>
-          <a:prstGeom prst="rect">
-            <a:avLst/>
-          </a:prstGeom>
-        </p:spPr>
-      </p:pic>
-      <p:pic>
-        <p:nvPicPr>
-          <p:cNvPr id="19" name="Gráfico 18">
-            <a:extLst>
-              <a:ext uri="{FF2B5EF4-FFF2-40B4-BE49-F238E27FC236}">
-                <a16:creationId xmlns:a16="http://schemas.microsoft.com/office/drawing/2014/main" id="{60CDE939-2B12-4529-81B4-E39F7A03BA1F}"/>
-              </a:ext>
-            </a:extLst>
-          </p:cNvPr>
-          <p:cNvPicPr>
-            <a:picLocks noChangeAspect="1"/>
-          </p:cNvPicPr>
-          <p:nvPr/>
-        </p:nvPicPr>
-        <p:blipFill>
-          <a:blip r:embed="rId20">
-            <a:extLst>
-              <a:ext uri="{28A0092B-C50C-407E-A947-70E740481C1C}">
-                <a14:useLocalDpi xmlns:a14="http://schemas.microsoft.com/office/drawing/2010/main" val="0"/>
-              </a:ext>
-              <a:ext uri="{96DAC541-7B7A-43D3-8B79-37D633B846F1}">
-                <asvg:svgBlip xmlns:asvg="http://schemas.microsoft.com/office/drawing/2016/SVG/main" r:embed="rId21"/>
-              </a:ext>
-            </a:extLst>
-          </a:blip>
-          <a:stretch>
-            <a:fillRect/>
-          </a:stretch>
-        </p:blipFill>
-        <p:spPr>
-          <a:xfrm>
-            <a:off x="3770722" y="5059308"/>
-            <a:ext cx="503888" cy="503888"/>
-          </a:xfrm>
-          <a:prstGeom prst="rect">
-            <a:avLst/>
-          </a:prstGeom>
-        </p:spPr>
-      </p:pic>
-      <p:sp>
-        <p:nvSpPr>
-          <p:cNvPr id="4" name="Marcador de Posição do Rodapé 3">
-            <a:extLst>
-              <a:ext uri="{FF2B5EF4-FFF2-40B4-BE49-F238E27FC236}">
-                <a16:creationId xmlns:a16="http://schemas.microsoft.com/office/drawing/2014/main" id="{CD6FF158-A4D0-4F47-8632-6704C33C7AD2}"/>
-              </a:ext>
-            </a:extLst>
-          </p:cNvPr>
-          <p:cNvSpPr>
-            <a:spLocks noGrp="1"/>
-          </p:cNvSpPr>
-          <p:nvPr>
-            <p:ph type="ftr" sz="quarter" idx="11"/>
-          </p:nvPr>
-        </p:nvSpPr>
-        <p:spPr/>
-        <p:txBody>
-          <a:bodyPr/>
-          <a:lstStyle/>
-          <a:p>
-            <a:r>
-              <a:rPr lang="en-GB" sz="2400" b="1" dirty="0"/>
-              <a:t>2MIEIC04_G1</a:t>
-            </a:r>
-          </a:p>
-        </p:txBody>
-      </p:sp>
-      <p:sp>
-        <p:nvSpPr>
-          <p:cNvPr id="6" name="Marcador de Posição do Número do Diapositivo 5">
-            <a:extLst>
-              <a:ext uri="{FF2B5EF4-FFF2-40B4-BE49-F238E27FC236}">
-                <a16:creationId xmlns:a16="http://schemas.microsoft.com/office/drawing/2014/main" id="{EF089C28-62C1-41EA-9EAD-0F7DE996C216}"/>
-              </a:ext>
-            </a:extLst>
-          </p:cNvPr>
-          <p:cNvSpPr>
-            <a:spLocks noGrp="1"/>
-          </p:cNvSpPr>
-          <p:nvPr>
-            <p:ph type="sldNum" sz="quarter" idx="12"/>
-          </p:nvPr>
-        </p:nvSpPr>
-        <p:spPr/>
-        <p:txBody>
-          <a:bodyPr/>
-          <a:lstStyle/>
-          <a:p>
-            <a:fld id="{75DB3F52-068C-4339-9FA6-06F9AAEB3337}" type="slidenum">
-              <a:rPr lang="en-GB" sz="2400"/>
-              <a:t>2</a:t>
-            </a:fld>
-            <a:endParaRPr lang="en-GB" sz="2400" dirty="0"/>
-          </a:p>
-        </p:txBody>
-      </p:sp>
-      <p:pic>
-        <p:nvPicPr>
-          <p:cNvPr id="23" name="Imagem 22">
-            <a:extLst>
-              <a:ext uri="{FF2B5EF4-FFF2-40B4-BE49-F238E27FC236}">
-                <a16:creationId xmlns:a16="http://schemas.microsoft.com/office/drawing/2014/main" id="{A116DC69-2051-4A8C-9BBF-26CDDF0582A9}"/>
-              </a:ext>
-            </a:extLst>
-          </p:cNvPr>
-          <p:cNvPicPr>
-            <a:picLocks noChangeAspect="1"/>
-          </p:cNvPicPr>
-          <p:nvPr/>
-        </p:nvPicPr>
-        <p:blipFill rotWithShape="1">
-          <a:blip r:embed="rId22">
-            <a:extLst>
-              <a:ext uri="{28A0092B-C50C-407E-A947-70E740481C1C}">
-                <a14:useLocalDpi xmlns:a14="http://schemas.microsoft.com/office/drawing/2010/main" val="0"/>
-              </a:ext>
-            </a:extLst>
-          </a:blip>
-          <a:srcRect r="39904"/>
-          <a:stretch/>
-        </p:blipFill>
-        <p:spPr>
-          <a:xfrm>
-            <a:off x="1097280" y="6500189"/>
-            <a:ext cx="1406360" cy="312685"/>
-          </a:xfrm>
-          <a:prstGeom prst="rect">
-            <a:avLst/>
-          </a:prstGeom>
-        </p:spPr>
-      </p:pic>
-    </p:spTree>
-    <p:extLst>
-      <p:ext uri="{BB962C8B-B14F-4D97-AF65-F5344CB8AC3E}">
-        <p14:creationId xmlns:p14="http://schemas.microsoft.com/office/powerpoint/2010/main" val="3985234901"/>
-      </p:ext>
-    </p:extLst>
-  </p:cSld>
-  <p:clrMapOvr>
-    <a:masterClrMapping/>
-  </p:clrMapOvr>
-</p:sld>
-</file>
-
-<file path=ppt/slides/slide20.xml><?xml version="1.0" encoding="utf-8"?>
-<p:sld xmlns:a="http://schemas.openxmlformats.org/drawingml/2006/main" xmlns:r="http://schemas.openxmlformats.org/officeDocument/2006/relationships" xmlns:p="http://schemas.openxmlformats.org/presentationml/2006/main">
-  <p:cSld>
-    <p:spTree>
-      <p:nvGrpSpPr>
-        <p:cNvPr id="1" name=""/>
-        <p:cNvGrpSpPr/>
-        <p:nvPr/>
-      </p:nvGrpSpPr>
-      <p:grpSpPr>
-        <a:xfrm>
-          <a:off x="0" y="0"/>
-          <a:ext cx="0" cy="0"/>
-          <a:chOff x="0" y="0"/>
-          <a:chExt cx="0" cy="0"/>
-        </a:xfrm>
-      </p:grpSpPr>
-      <p:sp>
-        <p:nvSpPr>
-          <p:cNvPr id="2" name="Título 1">
-            <a:extLst>
-              <a:ext uri="{FF2B5EF4-FFF2-40B4-BE49-F238E27FC236}">
-                <a16:creationId xmlns:a16="http://schemas.microsoft.com/office/drawing/2014/main" id="{B6E269CC-F3EC-43ED-BC98-FCEA20CEA90D}"/>
-              </a:ext>
-            </a:extLst>
-          </p:cNvPr>
-          <p:cNvSpPr>
-            <a:spLocks noGrp="1"/>
-          </p:cNvSpPr>
-          <p:nvPr>
-            <p:ph type="title"/>
-          </p:nvPr>
-        </p:nvSpPr>
-        <p:spPr/>
-        <p:txBody>
-          <a:bodyPr/>
-          <a:lstStyle/>
-          <a:p>
-            <a:pPr algn="ctr"/>
-            <a:r>
-              <a:rPr lang="pt-PT" sz="8000" dirty="0">
-                <a:solidFill>
-                  <a:schemeClr val="tx1">
-                    <a:lumMod val="85000"/>
-                    <a:lumOff val="15000"/>
-                  </a:schemeClr>
-                </a:solidFill>
-                <a:latin typeface="Bahnschrift SemiLight" panose="020B0502040204020203" pitchFamily="34" charset="0"/>
-              </a:rPr>
-              <a:t>UI - Como usar</a:t>
-            </a:r>
-            <a:endParaRPr lang="en-GB" sz="8000" dirty="0">
-              <a:solidFill>
-                <a:schemeClr val="tx1">
-                  <a:lumMod val="85000"/>
-                  <a:lumOff val="15000"/>
-                </a:schemeClr>
-              </a:solidFill>
-              <a:latin typeface="Bahnschrift SemiLight" panose="020B0502040204020203" pitchFamily="34" charset="0"/>
-            </a:endParaRPr>
-          </a:p>
-        </p:txBody>
-      </p:sp>
-      <p:pic>
-        <p:nvPicPr>
-          <p:cNvPr id="9" name="Content Placeholder 8" descr="Graphical user interface">
-            <a:extLst>
-              <a:ext uri="{FF2B5EF4-FFF2-40B4-BE49-F238E27FC236}">
-                <a16:creationId xmlns:a16="http://schemas.microsoft.com/office/drawing/2014/main" id="{0C393F47-35C0-45C1-8E28-5EDA08BB0706}"/>
-              </a:ext>
-              <a:ext uri="{C183D7F6-B498-43B3-948B-1728B52AA6E4}">
-                <adec:decorative xmlns:adec="http://schemas.microsoft.com/office/drawing/2017/decorative" val="0"/>
-              </a:ext>
-            </a:extLst>
-          </p:cNvPr>
-          <p:cNvPicPr>
-            <a:picLocks noGrp="1" noChangeAspect="1"/>
-          </p:cNvPicPr>
-          <p:nvPr>
-            <p:ph idx="1"/>
-          </p:nvPr>
-        </p:nvPicPr>
-        <p:blipFill>
-          <a:blip r:embed="rId2"/>
-          <a:stretch>
-            <a:fillRect/>
-          </a:stretch>
-        </p:blipFill>
-        <p:spPr>
-          <a:xfrm>
-            <a:off x="1097280" y="2433892"/>
-            <a:ext cx="4684603" cy="1990215"/>
-          </a:xfrm>
-        </p:spPr>
-      </p:pic>
-      <p:cxnSp>
-        <p:nvCxnSpPr>
-          <p:cNvPr id="5" name="Conexão reta 4">
-            <a:extLst>
-              <a:ext uri="{FF2B5EF4-FFF2-40B4-BE49-F238E27FC236}">
-                <a16:creationId xmlns:a16="http://schemas.microsoft.com/office/drawing/2014/main" id="{D1B427FC-FECB-4AD9-947A-AE1CD8E8E0E9}"/>
-              </a:ext>
-            </a:extLst>
-          </p:cNvPr>
-          <p:cNvCxnSpPr>
-            <a:cxnSpLocks/>
-          </p:cNvCxnSpPr>
-          <p:nvPr/>
-        </p:nvCxnSpPr>
-        <p:spPr>
-          <a:xfrm flipH="1">
-            <a:off x="1097280" y="1737360"/>
-            <a:ext cx="10239504" cy="0"/>
-          </a:xfrm>
-          <a:prstGeom prst="line">
-            <a:avLst/>
-          </a:prstGeom>
-          <a:ln>
-            <a:solidFill>
-              <a:srgbClr val="8C2D19"/>
-            </a:solidFill>
-          </a:ln>
-        </p:spPr>
-        <p:style>
-          <a:lnRef idx="1">
-            <a:schemeClr val="accent1"/>
-          </a:lnRef>
-          <a:fillRef idx="0">
-            <a:schemeClr val="accent1"/>
-          </a:fillRef>
-          <a:effectRef idx="0">
-            <a:schemeClr val="accent1"/>
-          </a:effectRef>
-          <a:fontRef idx="minor">
-            <a:schemeClr val="tx1"/>
-          </a:fontRef>
-        </p:style>
-      </p:cxnSp>
-      <p:sp>
-        <p:nvSpPr>
-          <p:cNvPr id="4" name="Marcador de Posição do Rodapé 3">
-            <a:extLst>
-              <a:ext uri="{FF2B5EF4-FFF2-40B4-BE49-F238E27FC236}">
-                <a16:creationId xmlns:a16="http://schemas.microsoft.com/office/drawing/2014/main" id="{2E6D09DD-1E47-4A67-AB57-535BA57CB1EF}"/>
-              </a:ext>
-            </a:extLst>
-          </p:cNvPr>
-          <p:cNvSpPr>
-            <a:spLocks noGrp="1"/>
-          </p:cNvSpPr>
-          <p:nvPr>
-            <p:ph type="ftr" sz="quarter" idx="11"/>
-          </p:nvPr>
-        </p:nvSpPr>
-        <p:spPr/>
-        <p:txBody>
-          <a:bodyPr/>
-          <a:lstStyle/>
-          <a:p>
-            <a:r>
-              <a:rPr lang="en-GB" sz="2400" b="1" dirty="0"/>
-              <a:t>2MIEIC04_G1</a:t>
-            </a:r>
-          </a:p>
-        </p:txBody>
-      </p:sp>
-      <p:sp>
-        <p:nvSpPr>
-          <p:cNvPr id="6" name="Marcador de Posição do Número do Diapositivo 5">
-            <a:extLst>
-              <a:ext uri="{FF2B5EF4-FFF2-40B4-BE49-F238E27FC236}">
-                <a16:creationId xmlns:a16="http://schemas.microsoft.com/office/drawing/2014/main" id="{A6038915-9563-428D-88A8-7720015CFAC0}"/>
-              </a:ext>
-            </a:extLst>
-          </p:cNvPr>
-          <p:cNvSpPr>
-            <a:spLocks noGrp="1"/>
-          </p:cNvSpPr>
-          <p:nvPr>
-            <p:ph type="sldNum" sz="quarter" idx="12"/>
-          </p:nvPr>
-        </p:nvSpPr>
-        <p:spPr/>
-        <p:txBody>
-          <a:bodyPr/>
-          <a:lstStyle/>
-          <a:p>
-            <a:fld id="{75DB3F52-068C-4339-9FA6-06F9AAEB3337}" type="slidenum">
-              <a:rPr lang="en-GB" sz="2400"/>
-              <a:t>20</a:t>
-            </a:fld>
-            <a:endParaRPr lang="en-GB" sz="2400" dirty="0"/>
-          </a:p>
-        </p:txBody>
-      </p:sp>
-      <p:pic>
-        <p:nvPicPr>
-          <p:cNvPr id="7" name="Imagem 6">
-            <a:extLst>
-              <a:ext uri="{FF2B5EF4-FFF2-40B4-BE49-F238E27FC236}">
-                <a16:creationId xmlns:a16="http://schemas.microsoft.com/office/drawing/2014/main" id="{95C51A54-AF96-43E2-9C50-EFB3428A2FB4}"/>
-              </a:ext>
-            </a:extLst>
-          </p:cNvPr>
-          <p:cNvPicPr>
-            <a:picLocks noChangeAspect="1"/>
-          </p:cNvPicPr>
-          <p:nvPr/>
-        </p:nvPicPr>
-        <p:blipFill rotWithShape="1">
-          <a:blip r:embed="rId3">
-            <a:extLst>
-              <a:ext uri="{28A0092B-C50C-407E-A947-70E740481C1C}">
-                <a14:useLocalDpi xmlns:a14="http://schemas.microsoft.com/office/drawing/2010/main" val="0"/>
-              </a:ext>
-            </a:extLst>
-          </a:blip>
-          <a:srcRect r="39904"/>
-          <a:stretch/>
-        </p:blipFill>
-        <p:spPr>
-          <a:xfrm>
-            <a:off x="1097280" y="6500189"/>
-            <a:ext cx="1406360" cy="312685"/>
-          </a:xfrm>
-          <a:prstGeom prst="rect">
-            <a:avLst/>
-          </a:prstGeom>
-        </p:spPr>
-      </p:pic>
-      <p:pic>
-        <p:nvPicPr>
-          <p:cNvPr id="11" name="Picture 10">
-            <a:extLst>
-              <a:ext uri="{FF2B5EF4-FFF2-40B4-BE49-F238E27FC236}">
-                <a16:creationId xmlns:a16="http://schemas.microsoft.com/office/drawing/2014/main" id="{5C6A5538-AFEF-4512-8299-77E88507393A}"/>
-              </a:ext>
-            </a:extLst>
-          </p:cNvPr>
-          <p:cNvPicPr>
-            <a:picLocks noChangeAspect="1"/>
-          </p:cNvPicPr>
-          <p:nvPr/>
-        </p:nvPicPr>
-        <p:blipFill>
-          <a:blip r:embed="rId4"/>
-          <a:stretch>
-            <a:fillRect/>
-          </a:stretch>
-        </p:blipFill>
-        <p:spPr>
-          <a:xfrm>
-            <a:off x="7598221" y="1959017"/>
-            <a:ext cx="3738563" cy="2939966"/>
-          </a:xfrm>
-          <a:prstGeom prst="rect">
-            <a:avLst/>
-          </a:prstGeom>
-        </p:spPr>
-      </p:pic>
-      <p:sp>
-        <p:nvSpPr>
-          <p:cNvPr id="12" name="TextBox 11">
-            <a:extLst>
-              <a:ext uri="{FF2B5EF4-FFF2-40B4-BE49-F238E27FC236}">
-                <a16:creationId xmlns:a16="http://schemas.microsoft.com/office/drawing/2014/main" id="{B5D78712-70F3-4C81-AE5C-F3E20EFC6ABC}"/>
-              </a:ext>
-            </a:extLst>
-          </p:cNvPr>
-          <p:cNvSpPr txBox="1"/>
-          <p:nvPr/>
-        </p:nvSpPr>
-        <p:spPr>
-          <a:xfrm>
-            <a:off x="2591763" y="4529651"/>
-            <a:ext cx="1695635" cy="369332"/>
-          </a:xfrm>
-          <a:prstGeom prst="rect">
-            <a:avLst/>
-          </a:prstGeom>
-          <a:noFill/>
-        </p:spPr>
-        <p:txBody>
-          <a:bodyPr wrap="square" rtlCol="0">
-            <a:spAutoFit/>
-          </a:bodyPr>
-          <a:lstStyle/>
-          <a:p>
-            <a:pPr algn="ctr"/>
-            <a:r>
-              <a:rPr lang="pt-PT" dirty="0"/>
-              <a:t>Login Page</a:t>
-            </a:r>
-            <a:endParaRPr lang="en-US" dirty="0"/>
-          </a:p>
-        </p:txBody>
-      </p:sp>
-      <p:sp>
-        <p:nvSpPr>
-          <p:cNvPr id="13" name="TextBox 12">
-            <a:extLst>
-              <a:ext uri="{FF2B5EF4-FFF2-40B4-BE49-F238E27FC236}">
-                <a16:creationId xmlns:a16="http://schemas.microsoft.com/office/drawing/2014/main" id="{3918F24A-B858-4DAC-8BB2-AA8C55D4EF93}"/>
-              </a:ext>
-            </a:extLst>
-          </p:cNvPr>
-          <p:cNvSpPr txBox="1"/>
-          <p:nvPr/>
-        </p:nvSpPr>
-        <p:spPr>
-          <a:xfrm>
-            <a:off x="7598221" y="5120639"/>
-            <a:ext cx="3738563" cy="369332"/>
-          </a:xfrm>
-          <a:prstGeom prst="rect">
-            <a:avLst/>
-          </a:prstGeom>
-          <a:noFill/>
-        </p:spPr>
-        <p:txBody>
-          <a:bodyPr wrap="square" rtlCol="0">
-            <a:spAutoFit/>
-          </a:bodyPr>
-          <a:lstStyle/>
-          <a:p>
-            <a:pPr algn="ctr"/>
-            <a:r>
-              <a:rPr lang="pt-PT" dirty="0"/>
-              <a:t>Escolher a opção correspondente</a:t>
-            </a:r>
-            <a:endParaRPr lang="en-US" dirty="0"/>
-          </a:p>
-        </p:txBody>
-      </p:sp>
-    </p:spTree>
-    <p:extLst>
-      <p:ext uri="{BB962C8B-B14F-4D97-AF65-F5344CB8AC3E}">
-        <p14:creationId xmlns:p14="http://schemas.microsoft.com/office/powerpoint/2010/main" val="3138427854"/>
-      </p:ext>
-    </p:extLst>
-  </p:cSld>
-  <p:clrMapOvr>
-    <a:masterClrMapping/>
-  </p:clrMapOvr>
-</p:sld>
-</file>
-
-<file path=ppt/slides/slide21.xml><?xml version="1.0" encoding="utf-8"?>
-<p:sld xmlns:a="http://schemas.openxmlformats.org/drawingml/2006/main" xmlns:r="http://schemas.openxmlformats.org/officeDocument/2006/relationships" xmlns:p="http://schemas.openxmlformats.org/presentationml/2006/main">
-  <p:cSld>
-    <p:spTree>
-      <p:nvGrpSpPr>
-        <p:cNvPr id="1" name=""/>
-        <p:cNvGrpSpPr/>
-        <p:nvPr/>
-      </p:nvGrpSpPr>
-      <p:grpSpPr>
-        <a:xfrm>
-          <a:off x="0" y="0"/>
-          <a:ext cx="0" cy="0"/>
-          <a:chOff x="0" y="0"/>
-          <a:chExt cx="0" cy="0"/>
-        </a:xfrm>
-      </p:grpSpPr>
-      <p:sp>
-        <p:nvSpPr>
-          <p:cNvPr id="2" name="Título 1">
-            <a:extLst>
-              <a:ext uri="{FF2B5EF4-FFF2-40B4-BE49-F238E27FC236}">
-                <a16:creationId xmlns:a16="http://schemas.microsoft.com/office/drawing/2014/main" id="{B6E269CC-F3EC-43ED-BC98-FCEA20CEA90D}"/>
-              </a:ext>
-            </a:extLst>
-          </p:cNvPr>
-          <p:cNvSpPr>
-            <a:spLocks noGrp="1"/>
-          </p:cNvSpPr>
-          <p:nvPr>
-            <p:ph type="title"/>
-          </p:nvPr>
-        </p:nvSpPr>
-        <p:spPr/>
-        <p:txBody>
-          <a:bodyPr/>
-          <a:lstStyle/>
-          <a:p>
-            <a:pPr algn="ctr"/>
-            <a:r>
-              <a:rPr lang="pt-PT" sz="8000" dirty="0">
-                <a:solidFill>
-                  <a:schemeClr val="tx1">
-                    <a:lumMod val="85000"/>
-                    <a:lumOff val="15000"/>
-                  </a:schemeClr>
-                </a:solidFill>
-                <a:latin typeface="Bahnschrift SemiLight" panose="020B0502040204020203" pitchFamily="34" charset="0"/>
-              </a:rPr>
-              <a:t>UI – Pesquisas</a:t>
-            </a:r>
-            <a:endParaRPr lang="en-GB" sz="8000" dirty="0">
-              <a:solidFill>
-                <a:schemeClr val="tx1">
-                  <a:lumMod val="85000"/>
-                  <a:lumOff val="15000"/>
-                </a:schemeClr>
-              </a:solidFill>
-              <a:latin typeface="Bahnschrift SemiLight" panose="020B0502040204020203" pitchFamily="34" charset="0"/>
-            </a:endParaRPr>
-          </a:p>
-        </p:txBody>
-      </p:sp>
-      <p:cxnSp>
-        <p:nvCxnSpPr>
-          <p:cNvPr id="5" name="Conexão reta 4">
-            <a:extLst>
-              <a:ext uri="{FF2B5EF4-FFF2-40B4-BE49-F238E27FC236}">
-                <a16:creationId xmlns:a16="http://schemas.microsoft.com/office/drawing/2014/main" id="{D1B427FC-FECB-4AD9-947A-AE1CD8E8E0E9}"/>
-              </a:ext>
-            </a:extLst>
-          </p:cNvPr>
-          <p:cNvCxnSpPr>
-            <a:cxnSpLocks/>
-          </p:cNvCxnSpPr>
-          <p:nvPr/>
-        </p:nvCxnSpPr>
-        <p:spPr>
-          <a:xfrm flipH="1">
-            <a:off x="1097280" y="1737360"/>
-            <a:ext cx="10239504" cy="0"/>
-          </a:xfrm>
-          <a:prstGeom prst="line">
-            <a:avLst/>
-          </a:prstGeom>
-          <a:ln>
-            <a:solidFill>
-              <a:srgbClr val="8C2D19"/>
-            </a:solidFill>
-          </a:ln>
-        </p:spPr>
-        <p:style>
-          <a:lnRef idx="1">
-            <a:schemeClr val="accent1"/>
-          </a:lnRef>
-          <a:fillRef idx="0">
-            <a:schemeClr val="accent1"/>
-          </a:fillRef>
-          <a:effectRef idx="0">
-            <a:schemeClr val="accent1"/>
-          </a:effectRef>
-          <a:fontRef idx="minor">
-            <a:schemeClr val="tx1"/>
-          </a:fontRef>
-        </p:style>
-      </p:cxnSp>
-      <p:sp>
-        <p:nvSpPr>
-          <p:cNvPr id="4" name="Marcador de Posição do Rodapé 3">
-            <a:extLst>
-              <a:ext uri="{FF2B5EF4-FFF2-40B4-BE49-F238E27FC236}">
-                <a16:creationId xmlns:a16="http://schemas.microsoft.com/office/drawing/2014/main" id="{2E6D09DD-1E47-4A67-AB57-535BA57CB1EF}"/>
-              </a:ext>
-            </a:extLst>
-          </p:cNvPr>
-          <p:cNvSpPr>
-            <a:spLocks noGrp="1"/>
-          </p:cNvSpPr>
-          <p:nvPr>
-            <p:ph type="ftr" sz="quarter" idx="11"/>
-          </p:nvPr>
-        </p:nvSpPr>
-        <p:spPr/>
-        <p:txBody>
-          <a:bodyPr/>
-          <a:lstStyle/>
-          <a:p>
-            <a:r>
-              <a:rPr lang="en-GB" sz="2400" b="1" dirty="0"/>
-              <a:t>2MIEIC04_G1</a:t>
-            </a:r>
-          </a:p>
-        </p:txBody>
-      </p:sp>
-      <p:sp>
-        <p:nvSpPr>
-          <p:cNvPr id="6" name="Marcador de Posição do Número do Diapositivo 5">
-            <a:extLst>
-              <a:ext uri="{FF2B5EF4-FFF2-40B4-BE49-F238E27FC236}">
-                <a16:creationId xmlns:a16="http://schemas.microsoft.com/office/drawing/2014/main" id="{A6038915-9563-428D-88A8-7720015CFAC0}"/>
-              </a:ext>
-            </a:extLst>
-          </p:cNvPr>
-          <p:cNvSpPr>
-            <a:spLocks noGrp="1"/>
-          </p:cNvSpPr>
-          <p:nvPr>
-            <p:ph type="sldNum" sz="quarter" idx="12"/>
-          </p:nvPr>
-        </p:nvSpPr>
-        <p:spPr/>
-        <p:txBody>
-          <a:bodyPr/>
-          <a:lstStyle/>
-          <a:p>
-            <a:fld id="{75DB3F52-068C-4339-9FA6-06F9AAEB3337}" type="slidenum">
-              <a:rPr lang="en-GB" sz="2400"/>
-              <a:t>21</a:t>
-            </a:fld>
-            <a:endParaRPr lang="en-GB" sz="2400" dirty="0"/>
-          </a:p>
-        </p:txBody>
-      </p:sp>
-      <p:pic>
-        <p:nvPicPr>
-          <p:cNvPr id="7" name="Imagem 6">
-            <a:extLst>
-              <a:ext uri="{FF2B5EF4-FFF2-40B4-BE49-F238E27FC236}">
-                <a16:creationId xmlns:a16="http://schemas.microsoft.com/office/drawing/2014/main" id="{95C51A54-AF96-43E2-9C50-EFB3428A2FB4}"/>
-              </a:ext>
-            </a:extLst>
-          </p:cNvPr>
-          <p:cNvPicPr>
-            <a:picLocks noChangeAspect="1"/>
-          </p:cNvPicPr>
-          <p:nvPr/>
-        </p:nvPicPr>
-        <p:blipFill rotWithShape="1">
-          <a:blip r:embed="rId2">
-            <a:extLst>
-              <a:ext uri="{28A0092B-C50C-407E-A947-70E740481C1C}">
-                <a14:useLocalDpi xmlns:a14="http://schemas.microsoft.com/office/drawing/2010/main" val="0"/>
-              </a:ext>
-            </a:extLst>
-          </a:blip>
-          <a:srcRect r="39904"/>
-          <a:stretch/>
-        </p:blipFill>
-        <p:spPr>
-          <a:xfrm>
-            <a:off x="1097280" y="6500189"/>
-            <a:ext cx="1406360" cy="312685"/>
-          </a:xfrm>
-          <a:prstGeom prst="rect">
-            <a:avLst/>
-          </a:prstGeom>
-        </p:spPr>
-      </p:pic>
-      <p:sp>
-        <p:nvSpPr>
-          <p:cNvPr id="12" name="TextBox 11">
-            <a:extLst>
-              <a:ext uri="{FF2B5EF4-FFF2-40B4-BE49-F238E27FC236}">
-                <a16:creationId xmlns:a16="http://schemas.microsoft.com/office/drawing/2014/main" id="{B5D78712-70F3-4C81-AE5C-F3E20EFC6ABC}"/>
-              </a:ext>
-            </a:extLst>
-          </p:cNvPr>
-          <p:cNvSpPr txBox="1"/>
-          <p:nvPr/>
-        </p:nvSpPr>
-        <p:spPr>
-          <a:xfrm>
-            <a:off x="1199738" y="4797497"/>
-            <a:ext cx="3552777" cy="923330"/>
-          </a:xfrm>
-          <a:prstGeom prst="rect">
-            <a:avLst/>
-          </a:prstGeom>
-          <a:noFill/>
-        </p:spPr>
-        <p:txBody>
-          <a:bodyPr wrap="square" rtlCol="0">
-            <a:spAutoFit/>
-          </a:bodyPr>
-          <a:lstStyle/>
-          <a:p>
-            <a:pPr marL="285750" indent="-285750">
-              <a:buFont typeface="Arial" panose="020B0604020202020204" pitchFamily="34" charset="0"/>
-              <a:buChar char="•"/>
-            </a:pPr>
-            <a:r>
-              <a:rPr lang="pt-PT" dirty="0"/>
-              <a:t>Escolher vários parametros</a:t>
-            </a:r>
-          </a:p>
-          <a:p>
-            <a:pPr marL="285750" indent="-285750">
-              <a:buFont typeface="Arial" panose="020B0604020202020204" pitchFamily="34" charset="0"/>
-              <a:buChar char="•"/>
-            </a:pPr>
-            <a:r>
-              <a:rPr lang="pt-PT" dirty="0"/>
-              <a:t>Não escolher nenhum género implica pesquisar por todos</a:t>
-            </a:r>
-            <a:endParaRPr lang="en-US" dirty="0"/>
-          </a:p>
-        </p:txBody>
-      </p:sp>
-      <p:sp>
-        <p:nvSpPr>
-          <p:cNvPr id="13" name="TextBox 12">
-            <a:extLst>
-              <a:ext uri="{FF2B5EF4-FFF2-40B4-BE49-F238E27FC236}">
-                <a16:creationId xmlns:a16="http://schemas.microsoft.com/office/drawing/2014/main" id="{3918F24A-B858-4DAC-8BB2-AA8C55D4EF93}"/>
-              </a:ext>
-            </a:extLst>
-          </p:cNvPr>
-          <p:cNvSpPr txBox="1"/>
-          <p:nvPr/>
-        </p:nvSpPr>
-        <p:spPr>
-          <a:xfrm>
-            <a:off x="7097164" y="5259162"/>
-            <a:ext cx="3738563" cy="369332"/>
-          </a:xfrm>
-          <a:prstGeom prst="rect">
-            <a:avLst/>
-          </a:prstGeom>
-          <a:noFill/>
-        </p:spPr>
-        <p:txBody>
-          <a:bodyPr wrap="square" rtlCol="0">
-            <a:spAutoFit/>
-          </a:bodyPr>
-          <a:lstStyle/>
-          <a:p>
-            <a:pPr algn="ctr"/>
-            <a:r>
-              <a:rPr lang="pt-PT" dirty="0"/>
-              <a:t>Sistema de páginas</a:t>
-            </a:r>
-            <a:endParaRPr lang="en-US" dirty="0"/>
-          </a:p>
-        </p:txBody>
-      </p:sp>
-      <p:pic>
-        <p:nvPicPr>
-          <p:cNvPr id="8" name="Picture 7">
-            <a:extLst>
-              <a:ext uri="{FF2B5EF4-FFF2-40B4-BE49-F238E27FC236}">
-                <a16:creationId xmlns:a16="http://schemas.microsoft.com/office/drawing/2014/main" id="{59DFA416-8478-4302-A4BD-FD4A0E85E958}"/>
-              </a:ext>
-            </a:extLst>
-          </p:cNvPr>
-          <p:cNvPicPr>
-            <a:picLocks noChangeAspect="1"/>
-          </p:cNvPicPr>
-          <p:nvPr/>
-        </p:nvPicPr>
-        <p:blipFill>
-          <a:blip r:embed="rId3"/>
-          <a:stretch>
-            <a:fillRect/>
-          </a:stretch>
-        </p:blipFill>
-        <p:spPr>
-          <a:xfrm>
-            <a:off x="1310827" y="2074391"/>
-            <a:ext cx="3705225" cy="2600325"/>
-          </a:xfrm>
-          <a:prstGeom prst="rect">
-            <a:avLst/>
-          </a:prstGeom>
-        </p:spPr>
-      </p:pic>
-      <p:pic>
-        <p:nvPicPr>
-          <p:cNvPr id="16" name="Picture 15">
-            <a:extLst>
-              <a:ext uri="{FF2B5EF4-FFF2-40B4-BE49-F238E27FC236}">
-                <a16:creationId xmlns:a16="http://schemas.microsoft.com/office/drawing/2014/main" id="{24CC2751-1A2A-4FFC-BCBC-90AE321EF4B7}"/>
-              </a:ext>
-            </a:extLst>
-          </p:cNvPr>
-          <p:cNvPicPr>
-            <a:picLocks noChangeAspect="1"/>
-          </p:cNvPicPr>
-          <p:nvPr/>
-        </p:nvPicPr>
-        <p:blipFill>
-          <a:blip r:embed="rId4"/>
-          <a:stretch>
-            <a:fillRect/>
-          </a:stretch>
-        </p:blipFill>
-        <p:spPr>
-          <a:xfrm>
-            <a:off x="7439486" y="1894202"/>
-            <a:ext cx="3053920" cy="3149355"/>
-          </a:xfrm>
-          <a:prstGeom prst="rect">
-            <a:avLst/>
-          </a:prstGeom>
-        </p:spPr>
-      </p:pic>
-    </p:spTree>
-    <p:extLst>
-      <p:ext uri="{BB962C8B-B14F-4D97-AF65-F5344CB8AC3E}">
-        <p14:creationId xmlns:p14="http://schemas.microsoft.com/office/powerpoint/2010/main" val="465885420"/>
-      </p:ext>
-    </p:extLst>
-  </p:cSld>
-  <p:clrMapOvr>
-    <a:masterClrMapping/>
-  </p:clrMapOvr>
-</p:sld>
-</file>
-
 <file path=ppt/slides/slide3.xml><?xml version="1.0" encoding="utf-8"?>
 <p:sld xmlns:a="http://schemas.openxmlformats.org/drawingml/2006/main" xmlns:r="http://schemas.openxmlformats.org/officeDocument/2006/relationships" xmlns:p="http://schemas.openxmlformats.org/presentationml/2006/main">
   <p:cSld>
@@ -17666,10 +17680,10 @@
       </p:pic>
       <p:pic>
         <p:nvPicPr>
-          <p:cNvPr id="21" name="Imagem 20">
-            <a:extLst>
-              <a:ext uri="{FF2B5EF4-FFF2-40B4-BE49-F238E27FC236}">
-                <a16:creationId xmlns:a16="http://schemas.microsoft.com/office/drawing/2014/main" id="{01D76032-2E5B-4247-B58F-412D08727759}"/>
+          <p:cNvPr id="25" name="Imagem 24">
+            <a:extLst>
+              <a:ext uri="{FF2B5EF4-FFF2-40B4-BE49-F238E27FC236}">
+                <a16:creationId xmlns:a16="http://schemas.microsoft.com/office/drawing/2014/main" id="{1A4E1E08-F045-4BA4-9D9C-959A83A721C6}"/>
               </a:ext>
             </a:extLst>
           </p:cNvPr>
@@ -17686,37 +17700,7 @@
         </p:blipFill>
         <p:spPr>
           <a:xfrm>
-            <a:off x="-114699" y="33090"/>
-            <a:ext cx="11920249" cy="5430191"/>
-          </a:xfrm>
-          <a:prstGeom prst="rect">
-            <a:avLst/>
-          </a:prstGeom>
-        </p:spPr>
-      </p:pic>
-      <p:pic>
-        <p:nvPicPr>
-          <p:cNvPr id="25" name="Imagem 24">
-            <a:extLst>
-              <a:ext uri="{FF2B5EF4-FFF2-40B4-BE49-F238E27FC236}">
-                <a16:creationId xmlns:a16="http://schemas.microsoft.com/office/drawing/2014/main" id="{1A4E1E08-F045-4BA4-9D9C-959A83A721C6}"/>
-              </a:ext>
-            </a:extLst>
-          </p:cNvPr>
-          <p:cNvPicPr>
-            <a:picLocks noChangeAspect="1"/>
-          </p:cNvPicPr>
-          <p:nvPr/>
-        </p:nvPicPr>
-        <p:blipFill>
-          <a:blip r:embed="rId5"/>
-          <a:stretch>
-            <a:fillRect/>
-          </a:stretch>
-        </p:blipFill>
-        <p:spPr>
-          <a:xfrm>
-            <a:off x="5589258" y="33090"/>
+            <a:off x="5589258" y="0"/>
             <a:ext cx="6602742" cy="4618012"/>
           </a:xfrm>
           <a:prstGeom prst="rect">
@@ -17988,10 +17972,10 @@
       </p:pic>
       <p:pic>
         <p:nvPicPr>
-          <p:cNvPr id="12" name="Imagem 11">
-            <a:extLst>
-              <a:ext uri="{FF2B5EF4-FFF2-40B4-BE49-F238E27FC236}">
-                <a16:creationId xmlns:a16="http://schemas.microsoft.com/office/drawing/2014/main" id="{E9ED6815-4414-4F86-BE30-5560256B0243}"/>
+          <p:cNvPr id="15" name="Imagem 14">
+            <a:extLst>
+              <a:ext uri="{FF2B5EF4-FFF2-40B4-BE49-F238E27FC236}">
+                <a16:creationId xmlns:a16="http://schemas.microsoft.com/office/drawing/2014/main" id="{CF06A692-EF8A-4407-AB3A-6AD3F501CC87}"/>
               </a:ext>
             </a:extLst>
           </p:cNvPr>
@@ -18002,66 +17986,6 @@
         </p:nvPicPr>
         <p:blipFill>
           <a:blip r:embed="rId4"/>
-          <a:stretch>
-            <a:fillRect/>
-          </a:stretch>
-        </p:blipFill>
-        <p:spPr>
-          <a:xfrm>
-            <a:off x="-114699" y="33090"/>
-            <a:ext cx="11920249" cy="5430191"/>
-          </a:xfrm>
-          <a:prstGeom prst="rect">
-            <a:avLst/>
-          </a:prstGeom>
-        </p:spPr>
-      </p:pic>
-      <p:pic>
-        <p:nvPicPr>
-          <p:cNvPr id="13" name="Imagem 12">
-            <a:extLst>
-              <a:ext uri="{FF2B5EF4-FFF2-40B4-BE49-F238E27FC236}">
-                <a16:creationId xmlns:a16="http://schemas.microsoft.com/office/drawing/2014/main" id="{476002E8-4850-4DA6-B9FD-C610BBDA9CD1}"/>
-              </a:ext>
-            </a:extLst>
-          </p:cNvPr>
-          <p:cNvPicPr>
-            <a:picLocks noChangeAspect="1"/>
-          </p:cNvPicPr>
-          <p:nvPr/>
-        </p:nvPicPr>
-        <p:blipFill>
-          <a:blip r:embed="rId5"/>
-          <a:stretch>
-            <a:fillRect/>
-          </a:stretch>
-        </p:blipFill>
-        <p:spPr>
-          <a:xfrm>
-            <a:off x="5589258" y="33090"/>
-            <a:ext cx="6602742" cy="4618012"/>
-          </a:xfrm>
-          <a:prstGeom prst="rect">
-            <a:avLst/>
-          </a:prstGeom>
-        </p:spPr>
-      </p:pic>
-      <p:pic>
-        <p:nvPicPr>
-          <p:cNvPr id="15" name="Imagem 14">
-            <a:extLst>
-              <a:ext uri="{FF2B5EF4-FFF2-40B4-BE49-F238E27FC236}">
-                <a16:creationId xmlns:a16="http://schemas.microsoft.com/office/drawing/2014/main" id="{CF06A692-EF8A-4407-AB3A-6AD3F501CC87}"/>
-              </a:ext>
-            </a:extLst>
-          </p:cNvPr>
-          <p:cNvPicPr>
-            <a:picLocks noChangeAspect="1"/>
-          </p:cNvPicPr>
-          <p:nvPr/>
-        </p:nvPicPr>
-        <p:blipFill>
-          <a:blip r:embed="rId6"/>
           <a:stretch>
             <a:fillRect/>
           </a:stretch>
@@ -18340,10 +18264,10 @@
       </p:pic>
       <p:pic>
         <p:nvPicPr>
-          <p:cNvPr id="12" name="Imagem 11">
-            <a:extLst>
-              <a:ext uri="{FF2B5EF4-FFF2-40B4-BE49-F238E27FC236}">
-                <a16:creationId xmlns:a16="http://schemas.microsoft.com/office/drawing/2014/main" id="{41A8B472-BA88-43B5-8BB7-7857E320F806}"/>
+          <p:cNvPr id="16" name="Imagem 15">
+            <a:extLst>
+              <a:ext uri="{FF2B5EF4-FFF2-40B4-BE49-F238E27FC236}">
+                <a16:creationId xmlns:a16="http://schemas.microsoft.com/office/drawing/2014/main" id="{C7AA71F6-565F-4774-88DD-C195048F2C06}"/>
               </a:ext>
             </a:extLst>
           </p:cNvPr>
@@ -18354,96 +18278,6 @@
         </p:nvPicPr>
         <p:blipFill>
           <a:blip r:embed="rId4"/>
-          <a:stretch>
-            <a:fillRect/>
-          </a:stretch>
-        </p:blipFill>
-        <p:spPr>
-          <a:xfrm>
-            <a:off x="-114699" y="33090"/>
-            <a:ext cx="11920249" cy="5430191"/>
-          </a:xfrm>
-          <a:prstGeom prst="rect">
-            <a:avLst/>
-          </a:prstGeom>
-        </p:spPr>
-      </p:pic>
-      <p:pic>
-        <p:nvPicPr>
-          <p:cNvPr id="13" name="Imagem 12">
-            <a:extLst>
-              <a:ext uri="{FF2B5EF4-FFF2-40B4-BE49-F238E27FC236}">
-                <a16:creationId xmlns:a16="http://schemas.microsoft.com/office/drawing/2014/main" id="{D5B5AE07-3B44-4736-B1C0-9444798BC47E}"/>
-              </a:ext>
-            </a:extLst>
-          </p:cNvPr>
-          <p:cNvPicPr>
-            <a:picLocks noChangeAspect="1"/>
-          </p:cNvPicPr>
-          <p:nvPr/>
-        </p:nvPicPr>
-        <p:blipFill>
-          <a:blip r:embed="rId5"/>
-          <a:stretch>
-            <a:fillRect/>
-          </a:stretch>
-        </p:blipFill>
-        <p:spPr>
-          <a:xfrm>
-            <a:off x="5589258" y="33090"/>
-            <a:ext cx="6602742" cy="4618012"/>
-          </a:xfrm>
-          <a:prstGeom prst="rect">
-            <a:avLst/>
-          </a:prstGeom>
-        </p:spPr>
-      </p:pic>
-      <p:pic>
-        <p:nvPicPr>
-          <p:cNvPr id="14" name="Imagem 13">
-            <a:extLst>
-              <a:ext uri="{FF2B5EF4-FFF2-40B4-BE49-F238E27FC236}">
-                <a16:creationId xmlns:a16="http://schemas.microsoft.com/office/drawing/2014/main" id="{5B03FDFD-5908-473F-A44F-E25E3C444FED}"/>
-              </a:ext>
-            </a:extLst>
-          </p:cNvPr>
-          <p:cNvPicPr>
-            <a:picLocks noChangeAspect="1"/>
-          </p:cNvPicPr>
-          <p:nvPr/>
-        </p:nvPicPr>
-        <p:blipFill>
-          <a:blip r:embed="rId6"/>
-          <a:stretch>
-            <a:fillRect/>
-          </a:stretch>
-        </p:blipFill>
-        <p:spPr>
-          <a:xfrm>
-            <a:off x="4418926" y="124188"/>
-            <a:ext cx="7773074" cy="6264183"/>
-          </a:xfrm>
-          <a:prstGeom prst="rect">
-            <a:avLst/>
-          </a:prstGeom>
-        </p:spPr>
-      </p:pic>
-      <p:pic>
-        <p:nvPicPr>
-          <p:cNvPr id="16" name="Imagem 15">
-            <a:extLst>
-              <a:ext uri="{FF2B5EF4-FFF2-40B4-BE49-F238E27FC236}">
-                <a16:creationId xmlns:a16="http://schemas.microsoft.com/office/drawing/2014/main" id="{C7AA71F6-565F-4774-88DD-C195048F2C06}"/>
-              </a:ext>
-            </a:extLst>
-          </p:cNvPr>
-          <p:cNvPicPr>
-            <a:picLocks noChangeAspect="1"/>
-          </p:cNvPicPr>
-          <p:nvPr/>
-        </p:nvPicPr>
-        <p:blipFill>
-          <a:blip r:embed="rId7"/>
           <a:stretch>
             <a:fillRect/>
           </a:stretch>

--- a/StreamZ_Apresentation4.pptx
+++ b/StreamZ_Apresentation4.pptx
@@ -5,7 +5,7 @@
     <p:sldMasterId id="2147483803" r:id="rId1"/>
   </p:sldMasterIdLst>
   <p:notesMasterIdLst>
-    <p:notesMasterId r:id="rId23"/>
+    <p:notesMasterId r:id="rId24"/>
   </p:notesMasterIdLst>
   <p:sldIdLst>
     <p:sldId id="256" r:id="rId2"/>
@@ -28,7 +28,8 @@
     <p:sldId id="278" r:id="rId19"/>
     <p:sldId id="279" r:id="rId20"/>
     <p:sldId id="262" r:id="rId21"/>
-    <p:sldId id="263" r:id="rId22"/>
+    <p:sldId id="280" r:id="rId22"/>
+    <p:sldId id="263" r:id="rId23"/>
   </p:sldIdLst>
   <p:sldSz cx="12192000" cy="6858000"/>
   <p:notesSz cx="6858000" cy="9144000"/>
@@ -376,7 +377,7 @@
           <a:p>
             <a:fld id="{B3BE95CB-A87E-409C-9CB9-073D81AF8FD7}" type="slidenum">
               <a:rPr lang="en-GB" smtClean="0"/>
-              <a:t>‹nº›</a:t>
+              <a:t>‹#›</a:t>
             </a:fld>
             <a:endParaRPr lang="en-GB"/>
           </a:p>
@@ -758,7 +759,7 @@
           <a:p>
             <a:fld id="{75DB3F52-068C-4339-9FA6-06F9AAEB3337}" type="slidenum">
               <a:rPr lang="en-GB" smtClean="0"/>
-              <a:t>‹nº›</a:t>
+              <a:t>‹#›</a:t>
             </a:fld>
             <a:endParaRPr lang="en-GB"/>
           </a:p>
@@ -969,7 +970,7 @@
           <a:p>
             <a:fld id="{75DB3F52-068C-4339-9FA6-06F9AAEB3337}" type="slidenum">
               <a:rPr lang="en-GB" smtClean="0"/>
-              <a:t>‹nº›</a:t>
+              <a:t>‹#›</a:t>
             </a:fld>
             <a:endParaRPr lang="en-GB"/>
           </a:p>
@@ -1230,7 +1231,7 @@
           <a:p>
             <a:fld id="{75DB3F52-068C-4339-9FA6-06F9AAEB3337}" type="slidenum">
               <a:rPr lang="en-GB" smtClean="0"/>
-              <a:t>‹nº›</a:t>
+              <a:t>‹#›</a:t>
             </a:fld>
             <a:endParaRPr lang="en-GB"/>
           </a:p>
@@ -1403,7 +1404,7 @@
           <a:p>
             <a:fld id="{75DB3F52-068C-4339-9FA6-06F9AAEB3337}" type="slidenum">
               <a:rPr lang="en-GB" smtClean="0"/>
-              <a:t>‹nº›</a:t>
+              <a:t>‹#›</a:t>
             </a:fld>
             <a:endParaRPr lang="en-GB"/>
           </a:p>
@@ -1743,7 +1744,7 @@
           <a:p>
             <a:fld id="{75DB3F52-068C-4339-9FA6-06F9AAEB3337}" type="slidenum">
               <a:rPr lang="en-GB" smtClean="0"/>
-              <a:t>‹nº›</a:t>
+              <a:t>‹#›</a:t>
             </a:fld>
             <a:endParaRPr lang="en-GB"/>
           </a:p>
@@ -2021,7 +2022,7 @@
           <a:p>
             <a:fld id="{75DB3F52-068C-4339-9FA6-06F9AAEB3337}" type="slidenum">
               <a:rPr lang="en-GB" smtClean="0"/>
-              <a:t>‹nº›</a:t>
+              <a:t>‹#›</a:t>
             </a:fld>
             <a:endParaRPr lang="en-GB"/>
           </a:p>
@@ -2407,7 +2408,7 @@
           <a:p>
             <a:fld id="{75DB3F52-068C-4339-9FA6-06F9AAEB3337}" type="slidenum">
               <a:rPr lang="en-GB" smtClean="0"/>
-              <a:t>‹nº›</a:t>
+              <a:t>‹#›</a:t>
             </a:fld>
             <a:endParaRPr lang="en-GB"/>
           </a:p>
@@ -2528,7 +2529,7 @@
           <a:p>
             <a:fld id="{75DB3F52-068C-4339-9FA6-06F9AAEB3337}" type="slidenum">
               <a:rPr lang="en-GB" smtClean="0"/>
-              <a:t>‹nº›</a:t>
+              <a:t>‹#›</a:t>
             </a:fld>
             <a:endParaRPr lang="en-GB"/>
           </a:p>
@@ -2712,7 +2713,7 @@
           <a:p>
             <a:fld id="{75DB3F52-068C-4339-9FA6-06F9AAEB3337}" type="slidenum">
               <a:rPr lang="en-GB" smtClean="0"/>
-              <a:t>‹nº›</a:t>
+              <a:t>‹#›</a:t>
             </a:fld>
             <a:endParaRPr lang="en-GB"/>
           </a:p>
@@ -3084,7 +3085,7 @@
           <a:p>
             <a:fld id="{75DB3F52-068C-4339-9FA6-06F9AAEB3337}" type="slidenum">
               <a:rPr lang="en-GB" smtClean="0"/>
-              <a:t>‹nº›</a:t>
+              <a:t>‹#›</a:t>
             </a:fld>
             <a:endParaRPr lang="en-GB"/>
           </a:p>
@@ -3430,7 +3431,7 @@
           <a:p>
             <a:fld id="{75DB3F52-068C-4339-9FA6-06F9AAEB3337}" type="slidenum">
               <a:rPr lang="en-GB" smtClean="0"/>
-              <a:t>‹nº›</a:t>
+              <a:t>‹#›</a:t>
             </a:fld>
             <a:endParaRPr lang="en-GB"/>
           </a:p>
@@ -3760,7 +3761,7 @@
           <a:p>
             <a:fld id="{75DB3F52-068C-4339-9FA6-06F9AAEB3337}" type="slidenum">
               <a:rPr lang="en-GB" smtClean="0"/>
-              <a:t>‹nº›</a:t>
+              <a:t>‹#›</a:t>
             </a:fld>
             <a:endParaRPr lang="en-GB"/>
           </a:p>
@@ -13046,8 +13047,8 @@
         </p:nvSpPr>
         <p:spPr>
           <a:xfrm>
-            <a:off x="1566576" y="3226944"/>
-            <a:ext cx="1230548" cy="400110"/>
+            <a:off x="1541710" y="3244334"/>
+            <a:ext cx="1230548" cy="369332"/>
           </a:xfrm>
           <a:prstGeom prst="rect">
             <a:avLst/>
@@ -13062,10 +13063,10 @@
           <a:p>
             <a:pPr algn="ctr"/>
             <a:r>
-              <a:rPr lang="pt-PT" sz="2000" dirty="0" err="1"/>
+              <a:rPr lang="pt-PT" dirty="0" err="1"/>
               <a:t>Viewers</a:t>
             </a:r>
-            <a:endParaRPr lang="en-GB" sz="2000" dirty="0"/>
+            <a:endParaRPr lang="en-GB" dirty="0"/>
           </a:p>
         </p:txBody>
       </p:sp>
@@ -13083,8 +13084,8 @@
         </p:nvSpPr>
         <p:spPr>
           <a:xfrm>
-            <a:off x="3295444" y="3198167"/>
-            <a:ext cx="1458265" cy="400110"/>
+            <a:off x="3290047" y="3243948"/>
+            <a:ext cx="1458265" cy="369332"/>
           </a:xfrm>
           <a:prstGeom prst="rect">
             <a:avLst/>
@@ -13099,10 +13100,10 @@
           <a:p>
             <a:pPr algn="ctr"/>
             <a:r>
-              <a:rPr lang="pt-PT" sz="2000" dirty="0" err="1"/>
+              <a:rPr lang="pt-PT" dirty="0" err="1"/>
               <a:t>Streamers</a:t>
             </a:r>
-            <a:endParaRPr lang="en-GB" sz="2000" dirty="0"/>
+            <a:endParaRPr lang="en-GB" dirty="0"/>
           </a:p>
         </p:txBody>
       </p:sp>
@@ -13120,8 +13121,8 @@
         </p:nvSpPr>
         <p:spPr>
           <a:xfrm>
-            <a:off x="6976576" y="3215238"/>
-            <a:ext cx="1230547" cy="400110"/>
+            <a:off x="6978254" y="3249176"/>
+            <a:ext cx="1230547" cy="369332"/>
           </a:xfrm>
           <a:prstGeom prst="rect">
             <a:avLst/>
@@ -13136,10 +13137,10 @@
           <a:p>
             <a:pPr algn="ctr"/>
             <a:r>
-              <a:rPr lang="pt-PT" sz="2000" dirty="0" err="1"/>
+              <a:rPr lang="pt-PT" dirty="0" err="1"/>
               <a:t>Admin</a:t>
             </a:r>
-            <a:endParaRPr lang="en-GB" sz="2000" dirty="0"/>
+            <a:endParaRPr lang="en-GB" dirty="0"/>
           </a:p>
         </p:txBody>
       </p:sp>
@@ -13157,8 +13158,8 @@
         </p:nvSpPr>
         <p:spPr>
           <a:xfrm>
-            <a:off x="5252030" y="3198167"/>
-            <a:ext cx="1230548" cy="400110"/>
+            <a:off x="5255861" y="3249520"/>
+            <a:ext cx="1230548" cy="369332"/>
           </a:xfrm>
           <a:prstGeom prst="rect">
             <a:avLst/>
@@ -13173,10 +13174,10 @@
           <a:p>
             <a:pPr algn="ctr"/>
             <a:r>
-              <a:rPr lang="pt-PT" sz="2000" dirty="0" err="1"/>
+              <a:rPr lang="pt-PT" dirty="0" err="1"/>
               <a:t>Streams</a:t>
             </a:r>
-            <a:endParaRPr lang="en-GB" sz="2000" dirty="0"/>
+            <a:endParaRPr lang="en-GB" dirty="0"/>
           </a:p>
         </p:txBody>
       </p:sp>
@@ -13194,8 +13195,8 @@
         </p:nvSpPr>
         <p:spPr>
           <a:xfrm>
-            <a:off x="8531165" y="3215238"/>
-            <a:ext cx="2342148" cy="461665"/>
+            <a:off x="8152485" y="2972177"/>
+            <a:ext cx="3089410" cy="923330"/>
           </a:xfrm>
           <a:prstGeom prst="rect">
             <a:avLst/>
@@ -13208,19 +13209,26 @@
           </a:bodyPr>
           <a:lstStyle/>
           <a:p>
-            <a:r>
-              <a:rPr lang="pt-PT" sz="2000" dirty="0" err="1"/>
-              <a:t>Search</a:t>
-            </a:r>
-            <a:r>
-              <a:rPr lang="pt-PT" sz="2400" dirty="0"/>
-              <a:t> </a:t>
-            </a:r>
-            <a:r>
-              <a:rPr lang="pt-PT" sz="2000" dirty="0" err="1"/>
-              <a:t>Methods</a:t>
-            </a:r>
-            <a:endParaRPr lang="en-GB" sz="2000" dirty="0"/>
+            <a:pPr algn="ctr"/>
+            <a:r>
+              <a:rPr lang="pt-PT" dirty="0"/>
+              <a:t>Algoritmos de Pesquisa</a:t>
+            </a:r>
+          </a:p>
+          <a:p>
+            <a:pPr algn="ctr"/>
+            <a:r>
+              <a:rPr lang="pt-PT" dirty="0"/>
+              <a:t>Algoritmos de Ordenação</a:t>
+            </a:r>
+          </a:p>
+          <a:p>
+            <a:pPr algn="ctr"/>
+            <a:r>
+              <a:rPr lang="en-GB" dirty="0" err="1"/>
+              <a:t>Leaderboard</a:t>
+            </a:r>
+            <a:endParaRPr lang="en-GB" dirty="0"/>
           </a:p>
         </p:txBody>
       </p:sp>
@@ -13694,7 +13702,7 @@
                 </a:solidFill>
                 <a:latin typeface="Bahnschrift SemiLight" panose="020B0502040204020203" pitchFamily="34" charset="0"/>
               </a:rPr>
-              <a:t>Destaques</a:t>
+              <a:t>Destaque - Listagem</a:t>
             </a:r>
             <a:endParaRPr lang="en-GB" sz="8000" dirty="0">
               <a:solidFill>
@@ -13780,7 +13788,75 @@
                   <a:schemeClr val="tx1"/>
                 </a:solidFill>
               </a:rPr>
-              <a:t>Algoritmos de ordenação podem ser aplicados a vetores obtidos pelo passo anterior, obtendo várias listagens possiveis, ordenadas de maneiras diferentes, crescentes ou decrescentes. Ex: Likes, Views.</a:t>
+              <a:t>Chama-se a função de pesquisa respetiva com vetores dos parametros correspondentes. Se for enviado vetor vazio, aceita todos. Ex:</a:t>
+            </a:r>
+          </a:p>
+          <a:p>
+            <a:pPr lvl="2">
+              <a:buClr>
+                <a:srgbClr val="8C2D19"/>
+              </a:buClr>
+              <a:buFont typeface="Arial" panose="020B0604020202020204" pitchFamily="34" charset="0"/>
+              <a:buChar char="•"/>
+            </a:pPr>
+            <a:r>
+              <a:rPr lang="pt-PT" dirty="0">
+                <a:solidFill>
+                  <a:schemeClr val="tx1"/>
+                </a:solidFill>
+              </a:rPr>
+              <a:t>Enviar vetor de géneros com os valores gaming e cooking.</a:t>
+            </a:r>
+          </a:p>
+          <a:p>
+            <a:pPr lvl="2">
+              <a:buClr>
+                <a:srgbClr val="8C2D19"/>
+              </a:buClr>
+              <a:buFont typeface="Arial" panose="020B0604020202020204" pitchFamily="34" charset="0"/>
+              <a:buChar char="•"/>
+            </a:pPr>
+            <a:r>
+              <a:rPr lang="pt-PT" dirty="0">
+                <a:solidFill>
+                  <a:schemeClr val="tx1"/>
+                </a:solidFill>
+              </a:rPr>
+              <a:t>Enviar vetor de linguagens vazio.</a:t>
+            </a:r>
+          </a:p>
+          <a:p>
+            <a:pPr lvl="2">
+              <a:buClr>
+                <a:srgbClr val="8C2D19"/>
+              </a:buClr>
+              <a:buFont typeface="Arial" panose="020B0604020202020204" pitchFamily="34" charset="0"/>
+              <a:buChar char="•"/>
+            </a:pPr>
+            <a:r>
+              <a:rPr lang="pt-PT" dirty="0">
+                <a:solidFill>
+                  <a:schemeClr val="tx1"/>
+                </a:solidFill>
+              </a:rPr>
+              <a:t>Idade minima de 16 anos.</a:t>
+            </a:r>
+          </a:p>
+          <a:p>
+            <a:pPr lvl="2">
+              <a:buClr>
+                <a:srgbClr val="8C2D19"/>
+              </a:buClr>
+              <a:buFont typeface="Arial" panose="020B0604020202020204" pitchFamily="34" charset="0"/>
+              <a:buChar char="•"/>
+            </a:pPr>
+            <a:r>
+              <a:rPr lang="pt-PT" dirty="0">
+                <a:solidFill>
+                  <a:schemeClr val="tx1"/>
+                </a:solidFill>
+              </a:rPr>
+              <a:t>Resultado: Retorna vetor com todas as streams de qualquer linguagem, cujos géneros sejam ou gaming ou cooking, cuja idade mínima da stream seja superior ou igual a 16 anos.</a:t>
             </a:r>
           </a:p>
           <a:p>
@@ -13811,87 +13887,9 @@
                   <a:schemeClr val="tx1"/>
                 </a:solidFill>
               </a:rPr>
-              <a:t>Funcionalidade extra: Um visualizador pode seguir streamers e pedir uma lista das streams ativas correspondente aos streamers que segue.</a:t>
-            </a:r>
-          </a:p>
-          <a:p>
-            <a:pPr lvl="1">
-              <a:buClr>
-                <a:srgbClr val="8C2D19"/>
-              </a:buClr>
-              <a:buFont typeface="Arial" panose="020B0604020202020204" pitchFamily="34" charset="0"/>
-              <a:buChar char="•"/>
-            </a:pPr>
-            <a:endParaRPr lang="pt-PT" dirty="0">
-              <a:solidFill>
-                <a:schemeClr val="tx1"/>
-              </a:solidFill>
-            </a:endParaRPr>
-          </a:p>
-          <a:p>
-            <a:pPr lvl="1">
-              <a:buClr>
-                <a:srgbClr val="8C2D19"/>
-              </a:buClr>
-              <a:buFont typeface="Arial" panose="020B0604020202020204" pitchFamily="34" charset="0"/>
-              <a:buChar char="•"/>
-            </a:pPr>
-            <a:r>
-              <a:rPr lang="pt-PT" dirty="0">
-                <a:solidFill>
-                  <a:schemeClr val="tx1"/>
-                </a:solidFill>
-              </a:rPr>
-              <a:t>Testes com auxilio à </a:t>
-            </a:r>
-            <a:r>
-              <a:rPr lang="pt-PT" dirty="0" err="1">
-                <a:solidFill>
-                  <a:schemeClr val="tx1"/>
-                </a:solidFill>
-              </a:rPr>
-              <a:t>library</a:t>
-            </a:r>
-            <a:r>
-              <a:rPr lang="pt-PT" dirty="0">
-                <a:solidFill>
-                  <a:schemeClr val="tx1"/>
-                </a:solidFill>
-              </a:rPr>
-              <a:t> Google </a:t>
-            </a:r>
-            <a:r>
-              <a:rPr lang="pt-PT" dirty="0" err="1">
-                <a:solidFill>
-                  <a:schemeClr val="tx1"/>
-                </a:solidFill>
-              </a:rPr>
-              <a:t>Tests</a:t>
-            </a:r>
-            <a:r>
-              <a:rPr lang="pt-PT" dirty="0">
-                <a:solidFill>
-                  <a:schemeClr val="tx1"/>
-                </a:solidFill>
-              </a:rPr>
-              <a:t> para assegurar a qualidade e a robustez do código.</a:t>
-            </a:r>
-          </a:p>
-          <a:p>
-            <a:pPr marL="0" indent="0">
-              <a:buNone/>
-            </a:pPr>
+              <a:t>Algoritmos de ordenação podem ser aplicados a vetores obtidos pelo passo anterior, obtendo várias listagens possiveis, ordenadas de maneiras diferentes, crescentes ou decrescentes. Ex: Likes, Views.</a:t>
+            </a:r>
             <a:endParaRPr lang="pt-PT" dirty="0"/>
-          </a:p>
-          <a:p>
-            <a:pPr marL="0" indent="0">
-              <a:buNone/>
-            </a:pPr>
-            <a:r>
-              <a:rPr lang="pt-PT" dirty="0"/>
-              <a:t> </a:t>
-            </a:r>
-            <a:endParaRPr lang="en-GB" dirty="0"/>
           </a:p>
         </p:txBody>
       </p:sp>
@@ -14065,7 +14063,7 @@
           <p:cNvPr id="2" name="Título 1">
             <a:extLst>
               <a:ext uri="{FF2B5EF4-FFF2-40B4-BE49-F238E27FC236}">
-                <a16:creationId xmlns:a16="http://schemas.microsoft.com/office/drawing/2014/main" id="{946B05BC-BE14-4CEB-A649-38C2D6E132C4}"/>
+                <a16:creationId xmlns:a16="http://schemas.microsoft.com/office/drawing/2014/main" id="{B6E269CC-F3EC-43ED-BC98-FCEA20CEA90D}"/>
               </a:ext>
             </a:extLst>
           </p:cNvPr>
@@ -14092,7 +14090,7 @@
                 </a:solidFill>
                 <a:latin typeface="Bahnschrift SemiLight" panose="020B0502040204020203" pitchFamily="34" charset="0"/>
               </a:rPr>
-              <a:t>Dificuldades</a:t>
+              <a:t>Observações</a:t>
             </a:r>
             <a:endParaRPr lang="en-GB" sz="8000" dirty="0">
               <a:solidFill>
@@ -14106,12 +14104,137 @@
           </a:p>
         </p:txBody>
       </p:sp>
+      <p:sp>
+        <p:nvSpPr>
+          <p:cNvPr id="3" name="Marcador de Posição de Conteúdo 2">
+            <a:extLst>
+              <a:ext uri="{FF2B5EF4-FFF2-40B4-BE49-F238E27FC236}">
+                <a16:creationId xmlns:a16="http://schemas.microsoft.com/office/drawing/2014/main" id="{B3B74F31-20FC-4247-9C66-D428333967A4}"/>
+              </a:ext>
+            </a:extLst>
+          </p:cNvPr>
+          <p:cNvSpPr>
+            <a:spLocks noGrp="1"/>
+          </p:cNvSpPr>
+          <p:nvPr>
+            <p:ph idx="1"/>
+          </p:nvPr>
+        </p:nvSpPr>
+        <p:spPr>
+          <a:xfrm>
+            <a:off x="1097280" y="2245229"/>
+            <a:ext cx="10058400" cy="4004649"/>
+          </a:xfrm>
+        </p:spPr>
+        <p:txBody>
+          <a:bodyPr>
+            <a:normAutofit/>
+          </a:bodyPr>
+          <a:lstStyle/>
+          <a:p>
+            <a:pPr lvl="1">
+              <a:buClr>
+                <a:srgbClr val="8C2D19"/>
+              </a:buClr>
+              <a:buFont typeface="Arial" panose="020B0604020202020204" pitchFamily="34" charset="0"/>
+              <a:buChar char="•"/>
+            </a:pPr>
+            <a:r>
+              <a:rPr lang="pt-PT" dirty="0">
+                <a:solidFill>
+                  <a:schemeClr val="tx1"/>
+                </a:solidFill>
+              </a:rPr>
+              <a:t>Funcionalidade extra: Um visualizador pode seguir streamers e pedir uma lista das streams ativas correspondente aos streamers que segue.</a:t>
+            </a:r>
+          </a:p>
+          <a:p>
+            <a:pPr lvl="1">
+              <a:buClr>
+                <a:srgbClr val="8C2D19"/>
+              </a:buClr>
+              <a:buFont typeface="Arial" panose="020B0604020202020204" pitchFamily="34" charset="0"/>
+              <a:buChar char="•"/>
+            </a:pPr>
+            <a:endParaRPr lang="pt-PT" dirty="0">
+              <a:solidFill>
+                <a:schemeClr val="tx1"/>
+              </a:solidFill>
+            </a:endParaRPr>
+          </a:p>
+          <a:p>
+            <a:pPr lvl="1">
+              <a:buClr>
+                <a:srgbClr val="8C2D19"/>
+              </a:buClr>
+              <a:buFont typeface="Arial" panose="020B0604020202020204" pitchFamily="34" charset="0"/>
+              <a:buChar char="•"/>
+            </a:pPr>
+            <a:r>
+              <a:rPr lang="pt-PT" dirty="0">
+                <a:solidFill>
+                  <a:schemeClr val="tx1"/>
+                </a:solidFill>
+              </a:rPr>
+              <a:t>Testes com auxilio à </a:t>
+            </a:r>
+            <a:r>
+              <a:rPr lang="pt-PT" dirty="0" err="1">
+                <a:solidFill>
+                  <a:schemeClr val="tx1"/>
+                </a:solidFill>
+              </a:rPr>
+              <a:t>library</a:t>
+            </a:r>
+            <a:r>
+              <a:rPr lang="pt-PT" dirty="0">
+                <a:solidFill>
+                  <a:schemeClr val="tx1"/>
+                </a:solidFill>
+              </a:rPr>
+              <a:t> Google </a:t>
+            </a:r>
+            <a:r>
+              <a:rPr lang="pt-PT" dirty="0" err="1">
+                <a:solidFill>
+                  <a:schemeClr val="tx1"/>
+                </a:solidFill>
+              </a:rPr>
+              <a:t>Tests</a:t>
+            </a:r>
+            <a:r>
+              <a:rPr lang="pt-PT" dirty="0">
+                <a:solidFill>
+                  <a:schemeClr val="tx1"/>
+                </a:solidFill>
+              </a:rPr>
+              <a:t> para assegurar a qualidade e a robustez do código.</a:t>
+            </a:r>
+          </a:p>
+          <a:p>
+            <a:pPr marL="0" indent="0">
+              <a:buNone/>
+            </a:pPr>
+            <a:endParaRPr lang="pt-PT" dirty="0"/>
+          </a:p>
+          <a:p>
+            <a:pPr marL="0" indent="0">
+              <a:buNone/>
+            </a:pPr>
+            <a:r>
+              <a:rPr lang="pt-PT" dirty="0"/>
+              <a:t> </a:t>
+            </a:r>
+            <a:endParaRPr lang="en-GB" dirty="0"/>
+          </a:p>
+        </p:txBody>
+      </p:sp>
       <p:cxnSp>
         <p:nvCxnSpPr>
           <p:cNvPr id="5" name="Conexão reta 4">
             <a:extLst>
               <a:ext uri="{FF2B5EF4-FFF2-40B4-BE49-F238E27FC236}">
-                <a16:creationId xmlns:a16="http://schemas.microsoft.com/office/drawing/2014/main" id="{16A9EEAE-A5F8-447C-BF75-DBD85C985356}"/>
+                <a16:creationId xmlns:a16="http://schemas.microsoft.com/office/drawing/2014/main" id="{D1B427FC-FECB-4AD9-947A-AE1CD8E8E0E9}"/>
               </a:ext>
             </a:extLst>
           </p:cNvPr>
@@ -14154,7 +14277,7 @@
           <p:cNvPr id="4" name="Marcador de Posição do Rodapé 3">
             <a:extLst>
               <a:ext uri="{FF2B5EF4-FFF2-40B4-BE49-F238E27FC236}">
-                <a16:creationId xmlns:a16="http://schemas.microsoft.com/office/drawing/2014/main" id="{24CC6F16-34DD-4EDA-ADE0-808E5F2B8EED}"/>
+                <a16:creationId xmlns:a16="http://schemas.microsoft.com/office/drawing/2014/main" id="{2E6D09DD-1E47-4A67-AB57-535BA57CB1EF}"/>
               </a:ext>
             </a:extLst>
           </p:cNvPr>
@@ -14182,7 +14305,7 @@
           <p:cNvPr id="6" name="Marcador de Posição do Número do Diapositivo 5">
             <a:extLst>
               <a:ext uri="{FF2B5EF4-FFF2-40B4-BE49-F238E27FC236}">
-                <a16:creationId xmlns:a16="http://schemas.microsoft.com/office/drawing/2014/main" id="{98D93093-7413-457A-B787-19C4B19AA2B9}"/>
+                <a16:creationId xmlns:a16="http://schemas.microsoft.com/office/drawing/2014/main" id="{A6038915-9563-428D-88A8-7720015CFAC0}"/>
               </a:ext>
             </a:extLst>
           </p:cNvPr>
@@ -14201,6 +14324,217 @@
             <a:fld id="{75DB3F52-068C-4339-9FA6-06F9AAEB3337}" type="slidenum">
               <a:rPr lang="en-GB" sz="2400"/>
               <a:t>21</a:t>
+            </a:fld>
+            <a:endParaRPr lang="en-GB" sz="2400" dirty="0"/>
+          </a:p>
+        </p:txBody>
+      </p:sp>
+      <p:pic>
+        <p:nvPicPr>
+          <p:cNvPr id="7" name="Imagem 6">
+            <a:extLst>
+              <a:ext uri="{FF2B5EF4-FFF2-40B4-BE49-F238E27FC236}">
+                <a16:creationId xmlns:a16="http://schemas.microsoft.com/office/drawing/2014/main" id="{95C51A54-AF96-43E2-9C50-EFB3428A2FB4}"/>
+              </a:ext>
+            </a:extLst>
+          </p:cNvPr>
+          <p:cNvPicPr>
+            <a:picLocks noChangeAspect="1"/>
+          </p:cNvPicPr>
+          <p:nvPr/>
+        </p:nvPicPr>
+        <p:blipFill rotWithShape="1">
+          <a:blip r:embed="rId2">
+            <a:extLst>
+              <a:ext uri="{28A0092B-C50C-407E-A947-70E740481C1C}">
+                <a14:useLocalDpi xmlns:a14="http://schemas.microsoft.com/office/drawing/2010/main" val="0"/>
+              </a:ext>
+            </a:extLst>
+          </a:blip>
+          <a:srcRect r="39904"/>
+          <a:stretch/>
+        </p:blipFill>
+        <p:spPr>
+          <a:xfrm>
+            <a:off x="1097280" y="6500189"/>
+            <a:ext cx="1406360" cy="312685"/>
+          </a:xfrm>
+          <a:prstGeom prst="rect">
+            <a:avLst/>
+          </a:prstGeom>
+        </p:spPr>
+      </p:pic>
+    </p:spTree>
+    <p:extLst>
+      <p:ext uri="{BB962C8B-B14F-4D97-AF65-F5344CB8AC3E}">
+        <p14:creationId xmlns:p14="http://schemas.microsoft.com/office/powerpoint/2010/main" val="1899299684"/>
+      </p:ext>
+    </p:extLst>
+  </p:cSld>
+  <p:clrMapOvr>
+    <a:masterClrMapping/>
+  </p:clrMapOvr>
+</p:sld>
+</file>
+
+<file path=ppt/slides/slide22.xml><?xml version="1.0" encoding="utf-8"?>
+<p:sld xmlns:a="http://schemas.openxmlformats.org/drawingml/2006/main" xmlns:r="http://schemas.openxmlformats.org/officeDocument/2006/relationships" xmlns:p="http://schemas.openxmlformats.org/presentationml/2006/main">
+  <p:cSld>
+    <p:spTree>
+      <p:nvGrpSpPr>
+        <p:cNvPr id="1" name=""/>
+        <p:cNvGrpSpPr/>
+        <p:nvPr/>
+      </p:nvGrpSpPr>
+      <p:grpSpPr>
+        <a:xfrm>
+          <a:off x="0" y="0"/>
+          <a:ext cx="0" cy="0"/>
+          <a:chOff x="0" y="0"/>
+          <a:chExt cx="0" cy="0"/>
+        </a:xfrm>
+      </p:grpSpPr>
+      <p:sp>
+        <p:nvSpPr>
+          <p:cNvPr id="2" name="Título 1">
+            <a:extLst>
+              <a:ext uri="{FF2B5EF4-FFF2-40B4-BE49-F238E27FC236}">
+                <a16:creationId xmlns:a16="http://schemas.microsoft.com/office/drawing/2014/main" id="{946B05BC-BE14-4CEB-A649-38C2D6E132C4}"/>
+              </a:ext>
+            </a:extLst>
+          </p:cNvPr>
+          <p:cNvSpPr>
+            <a:spLocks noGrp="1"/>
+          </p:cNvSpPr>
+          <p:nvPr>
+            <p:ph type="title"/>
+          </p:nvPr>
+        </p:nvSpPr>
+        <p:spPr/>
+        <p:txBody>
+          <a:bodyPr/>
+          <a:lstStyle/>
+          <a:p>
+            <a:pPr algn="ctr"/>
+            <a:r>
+              <a:rPr lang="pt-PT" sz="8000" dirty="0">
+                <a:solidFill>
+                  <a:schemeClr val="tx1">
+                    <a:lumMod val="85000"/>
+                    <a:lumOff val="15000"/>
+                  </a:schemeClr>
+                </a:solidFill>
+                <a:latin typeface="Bahnschrift SemiLight" panose="020B0502040204020203" pitchFamily="34" charset="0"/>
+              </a:rPr>
+              <a:t>Dificuldades</a:t>
+            </a:r>
+            <a:endParaRPr lang="en-GB" sz="8000" dirty="0">
+              <a:solidFill>
+                <a:schemeClr val="tx1">
+                  <a:lumMod val="85000"/>
+                  <a:lumOff val="15000"/>
+                </a:schemeClr>
+              </a:solidFill>
+              <a:latin typeface="Bahnschrift SemiLight" panose="020B0502040204020203" pitchFamily="34" charset="0"/>
+            </a:endParaRPr>
+          </a:p>
+        </p:txBody>
+      </p:sp>
+      <p:cxnSp>
+        <p:nvCxnSpPr>
+          <p:cNvPr id="5" name="Conexão reta 4">
+            <a:extLst>
+              <a:ext uri="{FF2B5EF4-FFF2-40B4-BE49-F238E27FC236}">
+                <a16:creationId xmlns:a16="http://schemas.microsoft.com/office/drawing/2014/main" id="{16A9EEAE-A5F8-447C-BF75-DBD85C985356}"/>
+              </a:ext>
+            </a:extLst>
+          </p:cNvPr>
+          <p:cNvCxnSpPr>
+            <a:cxnSpLocks/>
+          </p:cNvCxnSpPr>
+          <p:nvPr/>
+        </p:nvCxnSpPr>
+        <p:spPr>
+          <a:xfrm flipH="1">
+            <a:off x="1097280" y="1737360"/>
+            <a:ext cx="10239504" cy="0"/>
+          </a:xfrm>
+          <a:prstGeom prst="line">
+            <a:avLst/>
+          </a:prstGeom>
+          <a:ln>
+            <a:solidFill>
+              <a:srgbClr val="8C2D19"/>
+            </a:solidFill>
+          </a:ln>
+        </p:spPr>
+        <p:style>
+          <a:lnRef idx="1">
+            <a:schemeClr val="accent1"/>
+          </a:lnRef>
+          <a:fillRef idx="0">
+            <a:schemeClr val="accent1"/>
+          </a:fillRef>
+          <a:effectRef idx="0">
+            <a:schemeClr val="accent1"/>
+          </a:effectRef>
+          <a:fontRef idx="minor">
+            <a:schemeClr val="tx1"/>
+          </a:fontRef>
+        </p:style>
+      </p:cxnSp>
+      <p:sp>
+        <p:nvSpPr>
+          <p:cNvPr id="4" name="Marcador de Posição do Rodapé 3">
+            <a:extLst>
+              <a:ext uri="{FF2B5EF4-FFF2-40B4-BE49-F238E27FC236}">
+                <a16:creationId xmlns:a16="http://schemas.microsoft.com/office/drawing/2014/main" id="{24CC6F16-34DD-4EDA-ADE0-808E5F2B8EED}"/>
+              </a:ext>
+            </a:extLst>
+          </p:cNvPr>
+          <p:cNvSpPr>
+            <a:spLocks noGrp="1"/>
+          </p:cNvSpPr>
+          <p:nvPr>
+            <p:ph type="ftr" sz="quarter" idx="11"/>
+          </p:nvPr>
+        </p:nvSpPr>
+        <p:spPr/>
+        <p:txBody>
+          <a:bodyPr/>
+          <a:lstStyle/>
+          <a:p>
+            <a:r>
+              <a:rPr lang="en-GB" sz="2400" b="1" dirty="0"/>
+              <a:t>2MIEIC04_G1</a:t>
+            </a:r>
+          </a:p>
+        </p:txBody>
+      </p:sp>
+      <p:sp>
+        <p:nvSpPr>
+          <p:cNvPr id="6" name="Marcador de Posição do Número do Diapositivo 5">
+            <a:extLst>
+              <a:ext uri="{FF2B5EF4-FFF2-40B4-BE49-F238E27FC236}">
+                <a16:creationId xmlns:a16="http://schemas.microsoft.com/office/drawing/2014/main" id="{98D93093-7413-457A-B787-19C4B19AA2B9}"/>
+              </a:ext>
+            </a:extLst>
+          </p:cNvPr>
+          <p:cNvSpPr>
+            <a:spLocks noGrp="1"/>
+          </p:cNvSpPr>
+          <p:nvPr>
+            <p:ph type="sldNum" sz="quarter" idx="12"/>
+          </p:nvPr>
+        </p:nvSpPr>
+        <p:spPr/>
+        <p:txBody>
+          <a:bodyPr/>
+          <a:lstStyle/>
+          <a:p>
+            <a:fld id="{75DB3F52-068C-4339-9FA6-06F9AAEB3337}" type="slidenum">
+              <a:rPr lang="en-GB" sz="2400"/>
+              <a:t>22</a:t>
             </a:fld>
             <a:endParaRPr lang="en-GB" sz="2400" dirty="0"/>
           </a:p>

--- a/StreamZ_Apresentation4.pptx
+++ b/StreamZ_Apresentation4.pptx
@@ -17,7 +17,7 @@
     <p:sldId id="273" r:id="rId8"/>
     <p:sldId id="274" r:id="rId9"/>
     <p:sldId id="275" r:id="rId10"/>
-    <p:sldId id="276" r:id="rId11"/>
+    <p:sldId id="281" r:id="rId11"/>
     <p:sldId id="260" r:id="rId12"/>
     <p:sldId id="268" r:id="rId13"/>
     <p:sldId id="261" r:id="rId14"/>
@@ -377,7 +377,7 @@
           <a:p>
             <a:fld id="{B3BE95CB-A87E-409C-9CB9-073D81AF8FD7}" type="slidenum">
               <a:rPr lang="en-GB" smtClean="0"/>
-              <a:t>‹#›</a:t>
+              <a:t>‹nº›</a:t>
             </a:fld>
             <a:endParaRPr lang="en-GB"/>
           </a:p>
@@ -759,7 +759,7 @@
           <a:p>
             <a:fld id="{75DB3F52-068C-4339-9FA6-06F9AAEB3337}" type="slidenum">
               <a:rPr lang="en-GB" smtClean="0"/>
-              <a:t>‹#›</a:t>
+              <a:t>‹nº›</a:t>
             </a:fld>
             <a:endParaRPr lang="en-GB"/>
           </a:p>
@@ -970,7 +970,7 @@
           <a:p>
             <a:fld id="{75DB3F52-068C-4339-9FA6-06F9AAEB3337}" type="slidenum">
               <a:rPr lang="en-GB" smtClean="0"/>
-              <a:t>‹#›</a:t>
+              <a:t>‹nº›</a:t>
             </a:fld>
             <a:endParaRPr lang="en-GB"/>
           </a:p>
@@ -1231,7 +1231,7 @@
           <a:p>
             <a:fld id="{75DB3F52-068C-4339-9FA6-06F9AAEB3337}" type="slidenum">
               <a:rPr lang="en-GB" smtClean="0"/>
-              <a:t>‹#›</a:t>
+              <a:t>‹nº›</a:t>
             </a:fld>
             <a:endParaRPr lang="en-GB"/>
           </a:p>
@@ -1404,7 +1404,7 @@
           <a:p>
             <a:fld id="{75DB3F52-068C-4339-9FA6-06F9AAEB3337}" type="slidenum">
               <a:rPr lang="en-GB" smtClean="0"/>
-              <a:t>‹#›</a:t>
+              <a:t>‹nº›</a:t>
             </a:fld>
             <a:endParaRPr lang="en-GB"/>
           </a:p>
@@ -1744,7 +1744,7 @@
           <a:p>
             <a:fld id="{75DB3F52-068C-4339-9FA6-06F9AAEB3337}" type="slidenum">
               <a:rPr lang="en-GB" smtClean="0"/>
-              <a:t>‹#›</a:t>
+              <a:t>‹nº›</a:t>
             </a:fld>
             <a:endParaRPr lang="en-GB"/>
           </a:p>
@@ -2022,7 +2022,7 @@
           <a:p>
             <a:fld id="{75DB3F52-068C-4339-9FA6-06F9AAEB3337}" type="slidenum">
               <a:rPr lang="en-GB" smtClean="0"/>
-              <a:t>‹#›</a:t>
+              <a:t>‹nº›</a:t>
             </a:fld>
             <a:endParaRPr lang="en-GB"/>
           </a:p>
@@ -2408,7 +2408,7 @@
           <a:p>
             <a:fld id="{75DB3F52-068C-4339-9FA6-06F9AAEB3337}" type="slidenum">
               <a:rPr lang="en-GB" smtClean="0"/>
-              <a:t>‹#›</a:t>
+              <a:t>‹nº›</a:t>
             </a:fld>
             <a:endParaRPr lang="en-GB"/>
           </a:p>
@@ -2529,7 +2529,7 @@
           <a:p>
             <a:fld id="{75DB3F52-068C-4339-9FA6-06F9AAEB3337}" type="slidenum">
               <a:rPr lang="en-GB" smtClean="0"/>
-              <a:t>‹#›</a:t>
+              <a:t>‹nº›</a:t>
             </a:fld>
             <a:endParaRPr lang="en-GB"/>
           </a:p>
@@ -2713,7 +2713,7 @@
           <a:p>
             <a:fld id="{75DB3F52-068C-4339-9FA6-06F9AAEB3337}" type="slidenum">
               <a:rPr lang="en-GB" smtClean="0"/>
-              <a:t>‹#›</a:t>
+              <a:t>‹nº›</a:t>
             </a:fld>
             <a:endParaRPr lang="en-GB"/>
           </a:p>
@@ -3085,7 +3085,7 @@
           <a:p>
             <a:fld id="{75DB3F52-068C-4339-9FA6-06F9AAEB3337}" type="slidenum">
               <a:rPr lang="en-GB" smtClean="0"/>
-              <a:t>‹#›</a:t>
+              <a:t>‹nº›</a:t>
             </a:fld>
             <a:endParaRPr lang="en-GB"/>
           </a:p>
@@ -3431,7 +3431,7 @@
           <a:p>
             <a:fld id="{75DB3F52-068C-4339-9FA6-06F9AAEB3337}" type="slidenum">
               <a:rPr lang="en-GB" smtClean="0"/>
-              <a:t>‹#›</a:t>
+              <a:t>‹nº›</a:t>
             </a:fld>
             <a:endParaRPr lang="en-GB"/>
           </a:p>
@@ -3761,7 +3761,7 @@
           <a:p>
             <a:fld id="{75DB3F52-068C-4339-9FA6-06F9AAEB3337}" type="slidenum">
               <a:rPr lang="en-GB" smtClean="0"/>
-              <a:t>‹#›</a:t>
+              <a:t>‹nº›</a:t>
             </a:fld>
             <a:endParaRPr lang="en-GB"/>
           </a:p>
@@ -4313,13 +4313,12 @@
           <a:p>
             <a:pPr algn="r"/>
             <a:r>
-              <a:rPr lang="en-US" b="0" i="0" u="none" strike="noStrike" dirty="0" err="1">
-                <a:effectLst/>
+              <a:rPr lang="en-US" sz="6600" dirty="0" err="1">
                 <a:latin typeface="Bahnschrift SemiLight" panose="020B0502040204020203" pitchFamily="34" charset="0"/>
               </a:rPr>
               <a:t>StreamZ</a:t>
             </a:r>
-            <a:endParaRPr lang="en-US" dirty="0">
+            <a:endParaRPr lang="en-US" sz="6600" dirty="0">
               <a:latin typeface="Bahnschrift SemiLight" panose="020B0502040204020203" pitchFamily="34" charset="0"/>
             </a:endParaRPr>
           </a:p>
@@ -4707,10 +4706,10 @@
       </p:grpSpPr>
       <p:sp>
         <p:nvSpPr>
-          <p:cNvPr id="6" name="Título 1">
-            <a:extLst>
-              <a:ext uri="{FF2B5EF4-FFF2-40B4-BE49-F238E27FC236}">
-                <a16:creationId xmlns:a16="http://schemas.microsoft.com/office/drawing/2014/main" id="{6600F2F8-8031-46A5-BA58-84B3D61DFDC0}"/>
+          <p:cNvPr id="4" name="Marcador de Posição do Rodapé 3">
+            <a:extLst>
+              <a:ext uri="{FF2B5EF4-FFF2-40B4-BE49-F238E27FC236}">
+                <a16:creationId xmlns:a16="http://schemas.microsoft.com/office/drawing/2014/main" id="{92ECEAD9-CB4D-4494-958D-A6F61B9192D5}"/>
               </a:ext>
             </a:extLst>
           </p:cNvPr>
@@ -4718,41 +4717,47 @@
             <a:spLocks noGrp="1"/>
           </p:cNvSpPr>
           <p:nvPr>
-            <p:ph type="title"/>
+            <p:ph type="ftr" sz="quarter" idx="11"/>
           </p:nvPr>
         </p:nvSpPr>
-        <p:spPr>
-          <a:xfrm>
-            <a:off x="1097280" y="286603"/>
-            <a:ext cx="10058400" cy="1450757"/>
-          </a:xfrm>
-        </p:spPr>
+        <p:spPr/>
         <p:txBody>
           <a:bodyPr/>
           <a:lstStyle/>
           <a:p>
-            <a:pPr algn="ctr"/>
-            <a:r>
-              <a:rPr lang="pt-PT" sz="8000" dirty="0">
-                <a:solidFill>
-                  <a:schemeClr val="tx1">
-                    <a:lumMod val="85000"/>
-                    <a:lumOff val="15000"/>
-                  </a:schemeClr>
-                </a:solidFill>
-                <a:latin typeface="Bahnschrift SemiLight" panose="020B0502040204020203" pitchFamily="34" charset="0"/>
-              </a:rPr>
-              <a:t>Diagrama de Classes</a:t>
-            </a:r>
-            <a:endParaRPr lang="en-GB" sz="8000" dirty="0">
-              <a:solidFill>
-                <a:schemeClr val="tx1">
-                  <a:lumMod val="85000"/>
-                  <a:lumOff val="15000"/>
-                </a:schemeClr>
-              </a:solidFill>
-              <a:latin typeface="Bahnschrift SemiLight" panose="020B0502040204020203" pitchFamily="34" charset="0"/>
-            </a:endParaRPr>
+            <a:r>
+              <a:rPr lang="en-GB"/>
+              <a:t>2MIEIC04_G1</a:t>
+            </a:r>
+          </a:p>
+        </p:txBody>
+      </p:sp>
+      <p:sp>
+        <p:nvSpPr>
+          <p:cNvPr id="5" name="Marcador de Posição do Número do Diapositivo 4">
+            <a:extLst>
+              <a:ext uri="{FF2B5EF4-FFF2-40B4-BE49-F238E27FC236}">
+                <a16:creationId xmlns:a16="http://schemas.microsoft.com/office/drawing/2014/main" id="{F4F20C73-45C7-4903-8356-A2DC07CAC95D}"/>
+              </a:ext>
+            </a:extLst>
+          </p:cNvPr>
+          <p:cNvSpPr>
+            <a:spLocks noGrp="1"/>
+          </p:cNvSpPr>
+          <p:nvPr>
+            <p:ph type="sldNum" sz="quarter" idx="12"/>
+          </p:nvPr>
+        </p:nvSpPr>
+        <p:spPr/>
+        <p:txBody>
+          <a:bodyPr/>
+          <a:lstStyle/>
+          <a:p>
+            <a:fld id="{75DB3F52-068C-4339-9FA6-06F9AAEB3337}" type="slidenum">
+              <a:rPr lang="en-GB" smtClean="0"/>
+              <a:t>10</a:t>
+            </a:fld>
+            <a:endParaRPr lang="en-GB"/>
           </a:p>
         </p:txBody>
       </p:sp>
@@ -4761,7 +4766,7 @@
           <p:cNvPr id="7" name="Conexão reta 6">
             <a:extLst>
               <a:ext uri="{FF2B5EF4-FFF2-40B4-BE49-F238E27FC236}">
-                <a16:creationId xmlns:a16="http://schemas.microsoft.com/office/drawing/2014/main" id="{49B6947A-B850-48F3-A352-72DF7C52FEE2}"/>
+                <a16:creationId xmlns:a16="http://schemas.microsoft.com/office/drawing/2014/main" id="{786DCDD5-2D64-46EF-9B63-DD013BF9C6AB}"/>
               </a:ext>
             </a:extLst>
           </p:cNvPr>
@@ -4771,16 +4776,16 @@
           <p:nvPr/>
         </p:nvCxnSpPr>
         <p:spPr>
-          <a:xfrm flipH="1">
-            <a:off x="1097280" y="1737360"/>
-            <a:ext cx="10239504" cy="0"/>
+          <a:xfrm>
+            <a:off x="754602" y="1740023"/>
+            <a:ext cx="10457881" cy="0"/>
           </a:xfrm>
           <a:prstGeom prst="line">
             <a:avLst/>
           </a:prstGeom>
           <a:ln>
             <a:solidFill>
-              <a:srgbClr val="8C2D19"/>
+              <a:srgbClr val="404040"/>
             </a:solidFill>
           </a:ln>
         </p:spPr>
@@ -4799,79 +4804,12 @@
           </a:fontRef>
         </p:style>
       </p:cxnSp>
-      <p:sp>
-        <p:nvSpPr>
-          <p:cNvPr id="8" name="Marcador de Posição do Rodapé 3">
-            <a:extLst>
-              <a:ext uri="{FF2B5EF4-FFF2-40B4-BE49-F238E27FC236}">
-                <a16:creationId xmlns:a16="http://schemas.microsoft.com/office/drawing/2014/main" id="{C2379E68-135F-47BD-8985-3E4163888A17}"/>
-              </a:ext>
-            </a:extLst>
-          </p:cNvPr>
-          <p:cNvSpPr>
-            <a:spLocks noGrp="1"/>
-          </p:cNvSpPr>
-          <p:nvPr>
-            <p:ph type="ftr" sz="quarter" idx="11"/>
-          </p:nvPr>
-        </p:nvSpPr>
-        <p:spPr>
-          <a:xfrm>
-            <a:off x="3686185" y="6459785"/>
-            <a:ext cx="4822804" cy="365125"/>
-          </a:xfrm>
-        </p:spPr>
-        <p:txBody>
-          <a:bodyPr/>
-          <a:lstStyle/>
-          <a:p>
-            <a:r>
-              <a:rPr lang="en-GB" sz="2400" b="1" dirty="0"/>
-              <a:t>2MIEIC04_G1</a:t>
-            </a:r>
-          </a:p>
-        </p:txBody>
-      </p:sp>
-      <p:sp>
-        <p:nvSpPr>
-          <p:cNvPr id="9" name="Marcador de Posição do Número do Diapositivo 5">
-            <a:extLst>
-              <a:ext uri="{FF2B5EF4-FFF2-40B4-BE49-F238E27FC236}">
-                <a16:creationId xmlns:a16="http://schemas.microsoft.com/office/drawing/2014/main" id="{4DCE72F6-4FEC-4CB2-BD94-7847AACA0EC5}"/>
-              </a:ext>
-            </a:extLst>
-          </p:cNvPr>
-          <p:cNvSpPr>
-            <a:spLocks noGrp="1"/>
-          </p:cNvSpPr>
-          <p:nvPr>
-            <p:ph type="sldNum" sz="quarter" idx="12"/>
-          </p:nvPr>
-        </p:nvSpPr>
-        <p:spPr>
-          <a:xfrm>
-            <a:off x="9900458" y="6459785"/>
-            <a:ext cx="1312025" cy="365125"/>
-          </a:xfrm>
-        </p:spPr>
-        <p:txBody>
-          <a:bodyPr/>
-          <a:lstStyle/>
-          <a:p>
-            <a:fld id="{75DB3F52-068C-4339-9FA6-06F9AAEB3337}" type="slidenum">
-              <a:rPr lang="en-GB" sz="2400"/>
-              <a:t>10</a:t>
-            </a:fld>
-            <a:endParaRPr lang="en-GB" sz="2400" dirty="0"/>
-          </a:p>
-        </p:txBody>
-      </p:sp>
       <p:pic>
         <p:nvPicPr>
-          <p:cNvPr id="10" name="Imagem 9">
-            <a:extLst>
-              <a:ext uri="{FF2B5EF4-FFF2-40B4-BE49-F238E27FC236}">
-                <a16:creationId xmlns:a16="http://schemas.microsoft.com/office/drawing/2014/main" id="{8A016507-4C69-426B-AF88-B1F8BB274861}"/>
+          <p:cNvPr id="6" name="Imagem 5">
+            <a:extLst>
+              <a:ext uri="{FF2B5EF4-FFF2-40B4-BE49-F238E27FC236}">
+                <a16:creationId xmlns:a16="http://schemas.microsoft.com/office/drawing/2014/main" id="{0A8C16AD-9CCA-43C0-8763-7412B2489C93}"/>
               </a:ext>
             </a:extLst>
           </p:cNvPr>
@@ -4880,86 +4818,15 @@
           </p:cNvPicPr>
           <p:nvPr/>
         </p:nvPicPr>
-        <p:blipFill rotWithShape="1">
-          <a:blip r:embed="rId2">
-            <a:extLst>
-              <a:ext uri="{28A0092B-C50C-407E-A947-70E740481C1C}">
-                <a14:useLocalDpi xmlns:a14="http://schemas.microsoft.com/office/drawing/2010/main" val="0"/>
-              </a:ext>
-            </a:extLst>
-          </a:blip>
-          <a:srcRect r="39904"/>
-          <a:stretch/>
-        </p:blipFill>
-        <p:spPr>
-          <a:xfrm>
-            <a:off x="1097280" y="6500189"/>
-            <a:ext cx="1406360" cy="312685"/>
-          </a:xfrm>
-          <a:prstGeom prst="rect">
-            <a:avLst/>
-          </a:prstGeom>
-        </p:spPr>
-      </p:pic>
-      <p:pic>
-        <p:nvPicPr>
-          <p:cNvPr id="11" name="Imagem 10">
-            <a:extLst>
-              <a:ext uri="{FF2B5EF4-FFF2-40B4-BE49-F238E27FC236}">
-                <a16:creationId xmlns:a16="http://schemas.microsoft.com/office/drawing/2014/main" id="{CAD6F1BB-0D07-4454-B00D-3B840F6B3A16}"/>
-              </a:ext>
-            </a:extLst>
-          </p:cNvPr>
-          <p:cNvPicPr>
-            <a:picLocks noChangeAspect="1"/>
-          </p:cNvPicPr>
-          <p:nvPr/>
-        </p:nvPicPr>
         <p:blipFill>
-          <a:blip r:embed="rId3">
-            <a:extLst>
-              <a:ext uri="{28A0092B-C50C-407E-A947-70E740481C1C}">
-                <a14:useLocalDpi xmlns:a14="http://schemas.microsoft.com/office/drawing/2010/main" val="0"/>
-              </a:ext>
-            </a:extLst>
-          </a:blip>
+          <a:blip r:embed="rId2"/>
           <a:stretch>
             <a:fillRect/>
           </a:stretch>
         </p:blipFill>
         <p:spPr>
           <a:xfrm>
-            <a:off x="3108071" y="1886467"/>
-            <a:ext cx="6217921" cy="4424209"/>
-          </a:xfrm>
-          <a:prstGeom prst="rect">
-            <a:avLst/>
-          </a:prstGeom>
-        </p:spPr>
-      </p:pic>
-      <p:pic>
-        <p:nvPicPr>
-          <p:cNvPr id="19" name="Imagem 18">
-            <a:extLst>
-              <a:ext uri="{FF2B5EF4-FFF2-40B4-BE49-F238E27FC236}">
-                <a16:creationId xmlns:a16="http://schemas.microsoft.com/office/drawing/2014/main" id="{283F1A1D-A27C-4219-A081-3C6DE819710B}"/>
-              </a:ext>
-            </a:extLst>
-          </p:cNvPr>
-          <p:cNvPicPr>
-            <a:picLocks noChangeAspect="1"/>
-          </p:cNvPicPr>
-          <p:nvPr/>
-        </p:nvPicPr>
-        <p:blipFill>
-          <a:blip r:embed="rId4"/>
-          <a:stretch>
-            <a:fillRect/>
-          </a:stretch>
-        </p:blipFill>
-        <p:spPr>
-          <a:xfrm>
-            <a:off x="4149386" y="856723"/>
+            <a:off x="3915897" y="794579"/>
             <a:ext cx="4135289" cy="4862196"/>
           </a:xfrm>
           <a:prstGeom prst="rect">
@@ -4970,7 +4837,7 @@
     </p:spTree>
     <p:extLst>
       <p:ext uri="{BB962C8B-B14F-4D97-AF65-F5344CB8AC3E}">
-        <p14:creationId xmlns:p14="http://schemas.microsoft.com/office/powerpoint/2010/main" val="450145435"/>
+        <p14:creationId xmlns:p14="http://schemas.microsoft.com/office/powerpoint/2010/main" val="1826241401"/>
       </p:ext>
     </p:extLst>
   </p:cSld>
@@ -5020,7 +4887,7 @@
           <a:p>
             <a:pPr algn="ctr"/>
             <a:r>
-              <a:rPr lang="pt-PT" sz="8000" dirty="0">
+              <a:rPr lang="pt-PT" sz="6600" dirty="0">
                 <a:solidFill>
                   <a:schemeClr val="tx1">
                     <a:lumMod val="85000"/>
@@ -5031,7 +4898,7 @@
               </a:rPr>
               <a:t>Ficheiros</a:t>
             </a:r>
-            <a:endParaRPr lang="en-GB" sz="8000" dirty="0">
+            <a:endParaRPr lang="en-GB" sz="6600" dirty="0">
               <a:solidFill>
                 <a:schemeClr val="tx1">
                   <a:lumMod val="85000"/>
@@ -6884,7 +6751,7 @@
           <a:p>
             <a:pPr algn="ctr"/>
             <a:r>
-              <a:rPr lang="pt-PT" sz="8000" dirty="0">
+              <a:rPr lang="pt-PT" sz="6600" dirty="0">
                 <a:solidFill>
                   <a:schemeClr val="tx1">
                     <a:lumMod val="85000"/>
@@ -6895,7 +6762,7 @@
               </a:rPr>
               <a:t>Ficheiros</a:t>
             </a:r>
-            <a:endParaRPr lang="en-GB" sz="8000" dirty="0">
+            <a:endParaRPr lang="en-GB" sz="6600" dirty="0">
               <a:solidFill>
                 <a:schemeClr val="tx1">
                   <a:lumMod val="85000"/>
@@ -9033,7 +8900,7 @@
           <a:p>
             <a:pPr algn="ctr"/>
             <a:r>
-              <a:rPr lang="pt-PT" sz="8000" dirty="0" err="1">
+              <a:rPr lang="pt-PT" sz="6600" dirty="0" err="1">
                 <a:solidFill>
                   <a:schemeClr val="tx1">
                     <a:lumMod val="85000"/>
@@ -9044,7 +8911,7 @@
               </a:rPr>
               <a:t>Excepções</a:t>
             </a:r>
-            <a:endParaRPr lang="en-GB" sz="8000" dirty="0">
+            <a:endParaRPr lang="en-GB" sz="6600" dirty="0">
               <a:solidFill>
                 <a:schemeClr val="tx1">
                   <a:lumMod val="85000"/>
@@ -9962,7 +9829,7 @@
           <a:p>
             <a:pPr algn="ctr"/>
             <a:r>
-              <a:rPr lang="pt-PT" sz="8000" dirty="0">
+              <a:rPr lang="pt-PT" sz="6600" dirty="0">
                 <a:solidFill>
                   <a:schemeClr val="tx1">
                     <a:lumMod val="85000"/>
@@ -9973,7 +9840,7 @@
               </a:rPr>
               <a:t>Pesquisa</a:t>
             </a:r>
-            <a:endParaRPr lang="en-GB" sz="8000" dirty="0">
+            <a:endParaRPr lang="en-GB" sz="6600" dirty="0">
               <a:solidFill>
                 <a:schemeClr val="tx1">
                   <a:lumMod val="85000"/>
@@ -10455,7 +10322,7 @@
               <a:rPr lang="en-GB" sz="3600" dirty="0"/>
             </a:br>
             <a:r>
-              <a:rPr lang="en-GB" sz="8000" dirty="0" err="1">
+              <a:rPr lang="en-GB" sz="7300" dirty="0" err="1">
                 <a:solidFill>
                   <a:schemeClr val="tx1">
                     <a:lumMod val="85000"/>
@@ -10467,7 +10334,7 @@
               <a:t>Criar</a:t>
             </a:r>
             <a:r>
-              <a:rPr lang="en-GB" sz="8000" dirty="0">
+              <a:rPr lang="en-GB" sz="7300" dirty="0">
                 <a:solidFill>
                   <a:schemeClr val="tx1">
                     <a:lumMod val="85000"/>
@@ -10479,7 +10346,7 @@
               <a:t>/</a:t>
             </a:r>
             <a:r>
-              <a:rPr lang="en-GB" sz="8000" dirty="0" err="1">
+              <a:rPr lang="en-GB" sz="7300" dirty="0" err="1">
                 <a:solidFill>
                   <a:schemeClr val="tx1">
                     <a:lumMod val="85000"/>
@@ -10490,7 +10357,7 @@
               </a:rPr>
               <a:t>Atualizar</a:t>
             </a:r>
-            <a:endParaRPr lang="pt-PT" sz="8000" dirty="0">
+            <a:endParaRPr lang="pt-PT" sz="7300" dirty="0">
               <a:solidFill>
                 <a:schemeClr val="tx1">
                   <a:lumMod val="85000"/>
@@ -11058,7 +10925,7 @@
           <a:p>
             <a:pPr algn="ctr"/>
             <a:r>
-              <a:rPr lang="pt-PT" sz="8000" dirty="0">
+              <a:rPr lang="pt-PT" sz="6600" dirty="0">
                 <a:solidFill>
                   <a:schemeClr val="tx1">
                     <a:lumMod val="85000"/>
@@ -11069,7 +10936,7 @@
               </a:rPr>
               <a:t>Ordenação</a:t>
             </a:r>
-            <a:endParaRPr lang="en-GB" sz="8000" dirty="0">
+            <a:endParaRPr lang="en-GB" sz="6600" dirty="0">
               <a:solidFill>
                 <a:schemeClr val="tx1">
                   <a:lumMod val="85000"/>
@@ -11558,7 +11425,7 @@
           <a:p>
             <a:pPr algn="ctr"/>
             <a:r>
-              <a:rPr lang="pt-PT" sz="8000" dirty="0">
+              <a:rPr lang="pt-PT" sz="6600" dirty="0">
                 <a:solidFill>
                   <a:schemeClr val="tx1">
                     <a:lumMod val="85000"/>
@@ -11569,7 +11436,7 @@
               </a:rPr>
               <a:t>Listagem</a:t>
             </a:r>
-            <a:endParaRPr lang="en-GB" sz="8000" dirty="0">
+            <a:endParaRPr lang="en-GB" sz="6600" dirty="0">
               <a:solidFill>
                 <a:schemeClr val="tx1">
                   <a:lumMod val="85000"/>
@@ -12051,7 +11918,7 @@
           <a:p>
             <a:pPr algn="ctr"/>
             <a:r>
-              <a:rPr lang="pt-PT" sz="8000" dirty="0">
+              <a:rPr lang="pt-PT" sz="6600" dirty="0">
                 <a:solidFill>
                   <a:schemeClr val="tx1">
                     <a:lumMod val="85000"/>
@@ -12062,7 +11929,7 @@
               </a:rPr>
               <a:t>UI - Como usar</a:t>
             </a:r>
-            <a:endParaRPr lang="en-GB" sz="8000" dirty="0">
+            <a:endParaRPr lang="en-GB" sz="6600" dirty="0">
               <a:solidFill>
                 <a:schemeClr val="tx1">
                   <a:lumMod val="85000"/>
@@ -12398,7 +12265,7 @@
           <a:p>
             <a:pPr algn="ctr"/>
             <a:r>
-              <a:rPr lang="pt-PT" sz="8000" dirty="0">
+              <a:rPr lang="pt-PT" sz="6600" dirty="0">
                 <a:solidFill>
                   <a:schemeClr val="tx1">
                     <a:lumMod val="85000"/>
@@ -12409,7 +12276,7 @@
               </a:rPr>
               <a:t>UI – Pesquisas</a:t>
             </a:r>
-            <a:endParaRPr lang="en-GB" sz="8000" dirty="0">
+            <a:endParaRPr lang="en-GB" sz="6600" dirty="0">
               <a:solidFill>
                 <a:schemeClr val="tx1">
                   <a:lumMod val="85000"/>
@@ -12759,12 +12626,14 @@
         </p:nvSpPr>
         <p:spPr/>
         <p:txBody>
-          <a:bodyPr/>
+          <a:bodyPr>
+            <a:normAutofit/>
+          </a:bodyPr>
           <a:lstStyle/>
           <a:p>
             <a:pPr algn="ctr"/>
             <a:r>
-              <a:rPr lang="pt-PT" sz="8000" dirty="0">
+              <a:rPr lang="pt-PT" sz="6600" dirty="0">
                 <a:solidFill>
                   <a:schemeClr val="tx1">
                     <a:lumMod val="85000"/>
@@ -12775,7 +12644,7 @@
               </a:rPr>
               <a:t>Problema</a:t>
             </a:r>
-            <a:endParaRPr lang="en-GB" sz="8000" dirty="0">
+            <a:endParaRPr lang="en-GB" sz="6600" dirty="0">
               <a:solidFill>
                 <a:schemeClr val="tx1">
                   <a:lumMod val="85000"/>
@@ -13693,7 +13562,7 @@
           <a:p>
             <a:pPr algn="ctr"/>
             <a:r>
-              <a:rPr lang="pt-PT" sz="8000" dirty="0">
+              <a:rPr lang="pt-PT" sz="6600" dirty="0">
                 <a:solidFill>
                   <a:schemeClr val="tx1">
                     <a:lumMod val="85000"/>
@@ -13704,7 +13573,7 @@
               </a:rPr>
               <a:t>Destaque - Listagem</a:t>
             </a:r>
-            <a:endParaRPr lang="en-GB" sz="8000" dirty="0">
+            <a:endParaRPr lang="en-GB" sz="6600" dirty="0">
               <a:solidFill>
                 <a:schemeClr val="tx1">
                   <a:lumMod val="85000"/>
@@ -15021,7 +14890,7 @@
           <a:p>
             <a:pPr algn="ctr"/>
             <a:r>
-              <a:rPr lang="pt-PT" sz="8000" dirty="0">
+              <a:rPr lang="pt-PT" sz="6600" dirty="0">
                 <a:solidFill>
                   <a:schemeClr val="tx1">
                     <a:lumMod val="85000"/>
@@ -15032,7 +14901,7 @@
               </a:rPr>
               <a:t>Solução</a:t>
             </a:r>
-            <a:endParaRPr lang="en-GB" sz="8000" dirty="0">
+            <a:endParaRPr lang="en-GB" sz="6600" dirty="0">
               <a:solidFill>
                 <a:schemeClr val="tx1">
                   <a:lumMod val="85000"/>
@@ -16345,7 +16214,7 @@
           <a:p>
             <a:pPr algn="ctr"/>
             <a:r>
-              <a:rPr lang="pt-PT" sz="8000" dirty="0">
+              <a:rPr lang="pt-PT" sz="6600" dirty="0">
                 <a:solidFill>
                   <a:schemeClr val="tx1">
                     <a:lumMod val="85000"/>
@@ -16356,7 +16225,7 @@
               </a:rPr>
               <a:t>Solução</a:t>
             </a:r>
-            <a:endParaRPr lang="en-GB" sz="8000" dirty="0">
+            <a:endParaRPr lang="en-GB" sz="6600" dirty="0">
               <a:solidFill>
                 <a:schemeClr val="tx1">
                   <a:lumMod val="85000"/>
@@ -17264,6 +17133,18 @@
           <a:p>
             <a:pPr algn="ctr"/>
             <a:r>
+              <a:rPr lang="pt-PT" sz="6600" dirty="0">
+                <a:solidFill>
+                  <a:schemeClr val="tx1">
+                    <a:lumMod val="85000"/>
+                    <a:lumOff val="15000"/>
+                  </a:schemeClr>
+                </a:solidFill>
+                <a:latin typeface="Bahnschrift SemiLight" panose="020B0502040204020203" pitchFamily="34" charset="0"/>
+              </a:rPr>
+              <a:t>Diagrama</a:t>
+            </a:r>
+            <a:r>
               <a:rPr lang="pt-PT" sz="8000" dirty="0">
                 <a:solidFill>
                   <a:schemeClr val="tx1">
@@ -17273,9 +17154,45 @@
                 </a:solidFill>
                 <a:latin typeface="Bahnschrift SemiLight" panose="020B0502040204020203" pitchFamily="34" charset="0"/>
               </a:rPr>
-              <a:t>Diagrama de Classes</a:t>
-            </a:r>
-            <a:endParaRPr lang="en-GB" sz="8000" dirty="0">
+              <a:t> </a:t>
+            </a:r>
+            <a:r>
+              <a:rPr lang="pt-PT" sz="6600" dirty="0">
+                <a:solidFill>
+                  <a:schemeClr val="tx1">
+                    <a:lumMod val="85000"/>
+                    <a:lumOff val="15000"/>
+                  </a:schemeClr>
+                </a:solidFill>
+                <a:latin typeface="Bahnschrift SemiLight" panose="020B0502040204020203" pitchFamily="34" charset="0"/>
+              </a:rPr>
+              <a:t>de</a:t>
+            </a:r>
+            <a:r>
+              <a:rPr lang="pt-PT" sz="8000" dirty="0">
+                <a:solidFill>
+                  <a:schemeClr val="tx1">
+                    <a:lumMod val="85000"/>
+                    <a:lumOff val="15000"/>
+                  </a:schemeClr>
+                </a:solidFill>
+                <a:latin typeface="Bahnschrift SemiLight" panose="020B0502040204020203" pitchFamily="34" charset="0"/>
+              </a:rPr>
+              <a:t> </a:t>
+            </a:r>
+            <a:r>
+              <a:rPr lang="pt-PT" sz="6600" dirty="0">
+                <a:solidFill>
+                  <a:schemeClr val="tx1">
+                    <a:lumMod val="85000"/>
+                    <a:lumOff val="15000"/>
+                  </a:schemeClr>
+                </a:solidFill>
+                <a:latin typeface="Bahnschrift SemiLight" panose="020B0502040204020203" pitchFamily="34" charset="0"/>
+              </a:rPr>
+              <a:t>Classes</a:t>
+            </a:r>
+            <a:endParaRPr lang="en-GB" sz="6600" dirty="0">
               <a:solidFill>
                 <a:schemeClr val="tx1">
                   <a:lumMod val="85000"/>
@@ -17450,8 +17367,8 @@
         </p:blipFill>
         <p:spPr>
           <a:xfrm>
-            <a:off x="3108071" y="1886467"/>
-            <a:ext cx="6217921" cy="4424209"/>
+            <a:off x="2956265" y="1778453"/>
+            <a:ext cx="6369728" cy="4532224"/>
           </a:xfrm>
           <a:prstGeom prst="rect">
             <a:avLst/>
@@ -17490,10 +17407,10 @@
       </p:grpSpPr>
       <p:sp>
         <p:nvSpPr>
-          <p:cNvPr id="6" name="Título 1">
-            <a:extLst>
-              <a:ext uri="{FF2B5EF4-FFF2-40B4-BE49-F238E27FC236}">
-                <a16:creationId xmlns:a16="http://schemas.microsoft.com/office/drawing/2014/main" id="{9894AE4C-74A5-4174-8CE0-CC7C16689296}"/>
+          <p:cNvPr id="8" name="Marcador de Posição do Rodapé 3">
+            <a:extLst>
+              <a:ext uri="{FF2B5EF4-FFF2-40B4-BE49-F238E27FC236}">
+                <a16:creationId xmlns:a16="http://schemas.microsoft.com/office/drawing/2014/main" id="{3F791BDE-6378-42DE-96D1-FA6D4896AD71}"/>
               </a:ext>
             </a:extLst>
           </p:cNvPr>
@@ -17501,50 +17418,101 @@
             <a:spLocks noGrp="1"/>
           </p:cNvSpPr>
           <p:nvPr>
-            <p:ph type="title"/>
+            <p:ph type="ftr" sz="quarter" idx="11"/>
           </p:nvPr>
         </p:nvSpPr>
         <p:spPr>
           <a:xfrm>
-            <a:off x="1097280" y="286603"/>
-            <a:ext cx="10058400" cy="1450757"/>
+            <a:off x="3686185" y="6459785"/>
+            <a:ext cx="4822804" cy="365125"/>
           </a:xfrm>
         </p:spPr>
         <p:txBody>
           <a:bodyPr/>
           <a:lstStyle/>
           <a:p>
-            <a:pPr algn="ctr"/>
-            <a:r>
-              <a:rPr lang="pt-PT" sz="8000" dirty="0">
-                <a:solidFill>
-                  <a:schemeClr val="tx1">
-                    <a:lumMod val="85000"/>
-                    <a:lumOff val="15000"/>
-                  </a:schemeClr>
-                </a:solidFill>
-                <a:latin typeface="Bahnschrift SemiLight" panose="020B0502040204020203" pitchFamily="34" charset="0"/>
-              </a:rPr>
-              <a:t>Diagrama de Classes</a:t>
-            </a:r>
-            <a:endParaRPr lang="en-GB" sz="8000" dirty="0">
-              <a:solidFill>
-                <a:schemeClr val="tx1">
-                  <a:lumMod val="85000"/>
-                  <a:lumOff val="15000"/>
-                </a:schemeClr>
-              </a:solidFill>
-              <a:latin typeface="Bahnschrift SemiLight" panose="020B0502040204020203" pitchFamily="34" charset="0"/>
-            </a:endParaRPr>
-          </a:p>
-        </p:txBody>
-      </p:sp>
+            <a:r>
+              <a:rPr lang="en-GB" sz="2400" b="1" dirty="0"/>
+              <a:t>2MIEIC04_G1</a:t>
+            </a:r>
+          </a:p>
+        </p:txBody>
+      </p:sp>
+      <p:sp>
+        <p:nvSpPr>
+          <p:cNvPr id="9" name="Marcador de Posição do Número do Diapositivo 5">
+            <a:extLst>
+              <a:ext uri="{FF2B5EF4-FFF2-40B4-BE49-F238E27FC236}">
+                <a16:creationId xmlns:a16="http://schemas.microsoft.com/office/drawing/2014/main" id="{34D20A1A-8224-41BB-86B4-FE1E0DA28032}"/>
+              </a:ext>
+            </a:extLst>
+          </p:cNvPr>
+          <p:cNvSpPr>
+            <a:spLocks noGrp="1"/>
+          </p:cNvSpPr>
+          <p:nvPr>
+            <p:ph type="sldNum" sz="quarter" idx="12"/>
+          </p:nvPr>
+        </p:nvSpPr>
+        <p:spPr>
+          <a:xfrm>
+            <a:off x="9900458" y="6459785"/>
+            <a:ext cx="1312025" cy="365125"/>
+          </a:xfrm>
+        </p:spPr>
+        <p:txBody>
+          <a:bodyPr/>
+          <a:lstStyle/>
+          <a:p>
+            <a:fld id="{75DB3F52-068C-4339-9FA6-06F9AAEB3337}" type="slidenum">
+              <a:rPr lang="en-GB" sz="2400"/>
+              <a:t>6</a:t>
+            </a:fld>
+            <a:endParaRPr lang="en-GB" sz="2400" dirty="0"/>
+          </a:p>
+        </p:txBody>
+      </p:sp>
+      <p:pic>
+        <p:nvPicPr>
+          <p:cNvPr id="10" name="Imagem 9">
+            <a:extLst>
+              <a:ext uri="{FF2B5EF4-FFF2-40B4-BE49-F238E27FC236}">
+                <a16:creationId xmlns:a16="http://schemas.microsoft.com/office/drawing/2014/main" id="{BF56E6FE-BBEE-45D8-A92E-7253FBB4764F}"/>
+              </a:ext>
+            </a:extLst>
+          </p:cNvPr>
+          <p:cNvPicPr>
+            <a:picLocks noChangeAspect="1"/>
+          </p:cNvPicPr>
+          <p:nvPr/>
+        </p:nvPicPr>
+        <p:blipFill rotWithShape="1">
+          <a:blip r:embed="rId2">
+            <a:extLst>
+              <a:ext uri="{28A0092B-C50C-407E-A947-70E740481C1C}">
+                <a14:useLocalDpi xmlns:a14="http://schemas.microsoft.com/office/drawing/2010/main" val="0"/>
+              </a:ext>
+            </a:extLst>
+          </a:blip>
+          <a:srcRect r="39904"/>
+          <a:stretch/>
+        </p:blipFill>
+        <p:spPr>
+          <a:xfrm>
+            <a:off x="1097280" y="6500189"/>
+            <a:ext cx="1406360" cy="312685"/>
+          </a:xfrm>
+          <a:prstGeom prst="rect">
+            <a:avLst/>
+          </a:prstGeom>
+        </p:spPr>
+      </p:pic>
       <p:cxnSp>
         <p:nvCxnSpPr>
-          <p:cNvPr id="7" name="Conexão reta 6">
-            <a:extLst>
-              <a:ext uri="{FF2B5EF4-FFF2-40B4-BE49-F238E27FC236}">
-                <a16:creationId xmlns:a16="http://schemas.microsoft.com/office/drawing/2014/main" id="{E50624F1-DD0A-436F-BC8E-E6D94728BDEC}"/>
+          <p:cNvPr id="5" name="Conexão reta 4">
+            <a:extLst>
+              <a:ext uri="{FF2B5EF4-FFF2-40B4-BE49-F238E27FC236}">
+                <a16:creationId xmlns:a16="http://schemas.microsoft.com/office/drawing/2014/main" id="{3D94C2AE-0157-4935-89DC-FF8C557085BF}"/>
               </a:ext>
             </a:extLst>
           </p:cNvPr>
@@ -17554,16 +17522,16 @@
           <p:nvPr/>
         </p:nvCxnSpPr>
         <p:spPr>
-          <a:xfrm flipH="1">
-            <a:off x="1097280" y="1737360"/>
-            <a:ext cx="10239504" cy="0"/>
+          <a:xfrm>
+            <a:off x="754602" y="1740023"/>
+            <a:ext cx="10457881" cy="0"/>
           </a:xfrm>
           <a:prstGeom prst="line">
             <a:avLst/>
           </a:prstGeom>
           <a:ln>
             <a:solidFill>
-              <a:srgbClr val="8C2D19"/>
+              <a:srgbClr val="404040"/>
             </a:solidFill>
           </a:ln>
         </p:spPr>
@@ -17582,79 +17550,12 @@
           </a:fontRef>
         </p:style>
       </p:cxnSp>
-      <p:sp>
-        <p:nvSpPr>
-          <p:cNvPr id="8" name="Marcador de Posição do Rodapé 3">
-            <a:extLst>
-              <a:ext uri="{FF2B5EF4-FFF2-40B4-BE49-F238E27FC236}">
-                <a16:creationId xmlns:a16="http://schemas.microsoft.com/office/drawing/2014/main" id="{3F791BDE-6378-42DE-96D1-FA6D4896AD71}"/>
-              </a:ext>
-            </a:extLst>
-          </p:cNvPr>
-          <p:cNvSpPr>
-            <a:spLocks noGrp="1"/>
-          </p:cNvSpPr>
-          <p:nvPr>
-            <p:ph type="ftr" sz="quarter" idx="11"/>
-          </p:nvPr>
-        </p:nvSpPr>
-        <p:spPr>
-          <a:xfrm>
-            <a:off x="3686185" y="6459785"/>
-            <a:ext cx="4822804" cy="365125"/>
-          </a:xfrm>
-        </p:spPr>
-        <p:txBody>
-          <a:bodyPr/>
-          <a:lstStyle/>
-          <a:p>
-            <a:r>
-              <a:rPr lang="en-GB" sz="2400" b="1" dirty="0"/>
-              <a:t>2MIEIC04_G1</a:t>
-            </a:r>
-          </a:p>
-        </p:txBody>
-      </p:sp>
-      <p:sp>
-        <p:nvSpPr>
-          <p:cNvPr id="9" name="Marcador de Posição do Número do Diapositivo 5">
-            <a:extLst>
-              <a:ext uri="{FF2B5EF4-FFF2-40B4-BE49-F238E27FC236}">
-                <a16:creationId xmlns:a16="http://schemas.microsoft.com/office/drawing/2014/main" id="{34D20A1A-8224-41BB-86B4-FE1E0DA28032}"/>
-              </a:ext>
-            </a:extLst>
-          </p:cNvPr>
-          <p:cNvSpPr>
-            <a:spLocks noGrp="1"/>
-          </p:cNvSpPr>
-          <p:nvPr>
-            <p:ph type="sldNum" sz="quarter" idx="12"/>
-          </p:nvPr>
-        </p:nvSpPr>
-        <p:spPr>
-          <a:xfrm>
-            <a:off x="9900458" y="6459785"/>
-            <a:ext cx="1312025" cy="365125"/>
-          </a:xfrm>
-        </p:spPr>
-        <p:txBody>
-          <a:bodyPr/>
-          <a:lstStyle/>
-          <a:p>
-            <a:fld id="{75DB3F52-068C-4339-9FA6-06F9AAEB3337}" type="slidenum">
-              <a:rPr lang="en-GB" sz="2400"/>
-              <a:t>6</a:t>
-            </a:fld>
-            <a:endParaRPr lang="en-GB" sz="2400" dirty="0"/>
-          </a:p>
-        </p:txBody>
-      </p:sp>
       <p:pic>
         <p:nvPicPr>
-          <p:cNvPr id="10" name="Imagem 9">
-            <a:extLst>
-              <a:ext uri="{FF2B5EF4-FFF2-40B4-BE49-F238E27FC236}">
-                <a16:creationId xmlns:a16="http://schemas.microsoft.com/office/drawing/2014/main" id="{BF56E6FE-BBEE-45D8-A92E-7253FBB4764F}"/>
+          <p:cNvPr id="14" name="Imagem 13">
+            <a:extLst>
+              <a:ext uri="{FF2B5EF4-FFF2-40B4-BE49-F238E27FC236}">
+                <a16:creationId xmlns:a16="http://schemas.microsoft.com/office/drawing/2014/main" id="{D37CE475-4887-43B9-992C-BC1CB7339D8A}"/>
               </a:ext>
             </a:extLst>
           </p:cNvPr>
@@ -17663,86 +17564,15 @@
           </p:cNvPicPr>
           <p:nvPr/>
         </p:nvPicPr>
-        <p:blipFill rotWithShape="1">
-          <a:blip r:embed="rId2">
-            <a:extLst>
-              <a:ext uri="{28A0092B-C50C-407E-A947-70E740481C1C}">
-                <a14:useLocalDpi xmlns:a14="http://schemas.microsoft.com/office/drawing/2010/main" val="0"/>
-              </a:ext>
-            </a:extLst>
-          </a:blip>
-          <a:srcRect r="39904"/>
-          <a:stretch/>
-        </p:blipFill>
-        <p:spPr>
-          <a:xfrm>
-            <a:off x="1097280" y="6500189"/>
-            <a:ext cx="1406360" cy="312685"/>
-          </a:xfrm>
-          <a:prstGeom prst="rect">
-            <a:avLst/>
-          </a:prstGeom>
-        </p:spPr>
-      </p:pic>
-      <p:pic>
-        <p:nvPicPr>
-          <p:cNvPr id="11" name="Imagem 10">
-            <a:extLst>
-              <a:ext uri="{FF2B5EF4-FFF2-40B4-BE49-F238E27FC236}">
-                <a16:creationId xmlns:a16="http://schemas.microsoft.com/office/drawing/2014/main" id="{186F6142-4141-472E-B98B-8EAFDC8ADD9A}"/>
-              </a:ext>
-            </a:extLst>
-          </p:cNvPr>
-          <p:cNvPicPr>
-            <a:picLocks noChangeAspect="1"/>
-          </p:cNvPicPr>
-          <p:nvPr/>
-        </p:nvPicPr>
         <p:blipFill>
-          <a:blip r:embed="rId3">
-            <a:extLst>
-              <a:ext uri="{28A0092B-C50C-407E-A947-70E740481C1C}">
-                <a14:useLocalDpi xmlns:a14="http://schemas.microsoft.com/office/drawing/2010/main" val="0"/>
-              </a:ext>
-            </a:extLst>
-          </a:blip>
+          <a:blip r:embed="rId3"/>
           <a:stretch>
             <a:fillRect/>
           </a:stretch>
         </p:blipFill>
         <p:spPr>
           <a:xfrm>
-            <a:off x="3108071" y="1886467"/>
-            <a:ext cx="6217921" cy="4424209"/>
-          </a:xfrm>
-          <a:prstGeom prst="rect">
-            <a:avLst/>
-          </a:prstGeom>
-        </p:spPr>
-      </p:pic>
-      <p:pic>
-        <p:nvPicPr>
-          <p:cNvPr id="12" name="Imagem 11">
-            <a:extLst>
-              <a:ext uri="{FF2B5EF4-FFF2-40B4-BE49-F238E27FC236}">
-                <a16:creationId xmlns:a16="http://schemas.microsoft.com/office/drawing/2014/main" id="{9A852001-B311-4F94-B50E-6D514D73D81A}"/>
-              </a:ext>
-            </a:extLst>
-          </p:cNvPr>
-          <p:cNvPicPr>
-            <a:picLocks noChangeAspect="1"/>
-          </p:cNvPicPr>
-          <p:nvPr/>
-        </p:nvPicPr>
-        <p:blipFill>
-          <a:blip r:embed="rId4"/>
-          <a:stretch>
-            <a:fillRect/>
-          </a:stretch>
-        </p:blipFill>
-        <p:spPr>
-          <a:xfrm>
-            <a:off x="-114699" y="33090"/>
+            <a:off x="135875" y="381740"/>
             <a:ext cx="11920249" cy="5430191"/>
           </a:xfrm>
           <a:prstGeom prst="rect">
@@ -17782,10 +17612,10 @@
       </p:grpSpPr>
       <p:sp>
         <p:nvSpPr>
-          <p:cNvPr id="15" name="Título 1">
-            <a:extLst>
-              <a:ext uri="{FF2B5EF4-FFF2-40B4-BE49-F238E27FC236}">
-                <a16:creationId xmlns:a16="http://schemas.microsoft.com/office/drawing/2014/main" id="{34712EDE-60D5-4862-8C82-E4053CBA9633}"/>
+          <p:cNvPr id="17" name="Marcador de Posição do Rodapé 3">
+            <a:extLst>
+              <a:ext uri="{FF2B5EF4-FFF2-40B4-BE49-F238E27FC236}">
+                <a16:creationId xmlns:a16="http://schemas.microsoft.com/office/drawing/2014/main" id="{200DFE3B-8FFB-458E-9FC7-8591390D3435}"/>
               </a:ext>
             </a:extLst>
           </p:cNvPr>
@@ -17793,50 +17623,101 @@
             <a:spLocks noGrp="1"/>
           </p:cNvSpPr>
           <p:nvPr>
-            <p:ph type="title"/>
+            <p:ph type="ftr" sz="quarter" idx="11"/>
           </p:nvPr>
         </p:nvSpPr>
         <p:spPr>
           <a:xfrm>
-            <a:off x="1097280" y="286603"/>
-            <a:ext cx="10058400" cy="1450757"/>
+            <a:off x="3686185" y="6459785"/>
+            <a:ext cx="4822804" cy="365125"/>
           </a:xfrm>
         </p:spPr>
         <p:txBody>
           <a:bodyPr/>
           <a:lstStyle/>
           <a:p>
-            <a:pPr algn="ctr"/>
-            <a:r>
-              <a:rPr lang="pt-PT" sz="8000" dirty="0">
-                <a:solidFill>
-                  <a:schemeClr val="tx1">
-                    <a:lumMod val="85000"/>
-                    <a:lumOff val="15000"/>
-                  </a:schemeClr>
-                </a:solidFill>
-                <a:latin typeface="Bahnschrift SemiLight" panose="020B0502040204020203" pitchFamily="34" charset="0"/>
-              </a:rPr>
-              <a:t>Diagrama de Classes</a:t>
-            </a:r>
-            <a:endParaRPr lang="en-GB" sz="8000" dirty="0">
-              <a:solidFill>
-                <a:schemeClr val="tx1">
-                  <a:lumMod val="85000"/>
-                  <a:lumOff val="15000"/>
-                </a:schemeClr>
-              </a:solidFill>
-              <a:latin typeface="Bahnschrift SemiLight" panose="020B0502040204020203" pitchFamily="34" charset="0"/>
-            </a:endParaRPr>
-          </a:p>
-        </p:txBody>
-      </p:sp>
+            <a:r>
+              <a:rPr lang="en-GB" sz="2400" b="1" dirty="0"/>
+              <a:t>2MIEIC04_G1</a:t>
+            </a:r>
+          </a:p>
+        </p:txBody>
+      </p:sp>
+      <p:sp>
+        <p:nvSpPr>
+          <p:cNvPr id="18" name="Marcador de Posição do Número do Diapositivo 5">
+            <a:extLst>
+              <a:ext uri="{FF2B5EF4-FFF2-40B4-BE49-F238E27FC236}">
+                <a16:creationId xmlns:a16="http://schemas.microsoft.com/office/drawing/2014/main" id="{DE2814C8-005C-4F03-8901-745DA21A2E80}"/>
+              </a:ext>
+            </a:extLst>
+          </p:cNvPr>
+          <p:cNvSpPr>
+            <a:spLocks noGrp="1"/>
+          </p:cNvSpPr>
+          <p:nvPr>
+            <p:ph type="sldNum" sz="quarter" idx="12"/>
+          </p:nvPr>
+        </p:nvSpPr>
+        <p:spPr>
+          <a:xfrm>
+            <a:off x="9900458" y="6459785"/>
+            <a:ext cx="1312025" cy="365125"/>
+          </a:xfrm>
+        </p:spPr>
+        <p:txBody>
+          <a:bodyPr/>
+          <a:lstStyle/>
+          <a:p>
+            <a:fld id="{75DB3F52-068C-4339-9FA6-06F9AAEB3337}" type="slidenum">
+              <a:rPr lang="en-GB" sz="2400"/>
+              <a:t>7</a:t>
+            </a:fld>
+            <a:endParaRPr lang="en-GB" sz="2400" dirty="0"/>
+          </a:p>
+        </p:txBody>
+      </p:sp>
+      <p:pic>
+        <p:nvPicPr>
+          <p:cNvPr id="19" name="Imagem 18">
+            <a:extLst>
+              <a:ext uri="{FF2B5EF4-FFF2-40B4-BE49-F238E27FC236}">
+                <a16:creationId xmlns:a16="http://schemas.microsoft.com/office/drawing/2014/main" id="{120459F7-7B5E-44EF-A991-F3B03BBB396E}"/>
+              </a:ext>
+            </a:extLst>
+          </p:cNvPr>
+          <p:cNvPicPr>
+            <a:picLocks noChangeAspect="1"/>
+          </p:cNvPicPr>
+          <p:nvPr/>
+        </p:nvPicPr>
+        <p:blipFill rotWithShape="1">
+          <a:blip r:embed="rId2">
+            <a:extLst>
+              <a:ext uri="{28A0092B-C50C-407E-A947-70E740481C1C}">
+                <a14:useLocalDpi xmlns:a14="http://schemas.microsoft.com/office/drawing/2010/main" val="0"/>
+              </a:ext>
+            </a:extLst>
+          </a:blip>
+          <a:srcRect r="39904"/>
+          <a:stretch/>
+        </p:blipFill>
+        <p:spPr>
+          <a:xfrm>
+            <a:off x="1097280" y="6500189"/>
+            <a:ext cx="1406360" cy="312685"/>
+          </a:xfrm>
+          <a:prstGeom prst="rect">
+            <a:avLst/>
+          </a:prstGeom>
+        </p:spPr>
+      </p:pic>
       <p:cxnSp>
         <p:nvCxnSpPr>
-          <p:cNvPr id="16" name="Conexão reta 15">
-            <a:extLst>
-              <a:ext uri="{FF2B5EF4-FFF2-40B4-BE49-F238E27FC236}">
-                <a16:creationId xmlns:a16="http://schemas.microsoft.com/office/drawing/2014/main" id="{99BD95BB-BFB9-411B-9468-0C8A74427E2D}"/>
+          <p:cNvPr id="9" name="Conexão reta 8">
+            <a:extLst>
+              <a:ext uri="{FF2B5EF4-FFF2-40B4-BE49-F238E27FC236}">
+                <a16:creationId xmlns:a16="http://schemas.microsoft.com/office/drawing/2014/main" id="{550A9743-B6F8-4BA1-9A7B-812CA641DA88}"/>
               </a:ext>
             </a:extLst>
           </p:cNvPr>
@@ -17846,16 +17727,16 @@
           <p:nvPr/>
         </p:nvCxnSpPr>
         <p:spPr>
-          <a:xfrm flipH="1">
-            <a:off x="1097280" y="1737360"/>
-            <a:ext cx="10239504" cy="0"/>
+          <a:xfrm>
+            <a:off x="754602" y="1740023"/>
+            <a:ext cx="10457881" cy="0"/>
           </a:xfrm>
           <a:prstGeom prst="line">
             <a:avLst/>
           </a:prstGeom>
           <a:ln>
             <a:solidFill>
-              <a:srgbClr val="8C2D19"/>
+              <a:srgbClr val="404040"/>
             </a:solidFill>
           </a:ln>
         </p:spPr>
@@ -17874,79 +17755,12 @@
           </a:fontRef>
         </p:style>
       </p:cxnSp>
-      <p:sp>
-        <p:nvSpPr>
-          <p:cNvPr id="17" name="Marcador de Posição do Rodapé 3">
-            <a:extLst>
-              <a:ext uri="{FF2B5EF4-FFF2-40B4-BE49-F238E27FC236}">
-                <a16:creationId xmlns:a16="http://schemas.microsoft.com/office/drawing/2014/main" id="{200DFE3B-8FFB-458E-9FC7-8591390D3435}"/>
-              </a:ext>
-            </a:extLst>
-          </p:cNvPr>
-          <p:cNvSpPr>
-            <a:spLocks noGrp="1"/>
-          </p:cNvSpPr>
-          <p:nvPr>
-            <p:ph type="ftr" sz="quarter" idx="11"/>
-          </p:nvPr>
-        </p:nvSpPr>
-        <p:spPr>
-          <a:xfrm>
-            <a:off x="3686185" y="6459785"/>
-            <a:ext cx="4822804" cy="365125"/>
-          </a:xfrm>
-        </p:spPr>
-        <p:txBody>
-          <a:bodyPr/>
-          <a:lstStyle/>
-          <a:p>
-            <a:r>
-              <a:rPr lang="en-GB" sz="2400" b="1" dirty="0"/>
-              <a:t>2MIEIC04_G1</a:t>
-            </a:r>
-          </a:p>
-        </p:txBody>
-      </p:sp>
-      <p:sp>
-        <p:nvSpPr>
-          <p:cNvPr id="18" name="Marcador de Posição do Número do Diapositivo 5">
-            <a:extLst>
-              <a:ext uri="{FF2B5EF4-FFF2-40B4-BE49-F238E27FC236}">
-                <a16:creationId xmlns:a16="http://schemas.microsoft.com/office/drawing/2014/main" id="{DE2814C8-005C-4F03-8901-745DA21A2E80}"/>
-              </a:ext>
-            </a:extLst>
-          </p:cNvPr>
-          <p:cNvSpPr>
-            <a:spLocks noGrp="1"/>
-          </p:cNvSpPr>
-          <p:nvPr>
-            <p:ph type="sldNum" sz="quarter" idx="12"/>
-          </p:nvPr>
-        </p:nvSpPr>
-        <p:spPr>
-          <a:xfrm>
-            <a:off x="9900458" y="6459785"/>
-            <a:ext cx="1312025" cy="365125"/>
-          </a:xfrm>
-        </p:spPr>
-        <p:txBody>
-          <a:bodyPr/>
-          <a:lstStyle/>
-          <a:p>
-            <a:fld id="{75DB3F52-068C-4339-9FA6-06F9AAEB3337}" type="slidenum">
-              <a:rPr lang="en-GB" sz="2400"/>
-              <a:t>7</a:t>
-            </a:fld>
-            <a:endParaRPr lang="en-GB" sz="2400" dirty="0"/>
-          </a:p>
-        </p:txBody>
-      </p:sp>
       <p:pic>
         <p:nvPicPr>
-          <p:cNvPr id="19" name="Imagem 18">
-            <a:extLst>
-              <a:ext uri="{FF2B5EF4-FFF2-40B4-BE49-F238E27FC236}">
-                <a16:creationId xmlns:a16="http://schemas.microsoft.com/office/drawing/2014/main" id="{120459F7-7B5E-44EF-A991-F3B03BBB396E}"/>
+          <p:cNvPr id="25" name="Imagem 24">
+            <a:extLst>
+              <a:ext uri="{FF2B5EF4-FFF2-40B4-BE49-F238E27FC236}">
+                <a16:creationId xmlns:a16="http://schemas.microsoft.com/office/drawing/2014/main" id="{1A4E1E08-F045-4BA4-9D9C-959A83A721C6}"/>
               </a:ext>
             </a:extLst>
           </p:cNvPr>
@@ -17955,86 +17769,15 @@
           </p:cNvPicPr>
           <p:nvPr/>
         </p:nvPicPr>
-        <p:blipFill rotWithShape="1">
-          <a:blip r:embed="rId2">
-            <a:extLst>
-              <a:ext uri="{28A0092B-C50C-407E-A947-70E740481C1C}">
-                <a14:useLocalDpi xmlns:a14="http://schemas.microsoft.com/office/drawing/2010/main" val="0"/>
-              </a:ext>
-            </a:extLst>
-          </a:blip>
-          <a:srcRect r="39904"/>
-          <a:stretch/>
-        </p:blipFill>
-        <p:spPr>
-          <a:xfrm>
-            <a:off x="1097280" y="6500189"/>
-            <a:ext cx="1406360" cy="312685"/>
-          </a:xfrm>
-          <a:prstGeom prst="rect">
-            <a:avLst/>
-          </a:prstGeom>
-        </p:spPr>
-      </p:pic>
-      <p:pic>
-        <p:nvPicPr>
-          <p:cNvPr id="20" name="Imagem 19">
-            <a:extLst>
-              <a:ext uri="{FF2B5EF4-FFF2-40B4-BE49-F238E27FC236}">
-                <a16:creationId xmlns:a16="http://schemas.microsoft.com/office/drawing/2014/main" id="{6CD0FD5A-68D1-43A1-B272-5075BD7AD919}"/>
-              </a:ext>
-            </a:extLst>
-          </p:cNvPr>
-          <p:cNvPicPr>
-            <a:picLocks noChangeAspect="1"/>
-          </p:cNvPicPr>
-          <p:nvPr/>
-        </p:nvPicPr>
         <p:blipFill>
-          <a:blip r:embed="rId3">
-            <a:extLst>
-              <a:ext uri="{28A0092B-C50C-407E-A947-70E740481C1C}">
-                <a14:useLocalDpi xmlns:a14="http://schemas.microsoft.com/office/drawing/2010/main" val="0"/>
-              </a:ext>
-            </a:extLst>
-          </a:blip>
+          <a:blip r:embed="rId3"/>
           <a:stretch>
             <a:fillRect/>
           </a:stretch>
         </p:blipFill>
         <p:spPr>
           <a:xfrm>
-            <a:off x="3108071" y="1886467"/>
-            <a:ext cx="6217921" cy="4424209"/>
-          </a:xfrm>
-          <a:prstGeom prst="rect">
-            <a:avLst/>
-          </a:prstGeom>
-        </p:spPr>
-      </p:pic>
-      <p:pic>
-        <p:nvPicPr>
-          <p:cNvPr id="25" name="Imagem 24">
-            <a:extLst>
-              <a:ext uri="{FF2B5EF4-FFF2-40B4-BE49-F238E27FC236}">
-                <a16:creationId xmlns:a16="http://schemas.microsoft.com/office/drawing/2014/main" id="{1A4E1E08-F045-4BA4-9D9C-959A83A721C6}"/>
-              </a:ext>
-            </a:extLst>
-          </p:cNvPr>
-          <p:cNvPicPr>
-            <a:picLocks noChangeAspect="1"/>
-          </p:cNvPicPr>
-          <p:nvPr/>
-        </p:nvPicPr>
-        <p:blipFill>
-          <a:blip r:embed="rId4"/>
-          <a:stretch>
-            <a:fillRect/>
-          </a:stretch>
-        </p:blipFill>
-        <p:spPr>
-          <a:xfrm>
-            <a:off x="5589258" y="0"/>
+            <a:off x="2794629" y="656948"/>
             <a:ext cx="6602742" cy="4618012"/>
           </a:xfrm>
           <a:prstGeom prst="rect">
@@ -18074,10 +17817,10 @@
       </p:grpSpPr>
       <p:sp>
         <p:nvSpPr>
-          <p:cNvPr id="6" name="Título 1">
-            <a:extLst>
-              <a:ext uri="{FF2B5EF4-FFF2-40B4-BE49-F238E27FC236}">
-                <a16:creationId xmlns:a16="http://schemas.microsoft.com/office/drawing/2014/main" id="{3E5EB62F-CC0E-4F07-83F0-8B93C570BF51}"/>
+          <p:cNvPr id="8" name="Marcador de Posição do Rodapé 3">
+            <a:extLst>
+              <a:ext uri="{FF2B5EF4-FFF2-40B4-BE49-F238E27FC236}">
+                <a16:creationId xmlns:a16="http://schemas.microsoft.com/office/drawing/2014/main" id="{6EBD781A-84DC-4C10-BA57-C70B24FD3856}"/>
               </a:ext>
             </a:extLst>
           </p:cNvPr>
@@ -18085,50 +17828,101 @@
             <a:spLocks noGrp="1"/>
           </p:cNvSpPr>
           <p:nvPr>
-            <p:ph type="title"/>
+            <p:ph type="ftr" sz="quarter" idx="11"/>
           </p:nvPr>
         </p:nvSpPr>
         <p:spPr>
           <a:xfrm>
-            <a:off x="1097280" y="286603"/>
-            <a:ext cx="10058400" cy="1450757"/>
+            <a:off x="3686185" y="6459785"/>
+            <a:ext cx="4822804" cy="365125"/>
           </a:xfrm>
         </p:spPr>
         <p:txBody>
           <a:bodyPr/>
           <a:lstStyle/>
           <a:p>
-            <a:pPr algn="ctr"/>
-            <a:r>
-              <a:rPr lang="pt-PT" sz="8000" dirty="0">
-                <a:solidFill>
-                  <a:schemeClr val="tx1">
-                    <a:lumMod val="85000"/>
-                    <a:lumOff val="15000"/>
-                  </a:schemeClr>
-                </a:solidFill>
-                <a:latin typeface="Bahnschrift SemiLight" panose="020B0502040204020203" pitchFamily="34" charset="0"/>
-              </a:rPr>
-              <a:t>Diagrama de Classes</a:t>
-            </a:r>
-            <a:endParaRPr lang="en-GB" sz="8000" dirty="0">
-              <a:solidFill>
-                <a:schemeClr val="tx1">
-                  <a:lumMod val="85000"/>
-                  <a:lumOff val="15000"/>
-                </a:schemeClr>
-              </a:solidFill>
-              <a:latin typeface="Bahnschrift SemiLight" panose="020B0502040204020203" pitchFamily="34" charset="0"/>
-            </a:endParaRPr>
-          </a:p>
-        </p:txBody>
-      </p:sp>
+            <a:r>
+              <a:rPr lang="en-GB" sz="2400" b="1" dirty="0"/>
+              <a:t>2MIEIC04_G1</a:t>
+            </a:r>
+          </a:p>
+        </p:txBody>
+      </p:sp>
+      <p:sp>
+        <p:nvSpPr>
+          <p:cNvPr id="9" name="Marcador de Posição do Número do Diapositivo 5">
+            <a:extLst>
+              <a:ext uri="{FF2B5EF4-FFF2-40B4-BE49-F238E27FC236}">
+                <a16:creationId xmlns:a16="http://schemas.microsoft.com/office/drawing/2014/main" id="{D748FE94-0865-4A78-86B6-EB9CD2E53675}"/>
+              </a:ext>
+            </a:extLst>
+          </p:cNvPr>
+          <p:cNvSpPr>
+            <a:spLocks noGrp="1"/>
+          </p:cNvSpPr>
+          <p:nvPr>
+            <p:ph type="sldNum" sz="quarter" idx="12"/>
+          </p:nvPr>
+        </p:nvSpPr>
+        <p:spPr>
+          <a:xfrm>
+            <a:off x="9900458" y="6459785"/>
+            <a:ext cx="1312025" cy="365125"/>
+          </a:xfrm>
+        </p:spPr>
+        <p:txBody>
+          <a:bodyPr/>
+          <a:lstStyle/>
+          <a:p>
+            <a:fld id="{75DB3F52-068C-4339-9FA6-06F9AAEB3337}" type="slidenum">
+              <a:rPr lang="en-GB" sz="2400"/>
+              <a:t>8</a:t>
+            </a:fld>
+            <a:endParaRPr lang="en-GB" sz="2400" dirty="0"/>
+          </a:p>
+        </p:txBody>
+      </p:sp>
+      <p:pic>
+        <p:nvPicPr>
+          <p:cNvPr id="10" name="Imagem 9">
+            <a:extLst>
+              <a:ext uri="{FF2B5EF4-FFF2-40B4-BE49-F238E27FC236}">
+                <a16:creationId xmlns:a16="http://schemas.microsoft.com/office/drawing/2014/main" id="{029A7FD2-66BC-4493-B1B8-5C9DDA0937A0}"/>
+              </a:ext>
+            </a:extLst>
+          </p:cNvPr>
+          <p:cNvPicPr>
+            <a:picLocks noChangeAspect="1"/>
+          </p:cNvPicPr>
+          <p:nvPr/>
+        </p:nvPicPr>
+        <p:blipFill rotWithShape="1">
+          <a:blip r:embed="rId2">
+            <a:extLst>
+              <a:ext uri="{28A0092B-C50C-407E-A947-70E740481C1C}">
+                <a14:useLocalDpi xmlns:a14="http://schemas.microsoft.com/office/drawing/2010/main" val="0"/>
+              </a:ext>
+            </a:extLst>
+          </a:blip>
+          <a:srcRect r="39904"/>
+          <a:stretch/>
+        </p:blipFill>
+        <p:spPr>
+          <a:xfrm>
+            <a:off x="1097280" y="6500189"/>
+            <a:ext cx="1406360" cy="312685"/>
+          </a:xfrm>
+          <a:prstGeom prst="rect">
+            <a:avLst/>
+          </a:prstGeom>
+        </p:spPr>
+      </p:pic>
       <p:cxnSp>
         <p:nvCxnSpPr>
-          <p:cNvPr id="7" name="Conexão reta 6">
-            <a:extLst>
-              <a:ext uri="{FF2B5EF4-FFF2-40B4-BE49-F238E27FC236}">
-                <a16:creationId xmlns:a16="http://schemas.microsoft.com/office/drawing/2014/main" id="{5FAB887A-190C-45A7-A0F5-D82D69D1CF4D}"/>
+          <p:cNvPr id="12" name="Conexão reta 11">
+            <a:extLst>
+              <a:ext uri="{FF2B5EF4-FFF2-40B4-BE49-F238E27FC236}">
+                <a16:creationId xmlns:a16="http://schemas.microsoft.com/office/drawing/2014/main" id="{93C44367-2944-4252-BE6D-A966BF58EF9E}"/>
               </a:ext>
             </a:extLst>
           </p:cNvPr>
@@ -18138,16 +17932,16 @@
           <p:nvPr/>
         </p:nvCxnSpPr>
         <p:spPr>
-          <a:xfrm flipH="1">
-            <a:off x="1097280" y="1737360"/>
-            <a:ext cx="10239504" cy="0"/>
+          <a:xfrm>
+            <a:off x="754602" y="1740023"/>
+            <a:ext cx="10457881" cy="0"/>
           </a:xfrm>
           <a:prstGeom prst="line">
             <a:avLst/>
           </a:prstGeom>
           <a:ln>
             <a:solidFill>
-              <a:srgbClr val="8C2D19"/>
+              <a:srgbClr val="404040"/>
             </a:solidFill>
           </a:ln>
         </p:spPr>
@@ -18166,79 +17960,12 @@
           </a:fontRef>
         </p:style>
       </p:cxnSp>
-      <p:sp>
-        <p:nvSpPr>
-          <p:cNvPr id="8" name="Marcador de Posição do Rodapé 3">
-            <a:extLst>
-              <a:ext uri="{FF2B5EF4-FFF2-40B4-BE49-F238E27FC236}">
-                <a16:creationId xmlns:a16="http://schemas.microsoft.com/office/drawing/2014/main" id="{6EBD781A-84DC-4C10-BA57-C70B24FD3856}"/>
-              </a:ext>
-            </a:extLst>
-          </p:cNvPr>
-          <p:cNvSpPr>
-            <a:spLocks noGrp="1"/>
-          </p:cNvSpPr>
-          <p:nvPr>
-            <p:ph type="ftr" sz="quarter" idx="11"/>
-          </p:nvPr>
-        </p:nvSpPr>
-        <p:spPr>
-          <a:xfrm>
-            <a:off x="3686185" y="6459785"/>
-            <a:ext cx="4822804" cy="365125"/>
-          </a:xfrm>
-        </p:spPr>
-        <p:txBody>
-          <a:bodyPr/>
-          <a:lstStyle/>
-          <a:p>
-            <a:r>
-              <a:rPr lang="en-GB" sz="2400" b="1" dirty="0"/>
-              <a:t>2MIEIC04_G1</a:t>
-            </a:r>
-          </a:p>
-        </p:txBody>
-      </p:sp>
-      <p:sp>
-        <p:nvSpPr>
-          <p:cNvPr id="9" name="Marcador de Posição do Número do Diapositivo 5">
-            <a:extLst>
-              <a:ext uri="{FF2B5EF4-FFF2-40B4-BE49-F238E27FC236}">
-                <a16:creationId xmlns:a16="http://schemas.microsoft.com/office/drawing/2014/main" id="{D748FE94-0865-4A78-86B6-EB9CD2E53675}"/>
-              </a:ext>
-            </a:extLst>
-          </p:cNvPr>
-          <p:cNvSpPr>
-            <a:spLocks noGrp="1"/>
-          </p:cNvSpPr>
-          <p:nvPr>
-            <p:ph type="sldNum" sz="quarter" idx="12"/>
-          </p:nvPr>
-        </p:nvSpPr>
-        <p:spPr>
-          <a:xfrm>
-            <a:off x="9900458" y="6459785"/>
-            <a:ext cx="1312025" cy="365125"/>
-          </a:xfrm>
-        </p:spPr>
-        <p:txBody>
-          <a:bodyPr/>
-          <a:lstStyle/>
-          <a:p>
-            <a:fld id="{75DB3F52-068C-4339-9FA6-06F9AAEB3337}" type="slidenum">
-              <a:rPr lang="en-GB" sz="2400"/>
-              <a:t>8</a:t>
-            </a:fld>
-            <a:endParaRPr lang="en-GB" sz="2400" dirty="0"/>
-          </a:p>
-        </p:txBody>
-      </p:sp>
       <p:pic>
         <p:nvPicPr>
-          <p:cNvPr id="10" name="Imagem 9">
-            <a:extLst>
-              <a:ext uri="{FF2B5EF4-FFF2-40B4-BE49-F238E27FC236}">
-                <a16:creationId xmlns:a16="http://schemas.microsoft.com/office/drawing/2014/main" id="{029A7FD2-66BC-4493-B1B8-5C9DDA0937A0}"/>
+          <p:cNvPr id="15" name="Imagem 14">
+            <a:extLst>
+              <a:ext uri="{FF2B5EF4-FFF2-40B4-BE49-F238E27FC236}">
+                <a16:creationId xmlns:a16="http://schemas.microsoft.com/office/drawing/2014/main" id="{CF06A692-EF8A-4407-AB3A-6AD3F501CC87}"/>
               </a:ext>
             </a:extLst>
           </p:cNvPr>
@@ -18247,86 +17974,15 @@
           </p:cNvPicPr>
           <p:nvPr/>
         </p:nvPicPr>
-        <p:blipFill rotWithShape="1">
-          <a:blip r:embed="rId2">
-            <a:extLst>
-              <a:ext uri="{28A0092B-C50C-407E-A947-70E740481C1C}">
-                <a14:useLocalDpi xmlns:a14="http://schemas.microsoft.com/office/drawing/2010/main" val="0"/>
-              </a:ext>
-            </a:extLst>
-          </a:blip>
-          <a:srcRect r="39904"/>
-          <a:stretch/>
-        </p:blipFill>
-        <p:spPr>
-          <a:xfrm>
-            <a:off x="1097280" y="6500189"/>
-            <a:ext cx="1406360" cy="312685"/>
-          </a:xfrm>
-          <a:prstGeom prst="rect">
-            <a:avLst/>
-          </a:prstGeom>
-        </p:spPr>
-      </p:pic>
-      <p:pic>
-        <p:nvPicPr>
-          <p:cNvPr id="11" name="Imagem 10">
-            <a:extLst>
-              <a:ext uri="{FF2B5EF4-FFF2-40B4-BE49-F238E27FC236}">
-                <a16:creationId xmlns:a16="http://schemas.microsoft.com/office/drawing/2014/main" id="{4FE9B113-1D02-4070-87E1-9AE6DFC9466A}"/>
-              </a:ext>
-            </a:extLst>
-          </p:cNvPr>
-          <p:cNvPicPr>
-            <a:picLocks noChangeAspect="1"/>
-          </p:cNvPicPr>
-          <p:nvPr/>
-        </p:nvPicPr>
         <p:blipFill>
-          <a:blip r:embed="rId3">
-            <a:extLst>
-              <a:ext uri="{28A0092B-C50C-407E-A947-70E740481C1C}">
-                <a14:useLocalDpi xmlns:a14="http://schemas.microsoft.com/office/drawing/2010/main" val="0"/>
-              </a:ext>
-            </a:extLst>
-          </a:blip>
+          <a:blip r:embed="rId3"/>
           <a:stretch>
             <a:fillRect/>
           </a:stretch>
         </p:blipFill>
         <p:spPr>
           <a:xfrm>
-            <a:off x="3108071" y="1886467"/>
-            <a:ext cx="6217921" cy="4424209"/>
-          </a:xfrm>
-          <a:prstGeom prst="rect">
-            <a:avLst/>
-          </a:prstGeom>
-        </p:spPr>
-      </p:pic>
-      <p:pic>
-        <p:nvPicPr>
-          <p:cNvPr id="15" name="Imagem 14">
-            <a:extLst>
-              <a:ext uri="{FF2B5EF4-FFF2-40B4-BE49-F238E27FC236}">
-                <a16:creationId xmlns:a16="http://schemas.microsoft.com/office/drawing/2014/main" id="{CF06A692-EF8A-4407-AB3A-6AD3F501CC87}"/>
-              </a:ext>
-            </a:extLst>
-          </p:cNvPr>
-          <p:cNvPicPr>
-            <a:picLocks noChangeAspect="1"/>
-          </p:cNvPicPr>
-          <p:nvPr/>
-        </p:nvPicPr>
-        <p:blipFill>
-          <a:blip r:embed="rId4"/>
-          <a:stretch>
-            <a:fillRect/>
-          </a:stretch>
-        </p:blipFill>
-        <p:spPr>
-          <a:xfrm>
-            <a:off x="4418926" y="124188"/>
+            <a:off x="2342628" y="195602"/>
             <a:ext cx="7773074" cy="6264183"/>
           </a:xfrm>
           <a:prstGeom prst="rect">
@@ -18366,10 +18022,10 @@
       </p:grpSpPr>
       <p:sp>
         <p:nvSpPr>
-          <p:cNvPr id="6" name="Título 1">
-            <a:extLst>
-              <a:ext uri="{FF2B5EF4-FFF2-40B4-BE49-F238E27FC236}">
-                <a16:creationId xmlns:a16="http://schemas.microsoft.com/office/drawing/2014/main" id="{2165DE36-E790-48D7-983E-2323D4BF0116}"/>
+          <p:cNvPr id="8" name="Marcador de Posição do Rodapé 3">
+            <a:extLst>
+              <a:ext uri="{FF2B5EF4-FFF2-40B4-BE49-F238E27FC236}">
+                <a16:creationId xmlns:a16="http://schemas.microsoft.com/office/drawing/2014/main" id="{6D354033-C90C-472A-AFB9-835E64FED122}"/>
               </a:ext>
             </a:extLst>
           </p:cNvPr>
@@ -18377,50 +18033,101 @@
             <a:spLocks noGrp="1"/>
           </p:cNvSpPr>
           <p:nvPr>
-            <p:ph type="title"/>
+            <p:ph type="ftr" sz="quarter" idx="11"/>
           </p:nvPr>
         </p:nvSpPr>
         <p:spPr>
           <a:xfrm>
-            <a:off x="1097280" y="286603"/>
-            <a:ext cx="10058400" cy="1450757"/>
+            <a:off x="3686185" y="6459785"/>
+            <a:ext cx="4822804" cy="365125"/>
           </a:xfrm>
         </p:spPr>
         <p:txBody>
           <a:bodyPr/>
           <a:lstStyle/>
           <a:p>
-            <a:pPr algn="ctr"/>
-            <a:r>
-              <a:rPr lang="pt-PT" sz="8000" dirty="0">
-                <a:solidFill>
-                  <a:schemeClr val="tx1">
-                    <a:lumMod val="85000"/>
-                    <a:lumOff val="15000"/>
-                  </a:schemeClr>
-                </a:solidFill>
-                <a:latin typeface="Bahnschrift SemiLight" panose="020B0502040204020203" pitchFamily="34" charset="0"/>
-              </a:rPr>
-              <a:t>Diagrama de Classes</a:t>
-            </a:r>
-            <a:endParaRPr lang="en-GB" sz="8000" dirty="0">
-              <a:solidFill>
-                <a:schemeClr val="tx1">
-                  <a:lumMod val="85000"/>
-                  <a:lumOff val="15000"/>
-                </a:schemeClr>
-              </a:solidFill>
-              <a:latin typeface="Bahnschrift SemiLight" panose="020B0502040204020203" pitchFamily="34" charset="0"/>
-            </a:endParaRPr>
-          </a:p>
-        </p:txBody>
-      </p:sp>
+            <a:r>
+              <a:rPr lang="en-GB" sz="2400" b="1" dirty="0"/>
+              <a:t>2MIEIC04_G1</a:t>
+            </a:r>
+          </a:p>
+        </p:txBody>
+      </p:sp>
+      <p:sp>
+        <p:nvSpPr>
+          <p:cNvPr id="9" name="Marcador de Posição do Número do Diapositivo 5">
+            <a:extLst>
+              <a:ext uri="{FF2B5EF4-FFF2-40B4-BE49-F238E27FC236}">
+                <a16:creationId xmlns:a16="http://schemas.microsoft.com/office/drawing/2014/main" id="{E8390807-1961-400E-B225-A56AD233389D}"/>
+              </a:ext>
+            </a:extLst>
+          </p:cNvPr>
+          <p:cNvSpPr>
+            <a:spLocks noGrp="1"/>
+          </p:cNvSpPr>
+          <p:nvPr>
+            <p:ph type="sldNum" sz="quarter" idx="12"/>
+          </p:nvPr>
+        </p:nvSpPr>
+        <p:spPr>
+          <a:xfrm>
+            <a:off x="9900458" y="6459785"/>
+            <a:ext cx="1312025" cy="365125"/>
+          </a:xfrm>
+        </p:spPr>
+        <p:txBody>
+          <a:bodyPr/>
+          <a:lstStyle/>
+          <a:p>
+            <a:fld id="{75DB3F52-068C-4339-9FA6-06F9AAEB3337}" type="slidenum">
+              <a:rPr lang="en-GB" sz="2400"/>
+              <a:t>9</a:t>
+            </a:fld>
+            <a:endParaRPr lang="en-GB" sz="2400" dirty="0"/>
+          </a:p>
+        </p:txBody>
+      </p:sp>
+      <p:pic>
+        <p:nvPicPr>
+          <p:cNvPr id="10" name="Imagem 9">
+            <a:extLst>
+              <a:ext uri="{FF2B5EF4-FFF2-40B4-BE49-F238E27FC236}">
+                <a16:creationId xmlns:a16="http://schemas.microsoft.com/office/drawing/2014/main" id="{F065313D-C53B-4608-9452-99E89DC9F35D}"/>
+              </a:ext>
+            </a:extLst>
+          </p:cNvPr>
+          <p:cNvPicPr>
+            <a:picLocks noChangeAspect="1"/>
+          </p:cNvPicPr>
+          <p:nvPr/>
+        </p:nvPicPr>
+        <p:blipFill rotWithShape="1">
+          <a:blip r:embed="rId2">
+            <a:extLst>
+              <a:ext uri="{28A0092B-C50C-407E-A947-70E740481C1C}">
+                <a14:useLocalDpi xmlns:a14="http://schemas.microsoft.com/office/drawing/2010/main" val="0"/>
+              </a:ext>
+            </a:extLst>
+          </a:blip>
+          <a:srcRect r="39904"/>
+          <a:stretch/>
+        </p:blipFill>
+        <p:spPr>
+          <a:xfrm>
+            <a:off x="1097280" y="6500189"/>
+            <a:ext cx="1406360" cy="312685"/>
+          </a:xfrm>
+          <a:prstGeom prst="rect">
+            <a:avLst/>
+          </a:prstGeom>
+        </p:spPr>
+      </p:pic>
       <p:cxnSp>
         <p:nvCxnSpPr>
-          <p:cNvPr id="7" name="Conexão reta 6">
-            <a:extLst>
-              <a:ext uri="{FF2B5EF4-FFF2-40B4-BE49-F238E27FC236}">
-                <a16:creationId xmlns:a16="http://schemas.microsoft.com/office/drawing/2014/main" id="{B7590F06-EFA4-40CF-8FEE-3788C279A307}"/>
+          <p:cNvPr id="12" name="Conexão reta 11">
+            <a:extLst>
+              <a:ext uri="{FF2B5EF4-FFF2-40B4-BE49-F238E27FC236}">
+                <a16:creationId xmlns:a16="http://schemas.microsoft.com/office/drawing/2014/main" id="{256D24C7-125F-4C35-B12A-0940151B698B}"/>
               </a:ext>
             </a:extLst>
           </p:cNvPr>
@@ -18430,16 +18137,16 @@
           <p:nvPr/>
         </p:nvCxnSpPr>
         <p:spPr>
-          <a:xfrm flipH="1">
-            <a:off x="1097280" y="1737360"/>
-            <a:ext cx="10239504" cy="0"/>
+          <a:xfrm>
+            <a:off x="754602" y="1740023"/>
+            <a:ext cx="10457881" cy="0"/>
           </a:xfrm>
           <a:prstGeom prst="line">
             <a:avLst/>
           </a:prstGeom>
           <a:ln>
             <a:solidFill>
-              <a:srgbClr val="8C2D19"/>
+              <a:srgbClr val="404040"/>
             </a:solidFill>
           </a:ln>
         </p:spPr>
@@ -18458,79 +18165,12 @@
           </a:fontRef>
         </p:style>
       </p:cxnSp>
-      <p:sp>
-        <p:nvSpPr>
-          <p:cNvPr id="8" name="Marcador de Posição do Rodapé 3">
-            <a:extLst>
-              <a:ext uri="{FF2B5EF4-FFF2-40B4-BE49-F238E27FC236}">
-                <a16:creationId xmlns:a16="http://schemas.microsoft.com/office/drawing/2014/main" id="{6D354033-C90C-472A-AFB9-835E64FED122}"/>
-              </a:ext>
-            </a:extLst>
-          </p:cNvPr>
-          <p:cNvSpPr>
-            <a:spLocks noGrp="1"/>
-          </p:cNvSpPr>
-          <p:nvPr>
-            <p:ph type="ftr" sz="quarter" idx="11"/>
-          </p:nvPr>
-        </p:nvSpPr>
-        <p:spPr>
-          <a:xfrm>
-            <a:off x="3686185" y="6459785"/>
-            <a:ext cx="4822804" cy="365125"/>
-          </a:xfrm>
-        </p:spPr>
-        <p:txBody>
-          <a:bodyPr/>
-          <a:lstStyle/>
-          <a:p>
-            <a:r>
-              <a:rPr lang="en-GB" sz="2400" b="1" dirty="0"/>
-              <a:t>2MIEIC04_G1</a:t>
-            </a:r>
-          </a:p>
-        </p:txBody>
-      </p:sp>
-      <p:sp>
-        <p:nvSpPr>
-          <p:cNvPr id="9" name="Marcador de Posição do Número do Diapositivo 5">
-            <a:extLst>
-              <a:ext uri="{FF2B5EF4-FFF2-40B4-BE49-F238E27FC236}">
-                <a16:creationId xmlns:a16="http://schemas.microsoft.com/office/drawing/2014/main" id="{E8390807-1961-400E-B225-A56AD233389D}"/>
-              </a:ext>
-            </a:extLst>
-          </p:cNvPr>
-          <p:cNvSpPr>
-            <a:spLocks noGrp="1"/>
-          </p:cNvSpPr>
-          <p:nvPr>
-            <p:ph type="sldNum" sz="quarter" idx="12"/>
-          </p:nvPr>
-        </p:nvSpPr>
-        <p:spPr>
-          <a:xfrm>
-            <a:off x="9900458" y="6459785"/>
-            <a:ext cx="1312025" cy="365125"/>
-          </a:xfrm>
-        </p:spPr>
-        <p:txBody>
-          <a:bodyPr/>
-          <a:lstStyle/>
-          <a:p>
-            <a:fld id="{75DB3F52-068C-4339-9FA6-06F9AAEB3337}" type="slidenum">
-              <a:rPr lang="en-GB" sz="2400"/>
-              <a:t>9</a:t>
-            </a:fld>
-            <a:endParaRPr lang="en-GB" sz="2400" dirty="0"/>
-          </a:p>
-        </p:txBody>
-      </p:sp>
       <p:pic>
         <p:nvPicPr>
-          <p:cNvPr id="10" name="Imagem 9">
-            <a:extLst>
-              <a:ext uri="{FF2B5EF4-FFF2-40B4-BE49-F238E27FC236}">
-                <a16:creationId xmlns:a16="http://schemas.microsoft.com/office/drawing/2014/main" id="{F065313D-C53B-4608-9452-99E89DC9F35D}"/>
+          <p:cNvPr id="16" name="Imagem 15">
+            <a:extLst>
+              <a:ext uri="{FF2B5EF4-FFF2-40B4-BE49-F238E27FC236}">
+                <a16:creationId xmlns:a16="http://schemas.microsoft.com/office/drawing/2014/main" id="{C7AA71F6-565F-4774-88DD-C195048F2C06}"/>
               </a:ext>
             </a:extLst>
           </p:cNvPr>
@@ -18539,86 +18179,15 @@
           </p:cNvPicPr>
           <p:nvPr/>
         </p:nvPicPr>
-        <p:blipFill rotWithShape="1">
-          <a:blip r:embed="rId2">
-            <a:extLst>
-              <a:ext uri="{28A0092B-C50C-407E-A947-70E740481C1C}">
-                <a14:useLocalDpi xmlns:a14="http://schemas.microsoft.com/office/drawing/2010/main" val="0"/>
-              </a:ext>
-            </a:extLst>
-          </a:blip>
-          <a:srcRect r="39904"/>
-          <a:stretch/>
-        </p:blipFill>
-        <p:spPr>
-          <a:xfrm>
-            <a:off x="1097280" y="6500189"/>
-            <a:ext cx="1406360" cy="312685"/>
-          </a:xfrm>
-          <a:prstGeom prst="rect">
-            <a:avLst/>
-          </a:prstGeom>
-        </p:spPr>
-      </p:pic>
-      <p:pic>
-        <p:nvPicPr>
-          <p:cNvPr id="11" name="Imagem 10">
-            <a:extLst>
-              <a:ext uri="{FF2B5EF4-FFF2-40B4-BE49-F238E27FC236}">
-                <a16:creationId xmlns:a16="http://schemas.microsoft.com/office/drawing/2014/main" id="{40EE3C63-A813-49ED-B5F4-48CE1D2C9A6F}"/>
-              </a:ext>
-            </a:extLst>
-          </p:cNvPr>
-          <p:cNvPicPr>
-            <a:picLocks noChangeAspect="1"/>
-          </p:cNvPicPr>
-          <p:nvPr/>
-        </p:nvPicPr>
         <p:blipFill>
-          <a:blip r:embed="rId3">
-            <a:extLst>
-              <a:ext uri="{28A0092B-C50C-407E-A947-70E740481C1C}">
-                <a14:useLocalDpi xmlns:a14="http://schemas.microsoft.com/office/drawing/2010/main" val="0"/>
-              </a:ext>
-            </a:extLst>
-          </a:blip>
+          <a:blip r:embed="rId3"/>
           <a:stretch>
             <a:fillRect/>
           </a:stretch>
         </p:blipFill>
         <p:spPr>
           <a:xfrm>
-            <a:off x="3108071" y="1886467"/>
-            <a:ext cx="6217921" cy="4424209"/>
-          </a:xfrm>
-          <a:prstGeom prst="rect">
-            <a:avLst/>
-          </a:prstGeom>
-        </p:spPr>
-      </p:pic>
-      <p:pic>
-        <p:nvPicPr>
-          <p:cNvPr id="16" name="Imagem 15">
-            <a:extLst>
-              <a:ext uri="{FF2B5EF4-FFF2-40B4-BE49-F238E27FC236}">
-                <a16:creationId xmlns:a16="http://schemas.microsoft.com/office/drawing/2014/main" id="{C7AA71F6-565F-4774-88DD-C195048F2C06}"/>
-              </a:ext>
-            </a:extLst>
-          </p:cNvPr>
-          <p:cNvPicPr>
-            <a:picLocks noChangeAspect="1"/>
-          </p:cNvPicPr>
-          <p:nvPr/>
-        </p:nvPicPr>
-        <p:blipFill>
-          <a:blip r:embed="rId4"/>
-          <a:stretch>
-            <a:fillRect/>
-          </a:stretch>
-        </p:blipFill>
-        <p:spPr>
-          <a:xfrm>
-            <a:off x="0" y="0"/>
+            <a:off x="2865442" y="33090"/>
             <a:ext cx="6461115" cy="6873692"/>
           </a:xfrm>
           <a:prstGeom prst="rect">

--- a/StreamZ_Apresentation4.pptx
+++ b/StreamZ_Apresentation4.pptx
@@ -377,7 +377,7 @@
           <a:p>
             <a:fld id="{B3BE95CB-A87E-409C-9CB9-073D81AF8FD7}" type="slidenum">
               <a:rPr lang="en-GB" smtClean="0"/>
-              <a:t>‹nº›</a:t>
+              <a:t>‹#›</a:t>
             </a:fld>
             <a:endParaRPr lang="en-GB"/>
           </a:p>
@@ -759,7 +759,7 @@
           <a:p>
             <a:fld id="{75DB3F52-068C-4339-9FA6-06F9AAEB3337}" type="slidenum">
               <a:rPr lang="en-GB" smtClean="0"/>
-              <a:t>‹nº›</a:t>
+              <a:t>‹#›</a:t>
             </a:fld>
             <a:endParaRPr lang="en-GB"/>
           </a:p>
@@ -970,7 +970,7 @@
           <a:p>
             <a:fld id="{75DB3F52-068C-4339-9FA6-06F9AAEB3337}" type="slidenum">
               <a:rPr lang="en-GB" smtClean="0"/>
-              <a:t>‹nº›</a:t>
+              <a:t>‹#›</a:t>
             </a:fld>
             <a:endParaRPr lang="en-GB"/>
           </a:p>
@@ -1231,7 +1231,7 @@
           <a:p>
             <a:fld id="{75DB3F52-068C-4339-9FA6-06F9AAEB3337}" type="slidenum">
               <a:rPr lang="en-GB" smtClean="0"/>
-              <a:t>‹nº›</a:t>
+              <a:t>‹#›</a:t>
             </a:fld>
             <a:endParaRPr lang="en-GB"/>
           </a:p>
@@ -1404,7 +1404,7 @@
           <a:p>
             <a:fld id="{75DB3F52-068C-4339-9FA6-06F9AAEB3337}" type="slidenum">
               <a:rPr lang="en-GB" smtClean="0"/>
-              <a:t>‹nº›</a:t>
+              <a:t>‹#›</a:t>
             </a:fld>
             <a:endParaRPr lang="en-GB"/>
           </a:p>
@@ -1744,7 +1744,7 @@
           <a:p>
             <a:fld id="{75DB3F52-068C-4339-9FA6-06F9AAEB3337}" type="slidenum">
               <a:rPr lang="en-GB" smtClean="0"/>
-              <a:t>‹nº›</a:t>
+              <a:t>‹#›</a:t>
             </a:fld>
             <a:endParaRPr lang="en-GB"/>
           </a:p>
@@ -2022,7 +2022,7 @@
           <a:p>
             <a:fld id="{75DB3F52-068C-4339-9FA6-06F9AAEB3337}" type="slidenum">
               <a:rPr lang="en-GB" smtClean="0"/>
-              <a:t>‹nº›</a:t>
+              <a:t>‹#›</a:t>
             </a:fld>
             <a:endParaRPr lang="en-GB"/>
           </a:p>
@@ -2408,7 +2408,7 @@
           <a:p>
             <a:fld id="{75DB3F52-068C-4339-9FA6-06F9AAEB3337}" type="slidenum">
               <a:rPr lang="en-GB" smtClean="0"/>
-              <a:t>‹nº›</a:t>
+              <a:t>‹#›</a:t>
             </a:fld>
             <a:endParaRPr lang="en-GB"/>
           </a:p>
@@ -2529,7 +2529,7 @@
           <a:p>
             <a:fld id="{75DB3F52-068C-4339-9FA6-06F9AAEB3337}" type="slidenum">
               <a:rPr lang="en-GB" smtClean="0"/>
-              <a:t>‹nº›</a:t>
+              <a:t>‹#›</a:t>
             </a:fld>
             <a:endParaRPr lang="en-GB"/>
           </a:p>
@@ -2713,7 +2713,7 @@
           <a:p>
             <a:fld id="{75DB3F52-068C-4339-9FA6-06F9AAEB3337}" type="slidenum">
               <a:rPr lang="en-GB" smtClean="0"/>
-              <a:t>‹nº›</a:t>
+              <a:t>‹#›</a:t>
             </a:fld>
             <a:endParaRPr lang="en-GB"/>
           </a:p>
@@ -3085,7 +3085,7 @@
           <a:p>
             <a:fld id="{75DB3F52-068C-4339-9FA6-06F9AAEB3337}" type="slidenum">
               <a:rPr lang="en-GB" smtClean="0"/>
-              <a:t>‹nº›</a:t>
+              <a:t>‹#›</a:t>
             </a:fld>
             <a:endParaRPr lang="en-GB"/>
           </a:p>
@@ -3431,7 +3431,7 @@
           <a:p>
             <a:fld id="{75DB3F52-068C-4339-9FA6-06F9AAEB3337}" type="slidenum">
               <a:rPr lang="en-GB" smtClean="0"/>
-              <a:t>‹nº›</a:t>
+              <a:t>‹#›</a:t>
             </a:fld>
             <a:endParaRPr lang="en-GB"/>
           </a:p>
@@ -3761,7 +3761,7 @@
           <a:p>
             <a:fld id="{75DB3F52-068C-4339-9FA6-06F9AAEB3337}" type="slidenum">
               <a:rPr lang="en-GB" smtClean="0"/>
-              <a:t>‹nº›</a:t>
+              <a:t>‹#›</a:t>
             </a:fld>
             <a:endParaRPr lang="en-GB"/>
           </a:p>
@@ -4896,7 +4896,7 @@
                 </a:solidFill>
                 <a:latin typeface="Bahnschrift SemiLight" panose="020B0502040204020203" pitchFamily="34" charset="0"/>
               </a:rPr>
-              <a:t>Ficheiros</a:t>
+              <a:t>Ficheiros - Users</a:t>
             </a:r>
             <a:endParaRPr lang="en-GB" sz="6600" dirty="0">
               <a:solidFill>
@@ -4940,47 +4940,6 @@
           </a:prstGeom>
         </p:spPr>
       </p:pic>
-      <p:sp>
-        <p:nvSpPr>
-          <p:cNvPr id="19" name="CaixaDeTexto 18">
-            <a:extLst>
-              <a:ext uri="{FF2B5EF4-FFF2-40B4-BE49-F238E27FC236}">
-                <a16:creationId xmlns:a16="http://schemas.microsoft.com/office/drawing/2014/main" id="{77FEEC95-2BDB-42D2-82F4-8C14CB9F5E66}"/>
-              </a:ext>
-            </a:extLst>
-          </p:cNvPr>
-          <p:cNvSpPr txBox="1"/>
-          <p:nvPr/>
-        </p:nvSpPr>
-        <p:spPr>
-          <a:xfrm>
-            <a:off x="389823" y="1787840"/>
-            <a:ext cx="3252778" cy="461665"/>
-          </a:xfrm>
-          <a:prstGeom prst="rect">
-            <a:avLst/>
-          </a:prstGeom>
-          <a:noFill/>
-        </p:spPr>
-        <p:txBody>
-          <a:bodyPr wrap="square" rtlCol="0">
-            <a:spAutoFit/>
-          </a:bodyPr>
-          <a:lstStyle/>
-          <a:p>
-            <a:pPr algn="ctr"/>
-            <a:r>
-              <a:rPr lang="pt-PT" sz="2400" dirty="0"/>
-              <a:t>Ficheiro </a:t>
-            </a:r>
-            <a:r>
-              <a:rPr lang="pt-PT" sz="2400" dirty="0" err="1"/>
-              <a:t>Users</a:t>
-            </a:r>
-            <a:endParaRPr lang="en-GB" sz="2400" dirty="0"/>
-          </a:p>
-        </p:txBody>
-      </p:sp>
       <p:cxnSp>
         <p:nvCxnSpPr>
           <p:cNvPr id="21" name="Conexão reta unidirecional 20">
@@ -5843,7 +5802,7 @@
           <a:p>
             <a:r>
               <a:rPr lang="pt-PT" dirty="0"/>
-              <a:t>Após o numero de elementos de um certo parâmetro surgem, separados por “ , “, todos os elementos que lhe pertencem</a:t>
+              <a:t>Após o número de elementos de um certo parâmetro surgem, separados por “ , “ todos os elementos que lhe pertencem</a:t>
             </a:r>
             <a:endParaRPr lang="en-GB" dirty="0"/>
           </a:p>
@@ -6760,7 +6719,7 @@
                 </a:solidFill>
                 <a:latin typeface="Bahnschrift SemiLight" panose="020B0502040204020203" pitchFamily="34" charset="0"/>
               </a:rPr>
-              <a:t>Ficheiros</a:t>
+              <a:t>Ficheiros - Streams</a:t>
             </a:r>
             <a:endParaRPr lang="en-GB" sz="6600" dirty="0">
               <a:solidFill>
@@ -7695,7 +7654,7 @@
         <p:spPr>
           <a:xfrm>
             <a:off x="1197954" y="4996370"/>
-            <a:ext cx="8753913" cy="646331"/>
+            <a:ext cx="9841958" cy="646331"/>
           </a:xfrm>
           <a:prstGeom prst="rect">
             <a:avLst/>
@@ -7710,97 +7669,17 @@
           <a:p>
             <a:r>
               <a:rPr lang="pt-PT" dirty="0"/>
-              <a:t>Após Nº </a:t>
-            </a:r>
-            <a:r>
-              <a:rPr lang="pt-PT" dirty="0" err="1"/>
-              <a:t>Viewers</a:t>
+              <a:t>Após Nº Viewers surge, Nº FeedBack, lista dos nicks e feedback correspondente, Nº likes, Nº dislikes, </a:t>
+            </a:r>
+          </a:p>
+          <a:p>
+            <a:r>
+              <a:rPr lang="pt-PT" sz="1600" dirty="0"/>
+              <a:t>(Se PrivateStream )   </a:t>
             </a:r>
             <a:r>
               <a:rPr lang="pt-PT" dirty="0"/>
-              <a:t> surge, Nº </a:t>
-            </a:r>
-            <a:r>
-              <a:rPr lang="pt-PT" dirty="0" err="1"/>
-              <a:t>FeedBack</a:t>
-            </a:r>
-            <a:r>
-              <a:rPr lang="pt-PT" dirty="0"/>
-              <a:t>, lista dos </a:t>
-            </a:r>
-            <a:r>
-              <a:rPr lang="pt-PT" dirty="0" err="1"/>
-              <a:t>nicks</a:t>
-            </a:r>
-            <a:r>
-              <a:rPr lang="pt-PT" dirty="0"/>
-              <a:t>, Nº </a:t>
-            </a:r>
-            <a:r>
-              <a:rPr lang="pt-PT" dirty="0" err="1"/>
-              <a:t>likes</a:t>
-            </a:r>
-            <a:r>
-              <a:rPr lang="pt-PT" dirty="0"/>
-              <a:t>, Nº </a:t>
-            </a:r>
-            <a:r>
-              <a:rPr lang="pt-PT" dirty="0" err="1"/>
-              <a:t>dislikes</a:t>
-            </a:r>
-            <a:r>
-              <a:rPr lang="pt-PT" dirty="0"/>
-              <a:t>, </a:t>
-            </a:r>
-          </a:p>
-          <a:p>
-            <a:r>
-              <a:rPr lang="pt-PT" sz="1600" dirty="0"/>
-              <a:t>(Se </a:t>
-            </a:r>
-            <a:r>
-              <a:rPr lang="pt-PT" sz="1600" dirty="0" err="1"/>
-              <a:t>PrivateStream</a:t>
-            </a:r>
-            <a:r>
-              <a:rPr lang="pt-PT" sz="1600" dirty="0"/>
-              <a:t> + -&gt;)   </a:t>
-            </a:r>
-            <a:r>
-              <a:rPr lang="pt-PT" dirty="0"/>
-              <a:t>Nº </a:t>
-            </a:r>
-            <a:r>
-              <a:rPr lang="pt-PT" dirty="0" err="1"/>
-              <a:t>comments</a:t>
-            </a:r>
-            <a:r>
-              <a:rPr lang="pt-PT" dirty="0"/>
-              <a:t>, lista dos </a:t>
-            </a:r>
-            <a:r>
-              <a:rPr lang="pt-PT" dirty="0" err="1"/>
-              <a:t>comments</a:t>
-            </a:r>
-            <a:r>
-              <a:rPr lang="pt-PT" dirty="0"/>
-              <a:t>, Nº </a:t>
-            </a:r>
-            <a:r>
-              <a:rPr lang="pt-PT" dirty="0" err="1"/>
-              <a:t>whitelisted</a:t>
-            </a:r>
-            <a:r>
-              <a:rPr lang="pt-PT" dirty="0"/>
-              <a:t>, lista </a:t>
-            </a:r>
-            <a:r>
-              <a:rPr lang="pt-PT" dirty="0" err="1"/>
-              <a:t>nicks</a:t>
-            </a:r>
-            <a:r>
-              <a:rPr lang="pt-PT" dirty="0"/>
-              <a:t> ,</a:t>
+              <a:t>Nº comments, lista dos comments, Nº whitelisted, lista nicks whitelisted ,</a:t>
             </a:r>
             <a:endParaRPr lang="en-GB" dirty="0"/>
           </a:p>
@@ -7821,7 +7700,7 @@
         <p:spPr>
           <a:xfrm>
             <a:off x="1197954" y="5769279"/>
-            <a:ext cx="6099651" cy="369332"/>
+            <a:ext cx="8263306" cy="369332"/>
           </a:xfrm>
           <a:prstGeom prst="rect">
             <a:avLst/>
@@ -7835,44 +7714,8 @@
           <a:lstStyle/>
           <a:p>
             <a:r>
-              <a:rPr lang="pt-PT" dirty="0" err="1"/>
-              <a:t>Comment</a:t>
-            </a:r>
-            <a:r>
               <a:rPr lang="pt-PT" dirty="0"/>
-              <a:t>  = </a:t>
-            </a:r>
-            <a:r>
-              <a:rPr lang="pt-PT" dirty="0" err="1"/>
-              <a:t>nick</a:t>
-            </a:r>
-            <a:r>
-              <a:rPr lang="pt-PT" dirty="0"/>
-              <a:t> , Nº </a:t>
-            </a:r>
-            <a:r>
-              <a:rPr lang="pt-PT" dirty="0" err="1"/>
-              <a:t>words</a:t>
-            </a:r>
-            <a:r>
-              <a:rPr lang="pt-PT" dirty="0"/>
-              <a:t> do </a:t>
-            </a:r>
-            <a:r>
-              <a:rPr lang="pt-PT" dirty="0" err="1"/>
-              <a:t>comment</a:t>
-            </a:r>
-            <a:r>
-              <a:rPr lang="pt-PT" dirty="0"/>
-              <a:t>,  lista das </a:t>
-            </a:r>
-            <a:r>
-              <a:rPr lang="pt-PT" dirty="0" err="1"/>
-              <a:t>words</a:t>
-            </a:r>
-            <a:r>
-              <a:rPr lang="pt-PT" dirty="0"/>
-              <a:t> </a:t>
+              <a:t>Guardar Comment: nick , Nº palavras do comment,  lista das palavras </a:t>
             </a:r>
             <a:endParaRPr lang="en-GB" dirty="0"/>
           </a:p>
@@ -9571,8 +9414,8 @@
           <a:lstStyle/>
           <a:p>
             <a:r>
-              <a:rPr lang="pt-PT" dirty="0" err="1"/>
-              <a:t>DoesNotExists</a:t>
+              <a:rPr lang="pt-PT" dirty="0"/>
+              <a:t>DoesNotExist</a:t>
             </a:r>
             <a:endParaRPr lang="en-GB" dirty="0"/>
           </a:p>
@@ -17982,14 +17825,226 @@
         </p:blipFill>
         <p:spPr>
           <a:xfrm>
-            <a:off x="2342628" y="195602"/>
-            <a:ext cx="7773074" cy="6264183"/>
+            <a:off x="2201265" y="128491"/>
+            <a:ext cx="7564553" cy="6096140"/>
           </a:xfrm>
           <a:prstGeom prst="rect">
             <a:avLst/>
           </a:prstGeom>
         </p:spPr>
       </p:pic>
+      <p:sp>
+        <p:nvSpPr>
+          <p:cNvPr id="7" name="TextBox 6">
+            <a:extLst>
+              <a:ext uri="{FF2B5EF4-FFF2-40B4-BE49-F238E27FC236}">
+                <a16:creationId xmlns:a16="http://schemas.microsoft.com/office/drawing/2014/main" id="{0228B701-F70B-4A81-BDA5-ABC9110C65F3}"/>
+              </a:ext>
+            </a:extLst>
+          </p:cNvPr>
+          <p:cNvSpPr txBox="1"/>
+          <p:nvPr/>
+        </p:nvSpPr>
+        <p:spPr>
+          <a:xfrm>
+            <a:off x="637695" y="5767281"/>
+            <a:ext cx="1625766" cy="276999"/>
+          </a:xfrm>
+          <a:prstGeom prst="rect">
+            <a:avLst/>
+          </a:prstGeom>
+          <a:noFill/>
+        </p:spPr>
+        <p:txBody>
+          <a:bodyPr wrap="none" rtlCol="0">
+            <a:spAutoFit/>
+          </a:bodyPr>
+          <a:lstStyle/>
+          <a:p>
+            <a:r>
+              <a:rPr lang="pt-PT" sz="1200" dirty="0"/>
+              <a:t>Origem de LiveStreams</a:t>
+            </a:r>
+            <a:endParaRPr lang="en-US" sz="1200" dirty="0"/>
+          </a:p>
+        </p:txBody>
+      </p:sp>
+      <p:sp>
+        <p:nvSpPr>
+          <p:cNvPr id="11" name="TextBox 10">
+            <a:extLst>
+              <a:ext uri="{FF2B5EF4-FFF2-40B4-BE49-F238E27FC236}">
+                <a16:creationId xmlns:a16="http://schemas.microsoft.com/office/drawing/2014/main" id="{1673FC0D-11CB-4310-A99C-1BE6D4DD9FEF}"/>
+              </a:ext>
+            </a:extLst>
+          </p:cNvPr>
+          <p:cNvSpPr txBox="1"/>
+          <p:nvPr/>
+        </p:nvSpPr>
+        <p:spPr>
+          <a:xfrm>
+            <a:off x="6565651" y="6002266"/>
+            <a:ext cx="1271502" cy="230832"/>
+          </a:xfrm>
+          <a:prstGeom prst="rect">
+            <a:avLst/>
+          </a:prstGeom>
+          <a:noFill/>
+        </p:spPr>
+        <p:txBody>
+          <a:bodyPr wrap="none" rtlCol="0">
+            <a:spAutoFit/>
+          </a:bodyPr>
+          <a:lstStyle/>
+          <a:p>
+            <a:r>
+              <a:rPr lang="pt-PT" sz="900" dirty="0">
+                <a:solidFill>
+                  <a:schemeClr val="bg1"/>
+                </a:solidFill>
+              </a:rPr>
+              <a:t>Origem de LiveStreams</a:t>
+            </a:r>
+            <a:endParaRPr lang="en-US" sz="900" dirty="0">
+              <a:solidFill>
+                <a:schemeClr val="bg1"/>
+              </a:solidFill>
+            </a:endParaRPr>
+          </a:p>
+        </p:txBody>
+      </p:sp>
+      <p:sp>
+        <p:nvSpPr>
+          <p:cNvPr id="13" name="TextBox 12">
+            <a:extLst>
+              <a:ext uri="{FF2B5EF4-FFF2-40B4-BE49-F238E27FC236}">
+                <a16:creationId xmlns:a16="http://schemas.microsoft.com/office/drawing/2014/main" id="{D2E1ADC5-F342-4061-BCA4-A53D16A93576}"/>
+              </a:ext>
+            </a:extLst>
+          </p:cNvPr>
+          <p:cNvSpPr txBox="1"/>
+          <p:nvPr/>
+        </p:nvSpPr>
+        <p:spPr>
+          <a:xfrm>
+            <a:off x="8045870" y="5993799"/>
+            <a:ext cx="968535" cy="230832"/>
+          </a:xfrm>
+          <a:prstGeom prst="rect">
+            <a:avLst/>
+          </a:prstGeom>
+          <a:noFill/>
+        </p:spPr>
+        <p:txBody>
+          <a:bodyPr wrap="none" rtlCol="0">
+            <a:spAutoFit/>
+          </a:bodyPr>
+          <a:lstStyle/>
+          <a:p>
+            <a:r>
+              <a:rPr lang="pt-PT" sz="900" dirty="0">
+                <a:solidFill>
+                  <a:schemeClr val="bg1"/>
+                </a:solidFill>
+              </a:rPr>
+              <a:t>Vai para finished</a:t>
+            </a:r>
+            <a:endParaRPr lang="en-US" sz="900" dirty="0">
+              <a:solidFill>
+                <a:schemeClr val="bg1"/>
+              </a:solidFill>
+            </a:endParaRPr>
+          </a:p>
+        </p:txBody>
+      </p:sp>
+      <p:sp>
+        <p:nvSpPr>
+          <p:cNvPr id="14" name="TextBox 13">
+            <a:extLst>
+              <a:ext uri="{FF2B5EF4-FFF2-40B4-BE49-F238E27FC236}">
+                <a16:creationId xmlns:a16="http://schemas.microsoft.com/office/drawing/2014/main" id="{F4636E69-79DA-41FD-9B95-D334A403A7F9}"/>
+              </a:ext>
+            </a:extLst>
+          </p:cNvPr>
+          <p:cNvSpPr txBox="1"/>
+          <p:nvPr/>
+        </p:nvSpPr>
+        <p:spPr>
+          <a:xfrm>
+            <a:off x="6081383" y="5611292"/>
+            <a:ext cx="968535" cy="230832"/>
+          </a:xfrm>
+          <a:prstGeom prst="rect">
+            <a:avLst/>
+          </a:prstGeom>
+          <a:noFill/>
+        </p:spPr>
+        <p:txBody>
+          <a:bodyPr wrap="none" rtlCol="0">
+            <a:spAutoFit/>
+          </a:bodyPr>
+          <a:lstStyle/>
+          <a:p>
+            <a:r>
+              <a:rPr lang="pt-PT" sz="900" dirty="0">
+                <a:solidFill>
+                  <a:schemeClr val="bg1"/>
+                </a:solidFill>
+              </a:rPr>
+              <a:t>Vai para finished</a:t>
+            </a:r>
+            <a:endParaRPr lang="en-US" sz="900" dirty="0">
+              <a:solidFill>
+                <a:schemeClr val="bg1"/>
+              </a:solidFill>
+            </a:endParaRPr>
+          </a:p>
+        </p:txBody>
+      </p:sp>
+      <p:sp>
+        <p:nvSpPr>
+          <p:cNvPr id="16" name="TextBox 15">
+            <a:extLst>
+              <a:ext uri="{FF2B5EF4-FFF2-40B4-BE49-F238E27FC236}">
+                <a16:creationId xmlns:a16="http://schemas.microsoft.com/office/drawing/2014/main" id="{16508ABF-3B83-4DEE-9CB1-2703047A1470}"/>
+              </a:ext>
+            </a:extLst>
+          </p:cNvPr>
+          <p:cNvSpPr txBox="1"/>
+          <p:nvPr/>
+        </p:nvSpPr>
+        <p:spPr>
+          <a:xfrm>
+            <a:off x="3859698" y="588009"/>
+            <a:ext cx="984565" cy="230832"/>
+          </a:xfrm>
+          <a:prstGeom prst="rect">
+            <a:avLst/>
+          </a:prstGeom>
+          <a:noFill/>
+        </p:spPr>
+        <p:txBody>
+          <a:bodyPr wrap="none" rtlCol="0">
+            <a:spAutoFit/>
+          </a:bodyPr>
+          <a:lstStyle/>
+          <a:p>
+            <a:r>
+              <a:rPr lang="pt-PT" sz="900" dirty="0">
+                <a:solidFill>
+                  <a:schemeClr val="bg1"/>
+                </a:solidFill>
+              </a:rPr>
+              <a:t>Vai para StreamZ</a:t>
+            </a:r>
+            <a:endParaRPr lang="en-US" sz="900" dirty="0">
+              <a:solidFill>
+                <a:schemeClr val="bg1"/>
+              </a:solidFill>
+            </a:endParaRPr>
+          </a:p>
+        </p:txBody>
+      </p:sp>
     </p:spTree>
     <p:extLst>
       <p:ext uri="{BB962C8B-B14F-4D97-AF65-F5344CB8AC3E}">
@@ -18187,14 +18242,158 @@
         </p:blipFill>
         <p:spPr>
           <a:xfrm>
-            <a:off x="2865442" y="33090"/>
-            <a:ext cx="6461115" cy="6873692"/>
+            <a:off x="3061877" y="58257"/>
+            <a:ext cx="5843329" cy="6216457"/>
           </a:xfrm>
           <a:prstGeom prst="rect">
             <a:avLst/>
           </a:prstGeom>
         </p:spPr>
       </p:pic>
+      <p:sp>
+        <p:nvSpPr>
+          <p:cNvPr id="2" name="TextBox 1">
+            <a:extLst>
+              <a:ext uri="{FF2B5EF4-FFF2-40B4-BE49-F238E27FC236}">
+                <a16:creationId xmlns:a16="http://schemas.microsoft.com/office/drawing/2014/main" id="{44B3EEE6-A5FB-408C-A49D-FA380D7C28AF}"/>
+              </a:ext>
+            </a:extLst>
+          </p:cNvPr>
+          <p:cNvSpPr txBox="1"/>
+          <p:nvPr/>
+        </p:nvSpPr>
+        <p:spPr>
+          <a:xfrm>
+            <a:off x="8905206" y="4065497"/>
+            <a:ext cx="1417760" cy="276999"/>
+          </a:xfrm>
+          <a:prstGeom prst="rect">
+            <a:avLst/>
+          </a:prstGeom>
+          <a:noFill/>
+        </p:spPr>
+        <p:txBody>
+          <a:bodyPr wrap="none" rtlCol="0">
+            <a:spAutoFit/>
+          </a:bodyPr>
+          <a:lstStyle/>
+          <a:p>
+            <a:r>
+              <a:rPr lang="pt-PT" sz="1200" dirty="0"/>
+              <a:t>Origem dos viewers</a:t>
+            </a:r>
+            <a:endParaRPr lang="en-US" sz="1200" dirty="0"/>
+          </a:p>
+        </p:txBody>
+      </p:sp>
+      <p:sp>
+        <p:nvSpPr>
+          <p:cNvPr id="11" name="TextBox 10">
+            <a:extLst>
+              <a:ext uri="{FF2B5EF4-FFF2-40B4-BE49-F238E27FC236}">
+                <a16:creationId xmlns:a16="http://schemas.microsoft.com/office/drawing/2014/main" id="{A44B6F7E-7F39-4050-B1E2-CE24C9F5C926}"/>
+              </a:ext>
+            </a:extLst>
+          </p:cNvPr>
+          <p:cNvSpPr txBox="1"/>
+          <p:nvPr/>
+        </p:nvSpPr>
+        <p:spPr>
+          <a:xfrm>
+            <a:off x="8905206" y="4383097"/>
+            <a:ext cx="1563570" cy="276999"/>
+          </a:xfrm>
+          <a:prstGeom prst="rect">
+            <a:avLst/>
+          </a:prstGeom>
+          <a:noFill/>
+        </p:spPr>
+        <p:txBody>
+          <a:bodyPr wrap="none" rtlCol="0">
+            <a:spAutoFit/>
+          </a:bodyPr>
+          <a:lstStyle/>
+          <a:p>
+            <a:r>
+              <a:rPr lang="pt-PT" sz="1200" dirty="0"/>
+              <a:t>Origem dos streamers</a:t>
+            </a:r>
+            <a:endParaRPr lang="en-US" sz="1200" dirty="0"/>
+          </a:p>
+        </p:txBody>
+      </p:sp>
+      <p:sp>
+        <p:nvSpPr>
+          <p:cNvPr id="13" name="TextBox 12">
+            <a:extLst>
+              <a:ext uri="{FF2B5EF4-FFF2-40B4-BE49-F238E27FC236}">
+                <a16:creationId xmlns:a16="http://schemas.microsoft.com/office/drawing/2014/main" id="{B8255DF1-42F4-4984-ADF5-5D2CC30A4210}"/>
+              </a:ext>
+            </a:extLst>
+          </p:cNvPr>
+          <p:cNvSpPr txBox="1"/>
+          <p:nvPr/>
+        </p:nvSpPr>
+        <p:spPr>
+          <a:xfrm>
+            <a:off x="8905206" y="4917736"/>
+            <a:ext cx="1417760" cy="276999"/>
+          </a:xfrm>
+          <a:prstGeom prst="rect">
+            <a:avLst/>
+          </a:prstGeom>
+          <a:noFill/>
+        </p:spPr>
+        <p:txBody>
+          <a:bodyPr wrap="none" rtlCol="0">
+            <a:spAutoFit/>
+          </a:bodyPr>
+          <a:lstStyle/>
+          <a:p>
+            <a:r>
+              <a:rPr lang="pt-PT" sz="1200" dirty="0"/>
+              <a:t>Origem dos viewers</a:t>
+            </a:r>
+            <a:endParaRPr lang="en-US" sz="1200" dirty="0"/>
+          </a:p>
+        </p:txBody>
+      </p:sp>
+      <p:sp>
+        <p:nvSpPr>
+          <p:cNvPr id="14" name="TextBox 13">
+            <a:extLst>
+              <a:ext uri="{FF2B5EF4-FFF2-40B4-BE49-F238E27FC236}">
+                <a16:creationId xmlns:a16="http://schemas.microsoft.com/office/drawing/2014/main" id="{11D743C9-FB47-4288-AE87-59D9F38CE078}"/>
+              </a:ext>
+            </a:extLst>
+          </p:cNvPr>
+          <p:cNvSpPr txBox="1"/>
+          <p:nvPr/>
+        </p:nvSpPr>
+        <p:spPr>
+          <a:xfrm>
+            <a:off x="8905206" y="5279231"/>
+            <a:ext cx="1563570" cy="276999"/>
+          </a:xfrm>
+          <a:prstGeom prst="rect">
+            <a:avLst/>
+          </a:prstGeom>
+          <a:noFill/>
+        </p:spPr>
+        <p:txBody>
+          <a:bodyPr wrap="none" rtlCol="0">
+            <a:spAutoFit/>
+          </a:bodyPr>
+          <a:lstStyle/>
+          <a:p>
+            <a:r>
+              <a:rPr lang="pt-PT" sz="1200" dirty="0"/>
+              <a:t>Origem dos streamers</a:t>
+            </a:r>
+            <a:endParaRPr lang="en-US" sz="1200" dirty="0"/>
+          </a:p>
+        </p:txBody>
+      </p:sp>
     </p:spTree>
     <p:extLst>
       <p:ext uri="{BB962C8B-B14F-4D97-AF65-F5344CB8AC3E}">

--- a/StreamZ_Apresentation4.pptx
+++ b/StreamZ_Apresentation4.pptx
@@ -377,7 +377,7 @@
           <a:p>
             <a:fld id="{B3BE95CB-A87E-409C-9CB9-073D81AF8FD7}" type="slidenum">
               <a:rPr lang="en-GB" smtClean="0"/>
-              <a:t>‹#›</a:t>
+              <a:t>‹nº›</a:t>
             </a:fld>
             <a:endParaRPr lang="en-GB"/>
           </a:p>
@@ -759,7 +759,7 @@
           <a:p>
             <a:fld id="{75DB3F52-068C-4339-9FA6-06F9AAEB3337}" type="slidenum">
               <a:rPr lang="en-GB" smtClean="0"/>
-              <a:t>‹#›</a:t>
+              <a:t>‹nº›</a:t>
             </a:fld>
             <a:endParaRPr lang="en-GB"/>
           </a:p>
@@ -970,7 +970,7 @@
           <a:p>
             <a:fld id="{75DB3F52-068C-4339-9FA6-06F9AAEB3337}" type="slidenum">
               <a:rPr lang="en-GB" smtClean="0"/>
-              <a:t>‹#›</a:t>
+              <a:t>‹nº›</a:t>
             </a:fld>
             <a:endParaRPr lang="en-GB"/>
           </a:p>
@@ -1231,7 +1231,7 @@
           <a:p>
             <a:fld id="{75DB3F52-068C-4339-9FA6-06F9AAEB3337}" type="slidenum">
               <a:rPr lang="en-GB" smtClean="0"/>
-              <a:t>‹#›</a:t>
+              <a:t>‹nº›</a:t>
             </a:fld>
             <a:endParaRPr lang="en-GB"/>
           </a:p>
@@ -1404,7 +1404,7 @@
           <a:p>
             <a:fld id="{75DB3F52-068C-4339-9FA6-06F9AAEB3337}" type="slidenum">
               <a:rPr lang="en-GB" smtClean="0"/>
-              <a:t>‹#›</a:t>
+              <a:t>‹nº›</a:t>
             </a:fld>
             <a:endParaRPr lang="en-GB"/>
           </a:p>
@@ -1744,7 +1744,7 @@
           <a:p>
             <a:fld id="{75DB3F52-068C-4339-9FA6-06F9AAEB3337}" type="slidenum">
               <a:rPr lang="en-GB" smtClean="0"/>
-              <a:t>‹#›</a:t>
+              <a:t>‹nº›</a:t>
             </a:fld>
             <a:endParaRPr lang="en-GB"/>
           </a:p>
@@ -2022,7 +2022,7 @@
           <a:p>
             <a:fld id="{75DB3F52-068C-4339-9FA6-06F9AAEB3337}" type="slidenum">
               <a:rPr lang="en-GB" smtClean="0"/>
-              <a:t>‹#›</a:t>
+              <a:t>‹nº›</a:t>
             </a:fld>
             <a:endParaRPr lang="en-GB"/>
           </a:p>
@@ -2408,7 +2408,7 @@
           <a:p>
             <a:fld id="{75DB3F52-068C-4339-9FA6-06F9AAEB3337}" type="slidenum">
               <a:rPr lang="en-GB" smtClean="0"/>
-              <a:t>‹#›</a:t>
+              <a:t>‹nº›</a:t>
             </a:fld>
             <a:endParaRPr lang="en-GB"/>
           </a:p>
@@ -2529,7 +2529,7 @@
           <a:p>
             <a:fld id="{75DB3F52-068C-4339-9FA6-06F9AAEB3337}" type="slidenum">
               <a:rPr lang="en-GB" smtClean="0"/>
-              <a:t>‹#›</a:t>
+              <a:t>‹nº›</a:t>
             </a:fld>
             <a:endParaRPr lang="en-GB"/>
           </a:p>
@@ -2713,7 +2713,7 @@
           <a:p>
             <a:fld id="{75DB3F52-068C-4339-9FA6-06F9AAEB3337}" type="slidenum">
               <a:rPr lang="en-GB" smtClean="0"/>
-              <a:t>‹#›</a:t>
+              <a:t>‹nº›</a:t>
             </a:fld>
             <a:endParaRPr lang="en-GB"/>
           </a:p>
@@ -3085,7 +3085,7 @@
           <a:p>
             <a:fld id="{75DB3F52-068C-4339-9FA6-06F9AAEB3337}" type="slidenum">
               <a:rPr lang="en-GB" smtClean="0"/>
-              <a:t>‹#›</a:t>
+              <a:t>‹nº›</a:t>
             </a:fld>
             <a:endParaRPr lang="en-GB"/>
           </a:p>
@@ -3431,7 +3431,7 @@
           <a:p>
             <a:fld id="{75DB3F52-068C-4339-9FA6-06F9AAEB3337}" type="slidenum">
               <a:rPr lang="en-GB" smtClean="0"/>
-              <a:t>‹#›</a:t>
+              <a:t>‹nº›</a:t>
             </a:fld>
             <a:endParaRPr lang="en-GB"/>
           </a:p>
@@ -3761,7 +3761,7 @@
           <a:p>
             <a:fld id="{75DB3F52-068C-4339-9FA6-06F9AAEB3337}" type="slidenum">
               <a:rPr lang="en-GB" smtClean="0"/>
-              <a:t>‹#›</a:t>
+              <a:t>‹nº›</a:t>
             </a:fld>
             <a:endParaRPr lang="en-GB"/>
           </a:p>
@@ -4704,63 +4704,6 @@
           <a:chExt cx="0" cy="0"/>
         </a:xfrm>
       </p:grpSpPr>
-      <p:sp>
-        <p:nvSpPr>
-          <p:cNvPr id="4" name="Marcador de Posição do Rodapé 3">
-            <a:extLst>
-              <a:ext uri="{FF2B5EF4-FFF2-40B4-BE49-F238E27FC236}">
-                <a16:creationId xmlns:a16="http://schemas.microsoft.com/office/drawing/2014/main" id="{92ECEAD9-CB4D-4494-958D-A6F61B9192D5}"/>
-              </a:ext>
-            </a:extLst>
-          </p:cNvPr>
-          <p:cNvSpPr>
-            <a:spLocks noGrp="1"/>
-          </p:cNvSpPr>
-          <p:nvPr>
-            <p:ph type="ftr" sz="quarter" idx="11"/>
-          </p:nvPr>
-        </p:nvSpPr>
-        <p:spPr/>
-        <p:txBody>
-          <a:bodyPr/>
-          <a:lstStyle/>
-          <a:p>
-            <a:r>
-              <a:rPr lang="en-GB"/>
-              <a:t>2MIEIC04_G1</a:t>
-            </a:r>
-          </a:p>
-        </p:txBody>
-      </p:sp>
-      <p:sp>
-        <p:nvSpPr>
-          <p:cNvPr id="5" name="Marcador de Posição do Número do Diapositivo 4">
-            <a:extLst>
-              <a:ext uri="{FF2B5EF4-FFF2-40B4-BE49-F238E27FC236}">
-                <a16:creationId xmlns:a16="http://schemas.microsoft.com/office/drawing/2014/main" id="{F4F20C73-45C7-4903-8356-A2DC07CAC95D}"/>
-              </a:ext>
-            </a:extLst>
-          </p:cNvPr>
-          <p:cNvSpPr>
-            <a:spLocks noGrp="1"/>
-          </p:cNvSpPr>
-          <p:nvPr>
-            <p:ph type="sldNum" sz="quarter" idx="12"/>
-          </p:nvPr>
-        </p:nvSpPr>
-        <p:spPr/>
-        <p:txBody>
-          <a:bodyPr/>
-          <a:lstStyle/>
-          <a:p>
-            <a:fld id="{75DB3F52-068C-4339-9FA6-06F9AAEB3337}" type="slidenum">
-              <a:rPr lang="en-GB" smtClean="0"/>
-              <a:t>10</a:t>
-            </a:fld>
-            <a:endParaRPr lang="en-GB"/>
-          </a:p>
-        </p:txBody>
-      </p:sp>
       <p:cxnSp>
         <p:nvCxnSpPr>
           <p:cNvPr id="7" name="Conexão reta 6">
@@ -4828,6 +4771,108 @@
           <a:xfrm>
             <a:off x="3915897" y="794579"/>
             <a:ext cx="4135289" cy="4862196"/>
+          </a:xfrm>
+          <a:prstGeom prst="rect">
+            <a:avLst/>
+          </a:prstGeom>
+        </p:spPr>
+      </p:pic>
+      <p:sp>
+        <p:nvSpPr>
+          <p:cNvPr id="8" name="Marcador de Posição do Rodapé 3">
+            <a:extLst>
+              <a:ext uri="{FF2B5EF4-FFF2-40B4-BE49-F238E27FC236}">
+                <a16:creationId xmlns:a16="http://schemas.microsoft.com/office/drawing/2014/main" id="{CA52DFD8-2659-4F8F-8BB8-9EC8FF60C95B}"/>
+              </a:ext>
+            </a:extLst>
+          </p:cNvPr>
+          <p:cNvSpPr>
+            <a:spLocks noGrp="1"/>
+          </p:cNvSpPr>
+          <p:nvPr>
+            <p:ph type="ftr" sz="quarter" idx="11"/>
+          </p:nvPr>
+        </p:nvSpPr>
+        <p:spPr>
+          <a:xfrm>
+            <a:off x="3686185" y="6459785"/>
+            <a:ext cx="4822804" cy="365125"/>
+          </a:xfrm>
+        </p:spPr>
+        <p:txBody>
+          <a:bodyPr/>
+          <a:lstStyle/>
+          <a:p>
+            <a:r>
+              <a:rPr lang="en-GB" sz="2400" b="1" dirty="0"/>
+              <a:t>2MIEIC04_G1</a:t>
+            </a:r>
+          </a:p>
+        </p:txBody>
+      </p:sp>
+      <p:sp>
+        <p:nvSpPr>
+          <p:cNvPr id="9" name="Marcador de Posição do Número do Diapositivo 5">
+            <a:extLst>
+              <a:ext uri="{FF2B5EF4-FFF2-40B4-BE49-F238E27FC236}">
+                <a16:creationId xmlns:a16="http://schemas.microsoft.com/office/drawing/2014/main" id="{33290FC8-E2AC-4AF9-B100-50FF81F71DB3}"/>
+              </a:ext>
+            </a:extLst>
+          </p:cNvPr>
+          <p:cNvSpPr>
+            <a:spLocks noGrp="1"/>
+          </p:cNvSpPr>
+          <p:nvPr>
+            <p:ph type="sldNum" sz="quarter" idx="12"/>
+          </p:nvPr>
+        </p:nvSpPr>
+        <p:spPr>
+          <a:xfrm>
+            <a:off x="9900458" y="6459785"/>
+            <a:ext cx="1312025" cy="365125"/>
+          </a:xfrm>
+        </p:spPr>
+        <p:txBody>
+          <a:bodyPr/>
+          <a:lstStyle/>
+          <a:p>
+            <a:fld id="{75DB3F52-068C-4339-9FA6-06F9AAEB3337}" type="slidenum">
+              <a:rPr lang="en-GB" sz="2400"/>
+              <a:t>10</a:t>
+            </a:fld>
+            <a:endParaRPr lang="en-GB" sz="2400" dirty="0"/>
+          </a:p>
+        </p:txBody>
+      </p:sp>
+      <p:pic>
+        <p:nvPicPr>
+          <p:cNvPr id="10" name="Imagem 9">
+            <a:extLst>
+              <a:ext uri="{FF2B5EF4-FFF2-40B4-BE49-F238E27FC236}">
+                <a16:creationId xmlns:a16="http://schemas.microsoft.com/office/drawing/2014/main" id="{541A52DA-C3DB-4EB4-93A3-0D87D6233E27}"/>
+              </a:ext>
+            </a:extLst>
+          </p:cNvPr>
+          <p:cNvPicPr>
+            <a:picLocks noChangeAspect="1"/>
+          </p:cNvPicPr>
+          <p:nvPr/>
+        </p:nvPicPr>
+        <p:blipFill rotWithShape="1">
+          <a:blip r:embed="rId3">
+            <a:extLst>
+              <a:ext uri="{28A0092B-C50C-407E-A947-70E740481C1C}">
+                <a14:useLocalDpi xmlns:a14="http://schemas.microsoft.com/office/drawing/2010/main" val="0"/>
+              </a:ext>
+            </a:extLst>
+          </a:blip>
+          <a:srcRect r="39904"/>
+          <a:stretch/>
+        </p:blipFill>
+        <p:spPr>
+          <a:xfrm>
+            <a:off x="1097280" y="6500189"/>
+            <a:ext cx="1406360" cy="312685"/>
           </a:xfrm>
           <a:prstGeom prst="rect">
             <a:avLst/>
@@ -12656,7 +12701,7 @@
         </p:blipFill>
         <p:spPr>
           <a:xfrm>
-            <a:off x="9171944" y="4058780"/>
+            <a:off x="9809844" y="3961441"/>
             <a:ext cx="1060590" cy="1060590"/>
           </a:xfrm>
           <a:prstGeom prst="rect">
@@ -13096,8 +13141,8 @@
         </p:blipFill>
         <p:spPr>
           <a:xfrm>
-            <a:off x="1895389" y="5036840"/>
-            <a:ext cx="523190" cy="523190"/>
+            <a:off x="1824113" y="4993755"/>
+            <a:ext cx="609359" cy="609359"/>
           </a:xfrm>
           <a:prstGeom prst="rect">
             <a:avLst/>
@@ -13305,8 +13350,8 @@
         </p:blipFill>
         <p:spPr>
           <a:xfrm flipH="1">
-            <a:off x="9697190" y="5019463"/>
-            <a:ext cx="495319" cy="495319"/>
+            <a:off x="8749254" y="3926333"/>
+            <a:ext cx="1060590" cy="1060590"/>
           </a:xfrm>
           <a:prstGeom prst="rect">
             <a:avLst/>
@@ -13344,8 +13389,8 @@
         </p:blipFill>
         <p:spPr>
           <a:xfrm>
-            <a:off x="9235525" y="5036291"/>
-            <a:ext cx="461665" cy="461665"/>
+            <a:off x="9316394" y="4824467"/>
+            <a:ext cx="947936" cy="947936"/>
           </a:xfrm>
           <a:prstGeom prst="rect">
             <a:avLst/>

--- a/StreamZ_Apresentation4.pptx
+++ b/StreamZ_Apresentation4.pptx
@@ -5,7 +5,7 @@
     <p:sldMasterId id="2147483803" r:id="rId1"/>
   </p:sldMasterIdLst>
   <p:notesMasterIdLst>
-    <p:notesMasterId r:id="rId24"/>
+    <p:notesMasterId r:id="rId25"/>
   </p:notesMasterIdLst>
   <p:sldIdLst>
     <p:sldId id="256" r:id="rId2"/>
@@ -30,6 +30,7 @@
     <p:sldId id="262" r:id="rId21"/>
     <p:sldId id="280" r:id="rId22"/>
     <p:sldId id="263" r:id="rId23"/>
+    <p:sldId id="282" r:id="rId24"/>
   </p:sldIdLst>
   <p:sldSz cx="12192000" cy="6858000"/>
   <p:notesSz cx="6858000" cy="9144000"/>
@@ -13491,7 +13492,7 @@
         </p:nvSpPr>
         <p:spPr>
           <a:xfrm>
-            <a:off x="1097280" y="2245229"/>
+            <a:off x="1097280" y="2116449"/>
             <a:ext cx="10058400" cy="4004649"/>
           </a:xfrm>
         </p:spPr>
@@ -13838,7 +13839,7 @@
           <a:p>
             <a:pPr algn="ctr"/>
             <a:r>
-              <a:rPr lang="pt-PT" sz="8000" dirty="0">
+              <a:rPr lang="pt-PT" sz="6600" dirty="0">
                 <a:solidFill>
                   <a:schemeClr val="tx1">
                     <a:lumMod val="85000"/>
@@ -13849,7 +13850,7 @@
               </a:rPr>
               <a:t>Observações</a:t>
             </a:r>
-            <a:endParaRPr lang="en-GB" sz="8000" dirty="0">
+            <a:endParaRPr lang="en-GB" sz="6600" dirty="0">
               <a:solidFill>
                 <a:schemeClr val="tx1">
                   <a:lumMod val="85000"/>
@@ -13879,7 +13880,7 @@
         </p:nvSpPr>
         <p:spPr>
           <a:xfrm>
-            <a:off x="1097280" y="2245229"/>
+            <a:off x="1097280" y="2116449"/>
             <a:ext cx="10058400" cy="4004649"/>
           </a:xfrm>
         </p:spPr>
@@ -14174,7 +14175,7 @@
           <a:p>
             <a:pPr algn="ctr"/>
             <a:r>
-              <a:rPr lang="pt-PT" sz="8000" dirty="0">
+              <a:rPr lang="pt-PT" sz="6600" dirty="0">
                 <a:solidFill>
                   <a:schemeClr val="tx1">
                     <a:lumMod val="85000"/>
@@ -14185,7 +14186,7 @@
               </a:rPr>
               <a:t>Dificuldades</a:t>
             </a:r>
-            <a:endParaRPr lang="en-GB" sz="8000" dirty="0">
+            <a:endParaRPr lang="en-GB" sz="6600" dirty="0">
               <a:solidFill>
                 <a:schemeClr val="tx1">
                   <a:lumMod val="85000"/>
@@ -14721,6 +14722,343 @@
     <p:extLst>
       <p:ext uri="{BB962C8B-B14F-4D97-AF65-F5344CB8AC3E}">
         <p14:creationId xmlns:p14="http://schemas.microsoft.com/office/powerpoint/2010/main" val="2268491694"/>
+      </p:ext>
+    </p:extLst>
+  </p:cSld>
+  <p:clrMapOvr>
+    <a:masterClrMapping/>
+  </p:clrMapOvr>
+</p:sld>
+</file>
+
+<file path=ppt/slides/slide23.xml><?xml version="1.0" encoding="utf-8"?>
+<p:sld xmlns:a="http://schemas.openxmlformats.org/drawingml/2006/main" xmlns:r="http://schemas.openxmlformats.org/officeDocument/2006/relationships" xmlns:p="http://schemas.openxmlformats.org/presentationml/2006/main">
+  <p:cSld>
+    <p:spTree>
+      <p:nvGrpSpPr>
+        <p:cNvPr id="1" name=""/>
+        <p:cNvGrpSpPr/>
+        <p:nvPr/>
+      </p:nvGrpSpPr>
+      <p:grpSpPr>
+        <a:xfrm>
+          <a:off x="0" y="0"/>
+          <a:ext cx="0" cy="0"/>
+          <a:chOff x="0" y="0"/>
+          <a:chExt cx="0" cy="0"/>
+        </a:xfrm>
+      </p:grpSpPr>
+      <p:sp>
+        <p:nvSpPr>
+          <p:cNvPr id="6" name="Título 1">
+            <a:extLst>
+              <a:ext uri="{FF2B5EF4-FFF2-40B4-BE49-F238E27FC236}">
+                <a16:creationId xmlns:a16="http://schemas.microsoft.com/office/drawing/2014/main" id="{CB0F5817-ED48-44E0-B338-9E268421DC34}"/>
+              </a:ext>
+            </a:extLst>
+          </p:cNvPr>
+          <p:cNvSpPr>
+            <a:spLocks noGrp="1"/>
+          </p:cNvSpPr>
+          <p:nvPr>
+            <p:ph type="title"/>
+          </p:nvPr>
+        </p:nvSpPr>
+        <p:spPr>
+          <a:xfrm>
+            <a:off x="1097280" y="286603"/>
+            <a:ext cx="10058400" cy="1450757"/>
+          </a:xfrm>
+        </p:spPr>
+        <p:txBody>
+          <a:bodyPr/>
+          <a:lstStyle/>
+          <a:p>
+            <a:pPr algn="ctr"/>
+            <a:r>
+              <a:rPr lang="pt-PT" sz="6600" dirty="0">
+                <a:solidFill>
+                  <a:schemeClr val="tx1">
+                    <a:lumMod val="85000"/>
+                    <a:lumOff val="15000"/>
+                  </a:schemeClr>
+                </a:solidFill>
+                <a:latin typeface="Bahnschrift SemiLight" panose="020B0502040204020203" pitchFamily="34" charset="0"/>
+              </a:rPr>
+              <a:t>Esforço</a:t>
+            </a:r>
+            <a:endParaRPr lang="en-GB" sz="6600" dirty="0">
+              <a:solidFill>
+                <a:schemeClr val="tx1">
+                  <a:lumMod val="85000"/>
+                  <a:lumOff val="15000"/>
+                </a:schemeClr>
+              </a:solidFill>
+              <a:latin typeface="Bahnschrift SemiLight" panose="020B0502040204020203" pitchFamily="34" charset="0"/>
+            </a:endParaRPr>
+          </a:p>
+        </p:txBody>
+      </p:sp>
+      <p:cxnSp>
+        <p:nvCxnSpPr>
+          <p:cNvPr id="7" name="Conexão reta 6">
+            <a:extLst>
+              <a:ext uri="{FF2B5EF4-FFF2-40B4-BE49-F238E27FC236}">
+                <a16:creationId xmlns:a16="http://schemas.microsoft.com/office/drawing/2014/main" id="{5D9A9C30-1A01-4AB5-A46A-4BFA208A53F3}"/>
+              </a:ext>
+            </a:extLst>
+          </p:cNvPr>
+          <p:cNvCxnSpPr>
+            <a:cxnSpLocks/>
+          </p:cNvCxnSpPr>
+          <p:nvPr/>
+        </p:nvCxnSpPr>
+        <p:spPr>
+          <a:xfrm flipH="1">
+            <a:off x="1097280" y="1737360"/>
+            <a:ext cx="10239504" cy="0"/>
+          </a:xfrm>
+          <a:prstGeom prst="line">
+            <a:avLst/>
+          </a:prstGeom>
+          <a:ln>
+            <a:solidFill>
+              <a:srgbClr val="8C2D19"/>
+            </a:solidFill>
+          </a:ln>
+        </p:spPr>
+        <p:style>
+          <a:lnRef idx="1">
+            <a:schemeClr val="accent1"/>
+          </a:lnRef>
+          <a:fillRef idx="0">
+            <a:schemeClr val="accent1"/>
+          </a:fillRef>
+          <a:effectRef idx="0">
+            <a:schemeClr val="accent1"/>
+          </a:effectRef>
+          <a:fontRef idx="minor">
+            <a:schemeClr val="tx1"/>
+          </a:fontRef>
+        </p:style>
+      </p:cxnSp>
+      <p:sp>
+        <p:nvSpPr>
+          <p:cNvPr id="12" name="CaixaDeTexto 11">
+            <a:extLst>
+              <a:ext uri="{FF2B5EF4-FFF2-40B4-BE49-F238E27FC236}">
+                <a16:creationId xmlns:a16="http://schemas.microsoft.com/office/drawing/2014/main" id="{A1EEA834-C5EC-424F-BA87-A83D43C87F2E}"/>
+              </a:ext>
+            </a:extLst>
+          </p:cNvPr>
+          <p:cNvSpPr txBox="1"/>
+          <p:nvPr/>
+        </p:nvSpPr>
+        <p:spPr>
+          <a:xfrm>
+            <a:off x="7643673" y="4013650"/>
+            <a:ext cx="2305975" cy="400110"/>
+          </a:xfrm>
+          <a:prstGeom prst="rect">
+            <a:avLst/>
+          </a:prstGeom>
+          <a:noFill/>
+        </p:spPr>
+        <p:txBody>
+          <a:bodyPr wrap="square">
+            <a:spAutoFit/>
+          </a:bodyPr>
+          <a:lstStyle/>
+          <a:p>
+            <a:r>
+              <a:rPr lang="en-US" sz="2000" dirty="0">
+                <a:latin typeface="+mn-lt"/>
+              </a:rPr>
+              <a:t>André Pereira | 33%</a:t>
+            </a:r>
+          </a:p>
+        </p:txBody>
+      </p:sp>
+      <p:sp>
+        <p:nvSpPr>
+          <p:cNvPr id="13" name="CaixaDeTexto 12">
+            <a:extLst>
+              <a:ext uri="{FF2B5EF4-FFF2-40B4-BE49-F238E27FC236}">
+                <a16:creationId xmlns:a16="http://schemas.microsoft.com/office/drawing/2014/main" id="{399D26C4-FCD6-47A1-B4B3-57393F937225}"/>
+              </a:ext>
+            </a:extLst>
+          </p:cNvPr>
+          <p:cNvSpPr txBox="1"/>
+          <p:nvPr/>
+        </p:nvSpPr>
+        <p:spPr>
+          <a:xfrm>
+            <a:off x="2632005" y="3498407"/>
+            <a:ext cx="2305975" cy="400110"/>
+          </a:xfrm>
+          <a:prstGeom prst="rect">
+            <a:avLst/>
+          </a:prstGeom>
+          <a:noFill/>
+        </p:spPr>
+        <p:txBody>
+          <a:bodyPr wrap="square">
+            <a:spAutoFit/>
+          </a:bodyPr>
+          <a:lstStyle/>
+          <a:p>
+            <a:r>
+              <a:rPr lang="en-US" sz="2000" dirty="0">
+                <a:latin typeface="+mn-lt"/>
+              </a:rPr>
+              <a:t>Nuno Alves| 33,34%</a:t>
+            </a:r>
+          </a:p>
+        </p:txBody>
+      </p:sp>
+      <p:sp>
+        <p:nvSpPr>
+          <p:cNvPr id="14" name="CaixaDeTexto 13">
+            <a:extLst>
+              <a:ext uri="{FF2B5EF4-FFF2-40B4-BE49-F238E27FC236}">
+                <a16:creationId xmlns:a16="http://schemas.microsoft.com/office/drawing/2014/main" id="{7CC86B34-2F63-4B09-923D-4BE77AE614BA}"/>
+              </a:ext>
+            </a:extLst>
+          </p:cNvPr>
+          <p:cNvSpPr txBox="1"/>
+          <p:nvPr/>
+        </p:nvSpPr>
+        <p:spPr>
+          <a:xfrm>
+            <a:off x="4937980" y="2519475"/>
+            <a:ext cx="2705693" cy="400110"/>
+          </a:xfrm>
+          <a:prstGeom prst="rect">
+            <a:avLst/>
+          </a:prstGeom>
+          <a:noFill/>
+        </p:spPr>
+        <p:txBody>
+          <a:bodyPr wrap="square">
+            <a:spAutoFit/>
+          </a:bodyPr>
+          <a:lstStyle/>
+          <a:p>
+            <a:r>
+              <a:rPr lang="en-US" sz="2000" dirty="0">
+                <a:latin typeface="+mn-lt"/>
+              </a:rPr>
+              <a:t>André Moreira| 33,66%</a:t>
+            </a:r>
+          </a:p>
+        </p:txBody>
+      </p:sp>
+      <p:sp>
+        <p:nvSpPr>
+          <p:cNvPr id="20" name="Marcador de Posição do Rodapé 3">
+            <a:extLst>
+              <a:ext uri="{FF2B5EF4-FFF2-40B4-BE49-F238E27FC236}">
+                <a16:creationId xmlns:a16="http://schemas.microsoft.com/office/drawing/2014/main" id="{6CE38796-004B-4FED-AFCD-895FE10FB277}"/>
+              </a:ext>
+            </a:extLst>
+          </p:cNvPr>
+          <p:cNvSpPr>
+            <a:spLocks noGrp="1"/>
+          </p:cNvSpPr>
+          <p:nvPr>
+            <p:ph type="ftr" sz="quarter" idx="11"/>
+          </p:nvPr>
+        </p:nvSpPr>
+        <p:spPr>
+          <a:xfrm>
+            <a:off x="3686185" y="6459785"/>
+            <a:ext cx="4822804" cy="365125"/>
+          </a:xfrm>
+        </p:spPr>
+        <p:txBody>
+          <a:bodyPr/>
+          <a:lstStyle/>
+          <a:p>
+            <a:r>
+              <a:rPr lang="en-GB" sz="2400" b="1" dirty="0"/>
+              <a:t>2MIEIC04_G1</a:t>
+            </a:r>
+          </a:p>
+        </p:txBody>
+      </p:sp>
+      <p:sp>
+        <p:nvSpPr>
+          <p:cNvPr id="21" name="Marcador de Posição do Número do Diapositivo 5">
+            <a:extLst>
+              <a:ext uri="{FF2B5EF4-FFF2-40B4-BE49-F238E27FC236}">
+                <a16:creationId xmlns:a16="http://schemas.microsoft.com/office/drawing/2014/main" id="{8C8CEF7E-0718-46AD-98B3-F675997F24C5}"/>
+              </a:ext>
+            </a:extLst>
+          </p:cNvPr>
+          <p:cNvSpPr>
+            <a:spLocks noGrp="1"/>
+          </p:cNvSpPr>
+          <p:nvPr>
+            <p:ph type="sldNum" sz="quarter" idx="12"/>
+          </p:nvPr>
+        </p:nvSpPr>
+        <p:spPr>
+          <a:xfrm>
+            <a:off x="9900458" y="6459785"/>
+            <a:ext cx="1312025" cy="365125"/>
+          </a:xfrm>
+        </p:spPr>
+        <p:txBody>
+          <a:bodyPr/>
+          <a:lstStyle/>
+          <a:p>
+            <a:fld id="{75DB3F52-068C-4339-9FA6-06F9AAEB3337}" type="slidenum">
+              <a:rPr lang="en-GB" sz="2400"/>
+              <a:t>23</a:t>
+            </a:fld>
+            <a:endParaRPr lang="en-GB" sz="2400" dirty="0"/>
+          </a:p>
+        </p:txBody>
+      </p:sp>
+      <p:pic>
+        <p:nvPicPr>
+          <p:cNvPr id="22" name="Imagem 21">
+            <a:extLst>
+              <a:ext uri="{FF2B5EF4-FFF2-40B4-BE49-F238E27FC236}">
+                <a16:creationId xmlns:a16="http://schemas.microsoft.com/office/drawing/2014/main" id="{95FD659E-1656-4BB2-AFED-54D7EBFC41AD}"/>
+              </a:ext>
+            </a:extLst>
+          </p:cNvPr>
+          <p:cNvPicPr>
+            <a:picLocks noChangeAspect="1"/>
+          </p:cNvPicPr>
+          <p:nvPr/>
+        </p:nvPicPr>
+        <p:blipFill rotWithShape="1">
+          <a:blip r:embed="rId2">
+            <a:extLst>
+              <a:ext uri="{28A0092B-C50C-407E-A947-70E740481C1C}">
+                <a14:useLocalDpi xmlns:a14="http://schemas.microsoft.com/office/drawing/2010/main" val="0"/>
+              </a:ext>
+            </a:extLst>
+          </a:blip>
+          <a:srcRect r="39904"/>
+          <a:stretch/>
+        </p:blipFill>
+        <p:spPr>
+          <a:xfrm>
+            <a:off x="1097280" y="6500189"/>
+            <a:ext cx="1406360" cy="312685"/>
+          </a:xfrm>
+          <a:prstGeom prst="rect">
+            <a:avLst/>
+          </a:prstGeom>
+        </p:spPr>
+      </p:pic>
+    </p:spTree>
+    <p:extLst>
+      <p:ext uri="{BB962C8B-B14F-4D97-AF65-F5344CB8AC3E}">
+        <p14:creationId xmlns:p14="http://schemas.microsoft.com/office/powerpoint/2010/main" val="2578003976"/>
       </p:ext>
     </p:extLst>
   </p:cSld>

--- a/StreamZ_Apresentation4.pptx
+++ b/StreamZ_Apresentation4.pptx
@@ -5,7 +5,7 @@
     <p:sldMasterId id="2147483803" r:id="rId1"/>
   </p:sldMasterIdLst>
   <p:notesMasterIdLst>
-    <p:notesMasterId r:id="rId25"/>
+    <p:notesMasterId r:id="rId24"/>
   </p:notesMasterIdLst>
   <p:sldIdLst>
     <p:sldId id="256" r:id="rId2"/>
@@ -30,7 +30,6 @@
     <p:sldId id="262" r:id="rId21"/>
     <p:sldId id="280" r:id="rId22"/>
     <p:sldId id="263" r:id="rId23"/>
-    <p:sldId id="282" r:id="rId24"/>
   </p:sldIdLst>
   <p:sldSz cx="12192000" cy="6858000"/>
   <p:notesSz cx="6858000" cy="9144000"/>
@@ -219,7 +218,7 @@
           <a:p>
             <a:fld id="{E0A7CBE6-96C2-44FB-8052-677FD7523F77}" type="datetimeFigureOut">
               <a:rPr lang="en-GB" smtClean="0"/>
-              <a:t>19/11/2020</a:t>
+              <a:t>20/11/2020</a:t>
             </a:fld>
             <a:endParaRPr lang="en-GB"/>
           </a:p>
@@ -378,7 +377,7 @@
           <a:p>
             <a:fld id="{B3BE95CB-A87E-409C-9CB9-073D81AF8FD7}" type="slidenum">
               <a:rPr lang="en-GB" smtClean="0"/>
-              <a:t>‹nº›</a:t>
+              <a:t>‹#›</a:t>
             </a:fld>
             <a:endParaRPr lang="en-GB"/>
           </a:p>
@@ -715,7 +714,7 @@
           <a:p>
             <a:fld id="{10287FE5-40AA-4482-862A-C1DBDA53E4E0}" type="datetime1">
               <a:rPr lang="en-GB" smtClean="0"/>
-              <a:t>19/11/2020</a:t>
+              <a:t>20/11/2020</a:t>
             </a:fld>
             <a:endParaRPr lang="en-GB"/>
           </a:p>
@@ -760,7 +759,7 @@
           <a:p>
             <a:fld id="{75DB3F52-068C-4339-9FA6-06F9AAEB3337}" type="slidenum">
               <a:rPr lang="en-GB" smtClean="0"/>
-              <a:t>‹nº›</a:t>
+              <a:t>‹#›</a:t>
             </a:fld>
             <a:endParaRPr lang="en-GB"/>
           </a:p>
@@ -926,7 +925,7 @@
           <a:p>
             <a:fld id="{B4B3331D-DB21-4154-BBFE-4E811E37EE62}" type="datetime1">
               <a:rPr lang="en-GB" smtClean="0"/>
-              <a:t>19/11/2020</a:t>
+              <a:t>20/11/2020</a:t>
             </a:fld>
             <a:endParaRPr lang="en-GB"/>
           </a:p>
@@ -971,7 +970,7 @@
           <a:p>
             <a:fld id="{75DB3F52-068C-4339-9FA6-06F9AAEB3337}" type="slidenum">
               <a:rPr lang="en-GB" smtClean="0"/>
-              <a:t>‹nº›</a:t>
+              <a:t>‹#›</a:t>
             </a:fld>
             <a:endParaRPr lang="en-GB"/>
           </a:p>
@@ -1187,7 +1186,7 @@
           <a:p>
             <a:fld id="{08D02E9F-C75D-4742-90A9-B7466D809442}" type="datetime1">
               <a:rPr lang="en-GB" smtClean="0"/>
-              <a:t>19/11/2020</a:t>
+              <a:t>20/11/2020</a:t>
             </a:fld>
             <a:endParaRPr lang="en-GB"/>
           </a:p>
@@ -1232,7 +1231,7 @@
           <a:p>
             <a:fld id="{75DB3F52-068C-4339-9FA6-06F9AAEB3337}" type="slidenum">
               <a:rPr lang="en-GB" smtClean="0"/>
-              <a:t>‹nº›</a:t>
+              <a:t>‹#›</a:t>
             </a:fld>
             <a:endParaRPr lang="en-GB"/>
           </a:p>
@@ -1360,7 +1359,7 @@
           <a:p>
             <a:fld id="{920885B9-C1B1-456C-9050-D5E6D8F0D28D}" type="datetime1">
               <a:rPr lang="en-GB" smtClean="0"/>
-              <a:t>19/11/2020</a:t>
+              <a:t>20/11/2020</a:t>
             </a:fld>
             <a:endParaRPr lang="en-GB"/>
           </a:p>
@@ -1405,7 +1404,7 @@
           <a:p>
             <a:fld id="{75DB3F52-068C-4339-9FA6-06F9AAEB3337}" type="slidenum">
               <a:rPr lang="en-GB" smtClean="0"/>
-              <a:t>‹nº›</a:t>
+              <a:t>‹#›</a:t>
             </a:fld>
             <a:endParaRPr lang="en-GB"/>
           </a:p>
@@ -1700,7 +1699,7 @@
           <a:p>
             <a:fld id="{00A595AE-22AA-4908-81B6-1CCC07139A73}" type="datetime1">
               <a:rPr lang="en-GB" smtClean="0"/>
-              <a:t>19/11/2020</a:t>
+              <a:t>20/11/2020</a:t>
             </a:fld>
             <a:endParaRPr lang="en-GB"/>
           </a:p>
@@ -1745,7 +1744,7 @@
           <a:p>
             <a:fld id="{75DB3F52-068C-4339-9FA6-06F9AAEB3337}" type="slidenum">
               <a:rPr lang="en-GB" smtClean="0"/>
-              <a:t>‹nº›</a:t>
+              <a:t>‹#›</a:t>
             </a:fld>
             <a:endParaRPr lang="en-GB"/>
           </a:p>
@@ -1978,7 +1977,7 @@
           <a:p>
             <a:fld id="{B4C3DA1B-F861-49FD-A800-BA36AE08DFBD}" type="datetime1">
               <a:rPr lang="en-GB" smtClean="0"/>
-              <a:t>19/11/2020</a:t>
+              <a:t>20/11/2020</a:t>
             </a:fld>
             <a:endParaRPr lang="en-GB"/>
           </a:p>
@@ -2023,7 +2022,7 @@
           <a:p>
             <a:fld id="{75DB3F52-068C-4339-9FA6-06F9AAEB3337}" type="slidenum">
               <a:rPr lang="en-GB" smtClean="0"/>
-              <a:t>‹nº›</a:t>
+              <a:t>‹#›</a:t>
             </a:fld>
             <a:endParaRPr lang="en-GB"/>
           </a:p>
@@ -2364,7 +2363,7 @@
           <a:p>
             <a:fld id="{C5ADF251-40F2-471A-AC82-FC97D6FBDD81}" type="datetime1">
               <a:rPr lang="en-GB" smtClean="0"/>
-              <a:t>19/11/2020</a:t>
+              <a:t>20/11/2020</a:t>
             </a:fld>
             <a:endParaRPr lang="en-GB"/>
           </a:p>
@@ -2409,7 +2408,7 @@
           <a:p>
             <a:fld id="{75DB3F52-068C-4339-9FA6-06F9AAEB3337}" type="slidenum">
               <a:rPr lang="en-GB" smtClean="0"/>
-              <a:t>‹nº›</a:t>
+              <a:t>‹#›</a:t>
             </a:fld>
             <a:endParaRPr lang="en-GB"/>
           </a:p>
@@ -2485,7 +2484,7 @@
           <a:p>
             <a:fld id="{6D90297F-D12C-4C8F-8D15-2CC18862152E}" type="datetime1">
               <a:rPr lang="en-GB" smtClean="0"/>
-              <a:t>19/11/2020</a:t>
+              <a:t>20/11/2020</a:t>
             </a:fld>
             <a:endParaRPr lang="en-GB"/>
           </a:p>
@@ -2530,7 +2529,7 @@
           <a:p>
             <a:fld id="{75DB3F52-068C-4339-9FA6-06F9AAEB3337}" type="slidenum">
               <a:rPr lang="en-GB" smtClean="0"/>
-              <a:t>‹nº›</a:t>
+              <a:t>‹#›</a:t>
             </a:fld>
             <a:endParaRPr lang="en-GB"/>
           </a:p>
@@ -2661,7 +2660,7 @@
           <a:p>
             <a:fld id="{09972094-D239-466E-84C0-23BFB54CA7A6}" type="datetime1">
               <a:rPr lang="en-GB" smtClean="0"/>
-              <a:t>19/11/2020</a:t>
+              <a:t>20/11/2020</a:t>
             </a:fld>
             <a:endParaRPr lang="en-GB"/>
           </a:p>
@@ -2714,7 +2713,7 @@
           <a:p>
             <a:fld id="{75DB3F52-068C-4339-9FA6-06F9AAEB3337}" type="slidenum">
               <a:rPr lang="en-GB" smtClean="0"/>
-              <a:t>‹nº›</a:t>
+              <a:t>‹#›</a:t>
             </a:fld>
             <a:endParaRPr lang="en-GB"/>
           </a:p>
@@ -3020,7 +3019,7 @@
           <a:p>
             <a:fld id="{EBB9E4AA-ED31-45C4-9F34-3AB82CB7D4F7}" type="datetime1">
               <a:rPr lang="en-GB" smtClean="0"/>
-              <a:t>19/11/2020</a:t>
+              <a:t>20/11/2020</a:t>
             </a:fld>
             <a:endParaRPr lang="en-GB"/>
           </a:p>
@@ -3086,7 +3085,7 @@
           <a:p>
             <a:fld id="{75DB3F52-068C-4339-9FA6-06F9AAEB3337}" type="slidenum">
               <a:rPr lang="en-GB" smtClean="0"/>
-              <a:t>‹nº›</a:t>
+              <a:t>‹#›</a:t>
             </a:fld>
             <a:endParaRPr lang="en-GB"/>
           </a:p>
@@ -3371,7 +3370,7 @@
           <a:p>
             <a:fld id="{54D93744-9260-4C18-B07B-A5DCD93AF253}" type="datetime1">
               <a:rPr lang="en-GB" smtClean="0"/>
-              <a:t>19/11/2020</a:t>
+              <a:t>20/11/2020</a:t>
             </a:fld>
             <a:endParaRPr lang="en-GB"/>
           </a:p>
@@ -3432,7 +3431,7 @@
           <a:p>
             <a:fld id="{75DB3F52-068C-4339-9FA6-06F9AAEB3337}" type="slidenum">
               <a:rPr lang="en-GB" smtClean="0"/>
-              <a:t>‹nº›</a:t>
+              <a:t>‹#›</a:t>
             </a:fld>
             <a:endParaRPr lang="en-GB"/>
           </a:p>
@@ -3685,7 +3684,7 @@
           <a:p>
             <a:fld id="{F31837DA-AB38-49C7-AF2F-DE9986A9C5A0}" type="datetime1">
               <a:rPr lang="en-GB" smtClean="0"/>
-              <a:t>19/11/2020</a:t>
+              <a:t>20/11/2020</a:t>
             </a:fld>
             <a:endParaRPr lang="en-GB"/>
           </a:p>
@@ -3762,7 +3761,7 @@
           <a:p>
             <a:fld id="{75DB3F52-068C-4339-9FA6-06F9AAEB3337}" type="slidenum">
               <a:rPr lang="en-GB" smtClean="0"/>
-              <a:t>‹nº›</a:t>
+              <a:t>‹#›</a:t>
             </a:fld>
             <a:endParaRPr lang="en-GB"/>
           </a:p>
@@ -5725,12 +5724,8 @@
               <a:t>Nº </a:t>
             </a:r>
             <a:r>
-              <a:rPr lang="pt-PT" sz="2000" dirty="0" err="1"/>
-              <a:t>Followers</a:t>
-            </a:r>
-            <a:r>
-              <a:rPr lang="pt-PT" dirty="0"/>
-              <a:t>/ed</a:t>
+              <a:rPr lang="pt-PT" sz="2000" dirty="0"/>
+              <a:t>Seguidores</a:t>
             </a:r>
             <a:endParaRPr lang="en-GB" dirty="0"/>
           </a:p>
@@ -5795,7 +5790,7 @@
         </p:nvSpPr>
         <p:spPr>
           <a:xfrm>
-            <a:off x="10412692" y="4322382"/>
+            <a:off x="10046928" y="4334425"/>
             <a:ext cx="2104009" cy="646331"/>
           </a:xfrm>
           <a:prstGeom prst="rect">
@@ -5833,7 +5828,7 @@
         <p:spPr>
           <a:xfrm>
             <a:off x="1303284" y="5238371"/>
-            <a:ext cx="7852399" cy="646331"/>
+            <a:ext cx="7852399" cy="923330"/>
           </a:xfrm>
           <a:prstGeom prst="rect">
             <a:avLst/>
@@ -5846,9 +5841,29 @@
           </a:bodyPr>
           <a:lstStyle/>
           <a:p>
+            <a:pPr marL="285750" indent="-285750">
+              <a:buClr>
+                <a:srgbClr val="C00000"/>
+              </a:buClr>
+              <a:buFont typeface="Arial" panose="020B0604020202020204" pitchFamily="34" charset="0"/>
+              <a:buChar char="•"/>
+            </a:pPr>
             <a:r>
               <a:rPr lang="pt-PT" dirty="0"/>
-              <a:t>Após o número de elementos de um certo parâmetro surgem, separados por “ , “ todos os elementos que lhe pertencem</a:t>
+              <a:t>Após o número de elementos de um certo parâmetro surgem, separados por    “ , “ todos os elementos que lhe pertencem (se exisitrem).</a:t>
+            </a:r>
+          </a:p>
+          <a:p>
+            <a:pPr marL="285750" indent="-285750">
+              <a:buClr>
+                <a:srgbClr val="C00000"/>
+              </a:buClr>
+              <a:buFont typeface="Arial" panose="020B0604020202020204" pitchFamily="34" charset="0"/>
+              <a:buChar char="•"/>
+            </a:pPr>
+            <a:r>
+              <a:rPr lang="pt-PT" dirty="0"/>
+              <a:t>Ex: Lista de seguidores.   2 , nick1 , nick2</a:t>
             </a:r>
             <a:endParaRPr lang="en-GB" dirty="0"/>
           </a:p>
@@ -7713,12 +7728,26 @@
           </a:bodyPr>
           <a:lstStyle/>
           <a:p>
+            <a:pPr marL="285750" indent="-285750">
+              <a:buClr>
+                <a:srgbClr val="C00000"/>
+              </a:buClr>
+              <a:buFont typeface="Arial" panose="020B0604020202020204" pitchFamily="34" charset="0"/>
+              <a:buChar char="•"/>
+            </a:pPr>
             <a:r>
               <a:rPr lang="pt-PT" dirty="0"/>
               <a:t>Após Nº Viewers surge, Nº FeedBack, lista dos nicks e feedback correspondente, Nº likes, Nº dislikes, </a:t>
             </a:r>
           </a:p>
           <a:p>
+            <a:pPr marL="285750" indent="-285750">
+              <a:buClr>
+                <a:srgbClr val="C00000"/>
+              </a:buClr>
+              <a:buFont typeface="Arial" panose="020B0604020202020204" pitchFamily="34" charset="0"/>
+              <a:buChar char="•"/>
+            </a:pPr>
             <a:r>
               <a:rPr lang="pt-PT" sz="1600" dirty="0"/>
               <a:t>(Se PrivateStream )   </a:t>
@@ -7759,6 +7788,13 @@
           </a:bodyPr>
           <a:lstStyle/>
           <a:p>
+            <a:pPr marL="285750" indent="-285750">
+              <a:buClr>
+                <a:srgbClr val="C00000"/>
+              </a:buClr>
+              <a:buFont typeface="Arial" panose="020B0604020202020204" pitchFamily="34" charset="0"/>
+              <a:buChar char="•"/>
+            </a:pPr>
             <a:r>
               <a:rPr lang="pt-PT" dirty="0"/>
               <a:t>Guardar Comment: nick , Nº palavras do comment,  lista das palavras </a:t>
@@ -9603,8 +9639,8 @@
         </p:nvSpPr>
         <p:spPr>
           <a:xfrm>
-            <a:off x="6096000" y="5498618"/>
-            <a:ext cx="1742983" cy="338554"/>
+            <a:off x="2503640" y="5498618"/>
+            <a:ext cx="5335343" cy="338554"/>
           </a:xfrm>
           <a:prstGeom prst="rect">
             <a:avLst/>
@@ -9617,9 +9653,10 @@
           </a:bodyPr>
           <a:lstStyle/>
           <a:p>
+            <a:pPr algn="r"/>
             <a:r>
               <a:rPr lang="pt-PT" sz="1600" dirty="0"/>
-              <a:t>PrivateStream.cpp</a:t>
+              <a:t>Exemplo de tratamento de excepção  - PrivateStream.cpp</a:t>
             </a:r>
             <a:endParaRPr lang="en-GB" sz="1600" dirty="0"/>
           </a:p>
@@ -9859,7 +9896,7 @@
         <p:spPr>
           <a:xfrm>
             <a:off x="1189358" y="2012309"/>
-            <a:ext cx="5468893" cy="1200329"/>
+            <a:ext cx="5468893" cy="1477328"/>
           </a:xfrm>
           <a:prstGeom prst="rect">
             <a:avLst/>
@@ -9917,7 +9954,7 @@
             </a:pPr>
             <a:r>
               <a:rPr lang="pt-PT" dirty="0"/>
-              <a:t>Permite obter apontador para um dado elemento sabendo apenas o seu identificador</a:t>
+              <a:t>Permite obter apontador para um dado elemento sabendo apenas o seu identificador (stream ID ou nickname). Ex: SearchManger::getUser</a:t>
             </a:r>
             <a:endParaRPr lang="en-GB" dirty="0"/>
           </a:p>
@@ -10246,6 +10283,18 @@
               </a:rPr>
               <a:t>Atualizar</a:t>
             </a:r>
+            <a:r>
+              <a:rPr lang="en-GB" sz="7300" dirty="0">
+                <a:solidFill>
+                  <a:schemeClr val="tx1">
+                    <a:lumMod val="85000"/>
+                    <a:lumOff val="15000"/>
+                  </a:schemeClr>
+                </a:solidFill>
+                <a:latin typeface="Bahnschrift SemiLight" panose="020B0502040204020203" pitchFamily="34" charset="0"/>
+              </a:rPr>
+              <a:t>/ Remover</a:t>
+            </a:r>
             <a:endParaRPr lang="pt-PT" sz="7300" dirty="0">
               <a:solidFill>
                 <a:schemeClr val="tx1">
@@ -10323,7 +10372,7 @@
         </p:blipFill>
         <p:spPr>
           <a:xfrm>
-            <a:off x="1379139" y="4211139"/>
+            <a:off x="1379139" y="4335428"/>
             <a:ext cx="9655377" cy="1646063"/>
           </a:xfrm>
           <a:prstGeom prst="rect">
@@ -10345,7 +10394,7 @@
         </p:nvSpPr>
         <p:spPr>
           <a:xfrm>
-            <a:off x="9374819" y="5786178"/>
+            <a:off x="9374819" y="5910467"/>
             <a:ext cx="1659697" cy="338554"/>
           </a:xfrm>
           <a:prstGeom prst="rect">
@@ -10507,8 +10556,8 @@
         </p:nvSpPr>
         <p:spPr>
           <a:xfrm>
-            <a:off x="1293048" y="2046105"/>
-            <a:ext cx="5527689" cy="1200329"/>
+            <a:off x="1297720" y="1896645"/>
+            <a:ext cx="5689006" cy="1754326"/>
           </a:xfrm>
           <a:prstGeom prst="rect">
             <a:avLst/>
@@ -10530,7 +10579,33 @@
             </a:pPr>
             <a:r>
               <a:rPr lang="pt-PT" dirty="0"/>
-              <a:t>Argumentos das funções são elementos simples</a:t>
+              <a:t>Argumentos das funções são os identificadores únicos.</a:t>
+            </a:r>
+          </a:p>
+          <a:p>
+            <a:pPr marL="285750" indent="-285750">
+              <a:buClr>
+                <a:srgbClr val="8C2D19"/>
+              </a:buClr>
+              <a:buFont typeface="Arial" panose="020B0604020202020204" pitchFamily="34" charset="0"/>
+              <a:buChar char="•"/>
+            </a:pPr>
+            <a:r>
+              <a:rPr lang="pt-PT" dirty="0"/>
+              <a:t>Remoção e criação feitas na classe UserManager e StreamManager. Ex: UserManager::createStreamer</a:t>
+            </a:r>
+          </a:p>
+          <a:p>
+            <a:pPr marL="285750" indent="-285750">
+              <a:buClr>
+                <a:srgbClr val="8C2D19"/>
+              </a:buClr>
+              <a:buFont typeface="Arial" panose="020B0604020202020204" pitchFamily="34" charset="0"/>
+              <a:buChar char="•"/>
+            </a:pPr>
+            <a:r>
+              <a:rPr lang="pt-PT" dirty="0"/>
+              <a:t>Alterações são feitas sobre apontadores.                          Ex: Viewer::giveFeedback</a:t>
             </a:r>
           </a:p>
           <a:p>
@@ -10543,29 +10618,6 @@
             </a:pPr>
             <a:endParaRPr lang="pt-PT" dirty="0"/>
           </a:p>
-          <a:p>
-            <a:pPr marL="285750" indent="-285750">
-              <a:buClr>
-                <a:srgbClr val="8C2D19"/>
-              </a:buClr>
-              <a:buFont typeface="Arial" panose="020B0604020202020204" pitchFamily="34" charset="0"/>
-              <a:buChar char="•"/>
-            </a:pPr>
-            <a:r>
-              <a:rPr lang="pt-PT" dirty="0"/>
-              <a:t>Alterações são feitas sobre apontadores </a:t>
-            </a:r>
-          </a:p>
-          <a:p>
-            <a:pPr marL="285750" indent="-285750">
-              <a:buClr>
-                <a:srgbClr val="8C2D19"/>
-              </a:buClr>
-              <a:buFont typeface="Arial" panose="020B0604020202020204" pitchFamily="34" charset="0"/>
-              <a:buChar char="•"/>
-            </a:pPr>
-            <a:endParaRPr lang="pt-PT" dirty="0"/>
-          </a:p>
         </p:txBody>
       </p:sp>
       <p:pic>
@@ -10590,7 +10642,7 @@
         </p:blipFill>
         <p:spPr>
           <a:xfrm>
-            <a:off x="1379139" y="3180144"/>
+            <a:off x="1379139" y="3419843"/>
             <a:ext cx="5446270" cy="387658"/>
           </a:xfrm>
           <a:prstGeom prst="rect">
@@ -10620,7 +10672,7 @@
         </p:blipFill>
         <p:spPr>
           <a:xfrm>
-            <a:off x="1379139" y="3546225"/>
+            <a:off x="1379139" y="3785924"/>
             <a:ext cx="2260706" cy="344429"/>
           </a:xfrm>
           <a:prstGeom prst="rect">
@@ -10642,7 +10694,7 @@
         </p:nvSpPr>
         <p:spPr>
           <a:xfrm>
-            <a:off x="4995749" y="3521737"/>
+            <a:off x="4995749" y="3761436"/>
             <a:ext cx="1857314" cy="338554"/>
           </a:xfrm>
           <a:prstGeom prst="rect">
@@ -11091,7 +11143,7 @@
         <p:spPr>
           <a:xfrm>
             <a:off x="1089140" y="2002369"/>
-            <a:ext cx="2861423" cy="3139321"/>
+            <a:ext cx="3121892" cy="2862322"/>
           </a:xfrm>
           <a:prstGeom prst="rect">
             <a:avLst/>
@@ -11113,16 +11165,14 @@
             </a:pPr>
             <a:r>
               <a:rPr lang="pt-PT" dirty="0"/>
-              <a:t>Aplica algoritmo sort da stl a vetores pré definidos.</a:t>
-            </a:r>
-          </a:p>
-          <a:p>
-            <a:pPr marL="285750" indent="-285750">
+              <a:t>Aplica algoritmo sort da stl a vetores pré-preenchidos</a:t>
+            </a:r>
+          </a:p>
+          <a:p>
+            <a:pPr>
               <a:buClr>
                 <a:srgbClr val="8C2D19"/>
               </a:buClr>
-              <a:buFont typeface="Arial" panose="020B0604020202020204" pitchFamily="34" charset="0"/>
-              <a:buChar char="•"/>
             </a:pPr>
             <a:endParaRPr lang="pt-PT" dirty="0"/>
           </a:p>
@@ -11466,8 +11516,8 @@
         </p:nvSpPr>
         <p:spPr>
           <a:xfrm>
-            <a:off x="1097280" y="1978514"/>
-            <a:ext cx="3113752" cy="1477328"/>
+            <a:off x="1097279" y="1978514"/>
+            <a:ext cx="3758805" cy="1200329"/>
           </a:xfrm>
           <a:prstGeom prst="rect">
             <a:avLst/>
@@ -11816,7 +11866,7 @@
                 </a:solidFill>
                 <a:latin typeface="Bahnschrift SemiLight" panose="020B0502040204020203" pitchFamily="34" charset="0"/>
               </a:rPr>
-              <a:t>UI - Como usar</a:t>
+              <a:t>UI</a:t>
             </a:r>
             <a:endParaRPr lang="en-GB" sz="6600" dirty="0">
               <a:solidFill>
@@ -11857,8 +11907,8 @@
         </p:blipFill>
         <p:spPr>
           <a:xfrm>
-            <a:off x="1097280" y="2433892"/>
-            <a:ext cx="4684603" cy="1990215"/>
+            <a:off x="667012" y="2073942"/>
+            <a:ext cx="3287852" cy="1396817"/>
           </a:xfrm>
         </p:spPr>
       </p:pic>
@@ -12019,8 +12069,8 @@
         </p:blipFill>
         <p:spPr>
           <a:xfrm>
-            <a:off x="7598221" y="1959017"/>
-            <a:ext cx="3738563" cy="2939966"/>
+            <a:off x="4542283" y="3669726"/>
+            <a:ext cx="3107432" cy="2443651"/>
           </a:xfrm>
           <a:prstGeom prst="rect">
             <a:avLst/>
@@ -12041,8 +12091,8 @@
         </p:nvSpPr>
         <p:spPr>
           <a:xfrm>
-            <a:off x="2591763" y="4529651"/>
-            <a:ext cx="1695635" cy="369332"/>
+            <a:off x="207699" y="3543505"/>
+            <a:ext cx="4206477" cy="1077218"/>
           </a:xfrm>
           <a:prstGeom prst="rect">
             <a:avLst/>
@@ -12057,10 +12107,30 @@
           <a:p>
             <a:pPr algn="ctr"/>
             <a:r>
-              <a:rPr lang="pt-PT" dirty="0"/>
+              <a:rPr lang="pt-PT" sz="1600" dirty="0"/>
               <a:t>Login Page</a:t>
             </a:r>
-            <a:endParaRPr lang="en-US" dirty="0"/>
+          </a:p>
+          <a:p>
+            <a:pPr marL="285750" indent="-285750">
+              <a:buFont typeface="Arial" panose="020B0604020202020204" pitchFamily="34" charset="0"/>
+              <a:buChar char="•"/>
+            </a:pPr>
+            <a:r>
+              <a:rPr lang="pt-PT" sz="1600" dirty="0"/>
+              <a:t>Pode fazer login com usernick e password</a:t>
+            </a:r>
+          </a:p>
+          <a:p>
+            <a:pPr marL="285750" indent="-285750">
+              <a:buFont typeface="Arial" panose="020B0604020202020204" pitchFamily="34" charset="0"/>
+              <a:buChar char="•"/>
+            </a:pPr>
+            <a:r>
+              <a:rPr lang="pt-PT" sz="1600" dirty="0"/>
+              <a:t>Criar uma nova conta(admin – apenas uma vez, streamer ou viewer).</a:t>
+            </a:r>
+            <a:endParaRPr lang="en-US" sz="1600" dirty="0"/>
           </a:p>
         </p:txBody>
       </p:sp>
@@ -12078,8 +12148,8 @@
         </p:nvSpPr>
         <p:spPr>
           <a:xfrm>
-            <a:off x="7598221" y="5120639"/>
-            <a:ext cx="3738563" cy="369332"/>
+            <a:off x="4257198" y="2620174"/>
+            <a:ext cx="3738563" cy="923330"/>
           </a:xfrm>
           <a:prstGeom prst="rect">
             <a:avLst/>
@@ -12095,12 +12165,132 @@
             <a:pPr algn="ctr"/>
             <a:r>
               <a:rPr lang="pt-PT" dirty="0"/>
-              <a:t>Escolher a opção correspondente</a:t>
-            </a:r>
-            <a:endParaRPr lang="en-US" dirty="0"/>
-          </a:p>
-        </p:txBody>
-      </p:sp>
+              <a:t>Exemplo Viewer</a:t>
+            </a:r>
+          </a:p>
+          <a:p>
+            <a:r>
+              <a:rPr lang="pt-PT" dirty="0"/>
+              <a:t>Escolher a opção correspondente como é indicado no ecrã</a:t>
+            </a:r>
+          </a:p>
+        </p:txBody>
+      </p:sp>
+      <p:pic>
+        <p:nvPicPr>
+          <p:cNvPr id="8" name="Picture 7">
+            <a:extLst>
+              <a:ext uri="{FF2B5EF4-FFF2-40B4-BE49-F238E27FC236}">
+                <a16:creationId xmlns:a16="http://schemas.microsoft.com/office/drawing/2014/main" id="{A726BF86-8CE4-4BF4-93DA-AF586AFAAA7C}"/>
+              </a:ext>
+            </a:extLst>
+          </p:cNvPr>
+          <p:cNvPicPr>
+            <a:picLocks noChangeAspect="1"/>
+          </p:cNvPicPr>
+          <p:nvPr/>
+        </p:nvPicPr>
+        <p:blipFill>
+          <a:blip r:embed="rId5"/>
+          <a:stretch>
+            <a:fillRect/>
+          </a:stretch>
+        </p:blipFill>
+        <p:spPr>
+          <a:xfrm>
+            <a:off x="7965281" y="2001196"/>
+            <a:ext cx="3743065" cy="1542309"/>
+          </a:xfrm>
+          <a:prstGeom prst="rect">
+            <a:avLst/>
+          </a:prstGeom>
+        </p:spPr>
+      </p:pic>
+      <p:sp>
+        <p:nvSpPr>
+          <p:cNvPr id="14" name="TextBox 13">
+            <a:extLst>
+              <a:ext uri="{FF2B5EF4-FFF2-40B4-BE49-F238E27FC236}">
+                <a16:creationId xmlns:a16="http://schemas.microsoft.com/office/drawing/2014/main" id="{6414C627-DEA0-48B7-9714-952D213E0CBA}"/>
+              </a:ext>
+            </a:extLst>
+          </p:cNvPr>
+          <p:cNvSpPr txBox="1"/>
+          <p:nvPr/>
+        </p:nvSpPr>
+        <p:spPr>
+          <a:xfrm>
+            <a:off x="7797219" y="3715409"/>
+            <a:ext cx="4206477" cy="1077218"/>
+          </a:xfrm>
+          <a:prstGeom prst="rect">
+            <a:avLst/>
+          </a:prstGeom>
+          <a:noFill/>
+        </p:spPr>
+        <p:txBody>
+          <a:bodyPr wrap="square" rtlCol="0">
+            <a:spAutoFit/>
+          </a:bodyPr>
+          <a:lstStyle/>
+          <a:p>
+            <a:pPr algn="ctr"/>
+            <a:r>
+              <a:rPr lang="pt-PT" sz="1600" dirty="0"/>
+              <a:t>Exemplo conta admin</a:t>
+            </a:r>
+          </a:p>
+          <a:p>
+            <a:pPr marL="285750" indent="-285750">
+              <a:buFont typeface="Arial" panose="020B0604020202020204" pitchFamily="34" charset="0"/>
+              <a:buChar char="•"/>
+            </a:pPr>
+            <a:r>
+              <a:rPr lang="pt-PT" sz="1600" dirty="0"/>
+              <a:t>Várias estatísticas possiveis</a:t>
+            </a:r>
+          </a:p>
+          <a:p>
+            <a:endParaRPr lang="pt-PT" sz="1600" dirty="0"/>
+          </a:p>
+          <a:p>
+            <a:pPr algn="ctr"/>
+            <a:r>
+              <a:rPr lang="pt-PT" sz="1600" dirty="0"/>
+              <a:t>Exemplo Streamer</a:t>
+            </a:r>
+          </a:p>
+        </p:txBody>
+      </p:sp>
+      <p:pic>
+        <p:nvPicPr>
+          <p:cNvPr id="15" name="Picture 14">
+            <a:extLst>
+              <a:ext uri="{FF2B5EF4-FFF2-40B4-BE49-F238E27FC236}">
+                <a16:creationId xmlns:a16="http://schemas.microsoft.com/office/drawing/2014/main" id="{C4891DB0-F247-4E84-ADBF-FC44AEA05A68}"/>
+              </a:ext>
+            </a:extLst>
+          </p:cNvPr>
+          <p:cNvPicPr>
+            <a:picLocks noChangeAspect="1"/>
+          </p:cNvPicPr>
+          <p:nvPr/>
+        </p:nvPicPr>
+        <p:blipFill rotWithShape="1">
+          <a:blip r:embed="rId6"/>
+          <a:srcRect b="31281"/>
+          <a:stretch/>
+        </p:blipFill>
+        <p:spPr>
+          <a:xfrm>
+            <a:off x="8796845" y="4939812"/>
+            <a:ext cx="2079936" cy="1242874"/>
+          </a:xfrm>
+          <a:prstGeom prst="rect">
+            <a:avLst/>
+          </a:prstGeom>
+        </p:spPr>
+      </p:pic>
     </p:spTree>
     <p:extLst>
       <p:ext uri="{BB962C8B-B14F-4D97-AF65-F5344CB8AC3E}">
@@ -12326,8 +12516,8 @@
         </p:nvSpPr>
         <p:spPr>
           <a:xfrm>
-            <a:off x="1199738" y="4797497"/>
-            <a:ext cx="3552777" cy="923330"/>
+            <a:off x="861379" y="4381999"/>
+            <a:ext cx="5649612" cy="1754326"/>
           </a:xfrm>
           <a:prstGeom prst="rect">
             <a:avLst/>
@@ -12358,6 +12548,26 @@
               <a:rPr lang="pt-PT" dirty="0"/>
               <a:t>Não escolher nenhum género implica pesquisar por todos</a:t>
             </a:r>
+          </a:p>
+          <a:p>
+            <a:pPr marL="285750" indent="-285750">
+              <a:buFont typeface="Arial" panose="020B0604020202020204" pitchFamily="34" charset="0"/>
+              <a:buChar char="•"/>
+            </a:pPr>
+            <a:r>
+              <a:rPr lang="pt-PT" dirty="0"/>
+              <a:t>Escolher 0 para parar de adicionar elementos à pesquisa</a:t>
+            </a:r>
+          </a:p>
+          <a:p>
+            <a:pPr marL="285750" indent="-285750">
+              <a:buFont typeface="Arial" panose="020B0604020202020204" pitchFamily="34" charset="0"/>
+              <a:buChar char="•"/>
+            </a:pPr>
+            <a:r>
+              <a:rPr lang="pt-PT" dirty="0"/>
+              <a:t>Ordenar à escolha se assim desejar</a:t>
+            </a:r>
             <a:endParaRPr lang="en-US" dirty="0"/>
           </a:p>
         </p:txBody>
@@ -12377,7 +12587,7 @@
         <p:spPr>
           <a:xfrm>
             <a:off x="7097164" y="5259162"/>
-            <a:ext cx="3738563" cy="369332"/>
+            <a:ext cx="4426052" cy="923330"/>
           </a:xfrm>
           <a:prstGeom prst="rect">
             <a:avLst/>
@@ -12390,10 +12600,23 @@
           </a:bodyPr>
           <a:lstStyle/>
           <a:p>
-            <a:pPr algn="ctr"/>
+            <a:pPr marL="285750" indent="-285750">
+              <a:buFont typeface="Arial" panose="020B0604020202020204" pitchFamily="34" charset="0"/>
+              <a:buChar char="•"/>
+            </a:pPr>
             <a:r>
               <a:rPr lang="pt-PT" dirty="0"/>
               <a:t>Sistema de páginas</a:t>
+            </a:r>
+          </a:p>
+          <a:p>
+            <a:pPr marL="285750" indent="-285750">
+              <a:buFont typeface="Arial" panose="020B0604020202020204" pitchFamily="34" charset="0"/>
+              <a:buChar char="•"/>
+            </a:pPr>
+            <a:r>
+              <a:rPr lang="pt-PT" dirty="0"/>
+              <a:t>Objetivo de não apresentar demasiadas entradas no ecrã de uma vez só.</a:t>
             </a:r>
             <a:endParaRPr lang="en-US" dirty="0"/>
           </a:p>
@@ -12421,8 +12644,8 @@
         </p:blipFill>
         <p:spPr>
           <a:xfrm>
-            <a:off x="1310827" y="2074391"/>
-            <a:ext cx="3705225" cy="2600325"/>
+            <a:off x="861379" y="2324472"/>
+            <a:ext cx="2600430" cy="1824981"/>
           </a:xfrm>
           <a:prstGeom prst="rect">
             <a:avLst/>
@@ -12451,8 +12674,38 @@
         </p:blipFill>
         <p:spPr>
           <a:xfrm>
-            <a:off x="7439486" y="1894202"/>
+            <a:off x="7783230" y="1832514"/>
             <a:ext cx="3053920" cy="3149355"/>
+          </a:xfrm>
+          <a:prstGeom prst="rect">
+            <a:avLst/>
+          </a:prstGeom>
+        </p:spPr>
+      </p:pic>
+      <p:pic>
+        <p:nvPicPr>
+          <p:cNvPr id="9" name="Picture 8">
+            <a:extLst>
+              <a:ext uri="{FF2B5EF4-FFF2-40B4-BE49-F238E27FC236}">
+                <a16:creationId xmlns:a16="http://schemas.microsoft.com/office/drawing/2014/main" id="{609E53D3-C469-4E0F-82E7-9857FA4173D9}"/>
+              </a:ext>
+            </a:extLst>
+          </p:cNvPr>
+          <p:cNvPicPr>
+            <a:picLocks noChangeAspect="1"/>
+          </p:cNvPicPr>
+          <p:nvPr/>
+        </p:nvPicPr>
+        <p:blipFill>
+          <a:blip r:embed="rId5"/>
+          <a:stretch>
+            <a:fillRect/>
+          </a:stretch>
+        </p:blipFill>
+        <p:spPr>
+          <a:xfrm>
+            <a:off x="3612605" y="2230575"/>
+            <a:ext cx="2768404" cy="2012777"/>
           </a:xfrm>
           <a:prstGeom prst="rect">
             <a:avLst/>
@@ -14314,8 +14567,8 @@
         </p:nvSpPr>
         <p:spPr>
           <a:xfrm>
-            <a:off x="1066800" y="2031214"/>
-            <a:ext cx="10058400" cy="4094373"/>
+            <a:off x="771321" y="2031185"/>
+            <a:ext cx="10891421" cy="4094373"/>
           </a:xfrm>
           <a:prstGeom prst="rect">
             <a:avLst/>
@@ -14620,6 +14873,36 @@
             </a:r>
           </a:p>
           <a:p>
+            <a:pPr marL="201168" lvl="1" indent="0">
+              <a:buClr>
+                <a:srgbClr val="8C2D19"/>
+              </a:buClr>
+              <a:buNone/>
+            </a:pPr>
+            <a:endParaRPr lang="pt-PT" dirty="0">
+              <a:solidFill>
+                <a:schemeClr val="tx1"/>
+              </a:solidFill>
+            </a:endParaRPr>
+          </a:p>
+          <a:p>
+            <a:pPr lvl="1">
+              <a:buClr>
+                <a:srgbClr val="8C2D19"/>
+              </a:buClr>
+              <a:buFont typeface="Arial" panose="020B0604020202020204" pitchFamily="34" charset="0"/>
+              <a:buChar char="•"/>
+            </a:pPr>
+            <a:r>
+              <a:rPr lang="pt-PT" dirty="0">
+                <a:solidFill>
+                  <a:schemeClr val="tx1"/>
+                </a:solidFill>
+              </a:rPr>
+              <a:t>Garantir que não ficaria nenhuma referencia quando algum objeto fosse apagado do sistema. Tal causaria chamar funções sobre apontadores nulos. Conseguido através da implementação de destrutores.</a:t>
+            </a:r>
+          </a:p>
+          <a:p>
             <a:pPr lvl="1">
               <a:buClr>
                 <a:srgbClr val="8C2D19"/>
@@ -14647,38 +14930,7 @@
                   <a:schemeClr val="tx1"/>
                 </a:solidFill>
               </a:rPr>
-              <a:t>Não implementamos ficheiros em binário, como tinhamos inicialmente planeado, devido aos tamanhos variáveis dos vetores e das strings.</a:t>
-            </a:r>
-          </a:p>
-          <a:p>
-            <a:pPr lvl="1">
-              <a:buClr>
-                <a:srgbClr val="8C2D19"/>
-              </a:buClr>
-              <a:buFont typeface="Arial" panose="020B0604020202020204" pitchFamily="34" charset="0"/>
-              <a:buChar char="•"/>
-            </a:pPr>
-            <a:endParaRPr lang="pt-PT" dirty="0">
-              <a:solidFill>
-                <a:schemeClr val="tx1"/>
-              </a:solidFill>
-            </a:endParaRPr>
-          </a:p>
-          <a:p>
-            <a:pPr lvl="1">
-              <a:buClr>
-                <a:srgbClr val="8C2D19"/>
-              </a:buClr>
-              <a:buFont typeface="Arial" panose="020B0604020202020204" pitchFamily="34" charset="0"/>
-              <a:buChar char="•"/>
-            </a:pPr>
-            <a:r>
-              <a:rPr lang="pt-PT" dirty="0">
-                <a:solidFill>
-                  <a:schemeClr val="tx1"/>
-                </a:solidFill>
-              </a:rPr>
-              <a:t>Garantir que não ficaria nenhuma referencia quando algum objeto fosse apagado do sistema. Tal causaria chamar funções sobre apontadores nulos. Conseguido através da implementação de destrutores.</a:t>
+              <a:t>O trabalho foi igualmente distribuido (André Moreira – 33.33%, André Pereira – 33.33%, Nuno Alves – 33.33%</a:t>
             </a:r>
           </a:p>
         </p:txBody>
@@ -14722,343 +14974,6 @@
     <p:extLst>
       <p:ext uri="{BB962C8B-B14F-4D97-AF65-F5344CB8AC3E}">
         <p14:creationId xmlns:p14="http://schemas.microsoft.com/office/powerpoint/2010/main" val="2268491694"/>
-      </p:ext>
-    </p:extLst>
-  </p:cSld>
-  <p:clrMapOvr>
-    <a:masterClrMapping/>
-  </p:clrMapOvr>
-</p:sld>
-</file>
-
-<file path=ppt/slides/slide23.xml><?xml version="1.0" encoding="utf-8"?>
-<p:sld xmlns:a="http://schemas.openxmlformats.org/drawingml/2006/main" xmlns:r="http://schemas.openxmlformats.org/officeDocument/2006/relationships" xmlns:p="http://schemas.openxmlformats.org/presentationml/2006/main">
-  <p:cSld>
-    <p:spTree>
-      <p:nvGrpSpPr>
-        <p:cNvPr id="1" name=""/>
-        <p:cNvGrpSpPr/>
-        <p:nvPr/>
-      </p:nvGrpSpPr>
-      <p:grpSpPr>
-        <a:xfrm>
-          <a:off x="0" y="0"/>
-          <a:ext cx="0" cy="0"/>
-          <a:chOff x="0" y="0"/>
-          <a:chExt cx="0" cy="0"/>
-        </a:xfrm>
-      </p:grpSpPr>
-      <p:sp>
-        <p:nvSpPr>
-          <p:cNvPr id="6" name="Título 1">
-            <a:extLst>
-              <a:ext uri="{FF2B5EF4-FFF2-40B4-BE49-F238E27FC236}">
-                <a16:creationId xmlns:a16="http://schemas.microsoft.com/office/drawing/2014/main" id="{CB0F5817-ED48-44E0-B338-9E268421DC34}"/>
-              </a:ext>
-            </a:extLst>
-          </p:cNvPr>
-          <p:cNvSpPr>
-            <a:spLocks noGrp="1"/>
-          </p:cNvSpPr>
-          <p:nvPr>
-            <p:ph type="title"/>
-          </p:nvPr>
-        </p:nvSpPr>
-        <p:spPr>
-          <a:xfrm>
-            <a:off x="1097280" y="286603"/>
-            <a:ext cx="10058400" cy="1450757"/>
-          </a:xfrm>
-        </p:spPr>
-        <p:txBody>
-          <a:bodyPr/>
-          <a:lstStyle/>
-          <a:p>
-            <a:pPr algn="ctr"/>
-            <a:r>
-              <a:rPr lang="pt-PT" sz="6600" dirty="0">
-                <a:solidFill>
-                  <a:schemeClr val="tx1">
-                    <a:lumMod val="85000"/>
-                    <a:lumOff val="15000"/>
-                  </a:schemeClr>
-                </a:solidFill>
-                <a:latin typeface="Bahnschrift SemiLight" panose="020B0502040204020203" pitchFamily="34" charset="0"/>
-              </a:rPr>
-              <a:t>Esforço</a:t>
-            </a:r>
-            <a:endParaRPr lang="en-GB" sz="6600" dirty="0">
-              <a:solidFill>
-                <a:schemeClr val="tx1">
-                  <a:lumMod val="85000"/>
-                  <a:lumOff val="15000"/>
-                </a:schemeClr>
-              </a:solidFill>
-              <a:latin typeface="Bahnschrift SemiLight" panose="020B0502040204020203" pitchFamily="34" charset="0"/>
-            </a:endParaRPr>
-          </a:p>
-        </p:txBody>
-      </p:sp>
-      <p:cxnSp>
-        <p:nvCxnSpPr>
-          <p:cNvPr id="7" name="Conexão reta 6">
-            <a:extLst>
-              <a:ext uri="{FF2B5EF4-FFF2-40B4-BE49-F238E27FC236}">
-                <a16:creationId xmlns:a16="http://schemas.microsoft.com/office/drawing/2014/main" id="{5D9A9C30-1A01-4AB5-A46A-4BFA208A53F3}"/>
-              </a:ext>
-            </a:extLst>
-          </p:cNvPr>
-          <p:cNvCxnSpPr>
-            <a:cxnSpLocks/>
-          </p:cNvCxnSpPr>
-          <p:nvPr/>
-        </p:nvCxnSpPr>
-        <p:spPr>
-          <a:xfrm flipH="1">
-            <a:off x="1097280" y="1737360"/>
-            <a:ext cx="10239504" cy="0"/>
-          </a:xfrm>
-          <a:prstGeom prst="line">
-            <a:avLst/>
-          </a:prstGeom>
-          <a:ln>
-            <a:solidFill>
-              <a:srgbClr val="8C2D19"/>
-            </a:solidFill>
-          </a:ln>
-        </p:spPr>
-        <p:style>
-          <a:lnRef idx="1">
-            <a:schemeClr val="accent1"/>
-          </a:lnRef>
-          <a:fillRef idx="0">
-            <a:schemeClr val="accent1"/>
-          </a:fillRef>
-          <a:effectRef idx="0">
-            <a:schemeClr val="accent1"/>
-          </a:effectRef>
-          <a:fontRef idx="minor">
-            <a:schemeClr val="tx1"/>
-          </a:fontRef>
-        </p:style>
-      </p:cxnSp>
-      <p:sp>
-        <p:nvSpPr>
-          <p:cNvPr id="12" name="CaixaDeTexto 11">
-            <a:extLst>
-              <a:ext uri="{FF2B5EF4-FFF2-40B4-BE49-F238E27FC236}">
-                <a16:creationId xmlns:a16="http://schemas.microsoft.com/office/drawing/2014/main" id="{A1EEA834-C5EC-424F-BA87-A83D43C87F2E}"/>
-              </a:ext>
-            </a:extLst>
-          </p:cNvPr>
-          <p:cNvSpPr txBox="1"/>
-          <p:nvPr/>
-        </p:nvSpPr>
-        <p:spPr>
-          <a:xfrm>
-            <a:off x="7643673" y="4013650"/>
-            <a:ext cx="2305975" cy="400110"/>
-          </a:xfrm>
-          <a:prstGeom prst="rect">
-            <a:avLst/>
-          </a:prstGeom>
-          <a:noFill/>
-        </p:spPr>
-        <p:txBody>
-          <a:bodyPr wrap="square">
-            <a:spAutoFit/>
-          </a:bodyPr>
-          <a:lstStyle/>
-          <a:p>
-            <a:r>
-              <a:rPr lang="en-US" sz="2000" dirty="0">
-                <a:latin typeface="+mn-lt"/>
-              </a:rPr>
-              <a:t>André Pereira | 33%</a:t>
-            </a:r>
-          </a:p>
-        </p:txBody>
-      </p:sp>
-      <p:sp>
-        <p:nvSpPr>
-          <p:cNvPr id="13" name="CaixaDeTexto 12">
-            <a:extLst>
-              <a:ext uri="{FF2B5EF4-FFF2-40B4-BE49-F238E27FC236}">
-                <a16:creationId xmlns:a16="http://schemas.microsoft.com/office/drawing/2014/main" id="{399D26C4-FCD6-47A1-B4B3-57393F937225}"/>
-              </a:ext>
-            </a:extLst>
-          </p:cNvPr>
-          <p:cNvSpPr txBox="1"/>
-          <p:nvPr/>
-        </p:nvSpPr>
-        <p:spPr>
-          <a:xfrm>
-            <a:off x="2632005" y="3498407"/>
-            <a:ext cx="2305975" cy="400110"/>
-          </a:xfrm>
-          <a:prstGeom prst="rect">
-            <a:avLst/>
-          </a:prstGeom>
-          <a:noFill/>
-        </p:spPr>
-        <p:txBody>
-          <a:bodyPr wrap="square">
-            <a:spAutoFit/>
-          </a:bodyPr>
-          <a:lstStyle/>
-          <a:p>
-            <a:r>
-              <a:rPr lang="en-US" sz="2000" dirty="0">
-                <a:latin typeface="+mn-lt"/>
-              </a:rPr>
-              <a:t>Nuno Alves| 33,34%</a:t>
-            </a:r>
-          </a:p>
-        </p:txBody>
-      </p:sp>
-      <p:sp>
-        <p:nvSpPr>
-          <p:cNvPr id="14" name="CaixaDeTexto 13">
-            <a:extLst>
-              <a:ext uri="{FF2B5EF4-FFF2-40B4-BE49-F238E27FC236}">
-                <a16:creationId xmlns:a16="http://schemas.microsoft.com/office/drawing/2014/main" id="{7CC86B34-2F63-4B09-923D-4BE77AE614BA}"/>
-              </a:ext>
-            </a:extLst>
-          </p:cNvPr>
-          <p:cNvSpPr txBox="1"/>
-          <p:nvPr/>
-        </p:nvSpPr>
-        <p:spPr>
-          <a:xfrm>
-            <a:off x="4937980" y="2519475"/>
-            <a:ext cx="2705693" cy="400110"/>
-          </a:xfrm>
-          <a:prstGeom prst="rect">
-            <a:avLst/>
-          </a:prstGeom>
-          <a:noFill/>
-        </p:spPr>
-        <p:txBody>
-          <a:bodyPr wrap="square">
-            <a:spAutoFit/>
-          </a:bodyPr>
-          <a:lstStyle/>
-          <a:p>
-            <a:r>
-              <a:rPr lang="en-US" sz="2000" dirty="0">
-                <a:latin typeface="+mn-lt"/>
-              </a:rPr>
-              <a:t>André Moreira| 33,66%</a:t>
-            </a:r>
-          </a:p>
-        </p:txBody>
-      </p:sp>
-      <p:sp>
-        <p:nvSpPr>
-          <p:cNvPr id="20" name="Marcador de Posição do Rodapé 3">
-            <a:extLst>
-              <a:ext uri="{FF2B5EF4-FFF2-40B4-BE49-F238E27FC236}">
-                <a16:creationId xmlns:a16="http://schemas.microsoft.com/office/drawing/2014/main" id="{6CE38796-004B-4FED-AFCD-895FE10FB277}"/>
-              </a:ext>
-            </a:extLst>
-          </p:cNvPr>
-          <p:cNvSpPr>
-            <a:spLocks noGrp="1"/>
-          </p:cNvSpPr>
-          <p:nvPr>
-            <p:ph type="ftr" sz="quarter" idx="11"/>
-          </p:nvPr>
-        </p:nvSpPr>
-        <p:spPr>
-          <a:xfrm>
-            <a:off x="3686185" y="6459785"/>
-            <a:ext cx="4822804" cy="365125"/>
-          </a:xfrm>
-        </p:spPr>
-        <p:txBody>
-          <a:bodyPr/>
-          <a:lstStyle/>
-          <a:p>
-            <a:r>
-              <a:rPr lang="en-GB" sz="2400" b="1" dirty="0"/>
-              <a:t>2MIEIC04_G1</a:t>
-            </a:r>
-          </a:p>
-        </p:txBody>
-      </p:sp>
-      <p:sp>
-        <p:nvSpPr>
-          <p:cNvPr id="21" name="Marcador de Posição do Número do Diapositivo 5">
-            <a:extLst>
-              <a:ext uri="{FF2B5EF4-FFF2-40B4-BE49-F238E27FC236}">
-                <a16:creationId xmlns:a16="http://schemas.microsoft.com/office/drawing/2014/main" id="{8C8CEF7E-0718-46AD-98B3-F675997F24C5}"/>
-              </a:ext>
-            </a:extLst>
-          </p:cNvPr>
-          <p:cNvSpPr>
-            <a:spLocks noGrp="1"/>
-          </p:cNvSpPr>
-          <p:nvPr>
-            <p:ph type="sldNum" sz="quarter" idx="12"/>
-          </p:nvPr>
-        </p:nvSpPr>
-        <p:spPr>
-          <a:xfrm>
-            <a:off x="9900458" y="6459785"/>
-            <a:ext cx="1312025" cy="365125"/>
-          </a:xfrm>
-        </p:spPr>
-        <p:txBody>
-          <a:bodyPr/>
-          <a:lstStyle/>
-          <a:p>
-            <a:fld id="{75DB3F52-068C-4339-9FA6-06F9AAEB3337}" type="slidenum">
-              <a:rPr lang="en-GB" sz="2400"/>
-              <a:t>23</a:t>
-            </a:fld>
-            <a:endParaRPr lang="en-GB" sz="2400" dirty="0"/>
-          </a:p>
-        </p:txBody>
-      </p:sp>
-      <p:pic>
-        <p:nvPicPr>
-          <p:cNvPr id="22" name="Imagem 21">
-            <a:extLst>
-              <a:ext uri="{FF2B5EF4-FFF2-40B4-BE49-F238E27FC236}">
-                <a16:creationId xmlns:a16="http://schemas.microsoft.com/office/drawing/2014/main" id="{95FD659E-1656-4BB2-AFED-54D7EBFC41AD}"/>
-              </a:ext>
-            </a:extLst>
-          </p:cNvPr>
-          <p:cNvPicPr>
-            <a:picLocks noChangeAspect="1"/>
-          </p:cNvPicPr>
-          <p:nvPr/>
-        </p:nvPicPr>
-        <p:blipFill rotWithShape="1">
-          <a:blip r:embed="rId2">
-            <a:extLst>
-              <a:ext uri="{28A0092B-C50C-407E-A947-70E740481C1C}">
-                <a14:useLocalDpi xmlns:a14="http://schemas.microsoft.com/office/drawing/2010/main" val="0"/>
-              </a:ext>
-            </a:extLst>
-          </a:blip>
-          <a:srcRect r="39904"/>
-          <a:stretch/>
-        </p:blipFill>
-        <p:spPr>
-          <a:xfrm>
-            <a:off x="1097280" y="6500189"/>
-            <a:ext cx="1406360" cy="312685"/>
-          </a:xfrm>
-          <a:prstGeom prst="rect">
-            <a:avLst/>
-          </a:prstGeom>
-        </p:spPr>
-      </p:pic>
-    </p:spTree>
-    <p:extLst>
-      <p:ext uri="{BB962C8B-B14F-4D97-AF65-F5344CB8AC3E}">
-        <p14:creationId xmlns:p14="http://schemas.microsoft.com/office/powerpoint/2010/main" val="2578003976"/>
       </p:ext>
     </p:extLst>
   </p:cSld>
@@ -15184,1119 +15099,6 @@
       </p:cxnSp>
       <p:sp>
         <p:nvSpPr>
-          <p:cNvPr id="3" name="CaixaDeTexto 2">
-            <a:extLst>
-              <a:ext uri="{FF2B5EF4-FFF2-40B4-BE49-F238E27FC236}">
-                <a16:creationId xmlns:a16="http://schemas.microsoft.com/office/drawing/2014/main" id="{48C70D62-11E2-4E0A-8567-1840D2ABB55F}"/>
-              </a:ext>
-            </a:extLst>
-          </p:cNvPr>
-          <p:cNvSpPr txBox="1"/>
-          <p:nvPr/>
-        </p:nvSpPr>
-        <p:spPr>
-          <a:xfrm>
-            <a:off x="2249217" y="4957272"/>
-            <a:ext cx="1229891" cy="461665"/>
-          </a:xfrm>
-          <a:prstGeom prst="rect">
-            <a:avLst/>
-          </a:prstGeom>
-          <a:noFill/>
-        </p:spPr>
-        <p:txBody>
-          <a:bodyPr wrap="square" rtlCol="0">
-            <a:spAutoFit/>
-          </a:bodyPr>
-          <a:lstStyle/>
-          <a:p>
-            <a:pPr algn="ctr"/>
-            <a:r>
-              <a:rPr lang="pt-PT" sz="2400" dirty="0" err="1"/>
-              <a:t>Viewers</a:t>
-            </a:r>
-            <a:endParaRPr lang="en-GB" sz="2400" dirty="0"/>
-          </a:p>
-        </p:txBody>
-      </p:sp>
-      <p:sp>
-        <p:nvSpPr>
-          <p:cNvPr id="4" name="CaixaDeTexto 3">
-            <a:extLst>
-              <a:ext uri="{FF2B5EF4-FFF2-40B4-BE49-F238E27FC236}">
-                <a16:creationId xmlns:a16="http://schemas.microsoft.com/office/drawing/2014/main" id="{C440F4C4-94FA-45B9-B872-852657BE5568}"/>
-              </a:ext>
-            </a:extLst>
-          </p:cNvPr>
-          <p:cNvSpPr txBox="1"/>
-          <p:nvPr/>
-        </p:nvSpPr>
-        <p:spPr>
-          <a:xfrm>
-            <a:off x="658474" y="4957272"/>
-            <a:ext cx="1458265" cy="461665"/>
-          </a:xfrm>
-          <a:prstGeom prst="rect">
-            <a:avLst/>
-          </a:prstGeom>
-          <a:noFill/>
-        </p:spPr>
-        <p:txBody>
-          <a:bodyPr wrap="square" rtlCol="0">
-            <a:spAutoFit/>
-          </a:bodyPr>
-          <a:lstStyle/>
-          <a:p>
-            <a:pPr algn="ctr"/>
-            <a:r>
-              <a:rPr lang="pt-PT" sz="2400" dirty="0" err="1"/>
-              <a:t>Streamers</a:t>
-            </a:r>
-            <a:endParaRPr lang="en-GB" sz="2400" dirty="0"/>
-          </a:p>
-        </p:txBody>
-      </p:sp>
-      <p:sp>
-        <p:nvSpPr>
-          <p:cNvPr id="8" name="CaixaDeTexto 7">
-            <a:extLst>
-              <a:ext uri="{FF2B5EF4-FFF2-40B4-BE49-F238E27FC236}">
-                <a16:creationId xmlns:a16="http://schemas.microsoft.com/office/drawing/2014/main" id="{8D0FD94E-BB0E-4928-8D83-D31C1836A078}"/>
-              </a:ext>
-            </a:extLst>
-          </p:cNvPr>
-          <p:cNvSpPr txBox="1"/>
-          <p:nvPr/>
-        </p:nvSpPr>
-        <p:spPr>
-          <a:xfrm>
-            <a:off x="3612244" y="4957272"/>
-            <a:ext cx="994328" cy="461665"/>
-          </a:xfrm>
-          <a:prstGeom prst="rect">
-            <a:avLst/>
-          </a:prstGeom>
-          <a:noFill/>
-        </p:spPr>
-        <p:txBody>
-          <a:bodyPr wrap="square" rtlCol="0">
-            <a:spAutoFit/>
-          </a:bodyPr>
-          <a:lstStyle/>
-          <a:p>
-            <a:pPr algn="ctr"/>
-            <a:r>
-              <a:rPr lang="pt-PT" sz="2400" dirty="0" err="1"/>
-              <a:t>Admin</a:t>
-            </a:r>
-            <a:endParaRPr lang="en-GB" sz="2400" dirty="0"/>
-          </a:p>
-        </p:txBody>
-      </p:sp>
-      <p:sp>
-        <p:nvSpPr>
-          <p:cNvPr id="10" name="CaixaDeTexto 9">
-            <a:extLst>
-              <a:ext uri="{FF2B5EF4-FFF2-40B4-BE49-F238E27FC236}">
-                <a16:creationId xmlns:a16="http://schemas.microsoft.com/office/drawing/2014/main" id="{B0DE4274-6FCD-4656-9710-9AFAE8F61ED1}"/>
-              </a:ext>
-            </a:extLst>
-          </p:cNvPr>
-          <p:cNvSpPr txBox="1"/>
-          <p:nvPr/>
-        </p:nvSpPr>
-        <p:spPr>
-          <a:xfrm>
-            <a:off x="8358312" y="3827030"/>
-            <a:ext cx="1230548" cy="461665"/>
-          </a:xfrm>
-          <a:prstGeom prst="rect">
-            <a:avLst/>
-          </a:prstGeom>
-          <a:noFill/>
-        </p:spPr>
-        <p:txBody>
-          <a:bodyPr wrap="square" rtlCol="0">
-            <a:spAutoFit/>
-          </a:bodyPr>
-          <a:lstStyle/>
-          <a:p>
-            <a:pPr algn="ctr"/>
-            <a:r>
-              <a:rPr lang="pt-PT" sz="2400" dirty="0" err="1"/>
-              <a:t>Streams</a:t>
-            </a:r>
-            <a:endParaRPr lang="en-GB" sz="2400" dirty="0"/>
-          </a:p>
-        </p:txBody>
-      </p:sp>
-      <p:sp>
-        <p:nvSpPr>
-          <p:cNvPr id="12" name="CaixaDeTexto 11">
-            <a:extLst>
-              <a:ext uri="{FF2B5EF4-FFF2-40B4-BE49-F238E27FC236}">
-                <a16:creationId xmlns:a16="http://schemas.microsoft.com/office/drawing/2014/main" id="{EB0A3011-CBE3-4854-B375-A32334888EB4}"/>
-              </a:ext>
-            </a:extLst>
-          </p:cNvPr>
-          <p:cNvSpPr txBox="1"/>
-          <p:nvPr/>
-        </p:nvSpPr>
-        <p:spPr>
-          <a:xfrm>
-            <a:off x="4750073" y="3209250"/>
-            <a:ext cx="2342148" cy="461665"/>
-          </a:xfrm>
-          <a:prstGeom prst="rect">
-            <a:avLst/>
-          </a:prstGeom>
-          <a:noFill/>
-        </p:spPr>
-        <p:txBody>
-          <a:bodyPr wrap="square" rtlCol="0">
-            <a:spAutoFit/>
-          </a:bodyPr>
-          <a:lstStyle/>
-          <a:p>
-            <a:pPr algn="ctr"/>
-            <a:r>
-              <a:rPr lang="pt-PT" sz="2400" dirty="0"/>
-              <a:t>Managers</a:t>
-            </a:r>
-            <a:endParaRPr lang="en-GB" sz="2400" dirty="0"/>
-          </a:p>
-        </p:txBody>
-      </p:sp>
-      <p:sp>
-        <p:nvSpPr>
-          <p:cNvPr id="15" name="CaixaDeTexto 14">
-            <a:extLst>
-              <a:ext uri="{FF2B5EF4-FFF2-40B4-BE49-F238E27FC236}">
-                <a16:creationId xmlns:a16="http://schemas.microsoft.com/office/drawing/2014/main" id="{391E37A6-7EB7-4D11-8591-2FD4D3576FD6}"/>
-              </a:ext>
-            </a:extLst>
-          </p:cNvPr>
-          <p:cNvSpPr txBox="1"/>
-          <p:nvPr/>
-        </p:nvSpPr>
-        <p:spPr>
-          <a:xfrm>
-            <a:off x="1670324" y="4048901"/>
-            <a:ext cx="911121" cy="461665"/>
-          </a:xfrm>
-          <a:prstGeom prst="rect">
-            <a:avLst/>
-          </a:prstGeom>
-          <a:noFill/>
-        </p:spPr>
-        <p:txBody>
-          <a:bodyPr wrap="square" rtlCol="0">
-            <a:spAutoFit/>
-          </a:bodyPr>
-          <a:lstStyle/>
-          <a:p>
-            <a:r>
-              <a:rPr lang="pt-PT" sz="2400" dirty="0" err="1"/>
-              <a:t>Users</a:t>
-            </a:r>
-            <a:endParaRPr lang="en-GB" sz="2400" dirty="0"/>
-          </a:p>
-        </p:txBody>
-      </p:sp>
-      <p:sp>
-        <p:nvSpPr>
-          <p:cNvPr id="16" name="CaixaDeTexto 15">
-            <a:extLst>
-              <a:ext uri="{FF2B5EF4-FFF2-40B4-BE49-F238E27FC236}">
-                <a16:creationId xmlns:a16="http://schemas.microsoft.com/office/drawing/2014/main" id="{17E03C7B-F2AD-4C4E-AFFA-D6322F9A2E38}"/>
-              </a:ext>
-            </a:extLst>
-          </p:cNvPr>
-          <p:cNvSpPr txBox="1"/>
-          <p:nvPr/>
-        </p:nvSpPr>
-        <p:spPr>
-          <a:xfrm>
-            <a:off x="3196390" y="4057863"/>
-            <a:ext cx="1198486" cy="461665"/>
-          </a:xfrm>
-          <a:prstGeom prst="rect">
-            <a:avLst/>
-          </a:prstGeom>
-          <a:noFill/>
-        </p:spPr>
-        <p:txBody>
-          <a:bodyPr wrap="square" rtlCol="0">
-            <a:spAutoFit/>
-          </a:bodyPr>
-          <a:lstStyle/>
-          <a:p>
-            <a:r>
-              <a:rPr lang="pt-PT" sz="2400" dirty="0" err="1"/>
-              <a:t>Account</a:t>
-            </a:r>
-            <a:endParaRPr lang="en-GB" sz="2400" dirty="0"/>
-          </a:p>
-        </p:txBody>
-      </p:sp>
-      <p:cxnSp>
-        <p:nvCxnSpPr>
-          <p:cNvPr id="20" name="Conexão reta unidirecional 19">
-            <a:extLst>
-              <a:ext uri="{FF2B5EF4-FFF2-40B4-BE49-F238E27FC236}">
-                <a16:creationId xmlns:a16="http://schemas.microsoft.com/office/drawing/2014/main" id="{DF8AE150-406E-43A3-ADBA-1B40D0247FF8}"/>
-              </a:ext>
-            </a:extLst>
-          </p:cNvPr>
-          <p:cNvCxnSpPr>
-            <a:cxnSpLocks/>
-            <a:endCxn id="4" idx="0"/>
-          </p:cNvCxnSpPr>
-          <p:nvPr/>
-        </p:nvCxnSpPr>
-        <p:spPr>
-          <a:xfrm flipH="1">
-            <a:off x="1387607" y="4510566"/>
-            <a:ext cx="1476555" cy="446706"/>
-          </a:xfrm>
-          <a:prstGeom prst="straightConnector1">
-            <a:avLst/>
-          </a:prstGeom>
-          <a:ln>
-            <a:solidFill>
-              <a:srgbClr val="8C2D19"/>
-            </a:solidFill>
-            <a:tailEnd type="triangle"/>
-          </a:ln>
-        </p:spPr>
-        <p:style>
-          <a:lnRef idx="3">
-            <a:schemeClr val="dk1"/>
-          </a:lnRef>
-          <a:fillRef idx="0">
-            <a:schemeClr val="dk1"/>
-          </a:fillRef>
-          <a:effectRef idx="2">
-            <a:schemeClr val="dk1"/>
-          </a:effectRef>
-          <a:fontRef idx="minor">
-            <a:schemeClr val="tx1"/>
-          </a:fontRef>
-        </p:style>
-      </p:cxnSp>
-      <p:cxnSp>
-        <p:nvCxnSpPr>
-          <p:cNvPr id="22" name="Conexão reta unidirecional 21">
-            <a:extLst>
-              <a:ext uri="{FF2B5EF4-FFF2-40B4-BE49-F238E27FC236}">
-                <a16:creationId xmlns:a16="http://schemas.microsoft.com/office/drawing/2014/main" id="{A176E81B-7FF2-4A4C-956B-7D19B79C6419}"/>
-              </a:ext>
-            </a:extLst>
-          </p:cNvPr>
-          <p:cNvCxnSpPr>
-            <a:cxnSpLocks/>
-            <a:endCxn id="3" idx="0"/>
-          </p:cNvCxnSpPr>
-          <p:nvPr/>
-        </p:nvCxnSpPr>
-        <p:spPr>
-          <a:xfrm>
-            <a:off x="2864162" y="4510566"/>
-            <a:ext cx="1" cy="446706"/>
-          </a:xfrm>
-          <a:prstGeom prst="straightConnector1">
-            <a:avLst/>
-          </a:prstGeom>
-          <a:ln>
-            <a:solidFill>
-              <a:srgbClr val="8C2D19"/>
-            </a:solidFill>
-            <a:tailEnd type="triangle"/>
-          </a:ln>
-        </p:spPr>
-        <p:style>
-          <a:lnRef idx="3">
-            <a:schemeClr val="dk1"/>
-          </a:lnRef>
-          <a:fillRef idx="0">
-            <a:schemeClr val="dk1"/>
-          </a:fillRef>
-          <a:effectRef idx="2">
-            <a:schemeClr val="dk1"/>
-          </a:effectRef>
-          <a:fontRef idx="minor">
-            <a:schemeClr val="tx1"/>
-          </a:fontRef>
-        </p:style>
-      </p:cxnSp>
-      <p:cxnSp>
-        <p:nvCxnSpPr>
-          <p:cNvPr id="26" name="Conexão reta unidirecional 25">
-            <a:extLst>
-              <a:ext uri="{FF2B5EF4-FFF2-40B4-BE49-F238E27FC236}">
-                <a16:creationId xmlns:a16="http://schemas.microsoft.com/office/drawing/2014/main" id="{32D1FAE5-00A7-4130-B6B1-57A8F1FEBCD2}"/>
-              </a:ext>
-            </a:extLst>
-          </p:cNvPr>
-          <p:cNvCxnSpPr>
-            <a:cxnSpLocks/>
-            <a:endCxn id="8" idx="0"/>
-          </p:cNvCxnSpPr>
-          <p:nvPr/>
-        </p:nvCxnSpPr>
-        <p:spPr>
-          <a:xfrm>
-            <a:off x="2864162" y="4510566"/>
-            <a:ext cx="1245246" cy="446706"/>
-          </a:xfrm>
-          <a:prstGeom prst="straightConnector1">
-            <a:avLst/>
-          </a:prstGeom>
-          <a:ln>
-            <a:solidFill>
-              <a:srgbClr val="8C2D19"/>
-            </a:solidFill>
-            <a:tailEnd type="triangle"/>
-          </a:ln>
-        </p:spPr>
-        <p:style>
-          <a:lnRef idx="3">
-            <a:schemeClr val="dk1"/>
-          </a:lnRef>
-          <a:fillRef idx="0">
-            <a:schemeClr val="dk1"/>
-          </a:fillRef>
-          <a:effectRef idx="2">
-            <a:schemeClr val="dk1"/>
-          </a:effectRef>
-          <a:fontRef idx="minor">
-            <a:schemeClr val="tx1"/>
-          </a:fontRef>
-        </p:style>
-      </p:cxnSp>
-      <p:cxnSp>
-        <p:nvCxnSpPr>
-          <p:cNvPr id="48" name="Conexão reta 47">
-            <a:extLst>
-              <a:ext uri="{FF2B5EF4-FFF2-40B4-BE49-F238E27FC236}">
-                <a16:creationId xmlns:a16="http://schemas.microsoft.com/office/drawing/2014/main" id="{2311B96E-EBC1-4EB6-A285-D47322E683BF}"/>
-              </a:ext>
-            </a:extLst>
-          </p:cNvPr>
-          <p:cNvCxnSpPr>
-            <a:stCxn id="16" idx="2"/>
-          </p:cNvCxnSpPr>
-          <p:nvPr/>
-        </p:nvCxnSpPr>
-        <p:spPr>
-          <a:xfrm flipH="1" flipV="1">
-            <a:off x="2864161" y="4503087"/>
-            <a:ext cx="931472" cy="16441"/>
-          </a:xfrm>
-          <a:prstGeom prst="line">
-            <a:avLst/>
-          </a:prstGeom>
-          <a:ln>
-            <a:solidFill>
-              <a:srgbClr val="8C2D19"/>
-            </a:solidFill>
-          </a:ln>
-        </p:spPr>
-        <p:style>
-          <a:lnRef idx="3">
-            <a:schemeClr val="dk1"/>
-          </a:lnRef>
-          <a:fillRef idx="0">
-            <a:schemeClr val="dk1"/>
-          </a:fillRef>
-          <a:effectRef idx="2">
-            <a:schemeClr val="dk1"/>
-          </a:effectRef>
-          <a:fontRef idx="minor">
-            <a:schemeClr val="tx1"/>
-          </a:fontRef>
-        </p:style>
-      </p:cxnSp>
-      <p:cxnSp>
-        <p:nvCxnSpPr>
-          <p:cNvPr id="50" name="Conexão reta 49">
-            <a:extLst>
-              <a:ext uri="{FF2B5EF4-FFF2-40B4-BE49-F238E27FC236}">
-                <a16:creationId xmlns:a16="http://schemas.microsoft.com/office/drawing/2014/main" id="{166865D9-4417-45AE-88F8-7FCF54BFF8F9}"/>
-              </a:ext>
-            </a:extLst>
-          </p:cNvPr>
-          <p:cNvCxnSpPr>
-            <a:cxnSpLocks/>
-            <a:endCxn id="15" idx="2"/>
-          </p:cNvCxnSpPr>
-          <p:nvPr/>
-        </p:nvCxnSpPr>
-        <p:spPr>
-          <a:xfrm flipH="1">
-            <a:off x="2125885" y="4510566"/>
-            <a:ext cx="738276" cy="0"/>
-          </a:xfrm>
-          <a:prstGeom prst="line">
-            <a:avLst/>
-          </a:prstGeom>
-          <a:ln>
-            <a:solidFill>
-              <a:srgbClr val="8C2D19"/>
-            </a:solidFill>
-          </a:ln>
-        </p:spPr>
-        <p:style>
-          <a:lnRef idx="3">
-            <a:schemeClr val="dk1"/>
-          </a:lnRef>
-          <a:fillRef idx="0">
-            <a:schemeClr val="dk1"/>
-          </a:fillRef>
-          <a:effectRef idx="2">
-            <a:schemeClr val="dk1"/>
-          </a:effectRef>
-          <a:fontRef idx="minor">
-            <a:schemeClr val="tx1"/>
-          </a:fontRef>
-        </p:style>
-      </p:cxnSp>
-      <p:sp>
-        <p:nvSpPr>
-          <p:cNvPr id="56" name="CaixaDeTexto 55">
-            <a:extLst>
-              <a:ext uri="{FF2B5EF4-FFF2-40B4-BE49-F238E27FC236}">
-                <a16:creationId xmlns:a16="http://schemas.microsoft.com/office/drawing/2014/main" id="{301CD2A6-38D3-4FA7-83DC-FEA9B11F2731}"/>
-              </a:ext>
-            </a:extLst>
-          </p:cNvPr>
-          <p:cNvSpPr txBox="1"/>
-          <p:nvPr/>
-        </p:nvSpPr>
-        <p:spPr>
-          <a:xfrm>
-            <a:off x="8019486" y="5397670"/>
-            <a:ext cx="1985647" cy="461665"/>
-          </a:xfrm>
-          <a:prstGeom prst="rect">
-            <a:avLst/>
-          </a:prstGeom>
-          <a:noFill/>
-        </p:spPr>
-        <p:txBody>
-          <a:bodyPr wrap="square" rtlCol="0">
-            <a:spAutoFit/>
-          </a:bodyPr>
-          <a:lstStyle/>
-          <a:p>
-            <a:pPr algn="ctr"/>
-            <a:r>
-              <a:rPr lang="pt-PT" sz="2400" dirty="0" err="1"/>
-              <a:t>PublicStream</a:t>
-            </a:r>
-            <a:endParaRPr lang="en-GB" sz="2400" dirty="0"/>
-          </a:p>
-        </p:txBody>
-      </p:sp>
-      <p:sp>
-        <p:nvSpPr>
-          <p:cNvPr id="58" name="CaixaDeTexto 57">
-            <a:extLst>
-              <a:ext uri="{FF2B5EF4-FFF2-40B4-BE49-F238E27FC236}">
-                <a16:creationId xmlns:a16="http://schemas.microsoft.com/office/drawing/2014/main" id="{21A123CE-0FD2-4532-9BCA-EE74BADEDE92}"/>
-              </a:ext>
-            </a:extLst>
-          </p:cNvPr>
-          <p:cNvSpPr txBox="1"/>
-          <p:nvPr/>
-        </p:nvSpPr>
-        <p:spPr>
-          <a:xfrm>
-            <a:off x="5748991" y="5397669"/>
-            <a:ext cx="2076677" cy="461665"/>
-          </a:xfrm>
-          <a:prstGeom prst="rect">
-            <a:avLst/>
-          </a:prstGeom>
-          <a:noFill/>
-        </p:spPr>
-        <p:txBody>
-          <a:bodyPr wrap="square" rtlCol="0">
-            <a:spAutoFit/>
-          </a:bodyPr>
-          <a:lstStyle/>
-          <a:p>
-            <a:pPr algn="ctr"/>
-            <a:r>
-              <a:rPr lang="pt-PT" sz="2400" dirty="0" err="1"/>
-              <a:t>PrivateStream</a:t>
-            </a:r>
-            <a:endParaRPr lang="en-GB" sz="2400" dirty="0"/>
-          </a:p>
-        </p:txBody>
-      </p:sp>
-      <p:sp>
-        <p:nvSpPr>
-          <p:cNvPr id="60" name="CaixaDeTexto 59">
-            <a:extLst>
-              <a:ext uri="{FF2B5EF4-FFF2-40B4-BE49-F238E27FC236}">
-                <a16:creationId xmlns:a16="http://schemas.microsoft.com/office/drawing/2014/main" id="{2CFD03FD-7EAB-42AE-B678-957CDC9D13A2}"/>
-              </a:ext>
-            </a:extLst>
-          </p:cNvPr>
-          <p:cNvSpPr txBox="1"/>
-          <p:nvPr/>
-        </p:nvSpPr>
-        <p:spPr>
-          <a:xfrm>
-            <a:off x="6980917" y="4705172"/>
-            <a:ext cx="1598472" cy="461665"/>
-          </a:xfrm>
-          <a:prstGeom prst="rect">
-            <a:avLst/>
-          </a:prstGeom>
-          <a:noFill/>
-        </p:spPr>
-        <p:txBody>
-          <a:bodyPr wrap="square" rtlCol="0">
-            <a:spAutoFit/>
-          </a:bodyPr>
-          <a:lstStyle/>
-          <a:p>
-            <a:pPr algn="ctr"/>
-            <a:r>
-              <a:rPr lang="pt-PT" sz="2400" dirty="0" err="1"/>
-              <a:t>LiveStream</a:t>
-            </a:r>
-            <a:endParaRPr lang="en-GB" sz="2400" dirty="0"/>
-          </a:p>
-        </p:txBody>
-      </p:sp>
-      <p:sp>
-        <p:nvSpPr>
-          <p:cNvPr id="62" name="CaixaDeTexto 61">
-            <a:extLst>
-              <a:ext uri="{FF2B5EF4-FFF2-40B4-BE49-F238E27FC236}">
-                <a16:creationId xmlns:a16="http://schemas.microsoft.com/office/drawing/2014/main" id="{8711AFD3-9DCD-4C64-BEA1-00A8B894EE84}"/>
-              </a:ext>
-            </a:extLst>
-          </p:cNvPr>
-          <p:cNvSpPr txBox="1"/>
-          <p:nvPr/>
-        </p:nvSpPr>
-        <p:spPr>
-          <a:xfrm>
-            <a:off x="9075507" y="4724220"/>
-            <a:ext cx="2261277" cy="461665"/>
-          </a:xfrm>
-          <a:prstGeom prst="rect">
-            <a:avLst/>
-          </a:prstGeom>
-          <a:noFill/>
-        </p:spPr>
-        <p:txBody>
-          <a:bodyPr wrap="square" rtlCol="0">
-            <a:spAutoFit/>
-          </a:bodyPr>
-          <a:lstStyle/>
-          <a:p>
-            <a:pPr algn="ctr"/>
-            <a:r>
-              <a:rPr lang="pt-PT" sz="2400" dirty="0" err="1"/>
-              <a:t>FinishedStream</a:t>
-            </a:r>
-            <a:endParaRPr lang="en-GB" sz="2400" dirty="0"/>
-          </a:p>
-        </p:txBody>
-      </p:sp>
-      <p:cxnSp>
-        <p:nvCxnSpPr>
-          <p:cNvPr id="64" name="Conexão reta unidirecional 63">
-            <a:extLst>
-              <a:ext uri="{FF2B5EF4-FFF2-40B4-BE49-F238E27FC236}">
-                <a16:creationId xmlns:a16="http://schemas.microsoft.com/office/drawing/2014/main" id="{ACDBABBA-930D-4092-97DD-A0F08B831520}"/>
-              </a:ext>
-            </a:extLst>
-          </p:cNvPr>
-          <p:cNvCxnSpPr>
-            <a:cxnSpLocks/>
-            <a:stCxn id="10" idx="2"/>
-            <a:endCxn id="60" idx="0"/>
-          </p:cNvCxnSpPr>
-          <p:nvPr/>
-        </p:nvCxnSpPr>
-        <p:spPr>
-          <a:xfrm flipH="1">
-            <a:off x="7780153" y="4288695"/>
-            <a:ext cx="1193433" cy="416477"/>
-          </a:xfrm>
-          <a:prstGeom prst="straightConnector1">
-            <a:avLst/>
-          </a:prstGeom>
-          <a:ln>
-            <a:solidFill>
-              <a:srgbClr val="8C2D19"/>
-            </a:solidFill>
-            <a:tailEnd type="triangle"/>
-          </a:ln>
-        </p:spPr>
-        <p:style>
-          <a:lnRef idx="3">
-            <a:schemeClr val="dk1"/>
-          </a:lnRef>
-          <a:fillRef idx="0">
-            <a:schemeClr val="dk1"/>
-          </a:fillRef>
-          <a:effectRef idx="2">
-            <a:schemeClr val="dk1"/>
-          </a:effectRef>
-          <a:fontRef idx="minor">
-            <a:schemeClr val="tx1"/>
-          </a:fontRef>
-        </p:style>
-      </p:cxnSp>
-      <p:cxnSp>
-        <p:nvCxnSpPr>
-          <p:cNvPr id="66" name="Conexão reta unidirecional 65">
-            <a:extLst>
-              <a:ext uri="{FF2B5EF4-FFF2-40B4-BE49-F238E27FC236}">
-                <a16:creationId xmlns:a16="http://schemas.microsoft.com/office/drawing/2014/main" id="{20FBEDF7-3D37-49B1-A91F-049177A59AF3}"/>
-              </a:ext>
-            </a:extLst>
-          </p:cNvPr>
-          <p:cNvCxnSpPr>
-            <a:cxnSpLocks/>
-            <a:stCxn id="10" idx="2"/>
-            <a:endCxn id="62" idx="0"/>
-          </p:cNvCxnSpPr>
-          <p:nvPr/>
-        </p:nvCxnSpPr>
-        <p:spPr>
-          <a:xfrm>
-            <a:off x="8973586" y="4288695"/>
-            <a:ext cx="1232560" cy="435525"/>
-          </a:xfrm>
-          <a:prstGeom prst="straightConnector1">
-            <a:avLst/>
-          </a:prstGeom>
-          <a:ln>
-            <a:solidFill>
-              <a:srgbClr val="8C2D19"/>
-            </a:solidFill>
-            <a:tailEnd type="triangle"/>
-          </a:ln>
-        </p:spPr>
-        <p:style>
-          <a:lnRef idx="3">
-            <a:schemeClr val="dk1"/>
-          </a:lnRef>
-          <a:fillRef idx="0">
-            <a:schemeClr val="dk1"/>
-          </a:fillRef>
-          <a:effectRef idx="2">
-            <a:schemeClr val="dk1"/>
-          </a:effectRef>
-          <a:fontRef idx="minor">
-            <a:schemeClr val="tx1"/>
-          </a:fontRef>
-        </p:style>
-      </p:cxnSp>
-      <p:cxnSp>
-        <p:nvCxnSpPr>
-          <p:cNvPr id="68" name="Conexão reta unidirecional 67">
-            <a:extLst>
-              <a:ext uri="{FF2B5EF4-FFF2-40B4-BE49-F238E27FC236}">
-                <a16:creationId xmlns:a16="http://schemas.microsoft.com/office/drawing/2014/main" id="{7A377B16-6511-48CB-83F7-E0FCC490FEA1}"/>
-              </a:ext>
-            </a:extLst>
-          </p:cNvPr>
-          <p:cNvCxnSpPr>
-            <a:cxnSpLocks/>
-            <a:stCxn id="60" idx="2"/>
-            <a:endCxn id="58" idx="0"/>
-          </p:cNvCxnSpPr>
-          <p:nvPr/>
-        </p:nvCxnSpPr>
-        <p:spPr>
-          <a:xfrm flipH="1">
-            <a:off x="6787330" y="5166837"/>
-            <a:ext cx="992823" cy="230832"/>
-          </a:xfrm>
-          <a:prstGeom prst="straightConnector1">
-            <a:avLst/>
-          </a:prstGeom>
-          <a:ln>
-            <a:solidFill>
-              <a:srgbClr val="8C2D19"/>
-            </a:solidFill>
-            <a:tailEnd type="triangle"/>
-          </a:ln>
-        </p:spPr>
-        <p:style>
-          <a:lnRef idx="3">
-            <a:schemeClr val="dk1"/>
-          </a:lnRef>
-          <a:fillRef idx="0">
-            <a:schemeClr val="dk1"/>
-          </a:fillRef>
-          <a:effectRef idx="2">
-            <a:schemeClr val="dk1"/>
-          </a:effectRef>
-          <a:fontRef idx="minor">
-            <a:schemeClr val="tx1"/>
-          </a:fontRef>
-        </p:style>
-      </p:cxnSp>
-      <p:cxnSp>
-        <p:nvCxnSpPr>
-          <p:cNvPr id="70" name="Conexão reta unidirecional 69">
-            <a:extLst>
-              <a:ext uri="{FF2B5EF4-FFF2-40B4-BE49-F238E27FC236}">
-                <a16:creationId xmlns:a16="http://schemas.microsoft.com/office/drawing/2014/main" id="{819FC35D-CD89-45A2-BB5D-D73D5A42666D}"/>
-              </a:ext>
-            </a:extLst>
-          </p:cNvPr>
-          <p:cNvCxnSpPr>
-            <a:cxnSpLocks/>
-            <a:stCxn id="60" idx="2"/>
-            <a:endCxn id="56" idx="0"/>
-          </p:cNvCxnSpPr>
-          <p:nvPr/>
-        </p:nvCxnSpPr>
-        <p:spPr>
-          <a:xfrm>
-            <a:off x="7780153" y="5166837"/>
-            <a:ext cx="1232157" cy="230833"/>
-          </a:xfrm>
-          <a:prstGeom prst="straightConnector1">
-            <a:avLst/>
-          </a:prstGeom>
-          <a:ln>
-            <a:solidFill>
-              <a:srgbClr val="8C2D19"/>
-            </a:solidFill>
-            <a:tailEnd type="triangle"/>
-          </a:ln>
-        </p:spPr>
-        <p:style>
-          <a:lnRef idx="3">
-            <a:schemeClr val="dk1"/>
-          </a:lnRef>
-          <a:fillRef idx="0">
-            <a:schemeClr val="dk1"/>
-          </a:fillRef>
-          <a:effectRef idx="2">
-            <a:schemeClr val="dk1"/>
-          </a:effectRef>
-          <a:fontRef idx="minor">
-            <a:schemeClr val="tx1"/>
-          </a:fontRef>
-        </p:style>
-      </p:cxnSp>
-      <p:sp>
-        <p:nvSpPr>
-          <p:cNvPr id="80" name="CaixaDeTexto 79">
-            <a:extLst>
-              <a:ext uri="{FF2B5EF4-FFF2-40B4-BE49-F238E27FC236}">
-                <a16:creationId xmlns:a16="http://schemas.microsoft.com/office/drawing/2014/main" id="{9A9D7F77-2CB5-4EDB-AA60-64FE06A0CE1C}"/>
-              </a:ext>
-            </a:extLst>
-          </p:cNvPr>
-          <p:cNvSpPr txBox="1"/>
-          <p:nvPr/>
-        </p:nvSpPr>
-        <p:spPr>
-          <a:xfrm>
-            <a:off x="5305873" y="1907935"/>
-            <a:ext cx="1230548" cy="461665"/>
-          </a:xfrm>
-          <a:prstGeom prst="rect">
-            <a:avLst/>
-          </a:prstGeom>
-          <a:noFill/>
-        </p:spPr>
-        <p:txBody>
-          <a:bodyPr wrap="square" rtlCol="0">
-            <a:spAutoFit/>
-          </a:bodyPr>
-          <a:lstStyle/>
-          <a:p>
-            <a:pPr algn="ctr"/>
-            <a:r>
-              <a:rPr lang="pt-PT" sz="2400" dirty="0" err="1"/>
-              <a:t>StreamZ</a:t>
-            </a:r>
-            <a:endParaRPr lang="en-GB" sz="2400" dirty="0"/>
-          </a:p>
-        </p:txBody>
-      </p:sp>
-      <p:sp>
-        <p:nvSpPr>
-          <p:cNvPr id="82" name="CaixaDeTexto 81">
-            <a:extLst>
-              <a:ext uri="{FF2B5EF4-FFF2-40B4-BE49-F238E27FC236}">
-                <a16:creationId xmlns:a16="http://schemas.microsoft.com/office/drawing/2014/main" id="{1645BB50-95D6-49FE-BA43-D4C389315689}"/>
-              </a:ext>
-            </a:extLst>
-          </p:cNvPr>
-          <p:cNvSpPr txBox="1"/>
-          <p:nvPr/>
-        </p:nvSpPr>
-        <p:spPr>
-          <a:xfrm>
-            <a:off x="5220154" y="3920928"/>
-            <a:ext cx="1401882" cy="461665"/>
-          </a:xfrm>
-          <a:prstGeom prst="rect">
-            <a:avLst/>
-          </a:prstGeom>
-          <a:noFill/>
-        </p:spPr>
-        <p:txBody>
-          <a:bodyPr wrap="square" rtlCol="0">
-            <a:spAutoFit/>
-          </a:bodyPr>
-          <a:lstStyle/>
-          <a:p>
-            <a:pPr algn="ctr"/>
-            <a:r>
-              <a:rPr lang="pt-PT" sz="2400" dirty="0" err="1"/>
-              <a:t>DataBase</a:t>
-            </a:r>
-            <a:endParaRPr lang="en-GB" sz="2400" dirty="0"/>
-          </a:p>
-        </p:txBody>
-      </p:sp>
-      <p:cxnSp>
-        <p:nvCxnSpPr>
-          <p:cNvPr id="88" name="Conexão reta unidirecional 87">
-            <a:extLst>
-              <a:ext uri="{FF2B5EF4-FFF2-40B4-BE49-F238E27FC236}">
-                <a16:creationId xmlns:a16="http://schemas.microsoft.com/office/drawing/2014/main" id="{38DF44DB-5874-400C-B2D3-CD2276DD4890}"/>
-              </a:ext>
-            </a:extLst>
-          </p:cNvPr>
-          <p:cNvCxnSpPr>
-            <a:cxnSpLocks/>
-            <a:stCxn id="80" idx="2"/>
-            <a:endCxn id="15" idx="0"/>
-          </p:cNvCxnSpPr>
-          <p:nvPr/>
-        </p:nvCxnSpPr>
-        <p:spPr>
-          <a:xfrm flipH="1">
-            <a:off x="2125885" y="2369600"/>
-            <a:ext cx="3795262" cy="1679301"/>
-          </a:xfrm>
-          <a:prstGeom prst="straightConnector1">
-            <a:avLst/>
-          </a:prstGeom>
-          <a:ln>
-            <a:solidFill>
-              <a:srgbClr val="8C2D19"/>
-            </a:solidFill>
-            <a:tailEnd type="triangle"/>
-          </a:ln>
-        </p:spPr>
-        <p:style>
-          <a:lnRef idx="3">
-            <a:schemeClr val="dk1"/>
-          </a:lnRef>
-          <a:fillRef idx="0">
-            <a:schemeClr val="dk1"/>
-          </a:fillRef>
-          <a:effectRef idx="2">
-            <a:schemeClr val="dk1"/>
-          </a:effectRef>
-          <a:fontRef idx="minor">
-            <a:schemeClr val="tx1"/>
-          </a:fontRef>
-        </p:style>
-      </p:cxnSp>
-      <p:cxnSp>
-        <p:nvCxnSpPr>
-          <p:cNvPr id="91" name="Conexão reta unidirecional 90">
-            <a:extLst>
-              <a:ext uri="{FF2B5EF4-FFF2-40B4-BE49-F238E27FC236}">
-                <a16:creationId xmlns:a16="http://schemas.microsoft.com/office/drawing/2014/main" id="{63B57CA9-82DD-4469-8F99-4DA5AE6E85EC}"/>
-              </a:ext>
-            </a:extLst>
-          </p:cNvPr>
-          <p:cNvCxnSpPr>
-            <a:stCxn id="80" idx="2"/>
-            <a:endCxn id="10" idx="0"/>
-          </p:cNvCxnSpPr>
-          <p:nvPr/>
-        </p:nvCxnSpPr>
-        <p:spPr>
-          <a:xfrm>
-            <a:off x="5921147" y="2369600"/>
-            <a:ext cx="3052439" cy="1457430"/>
-          </a:xfrm>
-          <a:prstGeom prst="straightConnector1">
-            <a:avLst/>
-          </a:prstGeom>
-          <a:ln>
-            <a:solidFill>
-              <a:srgbClr val="8C2D19"/>
-            </a:solidFill>
-            <a:tailEnd type="triangle"/>
-          </a:ln>
-        </p:spPr>
-        <p:style>
-          <a:lnRef idx="3">
-            <a:schemeClr val="dk1"/>
-          </a:lnRef>
-          <a:fillRef idx="0">
-            <a:schemeClr val="dk1"/>
-          </a:fillRef>
-          <a:effectRef idx="2">
-            <a:schemeClr val="dk1"/>
-          </a:effectRef>
-          <a:fontRef idx="minor">
-            <a:schemeClr val="tx1"/>
-          </a:fontRef>
-        </p:style>
-      </p:cxnSp>
-      <p:cxnSp>
-        <p:nvCxnSpPr>
-          <p:cNvPr id="93" name="Conexão reta unidirecional 92">
-            <a:extLst>
-              <a:ext uri="{FF2B5EF4-FFF2-40B4-BE49-F238E27FC236}">
-                <a16:creationId xmlns:a16="http://schemas.microsoft.com/office/drawing/2014/main" id="{DB515038-F9B9-400B-913B-A5F7741D800E}"/>
-              </a:ext>
-            </a:extLst>
-          </p:cNvPr>
-          <p:cNvCxnSpPr>
-            <a:stCxn id="80" idx="2"/>
-            <a:endCxn id="12" idx="0"/>
-          </p:cNvCxnSpPr>
-          <p:nvPr/>
-        </p:nvCxnSpPr>
-        <p:spPr>
-          <a:xfrm>
-            <a:off x="5921147" y="2369600"/>
-            <a:ext cx="0" cy="839650"/>
-          </a:xfrm>
-          <a:prstGeom prst="straightConnector1">
-            <a:avLst/>
-          </a:prstGeom>
-          <a:ln>
-            <a:solidFill>
-              <a:srgbClr val="8C2D19"/>
-            </a:solidFill>
-            <a:tailEnd type="triangle"/>
-          </a:ln>
-        </p:spPr>
-        <p:style>
-          <a:lnRef idx="3">
-            <a:schemeClr val="dk1"/>
-          </a:lnRef>
-          <a:fillRef idx="0">
-            <a:schemeClr val="dk1"/>
-          </a:fillRef>
-          <a:effectRef idx="2">
-            <a:schemeClr val="dk1"/>
-          </a:effectRef>
-          <a:fontRef idx="minor">
-            <a:schemeClr val="tx1"/>
-          </a:fontRef>
-        </p:style>
-      </p:cxnSp>
-      <p:cxnSp>
-        <p:nvCxnSpPr>
-          <p:cNvPr id="105" name="Conexão reta unidirecional 104">
-            <a:extLst>
-              <a:ext uri="{FF2B5EF4-FFF2-40B4-BE49-F238E27FC236}">
-                <a16:creationId xmlns:a16="http://schemas.microsoft.com/office/drawing/2014/main" id="{BE687995-472E-4FB3-BEDE-987EA45FE0BD}"/>
-              </a:ext>
-            </a:extLst>
-          </p:cNvPr>
-          <p:cNvCxnSpPr>
-            <a:stCxn id="80" idx="2"/>
-            <a:endCxn id="16" idx="0"/>
-          </p:cNvCxnSpPr>
-          <p:nvPr/>
-        </p:nvCxnSpPr>
-        <p:spPr>
-          <a:xfrm flipH="1">
-            <a:off x="3795633" y="2369600"/>
-            <a:ext cx="2125514" cy="1688263"/>
-          </a:xfrm>
-          <a:prstGeom prst="straightConnector1">
-            <a:avLst/>
-          </a:prstGeom>
-          <a:ln>
-            <a:solidFill>
-              <a:srgbClr val="8C2D19"/>
-            </a:solidFill>
-            <a:tailEnd type="triangle"/>
-          </a:ln>
-        </p:spPr>
-        <p:style>
-          <a:lnRef idx="3">
-            <a:schemeClr val="dk1"/>
-          </a:lnRef>
-          <a:fillRef idx="0">
-            <a:schemeClr val="dk1"/>
-          </a:fillRef>
-          <a:effectRef idx="2">
-            <a:schemeClr val="dk1"/>
-          </a:effectRef>
-          <a:fontRef idx="minor">
-            <a:schemeClr val="tx1"/>
-          </a:fontRef>
-        </p:style>
-      </p:cxnSp>
-      <p:cxnSp>
-        <p:nvCxnSpPr>
-          <p:cNvPr id="14" name="Conexão reta unidirecional 13">
-            <a:extLst>
-              <a:ext uri="{FF2B5EF4-FFF2-40B4-BE49-F238E27FC236}">
-                <a16:creationId xmlns:a16="http://schemas.microsoft.com/office/drawing/2014/main" id="{BEFC82A6-B0B8-4BB4-A220-EB5B8B69214A}"/>
-              </a:ext>
-            </a:extLst>
-          </p:cNvPr>
-          <p:cNvCxnSpPr>
-            <a:cxnSpLocks/>
-            <a:stCxn id="12" idx="2"/>
-            <a:endCxn id="82" idx="0"/>
-          </p:cNvCxnSpPr>
-          <p:nvPr/>
-        </p:nvCxnSpPr>
-        <p:spPr>
-          <a:xfrm flipH="1">
-            <a:off x="5921095" y="3670915"/>
-            <a:ext cx="52" cy="250013"/>
-          </a:xfrm>
-          <a:prstGeom prst="straightConnector1">
-            <a:avLst/>
-          </a:prstGeom>
-          <a:ln>
-            <a:solidFill>
-              <a:srgbClr val="8C2D19"/>
-            </a:solidFill>
-            <a:headEnd type="triangle"/>
-            <a:tailEnd type="triangle"/>
-          </a:ln>
-        </p:spPr>
-        <p:style>
-          <a:lnRef idx="3">
-            <a:schemeClr val="dk1"/>
-          </a:lnRef>
-          <a:fillRef idx="0">
-            <a:schemeClr val="dk1"/>
-          </a:fillRef>
-          <a:effectRef idx="2">
-            <a:schemeClr val="dk1"/>
-          </a:effectRef>
-          <a:fontRef idx="minor">
-            <a:schemeClr val="tx1"/>
-          </a:fontRef>
-        </p:style>
-      </p:cxnSp>
-      <p:sp>
-        <p:nvSpPr>
           <p:cNvPr id="6" name="Marcador de Posição do Rodapé 5">
             <a:extLst>
               <a:ext uri="{FF2B5EF4-FFF2-40B4-BE49-F238E27FC236}">
@@ -16387,6 +15189,555 @@
           </a:prstGeom>
         </p:spPr>
       </p:pic>
+      <p:sp>
+        <p:nvSpPr>
+          <p:cNvPr id="9" name="TextBox 8">
+            <a:extLst>
+              <a:ext uri="{FF2B5EF4-FFF2-40B4-BE49-F238E27FC236}">
+                <a16:creationId xmlns:a16="http://schemas.microsoft.com/office/drawing/2014/main" id="{B4095004-6DF4-4FF8-B818-1FDD84C1E63D}"/>
+              </a:ext>
+            </a:extLst>
+          </p:cNvPr>
+          <p:cNvSpPr txBox="1"/>
+          <p:nvPr/>
+        </p:nvSpPr>
+        <p:spPr>
+          <a:xfrm>
+            <a:off x="1190495" y="1841033"/>
+            <a:ext cx="9871969" cy="4801314"/>
+          </a:xfrm>
+          <a:prstGeom prst="rect">
+            <a:avLst/>
+          </a:prstGeom>
+          <a:noFill/>
+        </p:spPr>
+        <p:txBody>
+          <a:bodyPr wrap="square" rtlCol="0">
+            <a:spAutoFit/>
+          </a:bodyPr>
+          <a:lstStyle/>
+          <a:p>
+            <a:pPr marL="285750" indent="-285750">
+              <a:buClr>
+                <a:srgbClr val="C00000"/>
+              </a:buClr>
+              <a:buFont typeface="Arial" panose="020B0604020202020204" pitchFamily="34" charset="0"/>
+              <a:buChar char="•"/>
+            </a:pPr>
+            <a:r>
+              <a:rPr lang="pt-PT" dirty="0"/>
+              <a:t>Criar uma plataforma que aloca várias classes</a:t>
+            </a:r>
+          </a:p>
+          <a:p>
+            <a:pPr marL="742950" lvl="1" indent="-285750">
+              <a:lnSpc>
+                <a:spcPct val="150000"/>
+              </a:lnSpc>
+              <a:buClr>
+                <a:srgbClr val="C00000"/>
+              </a:buClr>
+              <a:buFont typeface="Arial" panose="020B0604020202020204" pitchFamily="34" charset="0"/>
+              <a:buChar char="•"/>
+            </a:pPr>
+            <a:r>
+              <a:rPr lang="pt-PT" dirty="0"/>
+              <a:t>User, com classes derivadas Streamer, Viewer e Admin</a:t>
+            </a:r>
+            <a:endParaRPr lang="en-US" dirty="0"/>
+          </a:p>
+          <a:p>
+            <a:pPr marL="742950" lvl="1" indent="-285750">
+              <a:buClr>
+                <a:srgbClr val="C00000"/>
+              </a:buClr>
+              <a:buFont typeface="Arial" panose="020B0604020202020204" pitchFamily="34" charset="0"/>
+              <a:buChar char="•"/>
+            </a:pPr>
+            <a:r>
+              <a:rPr lang="en-US" dirty="0"/>
+              <a:t>Stream, com classes </a:t>
+            </a:r>
+            <a:r>
+              <a:rPr lang="en-US" dirty="0" err="1"/>
+              <a:t>derivadas</a:t>
+            </a:r>
+            <a:r>
+              <a:rPr lang="en-US" dirty="0"/>
+              <a:t>, </a:t>
+            </a:r>
+            <a:r>
+              <a:rPr lang="en-US" dirty="0" err="1"/>
+              <a:t>FinishedStream</a:t>
+            </a:r>
+            <a:r>
+              <a:rPr lang="en-US" dirty="0"/>
+              <a:t>, </a:t>
+            </a:r>
+            <a:r>
+              <a:rPr lang="en-US" dirty="0" err="1"/>
+              <a:t>LiveStream</a:t>
+            </a:r>
+            <a:r>
+              <a:rPr lang="en-US" dirty="0"/>
+              <a:t>( com classes </a:t>
+            </a:r>
+            <a:r>
+              <a:rPr lang="en-US" dirty="0" err="1"/>
+              <a:t>derivadas</a:t>
+            </a:r>
+            <a:r>
+              <a:rPr lang="en-US" dirty="0"/>
+              <a:t> Public e Private Streams</a:t>
+            </a:r>
+          </a:p>
+          <a:p>
+            <a:pPr marL="285750" indent="-285750">
+              <a:buClr>
+                <a:srgbClr val="C00000"/>
+              </a:buClr>
+              <a:buFont typeface="Arial" panose="020B0604020202020204" pitchFamily="34" charset="0"/>
+              <a:buChar char="•"/>
+            </a:pPr>
+            <a:r>
+              <a:rPr lang="en-US" dirty="0" err="1"/>
+              <a:t>Criar</a:t>
+            </a:r>
+            <a:r>
+              <a:rPr lang="en-US" dirty="0"/>
+              <a:t> um Sistema de likes e dislikes, </a:t>
+            </a:r>
+            <a:r>
+              <a:rPr lang="en-US" dirty="0" err="1"/>
+              <a:t>usando</a:t>
+            </a:r>
+            <a:r>
+              <a:rPr lang="en-US" dirty="0"/>
+              <a:t> um </a:t>
+            </a:r>
+            <a:r>
+              <a:rPr lang="en-US" dirty="0" err="1"/>
+              <a:t>mapa</a:t>
+            </a:r>
+            <a:r>
+              <a:rPr lang="en-US" dirty="0"/>
+              <a:t> </a:t>
+            </a:r>
+            <a:r>
+              <a:rPr lang="en-US" dirty="0" err="1"/>
+              <a:t>em</a:t>
+            </a:r>
+            <a:r>
+              <a:rPr lang="en-US" dirty="0"/>
+              <a:t> </a:t>
+            </a:r>
+            <a:r>
+              <a:rPr lang="en-US" dirty="0" err="1"/>
+              <a:t>cada</a:t>
+            </a:r>
+            <a:r>
+              <a:rPr lang="en-US" dirty="0"/>
+              <a:t> stream para </a:t>
+            </a:r>
+            <a:r>
+              <a:rPr lang="en-US" dirty="0" err="1"/>
+              <a:t>verificar</a:t>
+            </a:r>
+            <a:r>
+              <a:rPr lang="en-US" dirty="0"/>
+              <a:t> que </a:t>
+            </a:r>
+            <a:r>
+              <a:rPr lang="en-US" dirty="0" err="1"/>
+              <a:t>cada</a:t>
+            </a:r>
+            <a:r>
+              <a:rPr lang="en-US" dirty="0"/>
+              <a:t> user </a:t>
+            </a:r>
+            <a:r>
+              <a:rPr lang="en-US" dirty="0" err="1"/>
+              <a:t>apenas</a:t>
+            </a:r>
+            <a:r>
+              <a:rPr lang="en-US" dirty="0"/>
+              <a:t> </a:t>
+            </a:r>
+            <a:r>
+              <a:rPr lang="en-US" dirty="0" err="1"/>
+              <a:t>interage</a:t>
+            </a:r>
+            <a:r>
+              <a:rPr lang="en-US" dirty="0"/>
+              <a:t> </a:t>
+            </a:r>
+            <a:r>
+              <a:rPr lang="en-US" dirty="0" err="1"/>
+              <a:t>uma</a:t>
+            </a:r>
+            <a:r>
+              <a:rPr lang="en-US" dirty="0"/>
+              <a:t> </a:t>
+            </a:r>
+            <a:r>
+              <a:rPr lang="en-US" dirty="0" err="1"/>
+              <a:t>vez</a:t>
+            </a:r>
+            <a:r>
+              <a:rPr lang="en-US" dirty="0"/>
+              <a:t> (</a:t>
+            </a:r>
+            <a:r>
+              <a:rPr lang="en-US" dirty="0" err="1"/>
+              <a:t>ou</a:t>
+            </a:r>
+            <a:r>
+              <a:rPr lang="en-US" dirty="0"/>
+              <a:t> </a:t>
+            </a:r>
+            <a:r>
+              <a:rPr lang="en-US" dirty="0" err="1"/>
+              <a:t>várias</a:t>
+            </a:r>
+            <a:r>
+              <a:rPr lang="en-US" dirty="0"/>
+              <a:t> se trocar de like para dislike e vice versa).</a:t>
+            </a:r>
+          </a:p>
+          <a:p>
+            <a:pPr marL="285750" indent="-285750">
+              <a:lnSpc>
+                <a:spcPct val="150000"/>
+              </a:lnSpc>
+              <a:buClr>
+                <a:srgbClr val="C00000"/>
+              </a:buClr>
+              <a:buFont typeface="Arial" panose="020B0604020202020204" pitchFamily="34" charset="0"/>
+              <a:buChar char="•"/>
+            </a:pPr>
+            <a:r>
+              <a:rPr lang="en-US" dirty="0" err="1"/>
+              <a:t>Criar</a:t>
+            </a:r>
+            <a:r>
+              <a:rPr lang="en-US" dirty="0"/>
+              <a:t> um Sistema de </a:t>
+            </a:r>
+            <a:r>
+              <a:rPr lang="en-US" dirty="0" err="1"/>
+              <a:t>Comentários</a:t>
+            </a:r>
+            <a:r>
+              <a:rPr lang="en-US" dirty="0"/>
+              <a:t> para as Private Streams.</a:t>
+            </a:r>
+          </a:p>
+          <a:p>
+            <a:pPr marL="285750" indent="-285750">
+              <a:buClr>
+                <a:srgbClr val="C00000"/>
+              </a:buClr>
+              <a:buFont typeface="Arial" panose="020B0604020202020204" pitchFamily="34" charset="0"/>
+              <a:buChar char="•"/>
+            </a:pPr>
+            <a:r>
+              <a:rPr lang="en-US" dirty="0" err="1"/>
+              <a:t>Criar</a:t>
+            </a:r>
+            <a:r>
+              <a:rPr lang="en-US" dirty="0"/>
+              <a:t> um Sistema de </a:t>
+            </a:r>
+            <a:r>
+              <a:rPr lang="en-US" dirty="0" err="1"/>
+              <a:t>seguidores</a:t>
+            </a:r>
+            <a:r>
+              <a:rPr lang="en-US" dirty="0"/>
+              <a:t>, para </a:t>
+            </a:r>
+            <a:r>
+              <a:rPr lang="en-US" dirty="0" err="1"/>
+              <a:t>poder</a:t>
+            </a:r>
+            <a:r>
+              <a:rPr lang="en-US" dirty="0"/>
+              <a:t> </a:t>
+            </a:r>
+            <a:r>
+              <a:rPr lang="en-US" dirty="0" err="1"/>
+              <a:t>mostrar</a:t>
+            </a:r>
+            <a:r>
+              <a:rPr lang="en-US" dirty="0"/>
+              <a:t> </a:t>
+            </a:r>
+            <a:r>
+              <a:rPr lang="en-US" dirty="0" err="1"/>
+              <a:t>ao</a:t>
+            </a:r>
+            <a:r>
+              <a:rPr lang="en-US" dirty="0"/>
+              <a:t> viewer streams </a:t>
+            </a:r>
+            <a:r>
+              <a:rPr lang="en-US" dirty="0" err="1"/>
+              <a:t>ativas</a:t>
+            </a:r>
+            <a:r>
+              <a:rPr lang="en-US" dirty="0"/>
+              <a:t> dos Streamers que </a:t>
+            </a:r>
+            <a:r>
+              <a:rPr lang="en-US" dirty="0" err="1"/>
+              <a:t>ele</a:t>
+            </a:r>
+            <a:r>
+              <a:rPr lang="en-US" dirty="0"/>
+              <a:t> segue.</a:t>
+            </a:r>
+          </a:p>
+          <a:p>
+            <a:pPr marL="285750" indent="-285750">
+              <a:lnSpc>
+                <a:spcPct val="150000"/>
+              </a:lnSpc>
+              <a:buClr>
+                <a:srgbClr val="C00000"/>
+              </a:buClr>
+              <a:buFont typeface="Arial" panose="020B0604020202020204" pitchFamily="34" charset="0"/>
+              <a:buChar char="•"/>
+            </a:pPr>
+            <a:r>
+              <a:rPr lang="en-US" dirty="0"/>
+              <a:t>Sistema de </a:t>
+            </a:r>
+            <a:r>
+              <a:rPr lang="en-US" dirty="0" err="1"/>
+              <a:t>listagem</a:t>
+            </a:r>
+            <a:r>
+              <a:rPr lang="en-US" dirty="0"/>
+              <a:t> com </a:t>
+            </a:r>
+            <a:r>
+              <a:rPr lang="en-US" dirty="0" err="1"/>
+              <a:t>auxílio</a:t>
+            </a:r>
+            <a:r>
+              <a:rPr lang="en-US" dirty="0"/>
+              <a:t> a </a:t>
+            </a:r>
+            <a:r>
+              <a:rPr lang="en-US" dirty="0" err="1"/>
+              <a:t>algoritmos</a:t>
+            </a:r>
+            <a:r>
+              <a:rPr lang="en-US" dirty="0"/>
+              <a:t> de </a:t>
+            </a:r>
+            <a:r>
+              <a:rPr lang="en-US" dirty="0" err="1"/>
+              <a:t>filtragem</a:t>
+            </a:r>
+            <a:r>
+              <a:rPr lang="en-US" dirty="0"/>
+              <a:t>, </a:t>
+            </a:r>
+            <a:r>
+              <a:rPr lang="en-US" dirty="0" err="1"/>
+              <a:t>pesquisa</a:t>
+            </a:r>
+            <a:r>
+              <a:rPr lang="en-US" dirty="0"/>
+              <a:t> e </a:t>
+            </a:r>
+            <a:r>
+              <a:rPr lang="en-US" dirty="0" err="1"/>
+              <a:t>ordenação</a:t>
+            </a:r>
+            <a:r>
+              <a:rPr lang="en-US" dirty="0"/>
+              <a:t>.</a:t>
+            </a:r>
+          </a:p>
+          <a:p>
+            <a:pPr marL="285750" indent="-285750">
+              <a:lnSpc>
+                <a:spcPct val="150000"/>
+              </a:lnSpc>
+              <a:buClr>
+                <a:srgbClr val="C00000"/>
+              </a:buClr>
+              <a:buFont typeface="Arial" panose="020B0604020202020204" pitchFamily="34" charset="0"/>
+              <a:buChar char="•"/>
+            </a:pPr>
+            <a:r>
+              <a:rPr lang="en-US" dirty="0" err="1"/>
+              <a:t>Criar</a:t>
+            </a:r>
+            <a:r>
+              <a:rPr lang="en-US" dirty="0"/>
+              <a:t> um Sistema de Leaderboard, </a:t>
+            </a:r>
+            <a:r>
+              <a:rPr lang="en-US" dirty="0" err="1"/>
+              <a:t>tendo</a:t>
+            </a:r>
+            <a:r>
+              <a:rPr lang="en-US" dirty="0"/>
+              <a:t> </a:t>
+            </a:r>
+            <a:r>
+              <a:rPr lang="en-US" dirty="0" err="1"/>
+              <a:t>sido</a:t>
+            </a:r>
+            <a:r>
+              <a:rPr lang="en-US" dirty="0"/>
+              <a:t> </a:t>
+            </a:r>
+            <a:r>
+              <a:rPr lang="en-US" dirty="0" err="1"/>
+              <a:t>feito</a:t>
+            </a:r>
+            <a:r>
+              <a:rPr lang="en-US" dirty="0"/>
+              <a:t> por likes, views e </a:t>
+            </a:r>
+            <a:r>
+              <a:rPr lang="en-US" dirty="0" err="1"/>
+              <a:t>utilizadores</a:t>
+            </a:r>
+            <a:r>
+              <a:rPr lang="en-US" dirty="0"/>
+              <a:t> </a:t>
+            </a:r>
+            <a:r>
+              <a:rPr lang="en-US" dirty="0" err="1"/>
+              <a:t>mais</a:t>
+            </a:r>
+            <a:r>
+              <a:rPr lang="en-US" dirty="0"/>
+              <a:t> </a:t>
+            </a:r>
+            <a:r>
+              <a:rPr lang="en-US" dirty="0" err="1"/>
+              <a:t>antigos</a:t>
+            </a:r>
+            <a:r>
+              <a:rPr lang="en-US" dirty="0"/>
+              <a:t>.</a:t>
+            </a:r>
+          </a:p>
+          <a:p>
+            <a:pPr marL="285750" indent="-285750">
+              <a:lnSpc>
+                <a:spcPct val="150000"/>
+              </a:lnSpc>
+              <a:buClr>
+                <a:srgbClr val="C00000"/>
+              </a:buClr>
+              <a:buFont typeface="Arial" panose="020B0604020202020204" pitchFamily="34" charset="0"/>
+              <a:buChar char="•"/>
+            </a:pPr>
+            <a:r>
+              <a:rPr lang="en-US" dirty="0" err="1"/>
+              <a:t>Criar</a:t>
+            </a:r>
+            <a:r>
+              <a:rPr lang="en-US" dirty="0"/>
+              <a:t> um Sistema de </a:t>
+            </a:r>
+            <a:r>
+              <a:rPr lang="en-US" dirty="0" err="1"/>
+              <a:t>administração</a:t>
+            </a:r>
+            <a:r>
+              <a:rPr lang="en-US" dirty="0"/>
+              <a:t>: </a:t>
+            </a:r>
+            <a:r>
+              <a:rPr lang="en-US" dirty="0" err="1"/>
+              <a:t>Apagar</a:t>
+            </a:r>
+            <a:r>
+              <a:rPr lang="en-US" dirty="0"/>
+              <a:t> streams e users, </a:t>
+            </a:r>
+            <a:r>
+              <a:rPr lang="en-US" dirty="0" err="1"/>
+              <a:t>mostar</a:t>
+            </a:r>
+            <a:r>
+              <a:rPr lang="en-US" dirty="0"/>
+              <a:t> </a:t>
+            </a:r>
+            <a:r>
+              <a:rPr lang="en-US" dirty="0" err="1"/>
+              <a:t>estatísticas</a:t>
+            </a:r>
+            <a:r>
+              <a:rPr lang="en-US" dirty="0"/>
+              <a:t> </a:t>
+            </a:r>
+            <a:r>
+              <a:rPr lang="en-US" dirty="0" err="1"/>
+              <a:t>relevantes</a:t>
+            </a:r>
+            <a:r>
+              <a:rPr lang="en-US" dirty="0"/>
+              <a:t> </a:t>
+            </a:r>
+            <a:r>
+              <a:rPr lang="en-US" dirty="0" err="1"/>
+              <a:t>como</a:t>
+            </a:r>
+            <a:r>
+              <a:rPr lang="en-US" dirty="0"/>
+              <a:t> media de </a:t>
+            </a:r>
+            <a:r>
+              <a:rPr lang="en-US" dirty="0" err="1"/>
+              <a:t>visualizações</a:t>
+            </a:r>
+            <a:r>
+              <a:rPr lang="en-US" dirty="0"/>
+              <a:t> entre </a:t>
+            </a:r>
+            <a:r>
+              <a:rPr lang="en-US" dirty="0" err="1"/>
+              <a:t>datas</a:t>
+            </a:r>
+            <a:r>
+              <a:rPr lang="en-US" dirty="0"/>
+              <a:t>, </a:t>
+            </a:r>
+            <a:r>
+              <a:rPr lang="en-US" dirty="0" err="1"/>
+              <a:t>linguagem</a:t>
+            </a:r>
+            <a:r>
+              <a:rPr lang="en-US" dirty="0"/>
+              <a:t> </a:t>
+            </a:r>
+            <a:r>
+              <a:rPr lang="en-US" dirty="0" err="1"/>
+              <a:t>mais</a:t>
+            </a:r>
+            <a:r>
+              <a:rPr lang="en-US" dirty="0"/>
+              <a:t> vista, entre outros.</a:t>
+            </a:r>
+          </a:p>
+          <a:p>
+            <a:pPr marL="285750" indent="-285750">
+              <a:buFont typeface="Arial" panose="020B0604020202020204" pitchFamily="34" charset="0"/>
+              <a:buChar char="•"/>
+            </a:pPr>
+            <a:endParaRPr lang="pt-PT" dirty="0"/>
+          </a:p>
+        </p:txBody>
+      </p:sp>
     </p:spTree>
     <p:extLst>
       <p:ext uri="{BB962C8B-B14F-4D97-AF65-F5344CB8AC3E}">

--- a/StreamZ_Apresentation4.pptx
+++ b/StreamZ_Apresentation4.pptx
@@ -15379,7 +15379,12 @@
             <p:ph type="title"/>
           </p:nvPr>
         </p:nvSpPr>
-        <p:spPr/>
+        <p:spPr>
+          <a:xfrm>
+            <a:off x="1097280" y="-18197"/>
+            <a:ext cx="10058400" cy="1450757"/>
+          </a:xfrm>
+        </p:spPr>
         <p:txBody>
           <a:bodyPr/>
           <a:lstStyle/>
@@ -15558,7 +15563,7 @@
         </p:nvSpPr>
         <p:spPr>
           <a:xfrm>
-            <a:off x="1190495" y="1841033"/>
+            <a:off x="1190495" y="1749593"/>
             <a:ext cx="9871969" cy="4801314"/>
           </a:xfrm>
           <a:prstGeom prst="rect">

--- a/StreamZ_Apresentation4.pptx
+++ b/StreamZ_Apresentation4.pptx
@@ -12262,7 +12262,7 @@
         </p:blipFill>
         <p:spPr>
           <a:xfrm>
-            <a:off x="667012" y="2073942"/>
+            <a:off x="667012" y="1825366"/>
             <a:ext cx="3287852" cy="1396817"/>
           </a:xfrm>
         </p:spPr>
@@ -12446,8 +12446,8 @@
         </p:nvSpPr>
         <p:spPr>
           <a:xfrm>
-            <a:off x="207699" y="3543505"/>
-            <a:ext cx="4206477" cy="1077218"/>
+            <a:off x="227258" y="3222183"/>
+            <a:ext cx="4206477" cy="1815882"/>
           </a:xfrm>
           <a:prstGeom prst="rect">
             <a:avLst/>
@@ -12483,7 +12483,55 @@
             </a:pPr>
             <a:r>
               <a:rPr lang="pt-PT" sz="1600" dirty="0"/>
-              <a:t>Criar uma nova conta(admin – apenas uma vez, streamer ou viewer).</a:t>
+              <a:t>Criar uma nova conta(admin – apenas uma vez, streamer ou </a:t>
+            </a:r>
+            <a:r>
+              <a:rPr lang="pt-PT" sz="1600" dirty="0" err="1"/>
+              <a:t>viewer</a:t>
+            </a:r>
+            <a:r>
+              <a:rPr lang="pt-PT" sz="1600" dirty="0"/>
+              <a:t>).</a:t>
+            </a:r>
+          </a:p>
+          <a:p>
+            <a:pPr marL="285750" indent="-285750">
+              <a:buFont typeface="Arial" panose="020B0604020202020204" pitchFamily="34" charset="0"/>
+              <a:buChar char="•"/>
+            </a:pPr>
+            <a:endParaRPr lang="pt-PT" sz="1600" dirty="0"/>
+          </a:p>
+          <a:p>
+            <a:pPr algn="ctr"/>
+            <a:r>
+              <a:rPr lang="pt-PT" sz="1600" dirty="0"/>
+              <a:t>Sistema de seguidores</a:t>
+            </a:r>
+          </a:p>
+          <a:p>
+            <a:pPr marL="285750" indent="-285750">
+              <a:buFont typeface="Arial" panose="020B0604020202020204" pitchFamily="34" charset="0"/>
+              <a:buChar char="•"/>
+            </a:pPr>
+            <a:r>
+              <a:rPr lang="pt-PT" sz="1600" dirty="0"/>
+              <a:t>Mostra as </a:t>
+            </a:r>
+            <a:r>
+              <a:rPr lang="pt-PT" sz="1600" dirty="0" err="1"/>
+              <a:t>streams</a:t>
+            </a:r>
+            <a:r>
+              <a:rPr lang="pt-PT" sz="1600" dirty="0"/>
+              <a:t> dos </a:t>
+            </a:r>
+            <a:r>
+              <a:rPr lang="pt-PT" sz="1600" dirty="0" err="1"/>
+              <a:t>streamers</a:t>
+            </a:r>
+            <a:r>
+              <a:rPr lang="pt-PT" sz="1600" dirty="0"/>
+              <a:t> que segue</a:t>
             </a:r>
             <a:endParaRPr lang="en-US" sz="1600" dirty="0"/>
           </a:p>
@@ -12524,6 +12572,10 @@
             </a:r>
           </a:p>
           <a:p>
+            <a:pPr marL="285750" indent="-285750">
+              <a:buFont typeface="Arial" panose="020B0604020202020204" pitchFamily="34" charset="0"/>
+              <a:buChar char="•"/>
+            </a:pPr>
             <a:r>
               <a:rPr lang="pt-PT" dirty="0"/>
               <a:t>Escolher a opção correspondente como é indicado no ecrã</a:t>
@@ -12553,7 +12605,7 @@
         </p:blipFill>
         <p:spPr>
           <a:xfrm>
-            <a:off x="7965281" y="2001196"/>
+            <a:off x="7965280" y="1825366"/>
             <a:ext cx="3743065" cy="1542309"/>
           </a:xfrm>
           <a:prstGeom prst="rect">
@@ -12575,8 +12627,8 @@
         </p:nvSpPr>
         <p:spPr>
           <a:xfrm>
-            <a:off x="7797219" y="3715409"/>
-            <a:ext cx="4206477" cy="1077218"/>
+            <a:off x="8235705" y="3500402"/>
+            <a:ext cx="3202214" cy="1323439"/>
           </a:xfrm>
           <a:prstGeom prst="rect">
             <a:avLst/>
@@ -12602,8 +12654,11 @@
             </a:pPr>
             <a:r>
               <a:rPr lang="pt-PT" sz="1600" dirty="0"/>
-              <a:t>Várias estatísticas possiveis</a:t>
-            </a:r>
+              <a:t>Várias estatísticas possíveis</a:t>
+            </a:r>
+          </a:p>
+          <a:p>
+            <a:endParaRPr lang="pt-PT" sz="1600" dirty="0"/>
           </a:p>
           <a:p>
             <a:endParaRPr lang="pt-PT" sz="1600" dirty="0"/>
@@ -12640,6 +12695,36 @@
           <a:xfrm>
             <a:off x="8796845" y="4939812"/>
             <a:ext cx="2079936" cy="1242874"/>
+          </a:xfrm>
+          <a:prstGeom prst="rect">
+            <a:avLst/>
+          </a:prstGeom>
+        </p:spPr>
+      </p:pic>
+      <p:pic>
+        <p:nvPicPr>
+          <p:cNvPr id="10" name="Picture 9">
+            <a:extLst>
+              <a:ext uri="{FF2B5EF4-FFF2-40B4-BE49-F238E27FC236}">
+                <a16:creationId xmlns:a16="http://schemas.microsoft.com/office/drawing/2014/main" id="{E6729D94-0779-43DA-B9C7-EE97E07C3175}"/>
+              </a:ext>
+            </a:extLst>
+          </p:cNvPr>
+          <p:cNvPicPr>
+            <a:picLocks noChangeAspect="1"/>
+          </p:cNvPicPr>
+          <p:nvPr/>
+        </p:nvPicPr>
+        <p:blipFill>
+          <a:blip r:embed="rId7"/>
+          <a:stretch>
+            <a:fillRect/>
+          </a:stretch>
+        </p:blipFill>
+        <p:spPr>
+          <a:xfrm>
+            <a:off x="344772" y="5089000"/>
+            <a:ext cx="3932329" cy="1049464"/>
           </a:xfrm>
           <a:prstGeom prst="rect">
             <a:avLst/>

--- a/StreamZ_Apresentation4.pptx
+++ b/StreamZ_Apresentation4.pptx
@@ -378,7 +378,7 @@
           <a:p>
             <a:fld id="{B3BE95CB-A87E-409C-9CB9-073D81AF8FD7}" type="slidenum">
               <a:rPr lang="en-GB" smtClean="0"/>
-              <a:t>‹#›</a:t>
+              <a:t>‹nº›</a:t>
             </a:fld>
             <a:endParaRPr lang="en-GB"/>
           </a:p>
@@ -760,7 +760,7 @@
           <a:p>
             <a:fld id="{75DB3F52-068C-4339-9FA6-06F9AAEB3337}" type="slidenum">
               <a:rPr lang="en-GB" smtClean="0"/>
-              <a:t>‹#›</a:t>
+              <a:t>‹nº›</a:t>
             </a:fld>
             <a:endParaRPr lang="en-GB"/>
           </a:p>
@@ -971,7 +971,7 @@
           <a:p>
             <a:fld id="{75DB3F52-068C-4339-9FA6-06F9AAEB3337}" type="slidenum">
               <a:rPr lang="en-GB" smtClean="0"/>
-              <a:t>‹#›</a:t>
+              <a:t>‹nº›</a:t>
             </a:fld>
             <a:endParaRPr lang="en-GB"/>
           </a:p>
@@ -1232,7 +1232,7 @@
           <a:p>
             <a:fld id="{75DB3F52-068C-4339-9FA6-06F9AAEB3337}" type="slidenum">
               <a:rPr lang="en-GB" smtClean="0"/>
-              <a:t>‹#›</a:t>
+              <a:t>‹nº›</a:t>
             </a:fld>
             <a:endParaRPr lang="en-GB"/>
           </a:p>
@@ -1405,7 +1405,7 @@
           <a:p>
             <a:fld id="{75DB3F52-068C-4339-9FA6-06F9AAEB3337}" type="slidenum">
               <a:rPr lang="en-GB" smtClean="0"/>
-              <a:t>‹#›</a:t>
+              <a:t>‹nº›</a:t>
             </a:fld>
             <a:endParaRPr lang="en-GB"/>
           </a:p>
@@ -1745,7 +1745,7 @@
           <a:p>
             <a:fld id="{75DB3F52-068C-4339-9FA6-06F9AAEB3337}" type="slidenum">
               <a:rPr lang="en-GB" smtClean="0"/>
-              <a:t>‹#›</a:t>
+              <a:t>‹nº›</a:t>
             </a:fld>
             <a:endParaRPr lang="en-GB"/>
           </a:p>
@@ -2023,7 +2023,7 @@
           <a:p>
             <a:fld id="{75DB3F52-068C-4339-9FA6-06F9AAEB3337}" type="slidenum">
               <a:rPr lang="en-GB" smtClean="0"/>
-              <a:t>‹#›</a:t>
+              <a:t>‹nº›</a:t>
             </a:fld>
             <a:endParaRPr lang="en-GB"/>
           </a:p>
@@ -2409,7 +2409,7 @@
           <a:p>
             <a:fld id="{75DB3F52-068C-4339-9FA6-06F9AAEB3337}" type="slidenum">
               <a:rPr lang="en-GB" smtClean="0"/>
-              <a:t>‹#›</a:t>
+              <a:t>‹nº›</a:t>
             </a:fld>
             <a:endParaRPr lang="en-GB"/>
           </a:p>
@@ -2530,7 +2530,7 @@
           <a:p>
             <a:fld id="{75DB3F52-068C-4339-9FA6-06F9AAEB3337}" type="slidenum">
               <a:rPr lang="en-GB" smtClean="0"/>
-              <a:t>‹#›</a:t>
+              <a:t>‹nº›</a:t>
             </a:fld>
             <a:endParaRPr lang="en-GB"/>
           </a:p>
@@ -2714,7 +2714,7 @@
           <a:p>
             <a:fld id="{75DB3F52-068C-4339-9FA6-06F9AAEB3337}" type="slidenum">
               <a:rPr lang="en-GB" smtClean="0"/>
-              <a:t>‹#›</a:t>
+              <a:t>‹nº›</a:t>
             </a:fld>
             <a:endParaRPr lang="en-GB"/>
           </a:p>
@@ -3086,7 +3086,7 @@
           <a:p>
             <a:fld id="{75DB3F52-068C-4339-9FA6-06F9AAEB3337}" type="slidenum">
               <a:rPr lang="en-GB" smtClean="0"/>
-              <a:t>‹#›</a:t>
+              <a:t>‹nº›</a:t>
             </a:fld>
             <a:endParaRPr lang="en-GB"/>
           </a:p>
@@ -3432,7 +3432,7 @@
           <a:p>
             <a:fld id="{75DB3F52-068C-4339-9FA6-06F9AAEB3337}" type="slidenum">
               <a:rPr lang="en-GB" smtClean="0"/>
-              <a:t>‹#›</a:t>
+              <a:t>‹nº›</a:t>
             </a:fld>
             <a:endParaRPr lang="en-GB"/>
           </a:p>
@@ -3762,7 +3762,7 @@
           <a:p>
             <a:fld id="{75DB3F52-068C-4339-9FA6-06F9AAEB3337}" type="slidenum">
               <a:rPr lang="en-GB" smtClean="0"/>
-              <a:t>‹#›</a:t>
+              <a:t>‹nº›</a:t>
             </a:fld>
             <a:endParaRPr lang="en-GB"/>
           </a:p>
@@ -8096,6 +8096,51 @@
             </a:r>
           </a:p>
           <a:p>
+            <a:pPr>
+              <a:buClr>
+                <a:srgbClr val="C00000"/>
+              </a:buClr>
+            </a:pPr>
+            <a:r>
+              <a:rPr lang="pt-PT" sz="1600" dirty="0"/>
+              <a:t>(Se PrivateStream )   </a:t>
+            </a:r>
+            <a:r>
+              <a:rPr lang="pt-PT" dirty="0"/>
+              <a:t>Nº comments, lista dos comments, Nº whitelisted, lista nicks whitelisted ,</a:t>
+            </a:r>
+            <a:endParaRPr lang="en-GB" dirty="0"/>
+          </a:p>
+        </p:txBody>
+      </p:sp>
+      <p:sp>
+        <p:nvSpPr>
+          <p:cNvPr id="101" name="CaixaDeTexto 100">
+            <a:extLst>
+              <a:ext uri="{FF2B5EF4-FFF2-40B4-BE49-F238E27FC236}">
+                <a16:creationId xmlns:a16="http://schemas.microsoft.com/office/drawing/2014/main" id="{393AAC2B-215E-4E2B-A1C1-71B3249D8119}"/>
+              </a:ext>
+            </a:extLst>
+          </p:cNvPr>
+          <p:cNvSpPr txBox="1"/>
+          <p:nvPr/>
+        </p:nvSpPr>
+        <p:spPr>
+          <a:xfrm>
+            <a:off x="1197954" y="5769279"/>
+            <a:ext cx="8263306" cy="369332"/>
+          </a:xfrm>
+          <a:prstGeom prst="rect">
+            <a:avLst/>
+          </a:prstGeom>
+          <a:noFill/>
+        </p:spPr>
+        <p:txBody>
+          <a:bodyPr wrap="square" rtlCol="0">
+            <a:spAutoFit/>
+          </a:bodyPr>
+          <a:lstStyle/>
+          <a:p>
             <a:pPr marL="285750" indent="-285750">
               <a:buClr>
                 <a:srgbClr val="C00000"/>
@@ -8104,55 +8149,8 @@
               <a:buChar char="•"/>
             </a:pPr>
             <a:r>
-              <a:rPr lang="pt-PT" sz="1600" dirty="0"/>
-              <a:t>(Se PrivateStream )   </a:t>
-            </a:r>
-            <a:r>
               <a:rPr lang="pt-PT" dirty="0"/>
-              <a:t>Nº comments, lista dos comments, Nº whitelisted, lista nicks whitelisted ,</a:t>
-            </a:r>
-            <a:endParaRPr lang="en-GB" dirty="0"/>
-          </a:p>
-        </p:txBody>
-      </p:sp>
-      <p:sp>
-        <p:nvSpPr>
-          <p:cNvPr id="101" name="CaixaDeTexto 100">
-            <a:extLst>
-              <a:ext uri="{FF2B5EF4-FFF2-40B4-BE49-F238E27FC236}">
-                <a16:creationId xmlns:a16="http://schemas.microsoft.com/office/drawing/2014/main" id="{393AAC2B-215E-4E2B-A1C1-71B3249D8119}"/>
-              </a:ext>
-            </a:extLst>
-          </p:cNvPr>
-          <p:cNvSpPr txBox="1"/>
-          <p:nvPr/>
-        </p:nvSpPr>
-        <p:spPr>
-          <a:xfrm>
-            <a:off x="1197954" y="5769279"/>
-            <a:ext cx="8263306" cy="369332"/>
-          </a:xfrm>
-          <a:prstGeom prst="rect">
-            <a:avLst/>
-          </a:prstGeom>
-          <a:noFill/>
-        </p:spPr>
-        <p:txBody>
-          <a:bodyPr wrap="square" rtlCol="0">
-            <a:spAutoFit/>
-          </a:bodyPr>
-          <a:lstStyle/>
-          <a:p>
-            <a:pPr marL="285750" indent="-285750">
-              <a:buClr>
-                <a:srgbClr val="C00000"/>
-              </a:buClr>
-              <a:buFont typeface="Arial" panose="020B0604020202020204" pitchFamily="34" charset="0"/>
-              <a:buChar char="•"/>
-            </a:pPr>
-            <a:r>
-              <a:rPr lang="pt-PT" dirty="0"/>
-              <a:t>Guardar Comment: nick , Nº palavras do comment,  lista das palavras </a:t>
+              <a:t> Comment: nick , Nº palavras do comment,  lista das palavras </a:t>
             </a:r>
             <a:endParaRPr lang="en-GB" dirty="0"/>
           </a:p>
@@ -10309,7 +10307,23 @@
             </a:pPr>
             <a:r>
               <a:rPr lang="pt-PT" dirty="0"/>
-              <a:t>Permite obter apontador para um dado elemento sabendo apenas o seu identificador (stream ID ou nickname). Ex: SearchManger::getUser</a:t>
+              <a:t>Permite obter apontador para um dado elemento sabendo apenas o seu identificador (stream ID ou nickname). Ex: </a:t>
+            </a:r>
+            <a:r>
+              <a:rPr lang="pt-PT" dirty="0" err="1"/>
+              <a:t>SearchManager</a:t>
+            </a:r>
+            <a:r>
+              <a:rPr lang="pt-PT" dirty="0"/>
+              <a:t>::</a:t>
+            </a:r>
+            <a:r>
+              <a:rPr lang="pt-PT" dirty="0" err="1"/>
+              <a:t>getUser</a:t>
+            </a:r>
+            <a:r>
+              <a:rPr lang="pt-PT" dirty="0"/>
+              <a:t>()</a:t>
             </a:r>
             <a:endParaRPr lang="en-GB" dirty="0"/>
           </a:p>
@@ -10947,8 +10961,21 @@
             </a:pPr>
             <a:r>
               <a:rPr lang="pt-PT" dirty="0"/>
-              <a:t>Remoção e criação feitas na classe UserManager e StreamManager. Ex: UserManager::createStreamer</a:t>
-            </a:r>
+              <a:t>Remoção e criação feitas na classe UserManager e StreamManager. Ex: </a:t>
+            </a:r>
+            <a:r>
+              <a:rPr lang="pt-PT" dirty="0" err="1"/>
+              <a:t>UserManager</a:t>
+            </a:r>
+            <a:r>
+              <a:rPr lang="pt-PT" dirty="0"/>
+              <a:t>::</a:t>
+            </a:r>
+            <a:r>
+              <a:rPr lang="pt-PT" dirty="0" err="1"/>
+              <a:t>createStreamer</a:t>
+            </a:r>
+            <a:endParaRPr lang="pt-PT" dirty="0"/>
           </a:p>
           <a:p>
             <a:pPr marL="285750" indent="-285750">
@@ -10960,8 +10987,21 @@
             </a:pPr>
             <a:r>
               <a:rPr lang="pt-PT" dirty="0"/>
-              <a:t>Alterações são feitas sobre apontadores.                          Ex: Viewer::giveFeedback</a:t>
-            </a:r>
+              <a:t>Alterações são feitas sobre apontadores.                          Ex: </a:t>
+            </a:r>
+            <a:r>
+              <a:rPr lang="pt-PT" dirty="0" err="1"/>
+              <a:t>Viewer</a:t>
+            </a:r>
+            <a:r>
+              <a:rPr lang="pt-PT" dirty="0"/>
+              <a:t>::</a:t>
+            </a:r>
+            <a:r>
+              <a:rPr lang="pt-PT" dirty="0" err="1"/>
+              <a:t>giveFeedback</a:t>
+            </a:r>
+            <a:endParaRPr lang="pt-PT" dirty="0"/>
           </a:p>
           <a:p>
             <a:pPr marL="285750" indent="-285750">
@@ -15285,7 +15325,7 @@
                   <a:schemeClr val="tx1"/>
                 </a:solidFill>
               </a:rPr>
-              <a:t>O trabalho foi igualmente distribuido (André Moreira – 33.33%, André Pereira – 33.33%, Nuno Alves – 33.33%</a:t>
+              <a:t>O trabalho foi igualmente distribuido (André Moreira – 33.33%, André Pereira – 33.33%, Nuno Alves – 33.33%)</a:t>
             </a:r>
           </a:p>
         </p:txBody>
@@ -15559,7 +15599,7 @@
         <p:spPr>
           <a:xfrm>
             <a:off x="1190495" y="1841033"/>
-            <a:ext cx="9871969" cy="4801314"/>
+            <a:ext cx="9871969" cy="4524315"/>
           </a:xfrm>
           <a:prstGeom prst="rect">
             <a:avLst/>
@@ -15581,25 +15621,8 @@
             </a:pPr>
             <a:r>
               <a:rPr lang="pt-PT" dirty="0"/>
-              <a:t>Criar uma plataforma que aloca várias classes</a:t>
-            </a:r>
-          </a:p>
-          <a:p>
-            <a:pPr marL="742950" lvl="1" indent="-285750">
-              <a:lnSpc>
-                <a:spcPct val="150000"/>
-              </a:lnSpc>
-              <a:buClr>
-                <a:srgbClr val="C00000"/>
-              </a:buClr>
-              <a:buFont typeface="Arial" panose="020B0604020202020204" pitchFamily="34" charset="0"/>
-              <a:buChar char="•"/>
-            </a:pPr>
-            <a:r>
-              <a:rPr lang="pt-PT" dirty="0"/>
-              <a:t>User, com classes derivadas Streamer, Viewer e Admin</a:t>
-            </a:r>
-            <a:endParaRPr lang="en-US" dirty="0"/>
+              <a:t>Plataforma que aloca várias classes</a:t>
+            </a:r>
           </a:p>
           <a:p>
             <a:pPr marL="742950" lvl="1" indent="-285750">
@@ -15610,6 +15633,20 @@
               <a:buChar char="•"/>
             </a:pPr>
             <a:r>
+              <a:rPr lang="pt-PT" dirty="0"/>
+              <a:t>User, com classes derivadas Streamer, Viewer e Admin</a:t>
+            </a:r>
+            <a:endParaRPr lang="en-US" dirty="0"/>
+          </a:p>
+          <a:p>
+            <a:pPr marL="742950" lvl="1" indent="-285750">
+              <a:buClr>
+                <a:srgbClr val="C00000"/>
+              </a:buClr>
+              <a:buFont typeface="Arial" panose="020B0604020202020204" pitchFamily="34" charset="0"/>
+              <a:buChar char="•"/>
+            </a:pPr>
+            <a:r>
               <a:rPr lang="en-US" dirty="0"/>
               <a:t>Stream, com classes </a:t>
             </a:r>
@@ -15655,12 +15692,8 @@
               <a:buChar char="•"/>
             </a:pPr>
             <a:r>
-              <a:rPr lang="en-US" dirty="0" err="1"/>
-              <a:t>Criar</a:t>
-            </a:r>
-            <a:r>
               <a:rPr lang="en-US" dirty="0"/>
-              <a:t> um Sistema de likes e dislikes, </a:t>
+              <a:t>Sistema de likes e dislikes, </a:t>
             </a:r>
             <a:r>
               <a:rPr lang="en-US" dirty="0" err="1"/>
@@ -15771,12 +15804,8 @@
               <a:buChar char="•"/>
             </a:pPr>
             <a:r>
-              <a:rPr lang="en-US" dirty="0" err="1"/>
-              <a:t>Criar</a:t>
-            </a:r>
-            <a:r>
               <a:rPr lang="en-US" dirty="0"/>
-              <a:t> um Sistema de </a:t>
+              <a:t>Sistema de </a:t>
             </a:r>
             <a:r>
               <a:rPr lang="en-US" dirty="0" err="1"/>
@@ -15796,12 +15825,8 @@
               <a:buChar char="•"/>
             </a:pPr>
             <a:r>
-              <a:rPr lang="en-US" dirty="0" err="1"/>
-              <a:t>Criar</a:t>
-            </a:r>
-            <a:r>
               <a:rPr lang="en-US" dirty="0"/>
-              <a:t> um Sistema de </a:t>
+              <a:t>Sistema de </a:t>
             </a:r>
             <a:r>
               <a:rPr lang="en-US" dirty="0" err="1"/>
@@ -15809,11 +15834,11 @@
             </a:r>
             <a:r>
               <a:rPr lang="en-US" dirty="0"/>
-              <a:t>, para </a:t>
+              <a:t>, que </a:t>
             </a:r>
             <a:r>
               <a:rPr lang="en-US" dirty="0" err="1"/>
-              <a:t>poder</a:t>
+              <a:t>mostra</a:t>
             </a:r>
             <a:r>
               <a:rPr lang="en-US" dirty="0"/>
@@ -15821,19 +15846,11 @@
             </a:r>
             <a:r>
               <a:rPr lang="en-US" dirty="0" err="1"/>
-              <a:t>mostrar</a:t>
+              <a:t>ao</a:t>
             </a:r>
             <a:r>
               <a:rPr lang="en-US" dirty="0"/>
-              <a:t> </a:t>
-            </a:r>
-            <a:r>
-              <a:rPr lang="en-US" dirty="0" err="1"/>
-              <a:t>ao</a:t>
-            </a:r>
-            <a:r>
-              <a:rPr lang="en-US" dirty="0"/>
-              <a:t> viewer streams </a:t>
+              <a:t> Viewer streams </a:t>
             </a:r>
             <a:r>
               <a:rPr lang="en-US" dirty="0" err="1"/>
@@ -15841,7 +15858,7 @@
             </a:r>
             <a:r>
               <a:rPr lang="en-US" dirty="0"/>
-              <a:t> dos Streamers que </a:t>
+              <a:t> dos, Streamers que </a:t>
             </a:r>
             <a:r>
               <a:rPr lang="en-US" dirty="0" err="1"/>
@@ -15928,12 +15945,8 @@
               <a:buChar char="•"/>
             </a:pPr>
             <a:r>
-              <a:rPr lang="en-US" dirty="0" err="1"/>
-              <a:t>Criar</a:t>
-            </a:r>
-            <a:r>
               <a:rPr lang="en-US" dirty="0"/>
-              <a:t> um Sistema de Leaderboard, </a:t>
+              <a:t>Sistema de Leaderboard, </a:t>
             </a:r>
             <a:r>
               <a:rPr lang="en-US" dirty="0" err="1"/>
@@ -15996,12 +16009,8 @@
               <a:buChar char="•"/>
             </a:pPr>
             <a:r>
-              <a:rPr lang="en-US" dirty="0" err="1"/>
-              <a:t>Criar</a:t>
-            </a:r>
-            <a:r>
               <a:rPr lang="en-US" dirty="0"/>
-              <a:t> um Sistema de </a:t>
+              <a:t>Sistema de </a:t>
             </a:r>
             <a:r>
               <a:rPr lang="en-US" dirty="0" err="1"/>
@@ -16009,11 +16018,19 @@
             </a:r>
             <a:r>
               <a:rPr lang="en-US" dirty="0"/>
-              <a:t>: </a:t>
+              <a:t> que </a:t>
             </a:r>
             <a:r>
               <a:rPr lang="en-US" dirty="0" err="1"/>
-              <a:t>Apagar</a:t>
+              <a:t>permite</a:t>
+            </a:r>
+            <a:r>
+              <a:rPr lang="en-US" dirty="0"/>
+              <a:t> </a:t>
+            </a:r>
+            <a:r>
+              <a:rPr lang="en-US" dirty="0" err="1"/>
+              <a:t>apagar</a:t>
             </a:r>
             <a:r>
               <a:rPr lang="en-US" dirty="0"/>
@@ -16543,7 +16560,7 @@
         </p:nvSpPr>
         <p:spPr>
           <a:xfrm>
-            <a:off x="1097279" y="4416637"/>
+            <a:off x="1097279" y="4535613"/>
             <a:ext cx="8561624" cy="461665"/>
           </a:xfrm>
           <a:prstGeom prst="rect">
@@ -16696,7 +16713,7 @@
         </p:nvSpPr>
         <p:spPr>
           <a:xfrm>
-            <a:off x="1097279" y="5022056"/>
+            <a:off x="1097279" y="5269624"/>
             <a:ext cx="8561624" cy="461665"/>
           </a:xfrm>
           <a:prstGeom prst="rect">
@@ -17012,6 +17029,258 @@
           </a:prstGeom>
         </p:spPr>
       </p:pic>
+      <p:sp>
+        <p:nvSpPr>
+          <p:cNvPr id="24" name="CaixaDeTexto 23">
+            <a:extLst>
+              <a:ext uri="{FF2B5EF4-FFF2-40B4-BE49-F238E27FC236}">
+                <a16:creationId xmlns:a16="http://schemas.microsoft.com/office/drawing/2014/main" id="{088B17DB-E3E5-4465-B1A3-B18229F6DD8F}"/>
+              </a:ext>
+            </a:extLst>
+          </p:cNvPr>
+          <p:cNvSpPr txBox="1"/>
+          <p:nvPr/>
+        </p:nvSpPr>
+        <p:spPr>
+          <a:xfrm>
+            <a:off x="1469475" y="4828001"/>
+            <a:ext cx="936374" cy="338554"/>
+          </a:xfrm>
+          <a:prstGeom prst="rect">
+            <a:avLst/>
+          </a:prstGeom>
+          <a:noFill/>
+        </p:spPr>
+        <p:txBody>
+          <a:bodyPr wrap="square" rtlCol="0">
+            <a:spAutoFit/>
+          </a:bodyPr>
+          <a:lstStyle/>
+          <a:p>
+            <a:r>
+              <a:rPr lang="pt-PT" sz="1600" dirty="0" err="1"/>
+              <a:t>Viewer</a:t>
+            </a:r>
+            <a:endParaRPr lang="en-GB" sz="1600" dirty="0"/>
+          </a:p>
+        </p:txBody>
+      </p:sp>
+      <p:sp>
+        <p:nvSpPr>
+          <p:cNvPr id="25" name="CaixaDeTexto 24">
+            <a:extLst>
+              <a:ext uri="{FF2B5EF4-FFF2-40B4-BE49-F238E27FC236}">
+                <a16:creationId xmlns:a16="http://schemas.microsoft.com/office/drawing/2014/main" id="{EBE5120D-A182-41B7-A41F-A707754ED509}"/>
+              </a:ext>
+            </a:extLst>
+          </p:cNvPr>
+          <p:cNvSpPr txBox="1"/>
+          <p:nvPr/>
+        </p:nvSpPr>
+        <p:spPr>
+          <a:xfrm>
+            <a:off x="2263948" y="4811625"/>
+            <a:ext cx="1028192" cy="338554"/>
+          </a:xfrm>
+          <a:prstGeom prst="rect">
+            <a:avLst/>
+          </a:prstGeom>
+          <a:noFill/>
+        </p:spPr>
+        <p:txBody>
+          <a:bodyPr wrap="square" rtlCol="0">
+            <a:spAutoFit/>
+          </a:bodyPr>
+          <a:lstStyle/>
+          <a:p>
+            <a:r>
+              <a:rPr lang="pt-PT" sz="1600" dirty="0" err="1"/>
+              <a:t>Streamer</a:t>
+            </a:r>
+            <a:endParaRPr lang="en-GB" sz="1600" dirty="0"/>
+          </a:p>
+        </p:txBody>
+      </p:sp>
+      <p:sp>
+        <p:nvSpPr>
+          <p:cNvPr id="26" name="CaixaDeTexto 25">
+            <a:extLst>
+              <a:ext uri="{FF2B5EF4-FFF2-40B4-BE49-F238E27FC236}">
+                <a16:creationId xmlns:a16="http://schemas.microsoft.com/office/drawing/2014/main" id="{7887BA14-05B4-443F-91D7-7B2EC521FDC0}"/>
+              </a:ext>
+            </a:extLst>
+          </p:cNvPr>
+          <p:cNvSpPr txBox="1"/>
+          <p:nvPr/>
+        </p:nvSpPr>
+        <p:spPr>
+          <a:xfrm>
+            <a:off x="3200322" y="4811625"/>
+            <a:ext cx="1271287" cy="338554"/>
+          </a:xfrm>
+          <a:prstGeom prst="rect">
+            <a:avLst/>
+          </a:prstGeom>
+          <a:noFill/>
+        </p:spPr>
+        <p:txBody>
+          <a:bodyPr wrap="square" rtlCol="0">
+            <a:spAutoFit/>
+          </a:bodyPr>
+          <a:lstStyle/>
+          <a:p>
+            <a:r>
+              <a:rPr lang="pt-PT" sz="1600" dirty="0" err="1"/>
+              <a:t>Admin</a:t>
+            </a:r>
+            <a:endParaRPr lang="en-GB" sz="1600" dirty="0"/>
+          </a:p>
+        </p:txBody>
+      </p:sp>
+      <p:sp>
+        <p:nvSpPr>
+          <p:cNvPr id="35" name="CaixaDeTexto 34">
+            <a:extLst>
+              <a:ext uri="{FF2B5EF4-FFF2-40B4-BE49-F238E27FC236}">
+                <a16:creationId xmlns:a16="http://schemas.microsoft.com/office/drawing/2014/main" id="{85C7756E-63AC-45A7-BCBE-70844CCA1A80}"/>
+              </a:ext>
+            </a:extLst>
+          </p:cNvPr>
+          <p:cNvSpPr txBox="1"/>
+          <p:nvPr/>
+        </p:nvSpPr>
+        <p:spPr>
+          <a:xfrm>
+            <a:off x="1469473" y="5551660"/>
+            <a:ext cx="1609656" cy="338554"/>
+          </a:xfrm>
+          <a:prstGeom prst="rect">
+            <a:avLst/>
+          </a:prstGeom>
+          <a:noFill/>
+        </p:spPr>
+        <p:txBody>
+          <a:bodyPr wrap="square" rtlCol="0">
+            <a:spAutoFit/>
+          </a:bodyPr>
+          <a:lstStyle/>
+          <a:p>
+            <a:r>
+              <a:rPr lang="pt-PT" sz="1600" dirty="0" err="1"/>
+              <a:t>LiveStream</a:t>
+            </a:r>
+            <a:endParaRPr lang="en-GB" sz="1600" dirty="0"/>
+          </a:p>
+        </p:txBody>
+      </p:sp>
+      <p:sp>
+        <p:nvSpPr>
+          <p:cNvPr id="36" name="CaixaDeTexto 35">
+            <a:extLst>
+              <a:ext uri="{FF2B5EF4-FFF2-40B4-BE49-F238E27FC236}">
+                <a16:creationId xmlns:a16="http://schemas.microsoft.com/office/drawing/2014/main" id="{962CD8E6-51E7-4CDF-A9EB-E9F8A8B56417}"/>
+              </a:ext>
+            </a:extLst>
+          </p:cNvPr>
+          <p:cNvSpPr txBox="1"/>
+          <p:nvPr/>
+        </p:nvSpPr>
+        <p:spPr>
+          <a:xfrm>
+            <a:off x="2503640" y="5554927"/>
+            <a:ext cx="1376346" cy="338554"/>
+          </a:xfrm>
+          <a:prstGeom prst="rect">
+            <a:avLst/>
+          </a:prstGeom>
+          <a:noFill/>
+        </p:spPr>
+        <p:txBody>
+          <a:bodyPr wrap="square" rtlCol="0">
+            <a:spAutoFit/>
+          </a:bodyPr>
+          <a:lstStyle/>
+          <a:p>
+            <a:r>
+              <a:rPr lang="pt-PT" sz="1600" dirty="0" err="1"/>
+              <a:t>PrivateStream</a:t>
+            </a:r>
+            <a:endParaRPr lang="en-GB" sz="1600" dirty="0"/>
+          </a:p>
+        </p:txBody>
+      </p:sp>
+      <p:sp>
+        <p:nvSpPr>
+          <p:cNvPr id="37" name="CaixaDeTexto 36">
+            <a:extLst>
+              <a:ext uri="{FF2B5EF4-FFF2-40B4-BE49-F238E27FC236}">
+                <a16:creationId xmlns:a16="http://schemas.microsoft.com/office/drawing/2014/main" id="{16B69525-2EF2-4D73-A92F-91E2AA4EAA25}"/>
+              </a:ext>
+            </a:extLst>
+          </p:cNvPr>
+          <p:cNvSpPr txBox="1"/>
+          <p:nvPr/>
+        </p:nvSpPr>
+        <p:spPr>
+          <a:xfrm>
+            <a:off x="3797624" y="5553809"/>
+            <a:ext cx="1271287" cy="338554"/>
+          </a:xfrm>
+          <a:prstGeom prst="rect">
+            <a:avLst/>
+          </a:prstGeom>
+          <a:noFill/>
+        </p:spPr>
+        <p:txBody>
+          <a:bodyPr wrap="square" rtlCol="0">
+            <a:spAutoFit/>
+          </a:bodyPr>
+          <a:lstStyle/>
+          <a:p>
+            <a:r>
+              <a:rPr lang="pt-PT" sz="1600" dirty="0" err="1"/>
+              <a:t>PublicStream</a:t>
+            </a:r>
+            <a:endParaRPr lang="en-GB" sz="1600" dirty="0"/>
+          </a:p>
+        </p:txBody>
+      </p:sp>
+      <p:sp>
+        <p:nvSpPr>
+          <p:cNvPr id="38" name="CaixaDeTexto 37">
+            <a:extLst>
+              <a:ext uri="{FF2B5EF4-FFF2-40B4-BE49-F238E27FC236}">
+                <a16:creationId xmlns:a16="http://schemas.microsoft.com/office/drawing/2014/main" id="{B546D4BF-1455-4D88-A3C9-BEA329455303}"/>
+              </a:ext>
+            </a:extLst>
+          </p:cNvPr>
+          <p:cNvSpPr txBox="1"/>
+          <p:nvPr/>
+        </p:nvSpPr>
+        <p:spPr>
+          <a:xfrm>
+            <a:off x="5028061" y="5555412"/>
+            <a:ext cx="1599446" cy="338554"/>
+          </a:xfrm>
+          <a:prstGeom prst="rect">
+            <a:avLst/>
+          </a:prstGeom>
+          <a:noFill/>
+        </p:spPr>
+        <p:txBody>
+          <a:bodyPr wrap="square" rtlCol="0">
+            <a:spAutoFit/>
+          </a:bodyPr>
+          <a:lstStyle/>
+          <a:p>
+            <a:r>
+              <a:rPr lang="pt-PT" sz="1600" dirty="0" err="1"/>
+              <a:t>FinishedStream</a:t>
+            </a:r>
+            <a:endParaRPr lang="en-GB" sz="1600" dirty="0"/>
+          </a:p>
+        </p:txBody>
+      </p:sp>
     </p:spTree>
     <p:extLst>
       <p:ext uri="{BB962C8B-B14F-4D97-AF65-F5344CB8AC3E}">

--- a/StreamZ_Apresentation4.pptx
+++ b/StreamZ_Apresentation4.pptx
@@ -16611,8 +16611,8 @@
         </p:nvSpPr>
         <p:spPr>
           <a:xfrm>
-            <a:off x="1097281" y="1880423"/>
-            <a:ext cx="8472848" cy="461665"/>
+            <a:off x="1097280" y="1880423"/>
+            <a:ext cx="8803177" cy="461665"/>
           </a:xfrm>
           <a:prstGeom prst="rect">
             <a:avLst/>
@@ -16633,7 +16633,7 @@
               <a:buChar char="•"/>
             </a:pPr>
             <a:r>
-              <a:rPr lang="pt-PT" sz="2400" dirty="0"/>
+              <a:rPr lang="pt-PT" sz="2400" dirty="0" err="1"/>
               <a:t>StreamZ</a:t>
             </a:r>
             <a:r>
@@ -16642,7 +16642,7 @@
             </a:r>
             <a:r>
               <a:rPr lang="pt-PT" dirty="0"/>
-              <a:t>Classe geral onde se juntam todos os elementos para formar a StreamZ</a:t>
+              <a:t>Classe para inicializar o programa e interligar as várias classes e métodos</a:t>
             </a:r>
             <a:endParaRPr lang="en-GB" dirty="0"/>
           </a:p>
@@ -16684,7 +16684,7 @@
               <a:buChar char="•"/>
             </a:pPr>
             <a:r>
-              <a:rPr lang="pt-PT" sz="2400" dirty="0"/>
+              <a:rPr lang="pt-PT" sz="2400" dirty="0" err="1"/>
               <a:t>DataBase</a:t>
             </a:r>
             <a:r>
